--- a/docs/diagrams/Diagrams.pptx
+++ b/docs/diagrams/Diagrams.pptx
@@ -115,6 +115,22 @@
       </a:defRPr>
     </a:lvl9pPr>
   </p:defaultTextStyle>
+  <p:extLst>
+    <p:ext uri="{EFAFB233-063F-42B5-8137-9DF3F51BA10A}">
+      <p15:sldGuideLst xmlns:p15="http://schemas.microsoft.com/office/powerpoint/2012/main">
+        <p15:guide id="1" orient="horz" pos="1488">
+          <p15:clr>
+            <a:srgbClr val="A4A3A4"/>
+          </p15:clr>
+        </p15:guide>
+        <p15:guide id="2" pos="2880">
+          <p15:clr>
+            <a:srgbClr val="A4A3A4"/>
+          </p15:clr>
+        </p15:guide>
+      </p15:sldGuideLst>
+    </p:ext>
+  </p:extLst>
 </p:presentation>
 </file>
 
@@ -200,7 +216,7 @@
           <a:p>
             <a:fld id="{F5CC4B3F-88C1-4FFA-B1B6-F41C21DC6924}" type="datetimeFigureOut">
               <a:rPr lang="en-US" smtClean="0"/>
-              <a:t>9/30/2016</a:t>
+              <a:t>10/18/2016</a:t>
             </a:fld>
             <a:endParaRPr lang="en-US"/>
           </a:p>
@@ -264,38 +280,37 @@
           <a:p>
             <a:pPr lvl="0"/>
             <a:r>
-              <a:rPr lang="en-US" smtClean="0"/>
+              <a:rPr lang="en-US"/>
               <a:t>Click to edit Master text styles</a:t>
             </a:r>
           </a:p>
           <a:p>
             <a:pPr lvl="1"/>
             <a:r>
-              <a:rPr lang="en-US" smtClean="0"/>
+              <a:rPr lang="en-US"/>
               <a:t>Second level</a:t>
             </a:r>
           </a:p>
           <a:p>
             <a:pPr lvl="2"/>
             <a:r>
-              <a:rPr lang="en-US" smtClean="0"/>
+              <a:rPr lang="en-US"/>
               <a:t>Third level</a:t>
             </a:r>
           </a:p>
           <a:p>
             <a:pPr lvl="3"/>
             <a:r>
-              <a:rPr lang="en-US" smtClean="0"/>
+              <a:rPr lang="en-US"/>
               <a:t>Fourth level</a:t>
             </a:r>
           </a:p>
           <a:p>
             <a:pPr lvl="4"/>
             <a:r>
-              <a:rPr lang="en-US" smtClean="0"/>
+              <a:rPr lang="en-US"/>
               <a:t>Fifth level</a:t>
             </a:r>
-            <a:endParaRPr lang="en-US"/>
           </a:p>
         </p:txBody>
       </p:sp>
@@ -506,10 +521,9 @@
           <a:lstStyle/>
           <a:p>
             <a:r>
-              <a:rPr lang="en-US" smtClean="0"/>
+              <a:rPr lang="en-US"/>
               <a:t>Click to edit Master title style</a:t>
             </a:r>
-            <a:endParaRPr lang="en-US"/>
           </a:p>
         </p:txBody>
       </p:sp>
@@ -625,10 +639,9 @@
           </a:lstStyle>
           <a:p>
             <a:r>
-              <a:rPr lang="en-US" smtClean="0"/>
+              <a:rPr lang="en-US"/>
               <a:t>Click to edit Master subtitle style</a:t>
             </a:r>
-            <a:endParaRPr lang="en-US"/>
           </a:p>
         </p:txBody>
       </p:sp>
@@ -649,7 +662,7 @@
           <a:p>
             <a:fld id="{78C97017-6FC3-485B-9764-EAC9E56C1D49}" type="datetimeFigureOut">
               <a:rPr lang="en-US" smtClean="0"/>
-              <a:t>9/30/2016</a:t>
+              <a:t>10/18/2016</a:t>
             </a:fld>
             <a:endParaRPr lang="en-US"/>
           </a:p>
@@ -743,10 +756,9 @@
           <a:lstStyle/>
           <a:p>
             <a:r>
-              <a:rPr lang="en-US" smtClean="0"/>
+              <a:rPr lang="en-US"/>
               <a:t>Click to edit Master title style</a:t>
             </a:r>
-            <a:endParaRPr lang="en-US"/>
           </a:p>
         </p:txBody>
       </p:sp>
@@ -767,38 +779,37 @@
           <a:p>
             <a:pPr lvl="0"/>
             <a:r>
-              <a:rPr lang="en-US" smtClean="0"/>
+              <a:rPr lang="en-US"/>
               <a:t>Click to edit Master text styles</a:t>
             </a:r>
           </a:p>
           <a:p>
             <a:pPr lvl="1"/>
             <a:r>
-              <a:rPr lang="en-US" smtClean="0"/>
+              <a:rPr lang="en-US"/>
               <a:t>Second level</a:t>
             </a:r>
           </a:p>
           <a:p>
             <a:pPr lvl="2"/>
             <a:r>
-              <a:rPr lang="en-US" smtClean="0"/>
+              <a:rPr lang="en-US"/>
               <a:t>Third level</a:t>
             </a:r>
           </a:p>
           <a:p>
             <a:pPr lvl="3"/>
             <a:r>
-              <a:rPr lang="en-US" smtClean="0"/>
+              <a:rPr lang="en-US"/>
               <a:t>Fourth level</a:t>
             </a:r>
           </a:p>
           <a:p>
             <a:pPr lvl="4"/>
             <a:r>
-              <a:rPr lang="en-US" smtClean="0"/>
+              <a:rPr lang="en-US"/>
               <a:t>Fifth level</a:t>
             </a:r>
-            <a:endParaRPr lang="en-US"/>
           </a:p>
         </p:txBody>
       </p:sp>
@@ -819,7 +830,7 @@
           <a:p>
             <a:fld id="{78C97017-6FC3-485B-9764-EAC9E56C1D49}" type="datetimeFigureOut">
               <a:rPr lang="en-US" smtClean="0"/>
-              <a:t>9/30/2016</a:t>
+              <a:t>10/18/2016</a:t>
             </a:fld>
             <a:endParaRPr lang="en-US"/>
           </a:p>
@@ -918,10 +929,9 @@
           <a:lstStyle/>
           <a:p>
             <a:r>
-              <a:rPr lang="en-US" smtClean="0"/>
+              <a:rPr lang="en-US"/>
               <a:t>Click to edit Master title style</a:t>
             </a:r>
-            <a:endParaRPr lang="en-US"/>
           </a:p>
         </p:txBody>
       </p:sp>
@@ -947,38 +957,37 @@
           <a:p>
             <a:pPr lvl="0"/>
             <a:r>
-              <a:rPr lang="en-US" smtClean="0"/>
+              <a:rPr lang="en-US"/>
               <a:t>Click to edit Master text styles</a:t>
             </a:r>
           </a:p>
           <a:p>
             <a:pPr lvl="1"/>
             <a:r>
-              <a:rPr lang="en-US" smtClean="0"/>
+              <a:rPr lang="en-US"/>
               <a:t>Second level</a:t>
             </a:r>
           </a:p>
           <a:p>
             <a:pPr lvl="2"/>
             <a:r>
-              <a:rPr lang="en-US" smtClean="0"/>
+              <a:rPr lang="en-US"/>
               <a:t>Third level</a:t>
             </a:r>
           </a:p>
           <a:p>
             <a:pPr lvl="3"/>
             <a:r>
-              <a:rPr lang="en-US" smtClean="0"/>
+              <a:rPr lang="en-US"/>
               <a:t>Fourth level</a:t>
             </a:r>
           </a:p>
           <a:p>
             <a:pPr lvl="4"/>
             <a:r>
-              <a:rPr lang="en-US" smtClean="0"/>
+              <a:rPr lang="en-US"/>
               <a:t>Fifth level</a:t>
             </a:r>
-            <a:endParaRPr lang="en-US"/>
           </a:p>
         </p:txBody>
       </p:sp>
@@ -999,7 +1008,7 @@
           <a:p>
             <a:fld id="{78C97017-6FC3-485B-9764-EAC9E56C1D49}" type="datetimeFigureOut">
               <a:rPr lang="en-US" smtClean="0"/>
-              <a:t>9/30/2016</a:t>
+              <a:t>10/18/2016</a:t>
             </a:fld>
             <a:endParaRPr lang="en-US"/>
           </a:p>
@@ -1093,10 +1102,9 @@
           <a:lstStyle/>
           <a:p>
             <a:r>
-              <a:rPr lang="en-US" smtClean="0"/>
+              <a:rPr lang="en-US"/>
               <a:t>Click to edit Master title style</a:t>
             </a:r>
-            <a:endParaRPr lang="en-US"/>
           </a:p>
         </p:txBody>
       </p:sp>
@@ -1117,38 +1125,37 @@
           <a:p>
             <a:pPr lvl="0"/>
             <a:r>
-              <a:rPr lang="en-US" smtClean="0"/>
+              <a:rPr lang="en-US"/>
               <a:t>Click to edit Master text styles</a:t>
             </a:r>
           </a:p>
           <a:p>
             <a:pPr lvl="1"/>
             <a:r>
-              <a:rPr lang="en-US" smtClean="0"/>
+              <a:rPr lang="en-US"/>
               <a:t>Second level</a:t>
             </a:r>
           </a:p>
           <a:p>
             <a:pPr lvl="2"/>
             <a:r>
-              <a:rPr lang="en-US" smtClean="0"/>
+              <a:rPr lang="en-US"/>
               <a:t>Third level</a:t>
             </a:r>
           </a:p>
           <a:p>
             <a:pPr lvl="3"/>
             <a:r>
-              <a:rPr lang="en-US" smtClean="0"/>
+              <a:rPr lang="en-US"/>
               <a:t>Fourth level</a:t>
             </a:r>
           </a:p>
           <a:p>
             <a:pPr lvl="4"/>
             <a:r>
-              <a:rPr lang="en-US" smtClean="0"/>
+              <a:rPr lang="en-US"/>
               <a:t>Fifth level</a:t>
             </a:r>
-            <a:endParaRPr lang="en-US"/>
           </a:p>
         </p:txBody>
       </p:sp>
@@ -1169,7 +1176,7 @@
           <a:p>
             <a:fld id="{78C97017-6FC3-485B-9764-EAC9E56C1D49}" type="datetimeFigureOut">
               <a:rPr lang="en-US" smtClean="0"/>
-              <a:t>9/30/2016</a:t>
+              <a:t>10/18/2016</a:t>
             </a:fld>
             <a:endParaRPr lang="en-US"/>
           </a:p>
@@ -1272,10 +1279,9 @@
           </a:lstStyle>
           <a:p>
             <a:r>
-              <a:rPr lang="en-US" smtClean="0"/>
+              <a:rPr lang="en-US"/>
               <a:t>Click to edit Master title style</a:t>
             </a:r>
-            <a:endParaRPr lang="en-US"/>
           </a:p>
         </p:txBody>
       </p:sp>
@@ -1392,7 +1398,7 @@
           <a:p>
             <a:pPr lvl="0"/>
             <a:r>
-              <a:rPr lang="en-US" smtClean="0"/>
+              <a:rPr lang="en-US"/>
               <a:t>Click to edit Master text styles</a:t>
             </a:r>
           </a:p>
@@ -1415,7 +1421,7 @@
           <a:p>
             <a:fld id="{78C97017-6FC3-485B-9764-EAC9E56C1D49}" type="datetimeFigureOut">
               <a:rPr lang="en-US" smtClean="0"/>
-              <a:t>9/30/2016</a:t>
+              <a:t>10/18/2016</a:t>
             </a:fld>
             <a:endParaRPr lang="en-US"/>
           </a:p>
@@ -1509,10 +1515,9 @@
           <a:lstStyle/>
           <a:p>
             <a:r>
-              <a:rPr lang="en-US" smtClean="0"/>
+              <a:rPr lang="en-US"/>
               <a:t>Click to edit Master title style</a:t>
             </a:r>
-            <a:endParaRPr lang="en-US"/>
           </a:p>
         </p:txBody>
       </p:sp>
@@ -1566,38 +1571,37 @@
           <a:p>
             <a:pPr lvl="0"/>
             <a:r>
-              <a:rPr lang="en-US" smtClean="0"/>
+              <a:rPr lang="en-US"/>
               <a:t>Click to edit Master text styles</a:t>
             </a:r>
           </a:p>
           <a:p>
             <a:pPr lvl="1"/>
             <a:r>
-              <a:rPr lang="en-US" smtClean="0"/>
+              <a:rPr lang="en-US"/>
               <a:t>Second level</a:t>
             </a:r>
           </a:p>
           <a:p>
             <a:pPr lvl="2"/>
             <a:r>
-              <a:rPr lang="en-US" smtClean="0"/>
+              <a:rPr lang="en-US"/>
               <a:t>Third level</a:t>
             </a:r>
           </a:p>
           <a:p>
             <a:pPr lvl="3"/>
             <a:r>
-              <a:rPr lang="en-US" smtClean="0"/>
+              <a:rPr lang="en-US"/>
               <a:t>Fourth level</a:t>
             </a:r>
           </a:p>
           <a:p>
             <a:pPr lvl="4"/>
             <a:r>
-              <a:rPr lang="en-US" smtClean="0"/>
+              <a:rPr lang="en-US"/>
               <a:t>Fifth level</a:t>
             </a:r>
-            <a:endParaRPr lang="en-US"/>
           </a:p>
         </p:txBody>
       </p:sp>
@@ -1651,38 +1655,37 @@
           <a:p>
             <a:pPr lvl="0"/>
             <a:r>
-              <a:rPr lang="en-US" smtClean="0"/>
+              <a:rPr lang="en-US"/>
               <a:t>Click to edit Master text styles</a:t>
             </a:r>
           </a:p>
           <a:p>
             <a:pPr lvl="1"/>
             <a:r>
-              <a:rPr lang="en-US" smtClean="0"/>
+              <a:rPr lang="en-US"/>
               <a:t>Second level</a:t>
             </a:r>
           </a:p>
           <a:p>
             <a:pPr lvl="2"/>
             <a:r>
-              <a:rPr lang="en-US" smtClean="0"/>
+              <a:rPr lang="en-US"/>
               <a:t>Third level</a:t>
             </a:r>
           </a:p>
           <a:p>
             <a:pPr lvl="3"/>
             <a:r>
-              <a:rPr lang="en-US" smtClean="0"/>
+              <a:rPr lang="en-US"/>
               <a:t>Fourth level</a:t>
             </a:r>
           </a:p>
           <a:p>
             <a:pPr lvl="4"/>
             <a:r>
-              <a:rPr lang="en-US" smtClean="0"/>
+              <a:rPr lang="en-US"/>
               <a:t>Fifth level</a:t>
             </a:r>
-            <a:endParaRPr lang="en-US"/>
           </a:p>
         </p:txBody>
       </p:sp>
@@ -1703,7 +1706,7 @@
           <a:p>
             <a:fld id="{78C97017-6FC3-485B-9764-EAC9E56C1D49}" type="datetimeFigureOut">
               <a:rPr lang="en-US" smtClean="0"/>
-              <a:t>9/30/2016</a:t>
+              <a:t>10/18/2016</a:t>
             </a:fld>
             <a:endParaRPr lang="en-US"/>
           </a:p>
@@ -1801,10 +1804,9 @@
           </a:lstStyle>
           <a:p>
             <a:r>
-              <a:rPr lang="en-US" smtClean="0"/>
+              <a:rPr lang="en-US"/>
               <a:t>Click to edit Master title style</a:t>
             </a:r>
-            <a:endParaRPr lang="en-US"/>
           </a:p>
         </p:txBody>
       </p:sp>
@@ -1867,7 +1869,7 @@
           <a:p>
             <a:pPr lvl="0"/>
             <a:r>
-              <a:rPr lang="en-US" smtClean="0"/>
+              <a:rPr lang="en-US"/>
               <a:t>Click to edit Master text styles</a:t>
             </a:r>
           </a:p>
@@ -1923,38 +1925,37 @@
           <a:p>
             <a:pPr lvl="0"/>
             <a:r>
-              <a:rPr lang="en-US" smtClean="0"/>
+              <a:rPr lang="en-US"/>
               <a:t>Click to edit Master text styles</a:t>
             </a:r>
           </a:p>
           <a:p>
             <a:pPr lvl="1"/>
             <a:r>
-              <a:rPr lang="en-US" smtClean="0"/>
+              <a:rPr lang="en-US"/>
               <a:t>Second level</a:t>
             </a:r>
           </a:p>
           <a:p>
             <a:pPr lvl="2"/>
             <a:r>
-              <a:rPr lang="en-US" smtClean="0"/>
+              <a:rPr lang="en-US"/>
               <a:t>Third level</a:t>
             </a:r>
           </a:p>
           <a:p>
             <a:pPr lvl="3"/>
             <a:r>
-              <a:rPr lang="en-US" smtClean="0"/>
+              <a:rPr lang="en-US"/>
               <a:t>Fourth level</a:t>
             </a:r>
           </a:p>
           <a:p>
             <a:pPr lvl="4"/>
             <a:r>
-              <a:rPr lang="en-US" smtClean="0"/>
+              <a:rPr lang="en-US"/>
               <a:t>Fifth level</a:t>
             </a:r>
-            <a:endParaRPr lang="en-US"/>
           </a:p>
         </p:txBody>
       </p:sp>
@@ -2017,7 +2018,7 @@
           <a:p>
             <a:pPr lvl="0"/>
             <a:r>
-              <a:rPr lang="en-US" smtClean="0"/>
+              <a:rPr lang="en-US"/>
               <a:t>Click to edit Master text styles</a:t>
             </a:r>
           </a:p>
@@ -2073,38 +2074,37 @@
           <a:p>
             <a:pPr lvl="0"/>
             <a:r>
-              <a:rPr lang="en-US" smtClean="0"/>
+              <a:rPr lang="en-US"/>
               <a:t>Click to edit Master text styles</a:t>
             </a:r>
           </a:p>
           <a:p>
             <a:pPr lvl="1"/>
             <a:r>
-              <a:rPr lang="en-US" smtClean="0"/>
+              <a:rPr lang="en-US"/>
               <a:t>Second level</a:t>
             </a:r>
           </a:p>
           <a:p>
             <a:pPr lvl="2"/>
             <a:r>
-              <a:rPr lang="en-US" smtClean="0"/>
+              <a:rPr lang="en-US"/>
               <a:t>Third level</a:t>
             </a:r>
           </a:p>
           <a:p>
             <a:pPr lvl="3"/>
             <a:r>
-              <a:rPr lang="en-US" smtClean="0"/>
+              <a:rPr lang="en-US"/>
               <a:t>Fourth level</a:t>
             </a:r>
           </a:p>
           <a:p>
             <a:pPr lvl="4"/>
             <a:r>
-              <a:rPr lang="en-US" smtClean="0"/>
+              <a:rPr lang="en-US"/>
               <a:t>Fifth level</a:t>
             </a:r>
-            <a:endParaRPr lang="en-US"/>
           </a:p>
         </p:txBody>
       </p:sp>
@@ -2125,7 +2125,7 @@
           <a:p>
             <a:fld id="{78C97017-6FC3-485B-9764-EAC9E56C1D49}" type="datetimeFigureOut">
               <a:rPr lang="en-US" smtClean="0"/>
-              <a:t>9/30/2016</a:t>
+              <a:t>10/18/2016</a:t>
             </a:fld>
             <a:endParaRPr lang="en-US"/>
           </a:p>
@@ -2219,10 +2219,9 @@
           <a:lstStyle/>
           <a:p>
             <a:r>
-              <a:rPr lang="en-US" smtClean="0"/>
+              <a:rPr lang="en-US"/>
               <a:t>Click to edit Master title style</a:t>
             </a:r>
-            <a:endParaRPr lang="en-US"/>
           </a:p>
         </p:txBody>
       </p:sp>
@@ -2243,7 +2242,7 @@
           <a:p>
             <a:fld id="{78C97017-6FC3-485B-9764-EAC9E56C1D49}" type="datetimeFigureOut">
               <a:rPr lang="en-US" smtClean="0"/>
-              <a:t>9/30/2016</a:t>
+              <a:t>10/18/2016</a:t>
             </a:fld>
             <a:endParaRPr lang="en-US"/>
           </a:p>
@@ -2338,7 +2337,7 @@
           <a:p>
             <a:fld id="{78C97017-6FC3-485B-9764-EAC9E56C1D49}" type="datetimeFigureOut">
               <a:rPr lang="en-US" smtClean="0"/>
-              <a:t>9/30/2016</a:t>
+              <a:t>10/18/2016</a:t>
             </a:fld>
             <a:endParaRPr lang="en-US"/>
           </a:p>
@@ -2441,10 +2440,9 @@
           </a:lstStyle>
           <a:p>
             <a:r>
-              <a:rPr lang="en-US" smtClean="0"/>
+              <a:rPr lang="en-US"/>
               <a:t>Click to edit Master title style</a:t>
             </a:r>
-            <a:endParaRPr lang="en-US"/>
           </a:p>
         </p:txBody>
       </p:sp>
@@ -2498,38 +2496,37 @@
           <a:p>
             <a:pPr lvl="0"/>
             <a:r>
-              <a:rPr lang="en-US" smtClean="0"/>
+              <a:rPr lang="en-US"/>
               <a:t>Click to edit Master text styles</a:t>
             </a:r>
           </a:p>
           <a:p>
             <a:pPr lvl="1"/>
             <a:r>
-              <a:rPr lang="en-US" smtClean="0"/>
+              <a:rPr lang="en-US"/>
               <a:t>Second level</a:t>
             </a:r>
           </a:p>
           <a:p>
             <a:pPr lvl="2"/>
             <a:r>
-              <a:rPr lang="en-US" smtClean="0"/>
+              <a:rPr lang="en-US"/>
               <a:t>Third level</a:t>
             </a:r>
           </a:p>
           <a:p>
             <a:pPr lvl="3"/>
             <a:r>
-              <a:rPr lang="en-US" smtClean="0"/>
+              <a:rPr lang="en-US"/>
               <a:t>Fourth level</a:t>
             </a:r>
           </a:p>
           <a:p>
             <a:pPr lvl="4"/>
             <a:r>
-              <a:rPr lang="en-US" smtClean="0"/>
+              <a:rPr lang="en-US"/>
               <a:t>Fifth level</a:t>
             </a:r>
-            <a:endParaRPr lang="en-US"/>
           </a:p>
         </p:txBody>
       </p:sp>
@@ -2592,7 +2589,7 @@
           <a:p>
             <a:pPr lvl="0"/>
             <a:r>
-              <a:rPr lang="en-US" smtClean="0"/>
+              <a:rPr lang="en-US"/>
               <a:t>Click to edit Master text styles</a:t>
             </a:r>
           </a:p>
@@ -2615,7 +2612,7 @@
           <a:p>
             <a:fld id="{78C97017-6FC3-485B-9764-EAC9E56C1D49}" type="datetimeFigureOut">
               <a:rPr lang="en-US" smtClean="0"/>
-              <a:t>9/30/2016</a:t>
+              <a:t>10/18/2016</a:t>
             </a:fld>
             <a:endParaRPr lang="en-US"/>
           </a:p>
@@ -2718,10 +2715,9 @@
           </a:lstStyle>
           <a:p>
             <a:r>
-              <a:rPr lang="en-US" smtClean="0"/>
+              <a:rPr lang="en-US"/>
               <a:t>Click to edit Master title style</a:t>
             </a:r>
-            <a:endParaRPr lang="en-US"/>
           </a:p>
         </p:txBody>
       </p:sp>
@@ -2845,7 +2841,7 @@
           <a:p>
             <a:pPr lvl="0"/>
             <a:r>
-              <a:rPr lang="en-US" smtClean="0"/>
+              <a:rPr lang="en-US"/>
               <a:t>Click to edit Master text styles</a:t>
             </a:r>
           </a:p>
@@ -2868,7 +2864,7 @@
           <a:p>
             <a:fld id="{78C97017-6FC3-485B-9764-EAC9E56C1D49}" type="datetimeFigureOut">
               <a:rPr lang="en-US" smtClean="0"/>
-              <a:t>9/30/2016</a:t>
+              <a:t>10/18/2016</a:t>
             </a:fld>
             <a:endParaRPr lang="en-US"/>
           </a:p>
@@ -2977,10 +2973,9 @@
           <a:lstStyle/>
           <a:p>
             <a:r>
-              <a:rPr lang="en-US" smtClean="0"/>
+              <a:rPr lang="en-US"/>
               <a:t>Click to edit Master title style</a:t>
             </a:r>
-            <a:endParaRPr lang="en-US"/>
           </a:p>
         </p:txBody>
       </p:sp>
@@ -3011,38 +3006,37 @@
           <a:p>
             <a:pPr lvl="0"/>
             <a:r>
-              <a:rPr lang="en-US" smtClean="0"/>
+              <a:rPr lang="en-US"/>
               <a:t>Click to edit Master text styles</a:t>
             </a:r>
           </a:p>
           <a:p>
             <a:pPr lvl="1"/>
             <a:r>
-              <a:rPr lang="en-US" smtClean="0"/>
+              <a:rPr lang="en-US"/>
               <a:t>Second level</a:t>
             </a:r>
           </a:p>
           <a:p>
             <a:pPr lvl="2"/>
             <a:r>
-              <a:rPr lang="en-US" smtClean="0"/>
+              <a:rPr lang="en-US"/>
               <a:t>Third level</a:t>
             </a:r>
           </a:p>
           <a:p>
             <a:pPr lvl="3"/>
             <a:r>
-              <a:rPr lang="en-US" smtClean="0"/>
+              <a:rPr lang="en-US"/>
               <a:t>Fourth level</a:t>
             </a:r>
           </a:p>
           <a:p>
             <a:pPr lvl="4"/>
             <a:r>
-              <a:rPr lang="en-US" smtClean="0"/>
+              <a:rPr lang="en-US"/>
               <a:t>Fifth level</a:t>
             </a:r>
-            <a:endParaRPr lang="en-US"/>
           </a:p>
         </p:txBody>
       </p:sp>
@@ -3081,7 +3075,7 @@
           <a:p>
             <a:fld id="{78C97017-6FC3-485B-9764-EAC9E56C1D49}" type="datetimeFigureOut">
               <a:rPr lang="en-US" smtClean="0"/>
-              <a:t>9/30/2016</a:t>
+              <a:t>10/18/2016</a:t>
             </a:fld>
             <a:endParaRPr lang="en-US"/>
           </a:p>
@@ -3472,14 +3466,13 @@
           <a:lstStyle/>
           <a:p>
             <a:r>
-              <a:rPr lang="en-US" dirty="0" err="1" smtClean="0"/>
+              <a:rPr lang="en-US" dirty="0" err="1"/>
               <a:t>AddressBook</a:t>
             </a:r>
             <a:r>
-              <a:rPr lang="en-US" dirty="0" smtClean="0"/>
+              <a:rPr lang="en-US" dirty="0"/>
               <a:t> – Level 4</a:t>
             </a:r>
-            <a:endParaRPr lang="en-US" dirty="0"/>
           </a:p>
         </p:txBody>
       </p:sp>
@@ -3499,10 +3492,9 @@
           <a:lstStyle/>
           <a:p>
             <a:r>
-              <a:rPr lang="en-US" dirty="0" smtClean="0"/>
+              <a:rPr lang="en-US" dirty="0"/>
               <a:t>Diagrams</a:t>
             </a:r>
-            <a:endParaRPr lang="en-US" dirty="0"/>
           </a:p>
         </p:txBody>
       </p:sp>
@@ -3634,7 +3626,7 @@
           <a:p>
             <a:pPr algn="ctr"/>
             <a:r>
-              <a:rPr lang="en-US" sz="1600" dirty="0" smtClean="0">
+              <a:rPr lang="en-US" sz="1600" dirty="0">
                 <a:solidFill>
                   <a:schemeClr val="bg1"/>
                 </a:solidFill>
@@ -3693,7 +3685,7 @@
           <a:p>
             <a:pPr algn="ctr"/>
             <a:r>
-              <a:rPr lang="en-US" sz="1600" dirty="0" smtClean="0">
+              <a:rPr lang="en-US" sz="1600" dirty="0">
                 <a:solidFill>
                   <a:schemeClr val="bg1"/>
                 </a:solidFill>
@@ -3756,7 +3748,7 @@
           <a:p>
             <a:pPr algn="ctr"/>
             <a:r>
-              <a:rPr lang="en-US" sz="1600" dirty="0" smtClean="0">
+              <a:rPr lang="en-US" sz="1600" dirty="0">
                 <a:solidFill>
                   <a:schemeClr val="bg1"/>
                 </a:solidFill>
@@ -3815,7 +3807,7 @@
           <a:p>
             <a:pPr algn="ctr"/>
             <a:r>
-              <a:rPr lang="en-US" sz="1600" dirty="0" smtClean="0">
+              <a:rPr lang="en-US" sz="1600" dirty="0">
                 <a:solidFill>
                   <a:schemeClr val="bg1"/>
                 </a:solidFill>
@@ -4401,7 +4393,7 @@
           <a:p>
             <a:pPr algn="ctr"/>
             <a:r>
-              <a:rPr lang="en-US" sz="1600" dirty="0" smtClean="0">
+              <a:rPr lang="en-US" sz="1600" dirty="0">
                 <a:solidFill>
                   <a:schemeClr val="bg1"/>
                 </a:solidFill>
@@ -4752,7 +4744,7 @@
           <a:p>
             <a:pPr algn="ctr"/>
             <a:r>
-              <a:rPr lang="en-US" sz="1600" dirty="0" smtClean="0">
+              <a:rPr lang="en-US" sz="1600" dirty="0">
                 <a:solidFill>
                   <a:schemeClr val="bg1"/>
                 </a:solidFill>
@@ -4760,25 +4752,20 @@
               <a:t>Logs</a:t>
             </a:r>
             <a:br>
-              <a:rPr lang="en-US" sz="1600" dirty="0" smtClean="0">
+              <a:rPr lang="en-US" sz="1600" dirty="0">
                 <a:solidFill>
                   <a:schemeClr val="bg1"/>
                 </a:solidFill>
               </a:rPr>
             </a:br>
             <a:r>
-              <a:rPr lang="en-US" sz="1600" dirty="0" smtClean="0">
+              <a:rPr lang="en-US" sz="1600" dirty="0">
                 <a:solidFill>
                   <a:schemeClr val="bg1"/>
                 </a:solidFill>
               </a:rPr>
               <a:t>Center</a:t>
             </a:r>
-            <a:endParaRPr lang="en-US" sz="1600" dirty="0">
-              <a:solidFill>
-                <a:schemeClr val="bg1"/>
-              </a:solidFill>
-            </a:endParaRPr>
           </a:p>
         </p:txBody>
       </p:sp>
@@ -4935,7 +4922,7 @@
           <a:p>
             <a:pPr algn="ctr"/>
             <a:r>
-              <a:rPr lang="en-US" sz="1600" dirty="0" smtClean="0">
+              <a:rPr lang="en-US" sz="1600" dirty="0">
                 <a:solidFill>
                   <a:schemeClr val="bg1"/>
                 </a:solidFill>
@@ -5299,7 +5286,7 @@
           <a:p>
             <a:pPr algn="ctr"/>
             <a:r>
-              <a:rPr lang="en-US" sz="1600" dirty="0" smtClean="0">
+              <a:rPr lang="en-US" sz="1600" dirty="0">
                 <a:solidFill>
                   <a:schemeClr val="bg1"/>
                 </a:solidFill>
@@ -5446,7 +5433,7 @@
           <a:p>
             <a:pPr algn="ctr"/>
             <a:r>
-              <a:rPr lang="en-US" sz="1600" dirty="0" smtClean="0">
+              <a:rPr lang="en-US" sz="1600" dirty="0">
                 <a:solidFill>
                   <a:schemeClr val="bg1"/>
                 </a:solidFill>
@@ -5608,10 +5595,9 @@
           <a:lstStyle/>
           <a:p>
             <a:r>
-              <a:rPr lang="en-US" sz="1400" dirty="0" smtClean="0"/>
+              <a:rPr lang="en-US" sz="1400" dirty="0"/>
               <a:t>delete 1</a:t>
             </a:r>
-            <a:endParaRPr lang="en-US" sz="1400" dirty="0"/>
           </a:p>
         </p:txBody>
       </p:sp>
@@ -5674,18 +5660,21 @@
           <a:lstStyle/>
           <a:p>
             <a:r>
-              <a:rPr lang="en-US" sz="1400" dirty="0" smtClean="0">
+              <a:rPr lang="en-US" altLang="zh-CN" sz="1400" dirty="0">
                 <a:solidFill>
                   <a:srgbClr val="0070C0"/>
                 </a:solidFill>
               </a:rPr>
-              <a:t>execute(“delete 1”)</a:t>
-            </a:r>
-            <a:endParaRPr lang="en-US" sz="1400" dirty="0">
-              <a:solidFill>
-                <a:srgbClr val="0070C0"/>
-              </a:solidFill>
-            </a:endParaRPr>
+              <a:t>invoke</a:t>
+            </a:r>
+            <a:r>
+              <a:rPr lang="en-US" sz="1400" dirty="0">
+                <a:solidFill>
+                  <a:srgbClr val="0070C0"/>
+                </a:solidFill>
+              </a:rPr>
+              <a:t>(“delete 1”)</a:t>
+            </a:r>
           </a:p>
         </p:txBody>
       </p:sp>
@@ -5748,26 +5737,21 @@
           <a:lstStyle/>
           <a:p>
             <a:r>
-              <a:rPr lang="en-US" sz="1400" dirty="0" err="1" smtClean="0">
+              <a:rPr lang="en-US" sz="1400" dirty="0" err="1">
                 <a:solidFill>
                   <a:srgbClr val="7030A0"/>
                 </a:solidFill>
               </a:rPr>
-              <a:t>deletePerson</a:t>
-            </a:r>
-            <a:r>
-              <a:rPr lang="en-US" sz="1400" dirty="0" smtClean="0">
+              <a:t>deleteTask</a:t>
+            </a:r>
+            <a:r>
+              <a:rPr lang="en-US" sz="1400" dirty="0">
                 <a:solidFill>
                   <a:srgbClr val="7030A0"/>
                 </a:solidFill>
               </a:rPr>
-              <a:t>(p)</a:t>
-            </a:r>
-            <a:endParaRPr lang="en-US" sz="1400" dirty="0">
-              <a:solidFill>
-                <a:srgbClr val="7030A0"/>
-              </a:solidFill>
-            </a:endParaRPr>
+              <a:t>(task)</a:t>
+            </a:r>
           </a:p>
         </p:txBody>
       </p:sp>
@@ -5779,8 +5763,8 @@
         </p:nvSpPr>
         <p:spPr>
           <a:xfrm>
-            <a:off x="6074030" y="1687656"/>
-            <a:ext cx="2438400" cy="215444"/>
+            <a:off x="5984454" y="1687656"/>
+            <a:ext cx="2599984" cy="215444"/>
           </a:xfrm>
           <a:prstGeom prst="rect">
             <a:avLst/>
@@ -5794,7 +5778,584 @@
           <a:lstStyle/>
           <a:p>
             <a:r>
-              <a:rPr lang="en-US" sz="1400" dirty="0" smtClean="0">
+              <a:rPr lang="en-US" sz="1400" dirty="0" err="1">
+                <a:solidFill>
+                  <a:schemeClr val="accent5">
+                    <a:lumMod val="75000"/>
+                  </a:schemeClr>
+                </a:solidFill>
+              </a:rPr>
+              <a:t>raiseEvent</a:t>
+            </a:r>
+            <a:r>
+              <a:rPr lang="en-US" sz="1400" dirty="0">
+                <a:solidFill>
+                  <a:schemeClr val="accent5">
+                    <a:lumMod val="75000"/>
+                  </a:schemeClr>
+                </a:solidFill>
+              </a:rPr>
+              <a:t>(</a:t>
+            </a:r>
+            <a:r>
+              <a:rPr lang="en-US" sz="1400" dirty="0" err="1">
+                <a:solidFill>
+                  <a:schemeClr val="accent5">
+                    <a:lumMod val="75000"/>
+                  </a:schemeClr>
+                </a:solidFill>
+              </a:rPr>
+              <a:t>TaskForceChangedEvent</a:t>
+            </a:r>
+            <a:r>
+              <a:rPr lang="en-US" sz="1400" dirty="0">
+                <a:solidFill>
+                  <a:schemeClr val="accent5">
+                    <a:lumMod val="75000"/>
+                  </a:schemeClr>
+                </a:solidFill>
+              </a:rPr>
+              <a:t>)</a:t>
+            </a:r>
+          </a:p>
+        </p:txBody>
+      </p:sp>
+      <p:cxnSp>
+        <p:nvCxnSpPr>
+          <p:cNvPr id="34" name="Straight Arrow Connector 33"/>
+          <p:cNvCxnSpPr/>
+          <p:nvPr/>
+        </p:nvCxnSpPr>
+        <p:spPr>
+          <a:xfrm>
+            <a:off x="3954408" y="2190681"/>
+            <a:ext cx="1837184" cy="0"/>
+          </a:xfrm>
+          <a:prstGeom prst="straightConnector1">
+            <a:avLst/>
+          </a:prstGeom>
+          <a:ln w="19050">
+            <a:solidFill>
+              <a:srgbClr val="7030A0"/>
+            </a:solidFill>
+            <a:prstDash val="sysDash"/>
+            <a:headEnd type="arrow" w="med" len="med"/>
+            <a:tailEnd type="none" w="med" len="med"/>
+          </a:ln>
+        </p:spPr>
+        <p:style>
+          <a:lnRef idx="1">
+            <a:schemeClr val="accent1"/>
+          </a:lnRef>
+          <a:fillRef idx="0">
+            <a:schemeClr val="accent1"/>
+          </a:fillRef>
+          <a:effectRef idx="0">
+            <a:schemeClr val="accent1"/>
+          </a:effectRef>
+          <a:fontRef idx="minor">
+            <a:schemeClr val="tx1"/>
+          </a:fontRef>
+        </p:style>
+      </p:cxnSp>
+      <p:cxnSp>
+        <p:nvCxnSpPr>
+          <p:cNvPr id="35" name="Straight Arrow Connector 34"/>
+          <p:cNvCxnSpPr/>
+          <p:nvPr/>
+        </p:nvCxnSpPr>
+        <p:spPr>
+          <a:xfrm>
+            <a:off x="1739069" y="2266002"/>
+            <a:ext cx="2058118" cy="0"/>
+          </a:xfrm>
+          <a:prstGeom prst="straightConnector1">
+            <a:avLst/>
+          </a:prstGeom>
+          <a:ln w="19050">
+            <a:solidFill>
+              <a:srgbClr val="0070C0"/>
+            </a:solidFill>
+            <a:prstDash val="sysDash"/>
+            <a:headEnd type="arrow" w="med" len="med"/>
+            <a:tailEnd type="none" w="med" len="med"/>
+          </a:ln>
+        </p:spPr>
+        <p:style>
+          <a:lnRef idx="1">
+            <a:schemeClr val="accent1"/>
+          </a:lnRef>
+          <a:fillRef idx="0">
+            <a:schemeClr val="accent1"/>
+          </a:fillRef>
+          <a:effectRef idx="0">
+            <a:schemeClr val="accent1"/>
+          </a:effectRef>
+          <a:fontRef idx="minor">
+            <a:schemeClr val="tx1"/>
+          </a:fontRef>
+        </p:style>
+      </p:cxnSp>
+      <p:cxnSp>
+        <p:nvCxnSpPr>
+          <p:cNvPr id="37" name="Straight Arrow Connector 36"/>
+          <p:cNvCxnSpPr/>
+          <p:nvPr/>
+        </p:nvCxnSpPr>
+        <p:spPr>
+          <a:xfrm>
+            <a:off x="390618" y="2342202"/>
+            <a:ext cx="1196051" cy="0"/>
+          </a:xfrm>
+          <a:prstGeom prst="straightConnector1">
+            <a:avLst/>
+          </a:prstGeom>
+          <a:ln w="19050">
+            <a:solidFill>
+              <a:srgbClr val="00B050"/>
+            </a:solidFill>
+            <a:prstDash val="sysDash"/>
+            <a:headEnd type="arrow" w="med" len="med"/>
+            <a:tailEnd type="none" w="med" len="med"/>
+          </a:ln>
+        </p:spPr>
+        <p:style>
+          <a:lnRef idx="1">
+            <a:schemeClr val="accent1"/>
+          </a:lnRef>
+          <a:fillRef idx="0">
+            <a:schemeClr val="accent1"/>
+          </a:fillRef>
+          <a:effectRef idx="0">
+            <a:schemeClr val="accent1"/>
+          </a:effectRef>
+          <a:fontRef idx="minor">
+            <a:schemeClr val="tx1"/>
+          </a:fontRef>
+        </p:style>
+      </p:cxnSp>
+      <p:sp>
+        <p:nvSpPr>
+          <p:cNvPr id="39" name="Rectangle 62"/>
+          <p:cNvSpPr/>
+          <p:nvPr/>
+        </p:nvSpPr>
+        <p:spPr>
+          <a:xfrm>
+            <a:off x="7696200" y="591251"/>
+            <a:ext cx="1371600" cy="346760"/>
+          </a:xfrm>
+          <a:prstGeom prst="rect">
+            <a:avLst/>
+          </a:prstGeom>
+          <a:solidFill>
+            <a:schemeClr val="accent5">
+              <a:lumMod val="75000"/>
+            </a:schemeClr>
+          </a:solidFill>
+          <a:ln w="19050">
+            <a:solidFill>
+              <a:schemeClr val="accent5">
+                <a:lumMod val="75000"/>
+              </a:schemeClr>
+            </a:solidFill>
+          </a:ln>
+          <a:effectLst/>
+        </p:spPr>
+        <p:style>
+          <a:lnRef idx="1">
+            <a:schemeClr val="accent2"/>
+          </a:lnRef>
+          <a:fillRef idx="2">
+            <a:schemeClr val="accent2"/>
+          </a:fillRef>
+          <a:effectRef idx="1">
+            <a:schemeClr val="accent2"/>
+          </a:effectRef>
+          <a:fontRef idx="minor">
+            <a:schemeClr val="dk1"/>
+          </a:fontRef>
+        </p:style>
+        <p:txBody>
+          <a:bodyPr rtlCol="0" anchor="ctr"/>
+          <a:lstStyle/>
+          <a:p>
+            <a:pPr algn="ctr"/>
+            <a:r>
+              <a:rPr lang="en-US" sz="1600" dirty="0">
+                <a:solidFill>
+                  <a:schemeClr val="bg1"/>
+                </a:solidFill>
+              </a:rPr>
+              <a:t>:</a:t>
+            </a:r>
+            <a:r>
+              <a:rPr lang="en-US" sz="1600" dirty="0" err="1">
+                <a:solidFill>
+                  <a:schemeClr val="bg1"/>
+                </a:solidFill>
+              </a:rPr>
+              <a:t>EventsCenter</a:t>
+            </a:r>
+            <a:endParaRPr lang="en-SG" sz="1600" dirty="0">
+              <a:solidFill>
+                <a:schemeClr val="bg1"/>
+              </a:solidFill>
+            </a:endParaRPr>
+          </a:p>
+        </p:txBody>
+      </p:sp>
+      <p:cxnSp>
+        <p:nvCxnSpPr>
+          <p:cNvPr id="40" name="Straight Connector 39"/>
+          <p:cNvCxnSpPr/>
+          <p:nvPr/>
+        </p:nvCxnSpPr>
+        <p:spPr>
+          <a:xfrm>
+            <a:off x="8616802" y="944305"/>
+            <a:ext cx="0" cy="1723059"/>
+          </a:xfrm>
+          <a:prstGeom prst="line">
+            <a:avLst/>
+          </a:prstGeom>
+          <a:ln w="19050">
+            <a:solidFill>
+              <a:schemeClr val="accent5">
+                <a:lumMod val="75000"/>
+              </a:schemeClr>
+            </a:solidFill>
+            <a:prstDash val="sysDash"/>
+          </a:ln>
+          <a:effectLst/>
+        </p:spPr>
+        <p:style>
+          <a:lnRef idx="1">
+            <a:schemeClr val="accent1"/>
+          </a:lnRef>
+          <a:fillRef idx="2">
+            <a:schemeClr val="accent1"/>
+          </a:fillRef>
+          <a:effectRef idx="1">
+            <a:schemeClr val="accent1"/>
+          </a:effectRef>
+          <a:fontRef idx="minor">
+            <a:schemeClr val="dk1"/>
+          </a:fontRef>
+        </p:style>
+      </p:cxnSp>
+      <p:sp>
+        <p:nvSpPr>
+          <p:cNvPr id="41" name="Rectangle 40"/>
+          <p:cNvSpPr/>
+          <p:nvPr/>
+        </p:nvSpPr>
+        <p:spPr>
+          <a:xfrm>
+            <a:off x="8544794" y="1961202"/>
+            <a:ext cx="142006" cy="176787"/>
+          </a:xfrm>
+          <a:prstGeom prst="rect">
+            <a:avLst/>
+          </a:prstGeom>
+          <a:solidFill>
+            <a:schemeClr val="accent5">
+              <a:lumMod val="75000"/>
+            </a:schemeClr>
+          </a:solidFill>
+          <a:ln>
+            <a:solidFill>
+              <a:schemeClr val="accent5">
+                <a:lumMod val="75000"/>
+              </a:schemeClr>
+            </a:solidFill>
+          </a:ln>
+          <a:effectLst/>
+        </p:spPr>
+        <p:style>
+          <a:lnRef idx="1">
+            <a:schemeClr val="accent3"/>
+          </a:lnRef>
+          <a:fillRef idx="2">
+            <a:schemeClr val="accent3"/>
+          </a:fillRef>
+          <a:effectRef idx="1">
+            <a:schemeClr val="accent3"/>
+          </a:effectRef>
+          <a:fontRef idx="minor">
+            <a:schemeClr val="dk1"/>
+          </a:fontRef>
+        </p:style>
+        <p:txBody>
+          <a:bodyPr rtlCol="0" anchor="ctr"/>
+          <a:lstStyle/>
+          <a:p>
+            <a:pPr algn="ctr"/>
+            <a:endParaRPr lang="en-SG" sz="1400">
+              <a:solidFill>
+                <a:schemeClr val="dk1"/>
+              </a:solidFill>
+            </a:endParaRPr>
+          </a:p>
+        </p:txBody>
+      </p:sp>
+      <p:cxnSp>
+        <p:nvCxnSpPr>
+          <p:cNvPr id="42" name="Straight Arrow Connector 41"/>
+          <p:cNvCxnSpPr/>
+          <p:nvPr/>
+        </p:nvCxnSpPr>
+        <p:spPr>
+          <a:xfrm>
+            <a:off x="5943992" y="1961202"/>
+            <a:ext cx="2568438" cy="0"/>
+          </a:xfrm>
+          <a:prstGeom prst="straightConnector1">
+            <a:avLst/>
+          </a:prstGeom>
+          <a:ln w="19050">
+            <a:solidFill>
+              <a:srgbClr val="7030A0"/>
+            </a:solidFill>
+            <a:tailEnd type="arrow"/>
+          </a:ln>
+        </p:spPr>
+        <p:style>
+          <a:lnRef idx="1">
+            <a:schemeClr val="accent1"/>
+          </a:lnRef>
+          <a:fillRef idx="0">
+            <a:schemeClr val="accent1"/>
+          </a:fillRef>
+          <a:effectRef idx="0">
+            <a:schemeClr val="accent1"/>
+          </a:effectRef>
+          <a:fontRef idx="minor">
+            <a:schemeClr val="tx1"/>
+          </a:fontRef>
+        </p:style>
+      </p:cxnSp>
+      <p:cxnSp>
+        <p:nvCxnSpPr>
+          <p:cNvPr id="44" name="Straight Arrow Connector 43"/>
+          <p:cNvCxnSpPr/>
+          <p:nvPr/>
+        </p:nvCxnSpPr>
+        <p:spPr>
+          <a:xfrm>
+            <a:off x="5943992" y="2137989"/>
+            <a:ext cx="2549946" cy="0"/>
+          </a:xfrm>
+          <a:prstGeom prst="straightConnector1">
+            <a:avLst/>
+          </a:prstGeom>
+          <a:ln w="19050">
+            <a:solidFill>
+              <a:schemeClr val="accent5">
+                <a:lumMod val="75000"/>
+              </a:schemeClr>
+            </a:solidFill>
+            <a:prstDash val="sysDash"/>
+            <a:headEnd type="arrow" w="med" len="med"/>
+            <a:tailEnd type="none" w="med" len="med"/>
+          </a:ln>
+        </p:spPr>
+        <p:style>
+          <a:lnRef idx="1">
+            <a:schemeClr val="accent1"/>
+          </a:lnRef>
+          <a:fillRef idx="0">
+            <a:schemeClr val="accent1"/>
+          </a:fillRef>
+          <a:effectRef idx="0">
+            <a:schemeClr val="accent1"/>
+          </a:effectRef>
+          <a:fontRef idx="minor">
+            <a:schemeClr val="tx1"/>
+          </a:fontRef>
+        </p:style>
+      </p:cxnSp>
+      <p:sp>
+        <p:nvSpPr>
+          <p:cNvPr id="53" name="Rectangle 62"/>
+          <p:cNvSpPr/>
+          <p:nvPr/>
+        </p:nvSpPr>
+        <p:spPr>
+          <a:xfrm>
+            <a:off x="7370178" y="4278322"/>
+            <a:ext cx="1093635" cy="346760"/>
+          </a:xfrm>
+          <a:prstGeom prst="rect">
+            <a:avLst/>
+          </a:prstGeom>
+          <a:solidFill>
+            <a:schemeClr val="accent6">
+              <a:lumMod val="75000"/>
+            </a:schemeClr>
+          </a:solidFill>
+          <a:ln w="19050">
+            <a:solidFill>
+              <a:schemeClr val="accent6">
+                <a:lumMod val="75000"/>
+              </a:schemeClr>
+            </a:solidFill>
+          </a:ln>
+          <a:effectLst/>
+        </p:spPr>
+        <p:style>
+          <a:lnRef idx="1">
+            <a:schemeClr val="accent2"/>
+          </a:lnRef>
+          <a:fillRef idx="2">
+            <a:schemeClr val="accent2"/>
+          </a:fillRef>
+          <a:effectRef idx="1">
+            <a:schemeClr val="accent2"/>
+          </a:effectRef>
+          <a:fontRef idx="minor">
+            <a:schemeClr val="dk1"/>
+          </a:fontRef>
+        </p:style>
+        <p:txBody>
+          <a:bodyPr rtlCol="0" anchor="ctr"/>
+          <a:lstStyle/>
+          <a:p>
+            <a:pPr algn="ctr"/>
+            <a:r>
+              <a:rPr lang="en-US" sz="1600" dirty="0">
+                <a:solidFill>
+                  <a:schemeClr val="bg1"/>
+                </a:solidFill>
+              </a:rPr>
+              <a:t>:Storage</a:t>
+            </a:r>
+            <a:endParaRPr lang="en-SG" sz="1600" dirty="0">
+              <a:solidFill>
+                <a:schemeClr val="bg1"/>
+              </a:solidFill>
+            </a:endParaRPr>
+          </a:p>
+        </p:txBody>
+      </p:sp>
+      <p:cxnSp>
+        <p:nvCxnSpPr>
+          <p:cNvPr id="54" name="Straight Connector 53"/>
+          <p:cNvCxnSpPr/>
+          <p:nvPr/>
+        </p:nvCxnSpPr>
+        <p:spPr>
+          <a:xfrm>
+            <a:off x="7916995" y="4641993"/>
+            <a:ext cx="0" cy="1723059"/>
+          </a:xfrm>
+          <a:prstGeom prst="line">
+            <a:avLst/>
+          </a:prstGeom>
+          <a:ln w="19050">
+            <a:solidFill>
+              <a:schemeClr val="accent6">
+                <a:lumMod val="75000"/>
+              </a:schemeClr>
+            </a:solidFill>
+            <a:prstDash val="sysDash"/>
+          </a:ln>
+          <a:effectLst/>
+        </p:spPr>
+        <p:style>
+          <a:lnRef idx="1">
+            <a:schemeClr val="accent1"/>
+          </a:lnRef>
+          <a:fillRef idx="2">
+            <a:schemeClr val="accent1"/>
+          </a:fillRef>
+          <a:effectRef idx="1">
+            <a:schemeClr val="accent1"/>
+          </a:effectRef>
+          <a:fontRef idx="minor">
+            <a:schemeClr val="dk1"/>
+          </a:fontRef>
+        </p:style>
+      </p:cxnSp>
+      <p:sp>
+        <p:nvSpPr>
+          <p:cNvPr id="55" name="Rectangle 54"/>
+          <p:cNvSpPr/>
+          <p:nvPr/>
+        </p:nvSpPr>
+        <p:spPr>
+          <a:xfrm>
+            <a:off x="7844987" y="5335662"/>
+            <a:ext cx="124478" cy="287409"/>
+          </a:xfrm>
+          <a:prstGeom prst="rect">
+            <a:avLst/>
+          </a:prstGeom>
+          <a:solidFill>
+            <a:schemeClr val="accent6">
+              <a:lumMod val="75000"/>
+            </a:schemeClr>
+          </a:solidFill>
+          <a:ln>
+            <a:solidFill>
+              <a:schemeClr val="accent6">
+                <a:lumMod val="75000"/>
+              </a:schemeClr>
+            </a:solidFill>
+          </a:ln>
+          <a:effectLst/>
+        </p:spPr>
+        <p:style>
+          <a:lnRef idx="1">
+            <a:schemeClr val="accent3"/>
+          </a:lnRef>
+          <a:fillRef idx="2">
+            <a:schemeClr val="accent3"/>
+          </a:fillRef>
+          <a:effectRef idx="1">
+            <a:schemeClr val="accent3"/>
+          </a:effectRef>
+          <a:fontRef idx="minor">
+            <a:schemeClr val="dk1"/>
+          </a:fontRef>
+        </p:style>
+        <p:txBody>
+          <a:bodyPr rtlCol="0" anchor="ctr"/>
+          <a:lstStyle/>
+          <a:p>
+            <a:pPr algn="ctr"/>
+            <a:endParaRPr lang="en-SG" sz="1400">
+              <a:solidFill>
+                <a:schemeClr val="dk1"/>
+              </a:solidFill>
+            </a:endParaRPr>
+          </a:p>
+        </p:txBody>
+      </p:sp>
+      <p:sp>
+        <p:nvSpPr>
+          <p:cNvPr id="62" name="TextBox 61"/>
+          <p:cNvSpPr txBox="1"/>
+          <p:nvPr/>
+        </p:nvSpPr>
+        <p:spPr>
+          <a:xfrm>
+            <a:off x="1810094" y="4797674"/>
+            <a:ext cx="2716635" cy="215444"/>
+          </a:xfrm>
+          <a:prstGeom prst="rect">
+            <a:avLst/>
+          </a:prstGeom>
+          <a:noFill/>
+        </p:spPr>
+        <p:txBody>
+          <a:bodyPr wrap="square" lIns="0" tIns="0" rIns="0" bIns="0" rtlCol="0">
+            <a:spAutoFit/>
+          </a:bodyPr>
+          <a:lstStyle/>
+          <a:p>
+            <a:r>
+              <a:rPr lang="en-US" sz="1400" dirty="0">
                 <a:solidFill>
                   <a:schemeClr val="accent5">
                     <a:lumMod val="75000"/>
@@ -5804,17 +6365,17 @@
               <a:t>post(</a:t>
             </a:r>
             <a:r>
-              <a:rPr lang="en-US" sz="1400" dirty="0" err="1" smtClean="0">
+              <a:rPr lang="en-US" sz="1400" dirty="0" err="1">
                 <a:solidFill>
                   <a:schemeClr val="accent5">
                     <a:lumMod val="75000"/>
                   </a:schemeClr>
                 </a:solidFill>
               </a:rPr>
-              <a:t>AddressBookChangedEvent</a:t>
-            </a:r>
-            <a:r>
-              <a:rPr lang="en-US" sz="1400" dirty="0" smtClean="0">
+              <a:t>TaskForceChangedEvent</a:t>
+            </a:r>
+            <a:r>
+              <a:rPr lang="en-US" sz="1400" dirty="0">
                 <a:solidFill>
                   <a:schemeClr val="accent5">
                     <a:lumMod val="75000"/>
@@ -5823,37 +6384,32 @@
               </a:rPr>
               <a:t>)</a:t>
             </a:r>
-            <a:endParaRPr lang="en-US" sz="1400" dirty="0">
-              <a:solidFill>
-                <a:schemeClr val="accent5">
-                  <a:lumMod val="75000"/>
-                </a:schemeClr>
-              </a:solidFill>
-            </a:endParaRPr>
           </a:p>
         </p:txBody>
       </p:sp>
       <p:cxnSp>
         <p:nvCxnSpPr>
-          <p:cNvPr id="34" name="Straight Arrow Connector 33"/>
+          <p:cNvPr id="63" name="Straight Arrow Connector 62"/>
           <p:cNvCxnSpPr/>
           <p:nvPr/>
         </p:nvCxnSpPr>
         <p:spPr>
-          <a:xfrm>
-            <a:off x="3954408" y="2190681"/>
-            <a:ext cx="1837184" cy="0"/>
+          <a:xfrm flipH="1">
+            <a:off x="4526729" y="5623071"/>
+            <a:ext cx="3383941" cy="0"/>
           </a:xfrm>
           <a:prstGeom prst="straightConnector1">
             <a:avLst/>
           </a:prstGeom>
           <a:ln w="19050">
             <a:solidFill>
-              <a:srgbClr val="7030A0"/>
+              <a:schemeClr val="accent6">
+                <a:lumMod val="75000"/>
+              </a:schemeClr>
             </a:solidFill>
             <a:prstDash val="sysDash"/>
-            <a:headEnd type="arrow" w="med" len="med"/>
-            <a:tailEnd type="none" w="med" len="med"/>
+            <a:headEnd type="none" w="med" len="med"/>
+            <a:tailEnd type="arrow" w="med" len="med"/>
           </a:ln>
         </p:spPr>
         <p:style>
@@ -5871,91 +6427,15 @@
           </a:fontRef>
         </p:style>
       </p:cxnSp>
-      <p:cxnSp>
-        <p:nvCxnSpPr>
-          <p:cNvPr id="35" name="Straight Arrow Connector 34"/>
-          <p:cNvCxnSpPr/>
-          <p:nvPr/>
-        </p:nvCxnSpPr>
-        <p:spPr>
-          <a:xfrm>
-            <a:off x="1739069" y="2266002"/>
-            <a:ext cx="2058118" cy="0"/>
-          </a:xfrm>
-          <a:prstGeom prst="straightConnector1">
-            <a:avLst/>
-          </a:prstGeom>
-          <a:ln w="19050">
-            <a:solidFill>
-              <a:srgbClr val="0070C0"/>
-            </a:solidFill>
-            <a:prstDash val="sysDash"/>
-            <a:headEnd type="arrow" w="med" len="med"/>
-            <a:tailEnd type="none" w="med" len="med"/>
-          </a:ln>
-        </p:spPr>
-        <p:style>
-          <a:lnRef idx="1">
-            <a:schemeClr val="accent1"/>
-          </a:lnRef>
-          <a:fillRef idx="0">
-            <a:schemeClr val="accent1"/>
-          </a:fillRef>
-          <a:effectRef idx="0">
-            <a:schemeClr val="accent1"/>
-          </a:effectRef>
-          <a:fontRef idx="minor">
-            <a:schemeClr val="tx1"/>
-          </a:fontRef>
-        </p:style>
-      </p:cxnSp>
-      <p:cxnSp>
-        <p:nvCxnSpPr>
-          <p:cNvPr id="37" name="Straight Arrow Connector 36"/>
-          <p:cNvCxnSpPr/>
-          <p:nvPr/>
-        </p:nvCxnSpPr>
-        <p:spPr>
-          <a:xfrm>
-            <a:off x="390618" y="2342202"/>
-            <a:ext cx="1196051" cy="0"/>
-          </a:xfrm>
-          <a:prstGeom prst="straightConnector1">
-            <a:avLst/>
-          </a:prstGeom>
-          <a:ln w="19050">
-            <a:solidFill>
-              <a:srgbClr val="00B050"/>
-            </a:solidFill>
-            <a:prstDash val="sysDash"/>
-            <a:headEnd type="arrow" w="med" len="med"/>
-            <a:tailEnd type="none" w="med" len="med"/>
-          </a:ln>
-        </p:spPr>
-        <p:style>
-          <a:lnRef idx="1">
-            <a:schemeClr val="accent1"/>
-          </a:lnRef>
-          <a:fillRef idx="0">
-            <a:schemeClr val="accent1"/>
-          </a:fillRef>
-          <a:effectRef idx="0">
-            <a:schemeClr val="accent1"/>
-          </a:effectRef>
-          <a:fontRef idx="minor">
-            <a:schemeClr val="tx1"/>
-          </a:fontRef>
-        </p:style>
-      </p:cxnSp>
-      <p:sp>
-        <p:nvSpPr>
-          <p:cNvPr id="39" name="Rectangle 62"/>
+      <p:sp>
+        <p:nvSpPr>
+          <p:cNvPr id="66" name="Rectangle 62"/>
           <p:cNvSpPr/>
           <p:nvPr/>
         </p:nvSpPr>
         <p:spPr>
           <a:xfrm>
-            <a:off x="7696200" y="591251"/>
+            <a:off x="3791146" y="4295233"/>
             <a:ext cx="1371600" cy="346760"/>
           </a:xfrm>
           <a:prstGeom prst="rect">
@@ -5995,7 +6475,7 @@
           <a:p>
             <a:pPr algn="ctr"/>
             <a:r>
-              <a:rPr lang="en-US" sz="1600" dirty="0" smtClean="0">
+              <a:rPr lang="en-US" sz="1600" dirty="0">
                 <a:solidFill>
                   <a:schemeClr val="bg1"/>
                 </a:solidFill>
@@ -6003,7 +6483,7 @@
               <a:t>:</a:t>
             </a:r>
             <a:r>
-              <a:rPr lang="en-US" sz="1600" dirty="0" err="1" smtClean="0">
+              <a:rPr lang="en-US" sz="1600" dirty="0" err="1">
                 <a:solidFill>
                   <a:schemeClr val="bg1"/>
                 </a:solidFill>
@@ -6020,13 +6500,13 @@
       </p:sp>
       <p:cxnSp>
         <p:nvCxnSpPr>
-          <p:cNvPr id="40" name="Straight Connector 39"/>
+          <p:cNvPr id="67" name="Straight Connector 66"/>
           <p:cNvCxnSpPr/>
           <p:nvPr/>
         </p:nvCxnSpPr>
         <p:spPr>
           <a:xfrm>
-            <a:off x="8616802" y="944305"/>
+            <a:off x="4456731" y="4648287"/>
             <a:ext cx="0" cy="1723059"/>
           </a:xfrm>
           <a:prstGeom prst="line">
@@ -6059,14 +6539,14 @@
       </p:cxnSp>
       <p:sp>
         <p:nvSpPr>
-          <p:cNvPr id="41" name="Rectangle 40"/>
+          <p:cNvPr id="68" name="Rectangle 67"/>
           <p:cNvSpPr/>
           <p:nvPr/>
         </p:nvSpPr>
         <p:spPr>
           <a:xfrm>
-            <a:off x="8544794" y="1961202"/>
-            <a:ext cx="142006" cy="176787"/>
+            <a:off x="4384723" y="5071220"/>
+            <a:ext cx="142006" cy="1036757"/>
           </a:xfrm>
           <a:prstGeom prst="rect">
             <a:avLst/>
@@ -6114,506 +6594,6 @@
       </p:sp>
       <p:cxnSp>
         <p:nvCxnSpPr>
-          <p:cNvPr id="42" name="Straight Arrow Connector 41"/>
-          <p:cNvCxnSpPr/>
-          <p:nvPr/>
-        </p:nvCxnSpPr>
-        <p:spPr>
-          <a:xfrm>
-            <a:off x="5943992" y="1961202"/>
-            <a:ext cx="2568438" cy="0"/>
-          </a:xfrm>
-          <a:prstGeom prst="straightConnector1">
-            <a:avLst/>
-          </a:prstGeom>
-          <a:ln w="19050">
-            <a:solidFill>
-              <a:srgbClr val="7030A0"/>
-            </a:solidFill>
-            <a:tailEnd type="arrow"/>
-          </a:ln>
-        </p:spPr>
-        <p:style>
-          <a:lnRef idx="1">
-            <a:schemeClr val="accent1"/>
-          </a:lnRef>
-          <a:fillRef idx="0">
-            <a:schemeClr val="accent1"/>
-          </a:fillRef>
-          <a:effectRef idx="0">
-            <a:schemeClr val="accent1"/>
-          </a:effectRef>
-          <a:fontRef idx="minor">
-            <a:schemeClr val="tx1"/>
-          </a:fontRef>
-        </p:style>
-      </p:cxnSp>
-      <p:cxnSp>
-        <p:nvCxnSpPr>
-          <p:cNvPr id="44" name="Straight Arrow Connector 43"/>
-          <p:cNvCxnSpPr/>
-          <p:nvPr/>
-        </p:nvCxnSpPr>
-        <p:spPr>
-          <a:xfrm>
-            <a:off x="5943992" y="2137989"/>
-            <a:ext cx="2549946" cy="0"/>
-          </a:xfrm>
-          <a:prstGeom prst="straightConnector1">
-            <a:avLst/>
-          </a:prstGeom>
-          <a:ln w="19050">
-            <a:solidFill>
-              <a:schemeClr val="accent5">
-                <a:lumMod val="75000"/>
-              </a:schemeClr>
-            </a:solidFill>
-            <a:prstDash val="sysDash"/>
-            <a:headEnd type="arrow" w="med" len="med"/>
-            <a:tailEnd type="none" w="med" len="med"/>
-          </a:ln>
-        </p:spPr>
-        <p:style>
-          <a:lnRef idx="1">
-            <a:schemeClr val="accent1"/>
-          </a:lnRef>
-          <a:fillRef idx="0">
-            <a:schemeClr val="accent1"/>
-          </a:fillRef>
-          <a:effectRef idx="0">
-            <a:schemeClr val="accent1"/>
-          </a:effectRef>
-          <a:fontRef idx="minor">
-            <a:schemeClr val="tx1"/>
-          </a:fontRef>
-        </p:style>
-      </p:cxnSp>
-      <p:sp>
-        <p:nvSpPr>
-          <p:cNvPr id="53" name="Rectangle 62"/>
-          <p:cNvSpPr/>
-          <p:nvPr/>
-        </p:nvSpPr>
-        <p:spPr>
-          <a:xfrm>
-            <a:off x="7370178" y="4278322"/>
-            <a:ext cx="1093635" cy="346760"/>
-          </a:xfrm>
-          <a:prstGeom prst="rect">
-            <a:avLst/>
-          </a:prstGeom>
-          <a:solidFill>
-            <a:schemeClr val="accent6">
-              <a:lumMod val="75000"/>
-            </a:schemeClr>
-          </a:solidFill>
-          <a:ln w="19050">
-            <a:solidFill>
-              <a:schemeClr val="accent6">
-                <a:lumMod val="75000"/>
-              </a:schemeClr>
-            </a:solidFill>
-          </a:ln>
-          <a:effectLst/>
-        </p:spPr>
-        <p:style>
-          <a:lnRef idx="1">
-            <a:schemeClr val="accent2"/>
-          </a:lnRef>
-          <a:fillRef idx="2">
-            <a:schemeClr val="accent2"/>
-          </a:fillRef>
-          <a:effectRef idx="1">
-            <a:schemeClr val="accent2"/>
-          </a:effectRef>
-          <a:fontRef idx="minor">
-            <a:schemeClr val="dk1"/>
-          </a:fontRef>
-        </p:style>
-        <p:txBody>
-          <a:bodyPr rtlCol="0" anchor="ctr"/>
-          <a:lstStyle/>
-          <a:p>
-            <a:pPr algn="ctr"/>
-            <a:r>
-              <a:rPr lang="en-US" sz="1600" dirty="0" smtClean="0">
-                <a:solidFill>
-                  <a:schemeClr val="bg1"/>
-                </a:solidFill>
-              </a:rPr>
-              <a:t>:Storage</a:t>
-            </a:r>
-            <a:endParaRPr lang="en-SG" sz="1600" dirty="0">
-              <a:solidFill>
-                <a:schemeClr val="bg1"/>
-              </a:solidFill>
-            </a:endParaRPr>
-          </a:p>
-        </p:txBody>
-      </p:sp>
-      <p:cxnSp>
-        <p:nvCxnSpPr>
-          <p:cNvPr id="54" name="Straight Connector 53"/>
-          <p:cNvCxnSpPr/>
-          <p:nvPr/>
-        </p:nvCxnSpPr>
-        <p:spPr>
-          <a:xfrm>
-            <a:off x="7916995" y="4641993"/>
-            <a:ext cx="0" cy="1723059"/>
-          </a:xfrm>
-          <a:prstGeom prst="line">
-            <a:avLst/>
-          </a:prstGeom>
-          <a:ln w="19050">
-            <a:solidFill>
-              <a:schemeClr val="accent6">
-                <a:lumMod val="75000"/>
-              </a:schemeClr>
-            </a:solidFill>
-            <a:prstDash val="sysDash"/>
-          </a:ln>
-          <a:effectLst/>
-        </p:spPr>
-        <p:style>
-          <a:lnRef idx="1">
-            <a:schemeClr val="accent1"/>
-          </a:lnRef>
-          <a:fillRef idx="2">
-            <a:schemeClr val="accent1"/>
-          </a:fillRef>
-          <a:effectRef idx="1">
-            <a:schemeClr val="accent1"/>
-          </a:effectRef>
-          <a:fontRef idx="minor">
-            <a:schemeClr val="dk1"/>
-          </a:fontRef>
-        </p:style>
-      </p:cxnSp>
-      <p:sp>
-        <p:nvSpPr>
-          <p:cNvPr id="55" name="Rectangle 54"/>
-          <p:cNvSpPr/>
-          <p:nvPr/>
-        </p:nvSpPr>
-        <p:spPr>
-          <a:xfrm>
-            <a:off x="7844987" y="5335662"/>
-            <a:ext cx="124478" cy="287409"/>
-          </a:xfrm>
-          <a:prstGeom prst="rect">
-            <a:avLst/>
-          </a:prstGeom>
-          <a:solidFill>
-            <a:schemeClr val="accent6">
-              <a:lumMod val="75000"/>
-            </a:schemeClr>
-          </a:solidFill>
-          <a:ln>
-            <a:solidFill>
-              <a:schemeClr val="accent6">
-                <a:lumMod val="75000"/>
-              </a:schemeClr>
-            </a:solidFill>
-          </a:ln>
-          <a:effectLst/>
-        </p:spPr>
-        <p:style>
-          <a:lnRef idx="1">
-            <a:schemeClr val="accent3"/>
-          </a:lnRef>
-          <a:fillRef idx="2">
-            <a:schemeClr val="accent3"/>
-          </a:fillRef>
-          <a:effectRef idx="1">
-            <a:schemeClr val="accent3"/>
-          </a:effectRef>
-          <a:fontRef idx="minor">
-            <a:schemeClr val="dk1"/>
-          </a:fontRef>
-        </p:style>
-        <p:txBody>
-          <a:bodyPr rtlCol="0" anchor="ctr"/>
-          <a:lstStyle/>
-          <a:p>
-            <a:pPr algn="ctr"/>
-            <a:endParaRPr lang="en-SG" sz="1400">
-              <a:solidFill>
-                <a:schemeClr val="dk1"/>
-              </a:solidFill>
-            </a:endParaRPr>
-          </a:p>
-        </p:txBody>
-      </p:sp>
-      <p:sp>
-        <p:nvSpPr>
-          <p:cNvPr id="62" name="TextBox 61"/>
-          <p:cNvSpPr txBox="1"/>
-          <p:nvPr/>
-        </p:nvSpPr>
-        <p:spPr>
-          <a:xfrm>
-            <a:off x="1810094" y="4797674"/>
-            <a:ext cx="2716635" cy="215444"/>
-          </a:xfrm>
-          <a:prstGeom prst="rect">
-            <a:avLst/>
-          </a:prstGeom>
-          <a:noFill/>
-        </p:spPr>
-        <p:txBody>
-          <a:bodyPr wrap="square" lIns="0" tIns="0" rIns="0" bIns="0" rtlCol="0">
-            <a:spAutoFit/>
-          </a:bodyPr>
-          <a:lstStyle/>
-          <a:p>
-            <a:r>
-              <a:rPr lang="en-US" sz="1400" dirty="0" smtClean="0">
-                <a:solidFill>
-                  <a:schemeClr val="accent5">
-                    <a:lumMod val="75000"/>
-                  </a:schemeClr>
-                </a:solidFill>
-              </a:rPr>
-              <a:t>post(</a:t>
-            </a:r>
-            <a:r>
-              <a:rPr lang="en-US" sz="1400" dirty="0" err="1" smtClean="0">
-                <a:solidFill>
-                  <a:schemeClr val="accent5">
-                    <a:lumMod val="75000"/>
-                  </a:schemeClr>
-                </a:solidFill>
-              </a:rPr>
-              <a:t>AddressBookChangedEvent</a:t>
-            </a:r>
-            <a:r>
-              <a:rPr lang="en-US" sz="1400" dirty="0" smtClean="0">
-                <a:solidFill>
-                  <a:schemeClr val="accent5">
-                    <a:lumMod val="75000"/>
-                  </a:schemeClr>
-                </a:solidFill>
-              </a:rPr>
-              <a:t>)</a:t>
-            </a:r>
-            <a:endParaRPr lang="en-US" sz="1400" dirty="0">
-              <a:solidFill>
-                <a:schemeClr val="accent5">
-                  <a:lumMod val="75000"/>
-                </a:schemeClr>
-              </a:solidFill>
-            </a:endParaRPr>
-          </a:p>
-        </p:txBody>
-      </p:sp>
-      <p:cxnSp>
-        <p:nvCxnSpPr>
-          <p:cNvPr id="63" name="Straight Arrow Connector 62"/>
-          <p:cNvCxnSpPr/>
-          <p:nvPr/>
-        </p:nvCxnSpPr>
-        <p:spPr>
-          <a:xfrm flipH="1">
-            <a:off x="4526729" y="5623071"/>
-            <a:ext cx="3383941" cy="0"/>
-          </a:xfrm>
-          <a:prstGeom prst="straightConnector1">
-            <a:avLst/>
-          </a:prstGeom>
-          <a:ln w="19050">
-            <a:solidFill>
-              <a:schemeClr val="accent6">
-                <a:lumMod val="75000"/>
-              </a:schemeClr>
-            </a:solidFill>
-            <a:prstDash val="sysDash"/>
-            <a:headEnd type="none" w="med" len="med"/>
-            <a:tailEnd type="arrow" w="med" len="med"/>
-          </a:ln>
-        </p:spPr>
-        <p:style>
-          <a:lnRef idx="1">
-            <a:schemeClr val="accent1"/>
-          </a:lnRef>
-          <a:fillRef idx="0">
-            <a:schemeClr val="accent1"/>
-          </a:fillRef>
-          <a:effectRef idx="0">
-            <a:schemeClr val="accent1"/>
-          </a:effectRef>
-          <a:fontRef idx="minor">
-            <a:schemeClr val="tx1"/>
-          </a:fontRef>
-        </p:style>
-      </p:cxnSp>
-      <p:sp>
-        <p:nvSpPr>
-          <p:cNvPr id="66" name="Rectangle 62"/>
-          <p:cNvSpPr/>
-          <p:nvPr/>
-        </p:nvSpPr>
-        <p:spPr>
-          <a:xfrm>
-            <a:off x="3791146" y="4295233"/>
-            <a:ext cx="1371600" cy="346760"/>
-          </a:xfrm>
-          <a:prstGeom prst="rect">
-            <a:avLst/>
-          </a:prstGeom>
-          <a:solidFill>
-            <a:schemeClr val="accent5">
-              <a:lumMod val="75000"/>
-            </a:schemeClr>
-          </a:solidFill>
-          <a:ln w="19050">
-            <a:solidFill>
-              <a:schemeClr val="accent5">
-                <a:lumMod val="75000"/>
-              </a:schemeClr>
-            </a:solidFill>
-          </a:ln>
-          <a:effectLst/>
-        </p:spPr>
-        <p:style>
-          <a:lnRef idx="1">
-            <a:schemeClr val="accent2"/>
-          </a:lnRef>
-          <a:fillRef idx="2">
-            <a:schemeClr val="accent2"/>
-          </a:fillRef>
-          <a:effectRef idx="1">
-            <a:schemeClr val="accent2"/>
-          </a:effectRef>
-          <a:fontRef idx="minor">
-            <a:schemeClr val="dk1"/>
-          </a:fontRef>
-        </p:style>
-        <p:txBody>
-          <a:bodyPr rtlCol="0" anchor="ctr"/>
-          <a:lstStyle/>
-          <a:p>
-            <a:pPr algn="ctr"/>
-            <a:r>
-              <a:rPr lang="en-US" sz="1600" dirty="0" smtClean="0">
-                <a:solidFill>
-                  <a:schemeClr val="bg1"/>
-                </a:solidFill>
-              </a:rPr>
-              <a:t>:</a:t>
-            </a:r>
-            <a:r>
-              <a:rPr lang="en-US" sz="1600" dirty="0" err="1" smtClean="0">
-                <a:solidFill>
-                  <a:schemeClr val="bg1"/>
-                </a:solidFill>
-              </a:rPr>
-              <a:t>EventsCenter</a:t>
-            </a:r>
-            <a:endParaRPr lang="en-SG" sz="1600" dirty="0">
-              <a:solidFill>
-                <a:schemeClr val="bg1"/>
-              </a:solidFill>
-            </a:endParaRPr>
-          </a:p>
-        </p:txBody>
-      </p:sp>
-      <p:cxnSp>
-        <p:nvCxnSpPr>
-          <p:cNvPr id="67" name="Straight Connector 66"/>
-          <p:cNvCxnSpPr/>
-          <p:nvPr/>
-        </p:nvCxnSpPr>
-        <p:spPr>
-          <a:xfrm>
-            <a:off x="4456731" y="4648287"/>
-            <a:ext cx="0" cy="1723059"/>
-          </a:xfrm>
-          <a:prstGeom prst="line">
-            <a:avLst/>
-          </a:prstGeom>
-          <a:ln w="19050">
-            <a:solidFill>
-              <a:schemeClr val="accent5">
-                <a:lumMod val="75000"/>
-              </a:schemeClr>
-            </a:solidFill>
-            <a:prstDash val="sysDash"/>
-          </a:ln>
-          <a:effectLst/>
-        </p:spPr>
-        <p:style>
-          <a:lnRef idx="1">
-            <a:schemeClr val="accent1"/>
-          </a:lnRef>
-          <a:fillRef idx="2">
-            <a:schemeClr val="accent1"/>
-          </a:fillRef>
-          <a:effectRef idx="1">
-            <a:schemeClr val="accent1"/>
-          </a:effectRef>
-          <a:fontRef idx="minor">
-            <a:schemeClr val="dk1"/>
-          </a:fontRef>
-        </p:style>
-      </p:cxnSp>
-      <p:sp>
-        <p:nvSpPr>
-          <p:cNvPr id="68" name="Rectangle 67"/>
-          <p:cNvSpPr/>
-          <p:nvPr/>
-        </p:nvSpPr>
-        <p:spPr>
-          <a:xfrm>
-            <a:off x="4384723" y="5071220"/>
-            <a:ext cx="142006" cy="1036757"/>
-          </a:xfrm>
-          <a:prstGeom prst="rect">
-            <a:avLst/>
-          </a:prstGeom>
-          <a:solidFill>
-            <a:schemeClr val="accent5">
-              <a:lumMod val="75000"/>
-            </a:schemeClr>
-          </a:solidFill>
-          <a:ln>
-            <a:solidFill>
-              <a:schemeClr val="accent5">
-                <a:lumMod val="75000"/>
-              </a:schemeClr>
-            </a:solidFill>
-          </a:ln>
-          <a:effectLst/>
-        </p:spPr>
-        <p:style>
-          <a:lnRef idx="1">
-            <a:schemeClr val="accent3"/>
-          </a:lnRef>
-          <a:fillRef idx="2">
-            <a:schemeClr val="accent3"/>
-          </a:fillRef>
-          <a:effectRef idx="1">
-            <a:schemeClr val="accent3"/>
-          </a:effectRef>
-          <a:fontRef idx="minor">
-            <a:schemeClr val="dk1"/>
-          </a:fontRef>
-        </p:style>
-        <p:txBody>
-          <a:bodyPr rtlCol="0" anchor="ctr"/>
-          <a:lstStyle/>
-          <a:p>
-            <a:pPr algn="ctr"/>
-            <a:endParaRPr lang="en-SG" sz="1400">
-              <a:solidFill>
-                <a:schemeClr val="dk1"/>
-              </a:solidFill>
-            </a:endParaRPr>
-          </a:p>
-        </p:txBody>
-      </p:sp>
-      <p:cxnSp>
-        <p:nvCxnSpPr>
           <p:cNvPr id="69" name="Straight Arrow Connector 68"/>
           <p:cNvCxnSpPr/>
           <p:nvPr/>
@@ -6750,17 +6730,17 @@
           <a:lstStyle/>
           <a:p>
             <a:r>
-              <a:rPr lang="en-US" sz="1400" dirty="0" err="1" smtClean="0">
+              <a:rPr lang="en-US" sz="1400" dirty="0" err="1">
                 <a:solidFill>
                   <a:schemeClr val="accent6">
                     <a:lumMod val="75000"/>
                   </a:schemeClr>
                 </a:solidFill>
               </a:rPr>
-              <a:t>handleAddresssBookChangedEvent</a:t>
-            </a:r>
-            <a:r>
-              <a:rPr lang="en-US" sz="1400" dirty="0" smtClean="0">
+              <a:t>handleTaskForceChangedEvent</a:t>
+            </a:r>
+            <a:r>
+              <a:rPr lang="en-US" sz="1400" dirty="0">
                 <a:solidFill>
                   <a:schemeClr val="accent6">
                     <a:lumMod val="75000"/>
@@ -6769,13 +6749,6 @@
               </a:rPr>
               <a:t>()</a:t>
             </a:r>
-            <a:endParaRPr lang="en-US" sz="1400" dirty="0">
-              <a:solidFill>
-                <a:schemeClr val="accent6">
-                  <a:lumMod val="75000"/>
-                </a:schemeClr>
-              </a:solidFill>
-            </a:endParaRPr>
           </a:p>
         </p:txBody>
       </p:sp>
@@ -6860,7 +6833,7 @@
           <a:p>
             <a:pPr algn="ctr"/>
             <a:r>
-              <a:rPr lang="en-US" sz="1600" dirty="0" smtClean="0">
+              <a:rPr lang="en-US" sz="1600" dirty="0">
                 <a:solidFill>
                   <a:schemeClr val="bg1"/>
                 </a:solidFill>
@@ -7063,26 +7036,21 @@
           <a:lstStyle/>
           <a:p>
             <a:r>
-              <a:rPr lang="en-US" sz="1400" dirty="0" err="1" smtClean="0">
+              <a:rPr lang="en-US" sz="1400" dirty="0" err="1">
                 <a:solidFill>
                   <a:srgbClr val="00B050"/>
                 </a:solidFill>
               </a:rPr>
-              <a:t>handleAddresssBookChangedEvent</a:t>
-            </a:r>
-            <a:r>
-              <a:rPr lang="en-US" sz="1400" dirty="0" smtClean="0">
+              <a:t>handleTaskForceChangedEvent</a:t>
+            </a:r>
+            <a:r>
+              <a:rPr lang="en-US" sz="1400" dirty="0">
                 <a:solidFill>
                   <a:srgbClr val="00B050"/>
                 </a:solidFill>
               </a:rPr>
               <a:t>()</a:t>
             </a:r>
-            <a:endParaRPr lang="en-US" sz="1400" dirty="0">
-              <a:solidFill>
-                <a:srgbClr val="00B050"/>
-              </a:solidFill>
-            </a:endParaRPr>
           </a:p>
         </p:txBody>
       </p:sp>
@@ -7269,18 +7237,13 @@
           <a:p>
             <a:pPr algn="r"/>
             <a:r>
-              <a:rPr lang="en-US" sz="1400" dirty="0" smtClean="0">
+              <a:rPr lang="en-US" sz="1400" dirty="0">
                 <a:solidFill>
                   <a:srgbClr val="00B050"/>
                 </a:solidFill>
               </a:rPr>
               <a:t>Update status bar</a:t>
             </a:r>
-            <a:endParaRPr lang="en-US" sz="1400" dirty="0">
-              <a:solidFill>
-                <a:srgbClr val="00B050"/>
-              </a:solidFill>
-            </a:endParaRPr>
           </a:p>
         </p:txBody>
       </p:sp>
@@ -7470,7 +7433,7 @@
           <a:lstStyle/>
           <a:p>
             <a:r>
-              <a:rPr lang="en-US" sz="1400" dirty="0" smtClean="0">
+              <a:rPr lang="en-US" sz="1400" dirty="0">
                 <a:solidFill>
                   <a:schemeClr val="accent6">
                     <a:lumMod val="75000"/>
@@ -7480,7 +7443,7 @@
               <a:t>Save </a:t>
             </a:r>
             <a:br>
-              <a:rPr lang="en-US" sz="1400" dirty="0" smtClean="0">
+              <a:rPr lang="en-US" sz="1400" dirty="0">
                 <a:solidFill>
                   <a:schemeClr val="accent6">
                     <a:lumMod val="75000"/>
@@ -7489,7 +7452,7 @@
               </a:rPr>
             </a:br>
             <a:r>
-              <a:rPr lang="en-US" sz="1400" dirty="0" smtClean="0">
+              <a:rPr lang="en-US" sz="1400" dirty="0">
                 <a:solidFill>
                   <a:schemeClr val="accent6">
                     <a:lumMod val="75000"/>
@@ -7498,13 +7461,6 @@
               </a:rPr>
               <a:t>to file</a:t>
             </a:r>
-            <a:endParaRPr lang="en-US" sz="1400" dirty="0">
-              <a:solidFill>
-                <a:schemeClr val="accent6">
-                  <a:lumMod val="75000"/>
-                </a:schemeClr>
-              </a:solidFill>
-            </a:endParaRPr>
           </a:p>
         </p:txBody>
       </p:sp>
@@ -7581,7 +7537,7 @@
           <a:lstStyle/>
           <a:p>
             <a:r>
-              <a:rPr lang="en-US" sz="1200" b="1" dirty="0" smtClean="0">
+              <a:rPr lang="en-US" sz="1200" b="1" dirty="0">
                 <a:solidFill>
                   <a:schemeClr val="accent3">
                     <a:lumMod val="75000"/>
@@ -7764,7 +7720,7 @@
           <a:p>
             <a:pPr algn="ctr"/>
             <a:r>
-              <a:rPr lang="en-US" sz="1050" dirty="0" err="1" smtClean="0">
+              <a:rPr lang="en-US" sz="1050" dirty="0" err="1">
                 <a:solidFill>
                   <a:schemeClr val="bg1"/>
                 </a:solidFill>
@@ -8141,7 +8097,7 @@
                   </a:schemeClr>
                 </a:solidFill>
               </a:rPr>
-              <a:t>PersonListPanel</a:t>
+              <a:t>TaskListPanel</a:t>
             </a:r>
             <a:endParaRPr lang="en-SG" sz="1050" b="1" dirty="0">
               <a:solidFill>
@@ -8201,7 +8157,7 @@
                   </a:schemeClr>
                 </a:solidFill>
               </a:rPr>
-              <a:t>PersonCard</a:t>
+              <a:t>TaskCard</a:t>
             </a:r>
             <a:endParaRPr lang="en-SG" sz="1050" b="1" dirty="0">
               <a:solidFill>
@@ -8626,7 +8582,7 @@
           <a:p>
             <a:pPr algn="ctr"/>
             <a:r>
-              <a:rPr lang="en-US" sz="1050" b="1" dirty="0" smtClean="0">
+              <a:rPr lang="en-US" sz="1050" b="1" dirty="0">
                 <a:solidFill>
                   <a:schemeClr val="accent3">
                     <a:lumMod val="75000"/>
@@ -8636,7 +8592,7 @@
               <a:t>{abstract}</a:t>
             </a:r>
             <a:br>
-              <a:rPr lang="en-US" sz="1050" b="1" dirty="0" smtClean="0">
+              <a:rPr lang="en-US" sz="1050" b="1" dirty="0">
                 <a:solidFill>
                   <a:schemeClr val="accent3">
                     <a:lumMod val="75000"/>
@@ -8645,7 +8601,7 @@
               </a:rPr>
             </a:br>
             <a:r>
-              <a:rPr lang="en-US" sz="1050" b="1" dirty="0" err="1" smtClean="0">
+              <a:rPr lang="en-US" sz="1050" b="1" dirty="0" err="1">
                 <a:solidFill>
                   <a:schemeClr val="accent3">
                     <a:lumMod val="75000"/>
@@ -9134,7 +9090,7 @@
           <a:p>
             <a:pPr algn="ctr"/>
             <a:r>
-              <a:rPr lang="en-US" sz="1100" b="1" dirty="0" smtClean="0">
+              <a:rPr lang="en-US" sz="1100" b="1" dirty="0">
                 <a:solidFill>
                   <a:schemeClr val="bg1"/>
                 </a:solidFill>
@@ -9193,7 +9149,7 @@
           <a:p>
             <a:pPr algn="ctr"/>
             <a:r>
-              <a:rPr lang="en-US" sz="1050" dirty="0" smtClean="0">
+              <a:rPr lang="en-US" sz="1050" dirty="0">
                 <a:solidFill>
                   <a:schemeClr val="bg1"/>
                 </a:solidFill>
@@ -9204,7 +9160,7 @@
           <a:p>
             <a:pPr algn="ctr"/>
             <a:r>
-              <a:rPr lang="en-US" sz="1050" dirty="0" err="1" smtClean="0">
+              <a:rPr lang="en-US" sz="1050" dirty="0" err="1">
                 <a:solidFill>
                   <a:schemeClr val="bg1"/>
                 </a:solidFill>
@@ -9753,13 +9709,6 @@
   <p:clrMapOvr>
     <a:masterClrMapping/>
   </p:clrMapOvr>
-  <p:timing>
-    <p:tnLst>
-      <p:par>
-        <p:cTn id="1" dur="indefinite" restart="never" nodeType="tmRoot"/>
-      </p:par>
-    </p:tnLst>
-  </p:timing>
 </p:sld>
 </file>
 
@@ -9788,8 +9737,8 @@
         </p:nvSpPr>
         <p:spPr>
           <a:xfrm>
-            <a:off x="1103085" y="2057399"/>
-            <a:ext cx="6288315" cy="2272167"/>
+            <a:off x="1103085" y="898894"/>
+            <a:ext cx="6288315" cy="3415166"/>
           </a:xfrm>
           <a:prstGeom prst="roundRect">
             <a:avLst>
@@ -9826,7 +9775,7 @@
           <a:lstStyle/>
           <a:p>
             <a:r>
-              <a:rPr lang="en-US" sz="1200" b="1" dirty="0" smtClean="0">
+              <a:rPr lang="en-US" sz="1200" b="1" dirty="0">
                 <a:solidFill>
                   <a:srgbClr val="0070C0"/>
                 </a:solidFill>
@@ -9849,7 +9798,7 @@
         </p:nvSpPr>
         <p:spPr>
           <a:xfrm>
-            <a:off x="2095948" y="2548840"/>
+            <a:off x="2095948" y="1432739"/>
             <a:ext cx="1093635" cy="346760"/>
           </a:xfrm>
           <a:prstGeom prst="rect">
@@ -9964,7 +9913,7 @@
         </p:nvSpPr>
         <p:spPr>
           <a:xfrm>
-            <a:off x="2015218" y="3763620"/>
+            <a:off x="1780785" y="3763620"/>
             <a:ext cx="1093635" cy="346760"/>
           </a:xfrm>
           <a:prstGeom prst="rect">
@@ -10000,7 +9949,7 @@
           <a:p>
             <a:pPr algn="ctr"/>
             <a:r>
-              <a:rPr lang="en-US" sz="1050" dirty="0" err="1" smtClean="0">
+              <a:rPr lang="en-US" sz="1050" dirty="0" err="1">
                 <a:solidFill>
                   <a:schemeClr val="bg1"/>
                 </a:solidFill>
@@ -10025,12 +9974,12 @@
         </p:nvCxnSpPr>
         <p:spPr>
           <a:xfrm rot="10800000">
-            <a:off x="3189584" y="2722220"/>
-            <a:ext cx="2296817" cy="1187104"/>
+            <a:off x="3189584" y="1606119"/>
+            <a:ext cx="2296817" cy="2157062"/>
           </a:xfrm>
           <a:prstGeom prst="bentConnector3">
             <a:avLst>
-              <a:gd name="adj1" fmla="val -267"/>
+              <a:gd name="adj1" fmla="val -1707"/>
             </a:avLst>
           </a:prstGeom>
           <a:ln w="19050">
@@ -10116,7 +10065,7 @@
         </p:nvCxnSpPr>
         <p:spPr>
           <a:xfrm>
-            <a:off x="1676400" y="2719360"/>
+            <a:off x="1676400" y="1603259"/>
             <a:ext cx="419548" cy="2860"/>
           </a:xfrm>
           <a:prstGeom prst="bentConnector3">
@@ -10255,7 +10204,7 @@
                   <a:srgbClr val="0070C0"/>
                 </a:solidFill>
               </a:rPr>
-              <a:t>ListCommand</a:t>
+              <a:t>FindCommand</a:t>
             </a:r>
             <a:endParaRPr lang="en-SG" sz="1050" b="1" dirty="0">
               <a:solidFill>
@@ -10362,7 +10311,7 @@
           <a:p>
             <a:pPr algn="ctr"/>
             <a:r>
-              <a:rPr lang="en-US" sz="1050" b="1" dirty="0" smtClean="0">
+              <a:rPr lang="en-US" sz="1050" b="1" dirty="0">
                 <a:solidFill>
                   <a:srgbClr val="0070C0"/>
                 </a:solidFill>
@@ -10370,14 +10319,14 @@
               <a:t>{abstract}</a:t>
             </a:r>
             <a:br>
-              <a:rPr lang="en-US" sz="1050" b="1" dirty="0" smtClean="0">
+              <a:rPr lang="en-US" sz="1050" b="1" dirty="0">
                 <a:solidFill>
                   <a:srgbClr val="0070C0"/>
                 </a:solidFill>
               </a:rPr>
             </a:br>
             <a:r>
-              <a:rPr lang="en-US" sz="1050" b="1" dirty="0" smtClean="0">
+              <a:rPr lang="en-US" sz="1050" b="1" dirty="0">
                 <a:solidFill>
                   <a:srgbClr val="0070C0"/>
                 </a:solidFill>
@@ -10529,7 +10478,7 @@
         </p:nvSpPr>
         <p:spPr>
           <a:xfrm>
-            <a:off x="3527828" y="3766159"/>
+            <a:off x="3098739" y="3766159"/>
             <a:ext cx="585450" cy="346760"/>
           </a:xfrm>
           <a:prstGeom prst="rect">
@@ -10591,8 +10540,8 @@
         </p:nvCxnSpPr>
         <p:spPr>
           <a:xfrm>
-            <a:off x="3108853" y="3937000"/>
-            <a:ext cx="418975" cy="2539"/>
+            <a:off x="2874420" y="3937000"/>
+            <a:ext cx="224319" cy="2539"/>
           </a:xfrm>
           <a:prstGeom prst="bentConnector3">
             <a:avLst>
@@ -10673,8 +10622,8 @@
         </p:nvSpPr>
         <p:spPr>
           <a:xfrm rot="16200000">
-            <a:off x="956202" y="2861202"/>
-            <a:ext cx="1093635" cy="346760"/>
+            <a:off x="398120" y="2303120"/>
+            <a:ext cx="2209800" cy="346760"/>
           </a:xfrm>
           <a:prstGeom prst="rect">
             <a:avLst/>
@@ -10800,8 +10749,8 @@
         </p:nvCxnSpPr>
         <p:spPr>
           <a:xfrm rot="10800000">
-            <a:off x="1494292" y="3756924"/>
-            <a:ext cx="520927" cy="180077"/>
+            <a:off x="1494291" y="3756924"/>
+            <a:ext cx="286494" cy="180077"/>
           </a:xfrm>
           <a:prstGeom prst="bentConnector2">
             <a:avLst/>
@@ -10835,15 +10784,15 @@
         <p:nvCxnSpPr>
           <p:cNvPr id="24" name="Straight Arrow Connector 54"/>
           <p:cNvCxnSpPr>
-            <a:stCxn id="18" idx="3"/>
+            <a:stCxn id="56" idx="3"/>
             <a:endCxn id="14" idx="1"/>
           </p:cNvCxnSpPr>
           <p:nvPr/>
         </p:nvCxnSpPr>
         <p:spPr>
-          <a:xfrm flipV="1">
-            <a:off x="4113278" y="3939101"/>
-            <a:ext cx="702407" cy="438"/>
+          <a:xfrm>
+            <a:off x="4639530" y="3935930"/>
+            <a:ext cx="176155" cy="3171"/>
           </a:xfrm>
           <a:prstGeom prst="straightConnector1">
             <a:avLst/>
@@ -10883,7 +10832,7 @@
         </p:nvCxnSpPr>
         <p:spPr>
           <a:xfrm flipH="1">
-            <a:off x="2562035" y="4110380"/>
+            <a:off x="2327602" y="4110380"/>
             <a:ext cx="1" cy="438375"/>
           </a:xfrm>
           <a:prstGeom prst="straightConnector1">
@@ -10967,12 +10916,12 @@
         </p:nvCxnSpPr>
         <p:spPr>
           <a:xfrm rot="16200000" flipH="1">
-            <a:off x="3880820" y="2444835"/>
-            <a:ext cx="2101" cy="2639671"/>
+            <a:off x="3763604" y="2327618"/>
+            <a:ext cx="2101" cy="2874104"/>
           </a:xfrm>
           <a:prstGeom prst="bentConnector3">
             <a:avLst>
-              <a:gd name="adj1" fmla="val -10880533"/>
+              <a:gd name="adj1" fmla="val -82532842"/>
             </a:avLst>
           </a:prstGeom>
           <a:ln w="19050">
@@ -11008,7 +10957,7 @@
         </p:nvGrpSpPr>
         <p:grpSpPr>
           <a:xfrm>
-            <a:off x="4064583" y="3334635"/>
+            <a:off x="4064583" y="1836951"/>
             <a:ext cx="889000" cy="230832"/>
             <a:chOff x="2895600" y="807932"/>
             <a:chExt cx="889000" cy="230832"/>
@@ -11038,7 +10987,7 @@
             <a:p>
               <a:pPr algn="r"/>
               <a:r>
-                <a:rPr lang="en-US" sz="1100" dirty="0" smtClean="0">
+                <a:rPr lang="en-US" sz="1100" dirty="0">
                   <a:solidFill>
                     <a:srgbClr val="0070C0"/>
                   </a:solidFill>
@@ -11108,7 +11057,7 @@
         </p:nvGrpSpPr>
         <p:grpSpPr>
           <a:xfrm>
-            <a:off x="3973516" y="2512368"/>
+            <a:off x="4665110" y="1398872"/>
             <a:ext cx="868568" cy="230832"/>
             <a:chOff x="2755838" y="789460"/>
             <a:chExt cx="868568" cy="230832"/>
@@ -11137,7 +11086,7 @@
             <a:lstStyle/>
             <a:p>
               <a:r>
-                <a:rPr lang="en-US" sz="1100" dirty="0" smtClean="0">
+                <a:rPr lang="en-US" sz="1100" dirty="0">
                   <a:solidFill>
                     <a:srgbClr val="0070C0"/>
                   </a:solidFill>
@@ -11207,7 +11156,7 @@
         </p:nvSpPr>
         <p:spPr>
           <a:xfrm>
-            <a:off x="3210180" y="2423264"/>
+            <a:off x="2301175" y="1798145"/>
             <a:ext cx="131116" cy="230832"/>
           </a:xfrm>
           <a:prstGeom prst="rect">
@@ -11223,7 +11172,7 @@
           <a:p>
             <a:pPr algn="r"/>
             <a:r>
-              <a:rPr lang="en-US" sz="1100" dirty="0" smtClean="0">
+              <a:rPr lang="en-US" sz="1100" dirty="0">
                 <a:solidFill>
                   <a:srgbClr val="0070C0"/>
                 </a:solidFill>
@@ -11246,7 +11195,7 @@
         </p:nvSpPr>
         <p:spPr>
           <a:xfrm>
-            <a:off x="3341296" y="3700114"/>
+            <a:off x="2912207" y="3700114"/>
             <a:ext cx="131116" cy="230832"/>
           </a:xfrm>
           <a:prstGeom prst="rect">
@@ -11262,7 +11211,7 @@
           <a:p>
             <a:pPr algn="r"/>
             <a:r>
-              <a:rPr lang="en-US" sz="1100" dirty="0" smtClean="0">
+              <a:rPr lang="en-US" sz="1100" dirty="0">
                 <a:solidFill>
                   <a:srgbClr val="0070C0"/>
                 </a:solidFill>
@@ -11285,10 +11234,10 @@
         </p:nvGrpSpPr>
         <p:grpSpPr>
           <a:xfrm>
-            <a:off x="4038600" y="3962400"/>
-            <a:ext cx="685800" cy="230832"/>
-            <a:chOff x="2797314" y="807932"/>
-            <a:chExt cx="685800" cy="230832"/>
+            <a:off x="3254513" y="3601472"/>
+            <a:ext cx="574073" cy="256847"/>
+            <a:chOff x="2960530" y="848547"/>
+            <a:chExt cx="574073" cy="256847"/>
           </a:xfrm>
         </p:grpSpPr>
         <p:sp>
@@ -11299,7 +11248,7 @@
           </p:nvSpPr>
           <p:spPr>
             <a:xfrm>
-              <a:off x="2797314" y="807932"/>
+              <a:off x="2960530" y="848547"/>
               <a:ext cx="555487" cy="230832"/>
             </a:xfrm>
             <a:prstGeom prst="rect">
@@ -11315,7 +11264,7 @@
             <a:p>
               <a:pPr algn="r"/>
               <a:r>
-                <a:rPr lang="en-US" sz="1100" dirty="0" smtClean="0">
+                <a:rPr lang="en-US" sz="1100" dirty="0">
                   <a:solidFill>
                     <a:srgbClr val="0070C0"/>
                   </a:solidFill>
@@ -11337,8 +11286,8 @@
             <p:nvPr/>
           </p:nvSpPr>
           <p:spPr>
-            <a:xfrm rot="5400000">
-              <a:off x="3382038" y="866776"/>
+            <a:xfrm rot="10800000">
+              <a:off x="3408652" y="1029193"/>
               <a:ext cx="125951" cy="76201"/>
             </a:xfrm>
             <a:prstGeom prst="triangle">
@@ -11418,7 +11367,7 @@
           <a:p>
             <a:pPr algn="ctr"/>
             <a:r>
-              <a:rPr lang="en-US" sz="1050" b="1" dirty="0" smtClean="0">
+              <a:rPr lang="en-US" sz="1050" b="1" dirty="0">
                 <a:solidFill>
                   <a:srgbClr val="0070C0"/>
                 </a:solidFill>
@@ -11426,14 +11375,14 @@
               <a:t>Incorrect</a:t>
             </a:r>
             <a:br>
-              <a:rPr lang="en-US" sz="1050" b="1" dirty="0" smtClean="0">
+              <a:rPr lang="en-US" sz="1050" b="1" dirty="0">
                 <a:solidFill>
                   <a:srgbClr val="0070C0"/>
                 </a:solidFill>
               </a:rPr>
             </a:br>
             <a:r>
-              <a:rPr lang="en-US" sz="1050" b="1" dirty="0" smtClean="0">
+              <a:rPr lang="en-US" sz="1050" b="1" dirty="0">
                 <a:solidFill>
                   <a:srgbClr val="0070C0"/>
                 </a:solidFill>
@@ -11498,9 +11447,9 @@
           <p:nvPr/>
         </p:nvCxnSpPr>
         <p:spPr>
-          <a:xfrm rot="5400000" flipH="1" flipV="1">
-            <a:off x="1807196" y="3315772"/>
-            <a:ext cx="882304" cy="12700"/>
+          <a:xfrm rot="16200000" flipV="1">
+            <a:off x="1194071" y="2771559"/>
+            <a:ext cx="1970727" cy="1"/>
           </a:xfrm>
           <a:prstGeom prst="bentConnector3">
             <a:avLst>
@@ -11532,6 +11481,590 @@
           </a:fontRef>
         </p:style>
       </p:cxnSp>
+      <p:sp>
+        <p:nvSpPr>
+          <p:cNvPr id="56" name="Rectangle 62"/>
+          <p:cNvSpPr/>
+          <p:nvPr/>
+        </p:nvSpPr>
+        <p:spPr>
+          <a:xfrm>
+            <a:off x="3849135" y="3649268"/>
+            <a:ext cx="790395" cy="573324"/>
+          </a:xfrm>
+          <a:prstGeom prst="rect">
+            <a:avLst/>
+          </a:prstGeom>
+          <a:ln w="19050">
+            <a:solidFill>
+              <a:srgbClr val="0070C0"/>
+            </a:solidFill>
+          </a:ln>
+          <a:effectLst/>
+        </p:spPr>
+        <p:style>
+          <a:lnRef idx="1">
+            <a:schemeClr val="accent1"/>
+          </a:lnRef>
+          <a:fillRef idx="2">
+            <a:schemeClr val="accent1"/>
+          </a:fillRef>
+          <a:effectRef idx="1">
+            <a:schemeClr val="accent1"/>
+          </a:effectRef>
+          <a:fontRef idx="minor">
+            <a:schemeClr val="dk1"/>
+          </a:fontRef>
+        </p:style>
+        <p:txBody>
+          <a:bodyPr rtlCol="0" anchor="ctr"/>
+          <a:lstStyle/>
+          <a:p>
+            <a:pPr algn="ctr"/>
+            <a:r>
+              <a:rPr lang="en-US" sz="1050" b="1" dirty="0">
+                <a:solidFill>
+                  <a:srgbClr val="0070C0"/>
+                </a:solidFill>
+              </a:rPr>
+              <a:t>{abstract}</a:t>
+            </a:r>
+            <a:br>
+              <a:rPr lang="en-US" sz="1050" b="1" dirty="0">
+                <a:solidFill>
+                  <a:srgbClr val="0070C0"/>
+                </a:solidFill>
+              </a:rPr>
+            </a:br>
+            <a:r>
+              <a:rPr lang="en-US" sz="1050" b="1" dirty="0" err="1">
+                <a:solidFill>
+                  <a:srgbClr val="0070C0"/>
+                </a:solidFill>
+              </a:rPr>
+              <a:t>CommandParser</a:t>
+            </a:r>
+            <a:endParaRPr lang="en-SG" sz="1050" b="1" dirty="0">
+              <a:solidFill>
+                <a:srgbClr val="0070C0"/>
+              </a:solidFill>
+            </a:endParaRPr>
+          </a:p>
+        </p:txBody>
+      </p:sp>
+      <p:cxnSp>
+        <p:nvCxnSpPr>
+          <p:cNvPr id="74" name="Straight Arrow Connector 54"/>
+          <p:cNvCxnSpPr>
+            <a:stCxn id="18" idx="3"/>
+            <a:endCxn id="56" idx="1"/>
+          </p:cNvCxnSpPr>
+          <p:nvPr/>
+        </p:nvCxnSpPr>
+        <p:spPr>
+          <a:xfrm flipV="1">
+            <a:off x="3684189" y="3935930"/>
+            <a:ext cx="164946" cy="3609"/>
+          </a:xfrm>
+          <a:prstGeom prst="straightConnector1">
+            <a:avLst/>
+          </a:prstGeom>
+          <a:ln w="19050">
+            <a:solidFill>
+              <a:srgbClr val="0070C0"/>
+            </a:solidFill>
+            <a:prstDash val="sysDot"/>
+            <a:headEnd type="none" w="med" len="med"/>
+            <a:tailEnd type="arrow" w="med" len="med"/>
+          </a:ln>
+          <a:effectLst/>
+        </p:spPr>
+        <p:style>
+          <a:lnRef idx="1">
+            <a:schemeClr val="accent2"/>
+          </a:lnRef>
+          <a:fillRef idx="2">
+            <a:schemeClr val="accent2"/>
+          </a:fillRef>
+          <a:effectRef idx="1">
+            <a:schemeClr val="accent2"/>
+          </a:effectRef>
+          <a:fontRef idx="minor">
+            <a:schemeClr val="dk1"/>
+          </a:fontRef>
+        </p:style>
+      </p:cxnSp>
+      <p:sp>
+        <p:nvSpPr>
+          <p:cNvPr id="77" name="Rectangle 11"/>
+          <p:cNvSpPr/>
+          <p:nvPr/>
+        </p:nvSpPr>
+        <p:spPr>
+          <a:xfrm flipH="1">
+            <a:off x="2889584" y="2158066"/>
+            <a:ext cx="1093635" cy="346760"/>
+          </a:xfrm>
+          <a:prstGeom prst="rect">
+            <a:avLst/>
+          </a:prstGeom>
+          <a:ln w="19050">
+            <a:solidFill>
+              <a:srgbClr val="0070C0"/>
+            </a:solidFill>
+          </a:ln>
+          <a:effectLst/>
+        </p:spPr>
+        <p:style>
+          <a:lnRef idx="1">
+            <a:schemeClr val="accent1"/>
+          </a:lnRef>
+          <a:fillRef idx="2">
+            <a:schemeClr val="accent1"/>
+          </a:fillRef>
+          <a:effectRef idx="1">
+            <a:schemeClr val="accent1"/>
+          </a:effectRef>
+          <a:fontRef idx="minor">
+            <a:schemeClr val="dk1"/>
+          </a:fontRef>
+        </p:style>
+        <p:txBody>
+          <a:bodyPr rtlCol="0" anchor="ctr"/>
+          <a:lstStyle/>
+          <a:p>
+            <a:pPr algn="ctr"/>
+            <a:r>
+              <a:rPr lang="en-US" sz="1050" b="1" dirty="0" err="1">
+                <a:solidFill>
+                  <a:srgbClr val="0070C0"/>
+                </a:solidFill>
+              </a:rPr>
+              <a:t>AddCommand</a:t>
+            </a:r>
+            <a:endParaRPr lang="en-US" sz="1050" b="1" dirty="0">
+              <a:solidFill>
+                <a:srgbClr val="0070C0"/>
+              </a:solidFill>
+            </a:endParaRPr>
+          </a:p>
+          <a:p>
+            <a:pPr algn="ctr"/>
+            <a:r>
+              <a:rPr lang="en-US" sz="1050" b="1" dirty="0">
+                <a:solidFill>
+                  <a:srgbClr val="0070C0"/>
+                </a:solidFill>
+              </a:rPr>
+              <a:t>Parser</a:t>
+            </a:r>
+            <a:endParaRPr lang="en-SG" sz="1050" b="1" dirty="0">
+              <a:solidFill>
+                <a:srgbClr val="0070C0"/>
+              </a:solidFill>
+            </a:endParaRPr>
+          </a:p>
+        </p:txBody>
+      </p:sp>
+      <p:sp>
+        <p:nvSpPr>
+          <p:cNvPr id="78" name="Isosceles Triangle 102"/>
+          <p:cNvSpPr/>
+          <p:nvPr/>
+        </p:nvSpPr>
+        <p:spPr>
+          <a:xfrm flipV="1">
+            <a:off x="4114800" y="3470038"/>
+            <a:ext cx="270504" cy="175523"/>
+          </a:xfrm>
+          <a:prstGeom prst="triangle">
+            <a:avLst/>
+          </a:prstGeom>
+          <a:ln w="19050">
+            <a:solidFill>
+              <a:srgbClr val="0070C0"/>
+            </a:solidFill>
+          </a:ln>
+          <a:effectLst/>
+        </p:spPr>
+        <p:style>
+          <a:lnRef idx="1">
+            <a:schemeClr val="accent1"/>
+          </a:lnRef>
+          <a:fillRef idx="2">
+            <a:schemeClr val="accent1"/>
+          </a:fillRef>
+          <a:effectRef idx="1">
+            <a:schemeClr val="accent1"/>
+          </a:effectRef>
+          <a:fontRef idx="minor">
+            <a:schemeClr val="dk1"/>
+          </a:fontRef>
+        </p:style>
+        <p:txBody>
+          <a:bodyPr rtlCol="0" anchor="ctr"/>
+          <a:lstStyle/>
+          <a:p>
+            <a:pPr algn="ctr"/>
+            <a:endParaRPr lang="en-SG" sz="1050" b="1">
+              <a:solidFill>
+                <a:srgbClr val="92D050"/>
+              </a:solidFill>
+            </a:endParaRPr>
+          </a:p>
+        </p:txBody>
+      </p:sp>
+      <p:sp>
+        <p:nvSpPr>
+          <p:cNvPr id="79" name="Rectangle 11"/>
+          <p:cNvSpPr/>
+          <p:nvPr/>
+        </p:nvSpPr>
+        <p:spPr>
+          <a:xfrm flipH="1">
+            <a:off x="2889584" y="2564466"/>
+            <a:ext cx="1093635" cy="346760"/>
+          </a:xfrm>
+          <a:prstGeom prst="rect">
+            <a:avLst/>
+          </a:prstGeom>
+          <a:ln w="19050">
+            <a:solidFill>
+              <a:srgbClr val="0070C0"/>
+            </a:solidFill>
+          </a:ln>
+          <a:effectLst/>
+        </p:spPr>
+        <p:style>
+          <a:lnRef idx="1">
+            <a:schemeClr val="accent1"/>
+          </a:lnRef>
+          <a:fillRef idx="2">
+            <a:schemeClr val="accent1"/>
+          </a:fillRef>
+          <a:effectRef idx="1">
+            <a:schemeClr val="accent1"/>
+          </a:effectRef>
+          <a:fontRef idx="minor">
+            <a:schemeClr val="dk1"/>
+          </a:fontRef>
+        </p:style>
+        <p:txBody>
+          <a:bodyPr rtlCol="0" anchor="ctr"/>
+          <a:lstStyle/>
+          <a:p>
+            <a:pPr algn="ctr"/>
+            <a:r>
+              <a:rPr lang="en-US" sz="1050" b="1" dirty="0" err="1">
+                <a:solidFill>
+                  <a:srgbClr val="0070C0"/>
+                </a:solidFill>
+              </a:rPr>
+              <a:t>FindCommand</a:t>
+            </a:r>
+            <a:endParaRPr lang="en-US" sz="1050" b="1" dirty="0">
+              <a:solidFill>
+                <a:srgbClr val="0070C0"/>
+              </a:solidFill>
+            </a:endParaRPr>
+          </a:p>
+          <a:p>
+            <a:pPr algn="ctr"/>
+            <a:r>
+              <a:rPr lang="en-US" sz="1050" b="1" dirty="0">
+                <a:solidFill>
+                  <a:srgbClr val="0070C0"/>
+                </a:solidFill>
+              </a:rPr>
+              <a:t>Parser</a:t>
+            </a:r>
+            <a:endParaRPr lang="en-SG" sz="1050" b="1" dirty="0">
+              <a:solidFill>
+                <a:srgbClr val="0070C0"/>
+              </a:solidFill>
+            </a:endParaRPr>
+          </a:p>
+        </p:txBody>
+      </p:sp>
+      <p:sp>
+        <p:nvSpPr>
+          <p:cNvPr id="80" name="Rectangle 79"/>
+          <p:cNvSpPr/>
+          <p:nvPr/>
+        </p:nvSpPr>
+        <p:spPr>
+          <a:xfrm flipH="1">
+            <a:off x="2889582" y="2968239"/>
+            <a:ext cx="1093635" cy="346760"/>
+          </a:xfrm>
+          <a:prstGeom prst="rect">
+            <a:avLst/>
+          </a:prstGeom>
+          <a:ln w="19050">
+            <a:solidFill>
+              <a:srgbClr val="0070C0"/>
+            </a:solidFill>
+          </a:ln>
+          <a:effectLst/>
+        </p:spPr>
+        <p:style>
+          <a:lnRef idx="1">
+            <a:schemeClr val="accent1"/>
+          </a:lnRef>
+          <a:fillRef idx="2">
+            <a:schemeClr val="accent1"/>
+          </a:fillRef>
+          <a:effectRef idx="1">
+            <a:schemeClr val="accent1"/>
+          </a:effectRef>
+          <a:fontRef idx="minor">
+            <a:schemeClr val="dk1"/>
+          </a:fontRef>
+        </p:style>
+        <p:txBody>
+          <a:bodyPr rtlCol="0" anchor="ctr"/>
+          <a:lstStyle/>
+          <a:p>
+            <a:pPr algn="ctr"/>
+            <a:r>
+              <a:rPr lang="en-US" sz="1050" b="1" dirty="0">
+                <a:solidFill>
+                  <a:srgbClr val="0070C0"/>
+                </a:solidFill>
+              </a:rPr>
+              <a:t>…</a:t>
+            </a:r>
+            <a:endParaRPr lang="en-SG" sz="1050" b="1" dirty="0">
+              <a:solidFill>
+                <a:srgbClr val="0070C0"/>
+              </a:solidFill>
+            </a:endParaRPr>
+          </a:p>
+        </p:txBody>
+      </p:sp>
+      <p:cxnSp>
+        <p:nvCxnSpPr>
+          <p:cNvPr id="81" name="Elbow Connector 63"/>
+          <p:cNvCxnSpPr>
+            <a:stCxn id="77" idx="1"/>
+            <a:endCxn id="78" idx="3"/>
+          </p:cNvCxnSpPr>
+          <p:nvPr/>
+        </p:nvCxnSpPr>
+        <p:spPr>
+          <a:xfrm>
+            <a:off x="3983219" y="2331446"/>
+            <a:ext cx="266833" cy="1138592"/>
+          </a:xfrm>
+          <a:prstGeom prst="bentConnector2">
+            <a:avLst/>
+          </a:prstGeom>
+          <a:ln w="19050">
+            <a:solidFill>
+              <a:srgbClr val="0070C0"/>
+            </a:solidFill>
+            <a:headEnd type="none" w="med" len="med"/>
+            <a:tailEnd type="none" w="med" len="med"/>
+          </a:ln>
+          <a:effectLst/>
+        </p:spPr>
+        <p:style>
+          <a:lnRef idx="1">
+            <a:schemeClr val="accent2"/>
+          </a:lnRef>
+          <a:fillRef idx="2">
+            <a:schemeClr val="accent2"/>
+          </a:fillRef>
+          <a:effectRef idx="1">
+            <a:schemeClr val="accent2"/>
+          </a:effectRef>
+          <a:fontRef idx="minor">
+            <a:schemeClr val="dk1"/>
+          </a:fontRef>
+        </p:style>
+      </p:cxnSp>
+      <p:cxnSp>
+        <p:nvCxnSpPr>
+          <p:cNvPr id="82" name="Elbow Connector 63"/>
+          <p:cNvCxnSpPr>
+            <a:stCxn id="78" idx="3"/>
+            <a:endCxn id="80" idx="1"/>
+          </p:cNvCxnSpPr>
+          <p:nvPr/>
+        </p:nvCxnSpPr>
+        <p:spPr>
+          <a:xfrm rot="16200000" flipV="1">
+            <a:off x="3952426" y="3172411"/>
+            <a:ext cx="328419" cy="266835"/>
+          </a:xfrm>
+          <a:prstGeom prst="bentConnector2">
+            <a:avLst/>
+          </a:prstGeom>
+          <a:ln w="19050">
+            <a:solidFill>
+              <a:srgbClr val="0070C0"/>
+            </a:solidFill>
+            <a:headEnd type="none" w="med" len="med"/>
+            <a:tailEnd type="none" w="med" len="med"/>
+          </a:ln>
+          <a:effectLst/>
+        </p:spPr>
+        <p:style>
+          <a:lnRef idx="1">
+            <a:schemeClr val="accent2"/>
+          </a:lnRef>
+          <a:fillRef idx="2">
+            <a:schemeClr val="accent2"/>
+          </a:fillRef>
+          <a:effectRef idx="1">
+            <a:schemeClr val="accent2"/>
+          </a:effectRef>
+          <a:fontRef idx="minor">
+            <a:schemeClr val="dk1"/>
+          </a:fontRef>
+        </p:style>
+      </p:cxnSp>
+      <p:cxnSp>
+        <p:nvCxnSpPr>
+          <p:cNvPr id="83" name="Elbow Connector 63"/>
+          <p:cNvCxnSpPr>
+            <a:stCxn id="78" idx="3"/>
+            <a:endCxn id="79" idx="1"/>
+          </p:cNvCxnSpPr>
+          <p:nvPr/>
+        </p:nvCxnSpPr>
+        <p:spPr>
+          <a:xfrm rot="16200000" flipV="1">
+            <a:off x="3750540" y="2970525"/>
+            <a:ext cx="732192" cy="266833"/>
+          </a:xfrm>
+          <a:prstGeom prst="bentConnector2">
+            <a:avLst/>
+          </a:prstGeom>
+          <a:ln w="19050">
+            <a:solidFill>
+              <a:srgbClr val="0070C0"/>
+            </a:solidFill>
+            <a:headEnd type="none" w="med" len="med"/>
+            <a:tailEnd type="none" w="med" len="med"/>
+          </a:ln>
+          <a:effectLst/>
+        </p:spPr>
+        <p:style>
+          <a:lnRef idx="1">
+            <a:schemeClr val="accent2"/>
+          </a:lnRef>
+          <a:fillRef idx="2">
+            <a:schemeClr val="accent2"/>
+          </a:fillRef>
+          <a:effectRef idx="1">
+            <a:schemeClr val="accent2"/>
+          </a:effectRef>
+          <a:fontRef idx="minor">
+            <a:schemeClr val="dk1"/>
+          </a:fontRef>
+        </p:style>
+      </p:cxnSp>
+      <p:grpSp>
+        <p:nvGrpSpPr>
+          <p:cNvPr id="97" name="Group 96"/>
+          <p:cNvGrpSpPr/>
+          <p:nvPr/>
+        </p:nvGrpSpPr>
+        <p:grpSpPr>
+          <a:xfrm>
+            <a:off x="4352307" y="3623776"/>
+            <a:ext cx="555487" cy="234543"/>
+            <a:chOff x="3116648" y="870851"/>
+            <a:chExt cx="555487" cy="234543"/>
+          </a:xfrm>
+        </p:grpSpPr>
+        <p:sp>
+          <p:nvSpPr>
+            <p:cNvPr id="98" name="TextBox 97"/>
+            <p:cNvSpPr txBox="1"/>
+            <p:nvPr/>
+          </p:nvSpPr>
+          <p:spPr>
+            <a:xfrm>
+              <a:off x="3116648" y="870851"/>
+              <a:ext cx="555487" cy="230832"/>
+            </a:xfrm>
+            <a:prstGeom prst="rect">
+              <a:avLst/>
+            </a:prstGeom>
+            <a:noFill/>
+          </p:spPr>
+          <p:txBody>
+            <a:bodyPr wrap="square" lIns="0" tIns="0" rIns="0" bIns="0" rtlCol="0">
+              <a:noAutofit/>
+            </a:bodyPr>
+            <a:lstStyle/>
+            <a:p>
+              <a:pPr algn="r"/>
+              <a:r>
+                <a:rPr lang="en-US" sz="1100" dirty="0">
+                  <a:solidFill>
+                    <a:srgbClr val="0070C0"/>
+                  </a:solidFill>
+                </a:rPr>
+                <a:t>calls</a:t>
+              </a:r>
+              <a:endParaRPr lang="en-SG" sz="1100" dirty="0">
+                <a:solidFill>
+                  <a:srgbClr val="0070C0"/>
+                </a:solidFill>
+              </a:endParaRPr>
+            </a:p>
+          </p:txBody>
+        </p:sp>
+        <p:sp>
+          <p:nvSpPr>
+            <p:cNvPr id="99" name="Isosceles Triangle 98"/>
+            <p:cNvSpPr/>
+            <p:nvPr/>
+          </p:nvSpPr>
+          <p:spPr>
+            <a:xfrm rot="10800000">
+              <a:off x="3425380" y="1029193"/>
+              <a:ext cx="125951" cy="76201"/>
+            </a:xfrm>
+            <a:prstGeom prst="triangle">
+              <a:avLst/>
+            </a:prstGeom>
+            <a:solidFill>
+              <a:srgbClr val="0070C0"/>
+            </a:solidFill>
+            <a:ln>
+              <a:noFill/>
+            </a:ln>
+          </p:spPr>
+          <p:style>
+            <a:lnRef idx="2">
+              <a:schemeClr val="accent1">
+                <a:shade val="50000"/>
+              </a:schemeClr>
+            </a:lnRef>
+            <a:fillRef idx="1">
+              <a:schemeClr val="accent1"/>
+            </a:fillRef>
+            <a:effectRef idx="0">
+              <a:schemeClr val="accent1"/>
+            </a:effectRef>
+            <a:fontRef idx="minor">
+              <a:schemeClr val="lt1"/>
+            </a:fontRef>
+          </p:style>
+          <p:txBody>
+            <a:bodyPr rtlCol="0" anchor="ctr"/>
+            <a:lstStyle/>
+            <a:p>
+              <a:pPr algn="ctr"/>
+              <a:endParaRPr lang="en-SG"/>
+            </a:p>
+          </p:txBody>
+        </p:sp>
+      </p:grpSp>
     </p:spTree>
     <p:extLst>
       <p:ext uri="{BB962C8B-B14F-4D97-AF65-F5344CB8AC3E}">
@@ -11542,13 +12075,6 @@
   <p:clrMapOvr>
     <a:masterClrMapping/>
   </p:clrMapOvr>
-  <p:timing>
-    <p:tnLst>
-      <p:par>
-        <p:cTn id="1" dur="indefinite" restart="never" nodeType="tmRoot"/>
-      </p:par>
-    </p:tnLst>
-  </p:timing>
 </p:sld>
 </file>
 
@@ -11615,7 +12141,7 @@
           <a:lstStyle/>
           <a:p>
             <a:r>
-              <a:rPr lang="en-US" sz="1200" b="1" dirty="0" smtClean="0">
+              <a:rPr lang="en-US" sz="1200" b="1" dirty="0">
                 <a:solidFill>
                   <a:srgbClr val="0070C0"/>
                 </a:solidFill>
@@ -11638,7 +12164,7 @@
         </p:nvSpPr>
         <p:spPr>
           <a:xfrm>
-            <a:off x="1007063" y="2296546"/>
+            <a:off x="1007063" y="2268489"/>
             <a:ext cx="1455629" cy="346760"/>
           </a:xfrm>
           <a:prstGeom prst="rect">
@@ -11789,8 +12315,8 @@
         </p:nvSpPr>
         <p:spPr>
           <a:xfrm>
-            <a:off x="3411783" y="2300233"/>
-            <a:ext cx="1093635" cy="346760"/>
+            <a:off x="2535496" y="2478763"/>
+            <a:ext cx="789670" cy="346760"/>
           </a:xfrm>
           <a:prstGeom prst="rect">
             <a:avLst/>
@@ -11825,7 +12351,7 @@
           <a:p>
             <a:pPr algn="ctr"/>
             <a:r>
-              <a:rPr lang="en-US" sz="1600" dirty="0" smtClean="0">
+              <a:rPr lang="en-US" sz="1600" dirty="0">
                 <a:solidFill>
                   <a:schemeClr val="bg1"/>
                 </a:solidFill>
@@ -11848,7 +12374,7 @@
         </p:nvCxnSpPr>
         <p:spPr>
           <a:xfrm>
-            <a:off x="3958600" y="2663904"/>
+            <a:off x="2858322" y="2842434"/>
             <a:ext cx="0" cy="1587652"/>
           </a:xfrm>
           <a:prstGeom prst="line">
@@ -11885,7 +12411,7 @@
         </p:nvSpPr>
         <p:spPr>
           <a:xfrm>
-            <a:off x="3886592" y="3122097"/>
+            <a:off x="2786315" y="3122097"/>
             <a:ext cx="144016" cy="832525"/>
           </a:xfrm>
           <a:prstGeom prst="rect">
@@ -11972,20 +12498,12 @@
           <a:p>
             <a:pPr algn="ctr"/>
             <a:r>
-              <a:rPr lang="en-US" sz="1600" dirty="0" smtClean="0">
+              <a:rPr lang="en-US" sz="1600" dirty="0">
                 <a:solidFill>
                   <a:schemeClr val="bg1"/>
                 </a:solidFill>
               </a:rPr>
               <a:t>d:Delete</a:t>
-            </a:r>
-            <a:r>
-              <a:rPr lang="en-US" sz="1600" dirty="0">
-                <a:solidFill>
-                  <a:schemeClr val="bg1"/>
-                </a:solidFill>
-              </a:rPr>
-              <a:t/>
             </a:r>
             <a:br>
               <a:rPr lang="en-US" sz="1600" dirty="0">
@@ -12055,8 +12573,8 @@
         </p:nvSpPr>
         <p:spPr>
           <a:xfrm>
-            <a:off x="5427809" y="3457797"/>
-            <a:ext cx="152400" cy="276003"/>
+            <a:off x="5436823" y="3457796"/>
+            <a:ext cx="152400" cy="457200"/>
           </a:xfrm>
           <a:prstGeom prst="rect">
             <a:avLst/>
@@ -12139,7 +12657,7 @@
         <p:spPr>
           <a:xfrm>
             <a:off x="1815269" y="3122098"/>
-            <a:ext cx="2071323" cy="0"/>
+            <a:ext cx="971046" cy="0"/>
           </a:xfrm>
           <a:prstGeom prst="straightConnector1">
             <a:avLst/>
@@ -12190,18 +12708,13 @@
           <a:p>
             <a:pPr algn="r"/>
             <a:r>
-              <a:rPr lang="en-US" sz="1400" dirty="0" smtClean="0">
+              <a:rPr lang="en-US" sz="1400" dirty="0">
                 <a:solidFill>
                   <a:srgbClr val="0070C0"/>
                 </a:solidFill>
               </a:rPr>
-              <a:t>execute(“delete 1”)</a:t>
-            </a:r>
-            <a:endParaRPr lang="en-US" sz="1400" dirty="0">
-              <a:solidFill>
-                <a:srgbClr val="0070C0"/>
-              </a:solidFill>
-            </a:endParaRPr>
+              <a:t>invoke(“delete 1”)</a:t>
+            </a:r>
           </a:p>
         </p:txBody>
       </p:sp>
@@ -12214,9 +12727,9 @@
           <p:nvPr/>
         </p:nvCxnSpPr>
         <p:spPr>
-          <a:xfrm flipV="1">
-            <a:off x="4030608" y="3227028"/>
-            <a:ext cx="922392" cy="1"/>
+          <a:xfrm>
+            <a:off x="3989203" y="3227028"/>
+            <a:ext cx="963797" cy="0"/>
           </a:xfrm>
           <a:prstGeom prst="straightConnector1">
             <a:avLst/>
@@ -12280,7 +12793,6 @@
               <a:rPr lang="en-US" dirty="0"/>
               <a:t>execute()</a:t>
             </a:r>
-            <a:endParaRPr lang="en-US" dirty="0"/>
           </a:p>
         </p:txBody>
       </p:sp>
@@ -12292,8 +12804,8 @@
         </p:nvCxnSpPr>
         <p:spPr>
           <a:xfrm>
-            <a:off x="4030608" y="3733800"/>
-            <a:ext cx="1406215" cy="0"/>
+            <a:off x="2930331" y="3889846"/>
+            <a:ext cx="2506492" cy="0"/>
           </a:xfrm>
           <a:prstGeom prst="straightConnector1">
             <a:avLst/>
@@ -12325,13 +12837,15 @@
       <p:cxnSp>
         <p:nvCxnSpPr>
           <p:cNvPr id="35" name="Straight Arrow Connector 34"/>
-          <p:cNvCxnSpPr/>
+          <p:cNvCxnSpPr>
+            <a:endCxn id="18" idx="2"/>
+          </p:cNvCxnSpPr>
           <p:nvPr/>
         </p:nvCxnSpPr>
         <p:spPr>
           <a:xfrm>
             <a:off x="1815269" y="3954622"/>
-            <a:ext cx="2058118" cy="0"/>
+            <a:ext cx="1043054" cy="0"/>
           </a:xfrm>
           <a:prstGeom prst="straightConnector1">
             <a:avLst/>
@@ -12792,7 +13306,7 @@
           </a:lstStyle>
           <a:p>
             <a:r>
-              <a:rPr lang="en-US" dirty="0" err="1" smtClean="0">
+              <a:rPr lang="en-US" dirty="0" err="1">
                 <a:solidFill>
                   <a:srgbClr val="7030A0"/>
                 </a:solidFill>
@@ -12800,18 +13314,13 @@
               <a:t>deletePerson</a:t>
             </a:r>
             <a:r>
-              <a:rPr lang="en-US" dirty="0" smtClean="0">
+              <a:rPr lang="en-US" dirty="0">
                 <a:solidFill>
                   <a:srgbClr val="7030A0"/>
                 </a:solidFill>
               </a:rPr>
               <a:t>(p)</a:t>
             </a:r>
-            <a:endParaRPr lang="en-US" dirty="0">
-              <a:solidFill>
-                <a:srgbClr val="7030A0"/>
-              </a:solidFill>
-            </a:endParaRPr>
           </a:p>
         </p:txBody>
       </p:sp>
@@ -12849,10 +13358,9 @@
           </a:lstStyle>
           <a:p>
             <a:r>
-              <a:rPr lang="en-US" dirty="0" smtClean="0"/>
+              <a:rPr lang="en-US" dirty="0"/>
               <a:t>create()</a:t>
             </a:r>
-            <a:endParaRPr lang="en-US" dirty="0"/>
           </a:p>
         </p:txBody>
       </p:sp>
@@ -12864,7 +13372,7 @@
         </p:nvSpPr>
         <p:spPr>
           <a:xfrm>
-            <a:off x="2131905" y="2850922"/>
+            <a:off x="1699686" y="2850922"/>
             <a:ext cx="1424846" cy="215444"/>
           </a:xfrm>
           <a:prstGeom prst="rect">
@@ -12890,10 +13398,9 @@
           </a:lstStyle>
           <a:p>
             <a:r>
-              <a:rPr lang="en-US" dirty="0" smtClean="0"/>
+              <a:rPr lang="en-US" dirty="0"/>
               <a:t>parse(“delete 1”)</a:t>
             </a:r>
-            <a:endParaRPr lang="en-US" dirty="0"/>
           </a:p>
         </p:txBody>
       </p:sp>
@@ -12931,10 +13438,9 @@
           </a:lstStyle>
           <a:p>
             <a:r>
-              <a:rPr lang="en-US" dirty="0" smtClean="0"/>
+              <a:rPr lang="en-US" dirty="0"/>
               <a:t>result</a:t>
             </a:r>
-            <a:endParaRPr lang="en-US" dirty="0"/>
           </a:p>
         </p:txBody>
       </p:sp>
@@ -12972,10 +13478,9 @@
           </a:lstStyle>
           <a:p>
             <a:r>
-              <a:rPr lang="en-US" dirty="0" smtClean="0"/>
+              <a:rPr lang="en-US" dirty="0"/>
               <a:t>result</a:t>
             </a:r>
-            <a:endParaRPr lang="en-US" dirty="0"/>
           </a:p>
         </p:txBody>
       </p:sp>
@@ -13023,7 +13528,7 @@
           <a:p>
             <a:pPr algn="ctr"/>
             <a:r>
-              <a:rPr lang="en-US" sz="1600" dirty="0" smtClean="0">
+              <a:rPr lang="en-US" sz="1600" dirty="0">
                 <a:solidFill>
                   <a:schemeClr val="bg1"/>
                 </a:solidFill>
@@ -13031,14 +13536,14 @@
               <a:t>result:</a:t>
             </a:r>
             <a:br>
-              <a:rPr lang="en-US" sz="1600" dirty="0" smtClean="0">
+              <a:rPr lang="en-US" sz="1600" dirty="0">
                 <a:solidFill>
                   <a:schemeClr val="bg1"/>
                 </a:solidFill>
               </a:rPr>
             </a:br>
             <a:r>
-              <a:rPr lang="en-US" sz="1600" dirty="0" err="1" smtClean="0">
+              <a:rPr lang="en-US" sz="1600" dirty="0" err="1">
                 <a:solidFill>
                   <a:schemeClr val="bg1"/>
                 </a:solidFill>
@@ -13182,7 +13687,7 @@
         </p:nvSpPr>
         <p:spPr>
           <a:xfrm>
-            <a:off x="2818928" y="3733800"/>
+            <a:off x="2412109" y="3733800"/>
             <a:ext cx="220343" cy="215444"/>
           </a:xfrm>
           <a:prstGeom prst="rect">
@@ -13208,13 +13713,243 @@
           </a:lstStyle>
           <a:p>
             <a:r>
-              <a:rPr lang="en-US" dirty="0" smtClean="0"/>
+              <a:rPr lang="en-US" dirty="0"/>
               <a:t>d</a:t>
             </a:r>
-            <a:endParaRPr lang="en-US" dirty="0"/>
-          </a:p>
-        </p:txBody>
-      </p:sp>
+          </a:p>
+        </p:txBody>
+      </p:sp>
+      <p:sp>
+        <p:nvSpPr>
+          <p:cNvPr id="45" name="Rectangle 44"/>
+          <p:cNvSpPr/>
+          <p:nvPr/>
+        </p:nvSpPr>
+        <p:spPr>
+          <a:xfrm>
+            <a:off x="3845187" y="3183476"/>
+            <a:ext cx="144016" cy="548640"/>
+          </a:xfrm>
+          <a:prstGeom prst="rect">
+            <a:avLst/>
+          </a:prstGeom>
+          <a:solidFill>
+            <a:srgbClr val="0070C0"/>
+          </a:solidFill>
+          <a:ln>
+            <a:solidFill>
+              <a:srgbClr val="0070C0"/>
+            </a:solidFill>
+          </a:ln>
+          <a:effectLst/>
+        </p:spPr>
+        <p:style>
+          <a:lnRef idx="1">
+            <a:schemeClr val="accent3"/>
+          </a:lnRef>
+          <a:fillRef idx="2">
+            <a:schemeClr val="accent3"/>
+          </a:fillRef>
+          <a:effectRef idx="1">
+            <a:schemeClr val="accent3"/>
+          </a:effectRef>
+          <a:fontRef idx="minor">
+            <a:schemeClr val="dk1"/>
+          </a:fontRef>
+        </p:style>
+        <p:txBody>
+          <a:bodyPr rtlCol="0" anchor="ctr"/>
+          <a:lstStyle/>
+          <a:p>
+            <a:pPr algn="ctr"/>
+            <a:endParaRPr lang="en-SG" sz="1400">
+              <a:solidFill>
+                <a:schemeClr val="dk1"/>
+              </a:solidFill>
+            </a:endParaRPr>
+          </a:p>
+        </p:txBody>
+      </p:sp>
+      <p:sp>
+        <p:nvSpPr>
+          <p:cNvPr id="46" name="Rectangle 62"/>
+          <p:cNvSpPr/>
+          <p:nvPr/>
+        </p:nvSpPr>
+        <p:spPr>
+          <a:xfrm>
+            <a:off x="3584573" y="2179617"/>
+            <a:ext cx="1690835" cy="645906"/>
+          </a:xfrm>
+          <a:prstGeom prst="rect">
+            <a:avLst/>
+          </a:prstGeom>
+          <a:solidFill>
+            <a:srgbClr val="0070C0"/>
+          </a:solidFill>
+          <a:ln w="19050">
+            <a:solidFill>
+              <a:srgbClr val="0070C0"/>
+            </a:solidFill>
+          </a:ln>
+          <a:effectLst/>
+        </p:spPr>
+        <p:style>
+          <a:lnRef idx="1">
+            <a:schemeClr val="accent2"/>
+          </a:lnRef>
+          <a:fillRef idx="2">
+            <a:schemeClr val="accent2"/>
+          </a:fillRef>
+          <a:effectRef idx="1">
+            <a:schemeClr val="accent2"/>
+          </a:effectRef>
+          <a:fontRef idx="minor">
+            <a:schemeClr val="dk1"/>
+          </a:fontRef>
+        </p:style>
+        <p:txBody>
+          <a:bodyPr rtlCol="0" anchor="ctr"/>
+          <a:lstStyle/>
+          <a:p>
+            <a:pPr algn="ctr"/>
+            <a:r>
+              <a:rPr lang="en-US" sz="1600" dirty="0">
+                <a:solidFill>
+                  <a:schemeClr val="bg1"/>
+                </a:solidFill>
+              </a:rPr>
+              <a:t>:</a:t>
+            </a:r>
+            <a:r>
+              <a:rPr lang="en-US" sz="1600" dirty="0" err="1">
+                <a:solidFill>
+                  <a:schemeClr val="bg1"/>
+                </a:solidFill>
+              </a:rPr>
+              <a:t>DeleteCommandParser</a:t>
+            </a:r>
+            <a:endParaRPr lang="en-SG" sz="1600" dirty="0">
+              <a:solidFill>
+                <a:schemeClr val="bg1"/>
+              </a:solidFill>
+            </a:endParaRPr>
+          </a:p>
+        </p:txBody>
+      </p:sp>
+      <p:cxnSp>
+        <p:nvCxnSpPr>
+          <p:cNvPr id="48" name="Straight Arrow Connector 47"/>
+          <p:cNvCxnSpPr/>
+          <p:nvPr/>
+        </p:nvCxnSpPr>
+        <p:spPr>
+          <a:xfrm>
+            <a:off x="2896194" y="3227028"/>
+            <a:ext cx="948993" cy="0"/>
+          </a:xfrm>
+          <a:prstGeom prst="straightConnector1">
+            <a:avLst/>
+          </a:prstGeom>
+          <a:ln w="19050">
+            <a:solidFill>
+              <a:srgbClr val="0070C0"/>
+            </a:solidFill>
+            <a:tailEnd type="arrow"/>
+          </a:ln>
+        </p:spPr>
+        <p:style>
+          <a:lnRef idx="1">
+            <a:schemeClr val="accent1"/>
+          </a:lnRef>
+          <a:fillRef idx="0">
+            <a:schemeClr val="accent1"/>
+          </a:fillRef>
+          <a:effectRef idx="0">
+            <a:schemeClr val="accent1"/>
+          </a:effectRef>
+          <a:fontRef idx="minor">
+            <a:schemeClr val="tx1"/>
+          </a:fontRef>
+        </p:style>
+      </p:cxnSp>
+      <p:sp>
+        <p:nvSpPr>
+          <p:cNvPr id="50" name="TextBox 49"/>
+          <p:cNvSpPr txBox="1"/>
+          <p:nvPr/>
+        </p:nvSpPr>
+        <p:spPr>
+          <a:xfrm>
+            <a:off x="3200400" y="2970090"/>
+            <a:ext cx="666826" cy="215444"/>
+          </a:xfrm>
+          <a:prstGeom prst="rect">
+            <a:avLst/>
+          </a:prstGeom>
+          <a:noFill/>
+        </p:spPr>
+        <p:txBody>
+          <a:bodyPr wrap="square" lIns="0" tIns="0" rIns="0" bIns="0" rtlCol="0">
+            <a:spAutoFit/>
+          </a:bodyPr>
+          <a:lstStyle>
+            <a:defPPr>
+              <a:defRPr lang="en-US"/>
+            </a:defPPr>
+            <a:lvl1pPr algn="r">
+              <a:defRPr sz="1400">
+                <a:solidFill>
+                  <a:srgbClr val="0070C0"/>
+                </a:solidFill>
+              </a:defRPr>
+            </a:lvl1pPr>
+          </a:lstStyle>
+          <a:p>
+            <a:r>
+              <a:rPr lang="en-US" dirty="0"/>
+              <a:t>calls(“1”)</a:t>
+            </a:r>
+          </a:p>
+        </p:txBody>
+      </p:sp>
+      <p:cxnSp>
+        <p:nvCxnSpPr>
+          <p:cNvPr id="52" name="Straight Connector 51"/>
+          <p:cNvCxnSpPr/>
+          <p:nvPr/>
+        </p:nvCxnSpPr>
+        <p:spPr>
+          <a:xfrm>
+            <a:off x="3904078" y="2842434"/>
+            <a:ext cx="0" cy="889682"/>
+          </a:xfrm>
+          <a:prstGeom prst="line">
+            <a:avLst/>
+          </a:prstGeom>
+          <a:ln w="19050">
+            <a:solidFill>
+              <a:srgbClr val="0070C0"/>
+            </a:solidFill>
+            <a:prstDash val="sysDash"/>
+          </a:ln>
+          <a:effectLst/>
+        </p:spPr>
+        <p:style>
+          <a:lnRef idx="1">
+            <a:schemeClr val="accent1"/>
+          </a:lnRef>
+          <a:fillRef idx="2">
+            <a:schemeClr val="accent1"/>
+          </a:fillRef>
+          <a:effectRef idx="1">
+            <a:schemeClr val="accent1"/>
+          </a:effectRef>
+          <a:fontRef idx="minor">
+            <a:schemeClr val="dk1"/>
+          </a:fontRef>
+        </p:style>
+      </p:cxnSp>
     </p:spTree>
     <p:extLst>
       <p:ext uri="{BB962C8B-B14F-4D97-AF65-F5344CB8AC3E}">
@@ -13253,8 +13988,8 @@
         </p:nvSpPr>
         <p:spPr>
           <a:xfrm>
-            <a:off x="1119865" y="1727200"/>
-            <a:ext cx="7490735" cy="2997200"/>
+            <a:off x="1143000" y="1727200"/>
+            <a:ext cx="7490735" cy="3911600"/>
           </a:xfrm>
           <a:prstGeom prst="roundRect">
             <a:avLst>
@@ -13291,7 +14026,7 @@
           <a:lstStyle/>
           <a:p>
             <a:r>
-              <a:rPr lang="en-US" sz="1200" b="1" dirty="0" smtClean="0">
+              <a:rPr lang="en-US" sz="1200" b="1" dirty="0">
                 <a:solidFill>
                   <a:srgbClr val="7030A0"/>
                 </a:solidFill>
@@ -13350,7 +14085,7 @@
           <a:p>
             <a:pPr algn="ctr"/>
             <a:r>
-              <a:rPr lang="en-US" sz="1050" dirty="0" err="1" smtClean="0">
+              <a:rPr lang="en-US" sz="1050" dirty="0" err="1">
                 <a:solidFill>
                   <a:schemeClr val="bg1"/>
                 </a:solidFill>
@@ -13409,7 +14144,7 @@
           <a:p>
             <a:pPr algn="ctr"/>
             <a:r>
-              <a:rPr lang="en-US" sz="1050" dirty="0" err="1" smtClean="0">
+              <a:rPr lang="en-US" sz="1050" dirty="0" err="1">
                 <a:solidFill>
                   <a:schemeClr val="bg1"/>
                 </a:solidFill>
@@ -13429,17 +14164,18 @@
           <p:cNvPr id="53" name="Elbow Connector 63"/>
           <p:cNvCxnSpPr>
             <a:stCxn id="71" idx="3"/>
-            <a:endCxn id="62" idx="2"/>
           </p:cNvCxnSpPr>
           <p:nvPr/>
         </p:nvCxnSpPr>
         <p:spPr>
           <a:xfrm flipV="1">
-            <a:off x="6477000" y="3204826"/>
-            <a:ext cx="190770" cy="405819"/>
-          </a:xfrm>
-          <a:prstGeom prst="bentConnector2">
-            <a:avLst/>
+            <a:off x="5908596" y="3858658"/>
+            <a:ext cx="577381" cy="445174"/>
+          </a:xfrm>
+          <a:prstGeom prst="bentConnector3">
+            <a:avLst>
+              <a:gd name="adj1" fmla="val 105043"/>
+            </a:avLst>
           </a:prstGeom>
           <a:ln w="19050">
             <a:solidFill>
@@ -13471,18 +14207,18 @@
           <p:cNvPr id="107" name="Elbow Connector 106"/>
           <p:cNvCxnSpPr>
             <a:stCxn id="9" idx="1"/>
+            <a:endCxn id="62" idx="2"/>
           </p:cNvCxnSpPr>
           <p:nvPr/>
         </p:nvCxnSpPr>
         <p:spPr>
-          <a:xfrm rot="5400000" flipH="1" flipV="1">
-            <a:off x="4360065" y="1080909"/>
-            <a:ext cx="378691" cy="4637261"/>
-          </a:xfrm>
-          <a:prstGeom prst="bentConnector4">
+          <a:xfrm rot="16200000" flipH="1">
+            <a:off x="4315528" y="1504137"/>
+            <a:ext cx="267495" cy="4436989"/>
+          </a:xfrm>
+          <a:prstGeom prst="bentConnector3">
             <a:avLst>
-              <a:gd name="adj1" fmla="val -101829"/>
-              <a:gd name="adj2" fmla="val 99976"/>
+              <a:gd name="adj1" fmla="val 387645"/>
             </a:avLst>
           </a:prstGeom>
           <a:ln w="19050">
@@ -13565,7 +14301,7 @@
           <a:p>
             <a:pPr algn="ctr"/>
             <a:r>
-              <a:rPr lang="en-US" sz="1050" dirty="0" smtClean="0">
+              <a:rPr lang="en-US" sz="1050" dirty="0">
                 <a:solidFill>
                   <a:schemeClr val="bg1"/>
                 </a:solidFill>
@@ -13627,48 +14363,6 @@
           </a:p>
         </p:txBody>
       </p:sp>
-      <p:cxnSp>
-        <p:nvCxnSpPr>
-          <p:cNvPr id="55" name="Straight Arrow Connector 54"/>
-          <p:cNvCxnSpPr>
-            <a:stCxn id="62" idx="0"/>
-            <a:endCxn id="67" idx="2"/>
-          </p:cNvCxnSpPr>
-          <p:nvPr/>
-        </p:nvCxnSpPr>
-        <p:spPr>
-          <a:xfrm flipV="1">
-            <a:off x="6667770" y="2632344"/>
-            <a:ext cx="1612" cy="225722"/>
-          </a:xfrm>
-          <a:prstGeom prst="straightConnector1">
-            <a:avLst/>
-          </a:prstGeom>
-          <a:ln w="19050">
-            <a:solidFill>
-              <a:srgbClr val="7030A0"/>
-            </a:solidFill>
-            <a:prstDash val="sysDot"/>
-            <a:headEnd type="none" w="med" len="med"/>
-            <a:tailEnd type="arrow" w="med" len="med"/>
-          </a:ln>
-          <a:effectLst/>
-        </p:spPr>
-        <p:style>
-          <a:lnRef idx="1">
-            <a:schemeClr val="accent2"/>
-          </a:lnRef>
-          <a:fillRef idx="2">
-            <a:schemeClr val="accent2"/>
-          </a:fillRef>
-          <a:effectRef idx="1">
-            <a:schemeClr val="accent2"/>
-          </a:effectRef>
-          <a:fontRef idx="minor">
-            <a:schemeClr val="dk1"/>
-          </a:fontRef>
-        </p:style>
-      </p:cxnSp>
       <p:cxnSp>
         <p:nvCxnSpPr>
           <p:cNvPr id="58" name="Straight Arrow Connector 57"/>
@@ -13718,7 +14412,7 @@
         </p:nvSpPr>
         <p:spPr>
           <a:xfrm rot="5400000" flipV="1">
-            <a:off x="6253986" y="3522883"/>
+            <a:off x="5685582" y="4216070"/>
             <a:ext cx="270504" cy="175523"/>
           </a:xfrm>
           <a:prstGeom prst="triangle">
@@ -13931,12 +14625,12 @@
           <a:p>
             <a:pPr algn="ctr"/>
             <a:r>
-              <a:rPr lang="en-US" sz="1050" dirty="0" err="1" smtClean="0">
+              <a:rPr lang="en-US" sz="1050" dirty="0" err="1">
                 <a:solidFill>
                   <a:srgbClr val="7030A0"/>
                 </a:solidFill>
               </a:rPr>
-              <a:t>AddressBook</a:t>
+              <a:t>TaskForce</a:t>
             </a:r>
             <a:endParaRPr lang="en-SG" sz="1050" dirty="0">
               <a:solidFill>
@@ -14073,12 +14767,12 @@
           <a:p>
             <a:pPr algn="ctr"/>
             <a:r>
-              <a:rPr lang="en-US" sz="1050" dirty="0" err="1" smtClean="0">
+              <a:rPr lang="en-US" sz="1050" dirty="0" err="1">
                 <a:solidFill>
                   <a:srgbClr val="7030A0"/>
                 </a:solidFill>
               </a:rPr>
-              <a:t>UniquePersonList</a:t>
+              <a:t>UniqueTaskList</a:t>
             </a:r>
             <a:endParaRPr lang="en-SG" sz="1050" dirty="0">
               <a:solidFill>
@@ -14217,7 +14911,7 @@
           <a:p>
             <a:pPr algn="ctr"/>
             <a:r>
-              <a:rPr lang="en-US" sz="1050" dirty="0" err="1" smtClean="0">
+              <a:rPr lang="en-US" sz="1050" dirty="0" err="1">
                 <a:solidFill>
                   <a:srgbClr val="7030A0"/>
                 </a:solidFill>
@@ -14283,7 +14977,7 @@
         </p:nvSpPr>
         <p:spPr>
           <a:xfrm>
-            <a:off x="6313677" y="2858066"/>
+            <a:off x="6313677" y="3509620"/>
             <a:ext cx="708186" cy="346760"/>
           </a:xfrm>
           <a:prstGeom prst="rect">
@@ -14316,12 +15010,12 @@
           <a:p>
             <a:pPr algn="ctr"/>
             <a:r>
-              <a:rPr lang="en-US" sz="1050" dirty="0" smtClean="0">
+              <a:rPr lang="en-US" sz="1050" dirty="0">
                 <a:solidFill>
                   <a:srgbClr val="7030A0"/>
                 </a:solidFill>
               </a:rPr>
-              <a:t>Person</a:t>
+              <a:t>Task</a:t>
             </a:r>
             <a:endParaRPr lang="en-SG" sz="1050" dirty="0">
               <a:solidFill>
@@ -14388,7 +15082,7 @@
         <p:spPr>
           <a:xfrm>
             <a:off x="5879275" y="3030669"/>
-            <a:ext cx="434402" cy="777"/>
+            <a:ext cx="434402" cy="652331"/>
           </a:xfrm>
           <a:prstGeom prst="bentConnector3">
             <a:avLst/>
@@ -14425,7 +15119,7 @@
         </p:nvSpPr>
         <p:spPr>
           <a:xfrm>
-            <a:off x="6315289" y="2285584"/>
+            <a:off x="7120799" y="1895589"/>
             <a:ext cx="708186" cy="346760"/>
           </a:xfrm>
           <a:prstGeom prst="rect">
@@ -14458,7 +15152,7 @@
           <a:p>
             <a:pPr algn="ctr"/>
             <a:r>
-              <a:rPr lang="en-US" sz="1050" dirty="0" smtClean="0">
+              <a:rPr lang="en-US" sz="1050" dirty="0">
                 <a:solidFill>
                   <a:srgbClr val="7030A0"/>
                 </a:solidFill>
@@ -14528,9 +15222,9 @@
           <p:nvPr/>
         </p:nvCxnSpPr>
         <p:spPr>
-          <a:xfrm>
-            <a:off x="5908595" y="2458187"/>
-            <a:ext cx="406694" cy="777"/>
+          <a:xfrm flipV="1">
+            <a:off x="5908595" y="2068969"/>
+            <a:ext cx="1212204" cy="389218"/>
           </a:xfrm>
           <a:prstGeom prst="bentConnector3">
             <a:avLst/>
@@ -14567,7 +15261,7 @@
         </p:nvSpPr>
         <p:spPr>
           <a:xfrm>
-            <a:off x="5128257" y="3429000"/>
+            <a:off x="4532298" y="4130450"/>
             <a:ext cx="1156969" cy="346760"/>
           </a:xfrm>
           <a:prstGeom prst="rect">
@@ -14600,7 +15294,7 @@
           <a:p>
             <a:pPr algn="ctr"/>
             <a:r>
-              <a:rPr lang="en-US" sz="1050" dirty="0" smtClean="0">
+              <a:rPr lang="en-US" sz="1050" dirty="0">
                 <a:solidFill>
                   <a:srgbClr val="7030A0"/>
                 </a:solidFill>
@@ -14608,19 +15302,19 @@
               <a:t>&lt;&lt;interface&gt;&gt;</a:t>
             </a:r>
             <a:br>
-              <a:rPr lang="en-US" sz="1050" dirty="0" smtClean="0">
+              <a:rPr lang="en-US" sz="1050" dirty="0">
                 <a:solidFill>
                   <a:srgbClr val="7030A0"/>
                 </a:solidFill>
               </a:rPr>
             </a:br>
             <a:r>
-              <a:rPr lang="en-US" sz="1050" dirty="0" err="1" smtClean="0">
+              <a:rPr lang="en-US" sz="1050" dirty="0" err="1">
                 <a:solidFill>
                   <a:srgbClr val="7030A0"/>
                 </a:solidFill>
               </a:rPr>
-              <a:t>ReadOnlyPerson</a:t>
+              <a:t>ReadOnlyTask</a:t>
             </a:r>
             <a:endParaRPr lang="en-SG" sz="1050" dirty="0">
               <a:solidFill>
@@ -14638,8 +15332,8 @@
         </p:nvSpPr>
         <p:spPr>
           <a:xfrm>
-            <a:off x="7712397" y="2564238"/>
-            <a:ext cx="708186" cy="285783"/>
+            <a:off x="7712396" y="2564238"/>
+            <a:ext cx="822003" cy="285783"/>
           </a:xfrm>
           <a:prstGeom prst="rect">
             <a:avLst/>
@@ -14671,12 +15365,12 @@
           <a:p>
             <a:pPr algn="ctr"/>
             <a:r>
-              <a:rPr lang="en-US" sz="1050" dirty="0" smtClean="0">
+              <a:rPr lang="en-US" sz="1050" dirty="0" err="1">
                 <a:solidFill>
                   <a:srgbClr val="7030A0"/>
                 </a:solidFill>
               </a:rPr>
-              <a:t>Name</a:t>
+              <a:t>StartDate</a:t>
             </a:r>
             <a:endParaRPr lang="en-SG" sz="1050" dirty="0">
               <a:solidFill>
@@ -14694,7 +15388,7 @@
         </p:nvSpPr>
         <p:spPr>
           <a:xfrm>
-            <a:off x="7041947" y="2948201"/>
+            <a:off x="7039009" y="3598806"/>
             <a:ext cx="236048" cy="173380"/>
           </a:xfrm>
           <a:prstGeom prst="flowChartDecision">
@@ -14733,47 +15427,6 @@
           </a:p>
         </p:txBody>
       </p:sp>
-      <p:cxnSp>
-        <p:nvCxnSpPr>
-          <p:cNvPr id="79" name="Elbow Connector 78"/>
-          <p:cNvCxnSpPr>
-            <a:stCxn id="78" idx="3"/>
-            <a:endCxn id="76" idx="1"/>
-          </p:cNvCxnSpPr>
-          <p:nvPr/>
-        </p:nvCxnSpPr>
-        <p:spPr>
-          <a:xfrm flipV="1">
-            <a:off x="7277995" y="2707130"/>
-            <a:ext cx="434402" cy="327761"/>
-          </a:xfrm>
-          <a:prstGeom prst="bentConnector3">
-            <a:avLst/>
-          </a:prstGeom>
-          <a:ln w="19050">
-            <a:solidFill>
-              <a:srgbClr val="7030A0"/>
-            </a:solidFill>
-            <a:headEnd type="none" w="med" len="med"/>
-            <a:tailEnd type="arrow" w="med" len="med"/>
-          </a:ln>
-          <a:effectLst/>
-        </p:spPr>
-        <p:style>
-          <a:lnRef idx="1">
-            <a:schemeClr val="accent2"/>
-          </a:lnRef>
-          <a:fillRef idx="2">
-            <a:schemeClr val="accent2"/>
-          </a:fillRef>
-          <a:effectRef idx="1">
-            <a:schemeClr val="accent2"/>
-          </a:effectRef>
-          <a:fontRef idx="minor">
-            <a:schemeClr val="dk1"/>
-          </a:fontRef>
-        </p:style>
-      </p:cxnSp>
       <p:sp>
         <p:nvSpPr>
           <p:cNvPr id="80" name="Rectangle 8"/>
@@ -14782,8 +15435,8 @@
         </p:nvSpPr>
         <p:spPr>
           <a:xfrm>
-            <a:off x="7712397" y="2887216"/>
-            <a:ext cx="708186" cy="285783"/>
+            <a:off x="7712396" y="2887216"/>
+            <a:ext cx="822003" cy="285783"/>
           </a:xfrm>
           <a:prstGeom prst="rect">
             <a:avLst/>
@@ -14815,12 +15468,12 @@
           <a:p>
             <a:pPr algn="ctr"/>
             <a:r>
-              <a:rPr lang="en-US" sz="1050" dirty="0" smtClean="0">
+              <a:rPr lang="en-US" sz="1050" dirty="0" err="1">
                 <a:solidFill>
                   <a:srgbClr val="7030A0"/>
                 </a:solidFill>
               </a:rPr>
-              <a:t>Phone</a:t>
+              <a:t>EndDate</a:t>
             </a:r>
             <a:endParaRPr lang="en-SG" sz="1050" dirty="0">
               <a:solidFill>
@@ -14835,14 +15488,14 @@
           <p:cNvPr id="81" name="Elbow Connector 80"/>
           <p:cNvCxnSpPr>
             <a:stCxn id="78" idx="3"/>
-            <a:endCxn id="80" idx="1"/>
+            <a:endCxn id="87" idx="1"/>
           </p:cNvCxnSpPr>
           <p:nvPr/>
         </p:nvCxnSpPr>
         <p:spPr>
-          <a:xfrm flipV="1">
-            <a:off x="7277995" y="3030108"/>
-            <a:ext cx="434402" cy="4783"/>
+          <a:xfrm>
+            <a:off x="7275057" y="3685496"/>
+            <a:ext cx="437339" cy="340192"/>
           </a:xfrm>
           <a:prstGeom prst="bentConnector3">
             <a:avLst/>
@@ -14879,8 +15532,8 @@
         </p:nvSpPr>
         <p:spPr>
           <a:xfrm>
-            <a:off x="7712397" y="3210194"/>
-            <a:ext cx="708186" cy="285783"/>
+            <a:off x="7712396" y="3210194"/>
+            <a:ext cx="822003" cy="285783"/>
           </a:xfrm>
           <a:prstGeom prst="rect">
             <a:avLst/>
@@ -14912,12 +15565,12 @@
           <a:p>
             <a:pPr algn="ctr"/>
             <a:r>
-              <a:rPr lang="en-US" sz="1050" dirty="0" smtClean="0">
+              <a:rPr lang="en-US" sz="1050" dirty="0">
                 <a:solidFill>
                   <a:srgbClr val="7030A0"/>
                 </a:solidFill>
               </a:rPr>
-              <a:t>Email</a:t>
+              <a:t>Description</a:t>
             </a:r>
             <a:endParaRPr lang="en-SG" sz="1050" dirty="0">
               <a:solidFill>
@@ -14937,9 +15590,9 @@
           <p:nvPr/>
         </p:nvCxnSpPr>
         <p:spPr>
-          <a:xfrm>
-            <a:off x="7277995" y="3034891"/>
-            <a:ext cx="434402" cy="318195"/>
+          <a:xfrm flipV="1">
+            <a:off x="7275057" y="3353086"/>
+            <a:ext cx="437339" cy="332410"/>
           </a:xfrm>
           <a:prstGeom prst="bentConnector3">
             <a:avLst/>
@@ -14976,8 +15629,8 @@
         </p:nvSpPr>
         <p:spPr>
           <a:xfrm>
-            <a:off x="7712397" y="3533171"/>
-            <a:ext cx="708186" cy="285783"/>
+            <a:off x="7712396" y="3533171"/>
+            <a:ext cx="822003" cy="285783"/>
           </a:xfrm>
           <a:prstGeom prst="rect">
             <a:avLst/>
@@ -15009,12 +15662,12 @@
           <a:p>
             <a:pPr algn="ctr"/>
             <a:r>
-              <a:rPr lang="en-US" sz="1050" dirty="0" smtClean="0">
+              <a:rPr lang="en-US" sz="1050" dirty="0">
                 <a:solidFill>
                   <a:srgbClr val="7030A0"/>
                 </a:solidFill>
               </a:rPr>
-              <a:t>Address</a:t>
+              <a:t>Name</a:t>
             </a:r>
             <a:endParaRPr lang="en-SG" sz="1050" dirty="0">
               <a:solidFill>
@@ -15034,9 +15687,9 @@
           <p:nvPr/>
         </p:nvCxnSpPr>
         <p:spPr>
-          <a:xfrm>
-            <a:off x="7277995" y="3034891"/>
-            <a:ext cx="434402" cy="641172"/>
+          <a:xfrm flipV="1">
+            <a:off x="7275057" y="3676063"/>
+            <a:ext cx="437339" cy="9433"/>
           </a:xfrm>
           <a:prstGeom prst="bentConnector3">
             <a:avLst/>
@@ -15197,130 +15850,12 @@
           <a:p>
             <a:pPr algn="ctr"/>
             <a:r>
-              <a:rPr lang="en-US" sz="1050" dirty="0" smtClean="0">
+              <a:rPr lang="en-US" sz="1050" dirty="0">
                 <a:solidFill>
                   <a:srgbClr val="7030A0"/>
                 </a:solidFill>
               </a:rPr>
               <a:t>&lt;&lt;interface&gt;&gt;</a:t>
-            </a:r>
-            <a:br>
-              <a:rPr lang="en-US" sz="1050" dirty="0" smtClean="0">
-                <a:solidFill>
-                  <a:srgbClr val="7030A0"/>
-                </a:solidFill>
-              </a:rPr>
-            </a:br>
-            <a:r>
-              <a:rPr lang="en-US" sz="1050" dirty="0" err="1" smtClean="0">
-                <a:solidFill>
-                  <a:srgbClr val="7030A0"/>
-                </a:solidFill>
-              </a:rPr>
-              <a:t>ReadOnlyAddressBook</a:t>
-            </a:r>
-            <a:endParaRPr lang="en-SG" sz="1050" dirty="0">
-              <a:solidFill>
-                <a:srgbClr val="7030A0"/>
-              </a:solidFill>
-            </a:endParaRPr>
-          </a:p>
-        </p:txBody>
-      </p:sp>
-      <p:sp>
-        <p:nvSpPr>
-          <p:cNvPr id="114" name="TextBox 113"/>
-          <p:cNvSpPr txBox="1"/>
-          <p:nvPr/>
-        </p:nvSpPr>
-        <p:spPr>
-          <a:xfrm rot="16200000">
-            <a:off x="6581354" y="3514530"/>
-            <a:ext cx="881018" cy="261610"/>
-          </a:xfrm>
-          <a:prstGeom prst="rect">
-            <a:avLst/>
-          </a:prstGeom>
-          <a:noFill/>
-        </p:spPr>
-        <p:txBody>
-          <a:bodyPr wrap="square" rtlCol="0">
-            <a:spAutoFit/>
-          </a:bodyPr>
-          <a:lstStyle/>
-          <a:p>
-            <a:pPr algn="r"/>
-            <a:r>
-              <a:rPr lang="en-US" sz="1100" dirty="0" smtClean="0">
-                <a:solidFill>
-                  <a:srgbClr val="7030A0"/>
-                </a:solidFill>
-              </a:rPr>
-              <a:t>filtered list</a:t>
-            </a:r>
-            <a:endParaRPr lang="en-SG" sz="1100" dirty="0">
-              <a:solidFill>
-                <a:srgbClr val="7030A0"/>
-              </a:solidFill>
-            </a:endParaRPr>
-          </a:p>
-        </p:txBody>
-      </p:sp>
-      <p:sp>
-        <p:nvSpPr>
-          <p:cNvPr id="122" name="Rectangle 8"/>
-          <p:cNvSpPr/>
-          <p:nvPr/>
-        </p:nvSpPr>
-        <p:spPr>
-          <a:xfrm>
-            <a:off x="2057400" y="4239491"/>
-            <a:ext cx="1775949" cy="346760"/>
-          </a:xfrm>
-          <a:prstGeom prst="rect">
-            <a:avLst/>
-          </a:prstGeom>
-          <a:ln w="19050">
-            <a:solidFill>
-              <a:srgbClr val="7030A0"/>
-            </a:solidFill>
-          </a:ln>
-          <a:effectLst/>
-        </p:spPr>
-        <p:style>
-          <a:lnRef idx="1">
-            <a:schemeClr val="accent4"/>
-          </a:lnRef>
-          <a:fillRef idx="2">
-            <a:schemeClr val="accent4"/>
-          </a:fillRef>
-          <a:effectRef idx="1">
-            <a:schemeClr val="accent4"/>
-          </a:effectRef>
-          <a:fontRef idx="minor">
-            <a:schemeClr val="dk1"/>
-          </a:fontRef>
-        </p:style>
-        <p:txBody>
-          <a:bodyPr rtlCol="0" anchor="ctr"/>
-          <a:lstStyle/>
-          <a:p>
-            <a:pPr algn="ctr"/>
-            <a:r>
-              <a:rPr lang="en-US" sz="1050" dirty="0" smtClean="0">
-                <a:solidFill>
-                  <a:srgbClr val="7030A0"/>
-                </a:solidFill>
-              </a:rPr>
-              <a:t>&lt;&lt;interface&gt;&gt;</a:t>
-            </a:r>
-            <a:r>
-              <a:rPr lang="en-US" sz="1050" dirty="0">
-                <a:solidFill>
-                  <a:srgbClr val="7030A0"/>
-                </a:solidFill>
-              </a:rPr>
-              <a:t/>
             </a:r>
             <a:br>
               <a:rPr lang="en-US" sz="1050" dirty="0">
@@ -15330,7 +15865,117 @@
               </a:rPr>
             </a:br>
             <a:r>
-              <a:rPr lang="en-US" sz="1050" dirty="0" err="1" smtClean="0">
+              <a:rPr lang="en-US" sz="1050" dirty="0" err="1">
+                <a:solidFill>
+                  <a:srgbClr val="7030A0"/>
+                </a:solidFill>
+              </a:rPr>
+              <a:t>ReadOnlyTaskForce</a:t>
+            </a:r>
+            <a:endParaRPr lang="en-SG" sz="1050" dirty="0">
+              <a:solidFill>
+                <a:srgbClr val="7030A0"/>
+              </a:solidFill>
+            </a:endParaRPr>
+          </a:p>
+        </p:txBody>
+      </p:sp>
+      <p:sp>
+        <p:nvSpPr>
+          <p:cNvPr id="114" name="TextBox 113"/>
+          <p:cNvSpPr txBox="1"/>
+          <p:nvPr/>
+        </p:nvSpPr>
+        <p:spPr>
+          <a:xfrm rot="16200000">
+            <a:off x="6351797" y="4173025"/>
+            <a:ext cx="881018" cy="261610"/>
+          </a:xfrm>
+          <a:prstGeom prst="rect">
+            <a:avLst/>
+          </a:prstGeom>
+          <a:noFill/>
+        </p:spPr>
+        <p:txBody>
+          <a:bodyPr wrap="square" rtlCol="0">
+            <a:spAutoFit/>
+          </a:bodyPr>
+          <a:lstStyle/>
+          <a:p>
+            <a:pPr algn="r"/>
+            <a:r>
+              <a:rPr lang="en-US" sz="1100" dirty="0">
+                <a:solidFill>
+                  <a:srgbClr val="7030A0"/>
+                </a:solidFill>
+              </a:rPr>
+              <a:t>filtered list</a:t>
+            </a:r>
+            <a:endParaRPr lang="en-SG" sz="1100" dirty="0">
+              <a:solidFill>
+                <a:srgbClr val="7030A0"/>
+              </a:solidFill>
+            </a:endParaRPr>
+          </a:p>
+        </p:txBody>
+      </p:sp>
+      <p:sp>
+        <p:nvSpPr>
+          <p:cNvPr id="122" name="Rectangle 8"/>
+          <p:cNvSpPr/>
+          <p:nvPr/>
+        </p:nvSpPr>
+        <p:spPr>
+          <a:xfrm>
+            <a:off x="2057400" y="4988194"/>
+            <a:ext cx="1775949" cy="346760"/>
+          </a:xfrm>
+          <a:prstGeom prst="rect">
+            <a:avLst/>
+          </a:prstGeom>
+          <a:ln w="19050">
+            <a:solidFill>
+              <a:srgbClr val="7030A0"/>
+            </a:solidFill>
+          </a:ln>
+          <a:effectLst/>
+        </p:spPr>
+        <p:style>
+          <a:lnRef idx="1">
+            <a:schemeClr val="accent4"/>
+          </a:lnRef>
+          <a:fillRef idx="2">
+            <a:schemeClr val="accent4"/>
+          </a:fillRef>
+          <a:effectRef idx="1">
+            <a:schemeClr val="accent4"/>
+          </a:effectRef>
+          <a:fontRef idx="minor">
+            <a:schemeClr val="dk1"/>
+          </a:fontRef>
+        </p:style>
+        <p:txBody>
+          <a:bodyPr rtlCol="0" anchor="ctr"/>
+          <a:lstStyle/>
+          <a:p>
+            <a:pPr algn="ctr"/>
+            <a:r>
+              <a:rPr lang="en-US" sz="1050" dirty="0">
+                <a:solidFill>
+                  <a:srgbClr val="7030A0"/>
+                </a:solidFill>
+              </a:rPr>
+              <a:t>&lt;&lt;interface&gt;&gt;</a:t>
+            </a:r>
+            <a:br>
+              <a:rPr lang="en-US" sz="1050" dirty="0">
+                <a:solidFill>
+                  <a:srgbClr val="7030A0"/>
+                </a:solidFill>
+              </a:rPr>
+            </a:br>
+            <a:r>
+              <a:rPr lang="en-US" sz="1050" dirty="0" err="1">
                 <a:solidFill>
                   <a:srgbClr val="7030A0"/>
                 </a:solidFill>
@@ -15356,8 +16001,8 @@
         </p:nvCxnSpPr>
         <p:spPr>
           <a:xfrm rot="16200000" flipH="1">
-            <a:off x="1364475" y="3719945"/>
-            <a:ext cx="831471" cy="554380"/>
+            <a:off x="990123" y="4094297"/>
+            <a:ext cx="1580174" cy="554380"/>
           </a:xfrm>
           <a:prstGeom prst="bentConnector2">
             <a:avLst/>
@@ -15367,6 +16012,544 @@
               <a:srgbClr val="7030A0"/>
             </a:solidFill>
             <a:prstDash val="sysDot"/>
+            <a:headEnd type="none" w="med" len="med"/>
+            <a:tailEnd type="arrow" w="med" len="med"/>
+          </a:ln>
+          <a:effectLst/>
+        </p:spPr>
+        <p:style>
+          <a:lnRef idx="1">
+            <a:schemeClr val="accent2"/>
+          </a:lnRef>
+          <a:fillRef idx="2">
+            <a:schemeClr val="accent2"/>
+          </a:fillRef>
+          <a:effectRef idx="1">
+            <a:schemeClr val="accent2"/>
+          </a:effectRef>
+          <a:fontRef idx="minor">
+            <a:schemeClr val="dk1"/>
+          </a:fontRef>
+        </p:style>
+      </p:cxnSp>
+      <p:sp>
+        <p:nvSpPr>
+          <p:cNvPr id="65" name="Flowchart: Decision 96"/>
+          <p:cNvSpPr/>
+          <p:nvPr/>
+        </p:nvSpPr>
+        <p:spPr>
+          <a:xfrm rot="5400000">
+            <a:off x="7242566" y="2290535"/>
+            <a:ext cx="236048" cy="173380"/>
+          </a:xfrm>
+          <a:prstGeom prst="flowChartDecision">
+            <a:avLst/>
+          </a:prstGeom>
+          <a:noFill/>
+          <a:ln w="19050">
+            <a:solidFill>
+              <a:srgbClr val="7030A0"/>
+            </a:solidFill>
+          </a:ln>
+          <a:effectLst/>
+        </p:spPr>
+        <p:style>
+          <a:lnRef idx="1">
+            <a:schemeClr val="accent6"/>
+          </a:lnRef>
+          <a:fillRef idx="2">
+            <a:schemeClr val="accent6"/>
+          </a:fillRef>
+          <a:effectRef idx="1">
+            <a:schemeClr val="accent6"/>
+          </a:effectRef>
+          <a:fontRef idx="minor">
+            <a:schemeClr val="dk1"/>
+          </a:fontRef>
+        </p:style>
+        <p:txBody>
+          <a:bodyPr rtlCol="0" anchor="ctr"/>
+          <a:lstStyle/>
+          <a:p>
+            <a:pPr algn="ctr"/>
+            <a:endParaRPr lang="en-US" sz="1050"/>
+          </a:p>
+        </p:txBody>
+      </p:sp>
+      <p:cxnSp>
+        <p:nvCxnSpPr>
+          <p:cNvPr id="66" name="Elbow Connector 68"/>
+          <p:cNvCxnSpPr>
+            <a:stCxn id="65" idx="3"/>
+          </p:cNvCxnSpPr>
+          <p:nvPr/>
+        </p:nvCxnSpPr>
+        <p:spPr>
+          <a:xfrm rot="5400000">
+            <a:off x="6666226" y="2815255"/>
+            <a:ext cx="1014371" cy="374358"/>
+          </a:xfrm>
+          <a:prstGeom prst="bentConnector3">
+            <a:avLst>
+              <a:gd name="adj1" fmla="val 80781"/>
+            </a:avLst>
+          </a:prstGeom>
+          <a:ln w="19050">
+            <a:solidFill>
+              <a:srgbClr val="7030A0"/>
+            </a:solidFill>
+            <a:headEnd type="none" w="med" len="med"/>
+            <a:tailEnd type="arrow" w="med" len="med"/>
+          </a:ln>
+          <a:effectLst/>
+        </p:spPr>
+        <p:style>
+          <a:lnRef idx="1">
+            <a:schemeClr val="accent2"/>
+          </a:lnRef>
+          <a:fillRef idx="2">
+            <a:schemeClr val="accent2"/>
+          </a:fillRef>
+          <a:effectRef idx="1">
+            <a:schemeClr val="accent2"/>
+          </a:effectRef>
+          <a:fontRef idx="minor">
+            <a:schemeClr val="dk1"/>
+          </a:fontRef>
+        </p:style>
+      </p:cxnSp>
+      <p:sp>
+        <p:nvSpPr>
+          <p:cNvPr id="87" name="Rectangle 8"/>
+          <p:cNvSpPr/>
+          <p:nvPr/>
+        </p:nvSpPr>
+        <p:spPr>
+          <a:xfrm>
+            <a:off x="7712396" y="3882796"/>
+            <a:ext cx="822003" cy="285783"/>
+          </a:xfrm>
+          <a:prstGeom prst="rect">
+            <a:avLst/>
+          </a:prstGeom>
+          <a:ln w="19050">
+            <a:solidFill>
+              <a:srgbClr val="7030A0"/>
+            </a:solidFill>
+          </a:ln>
+          <a:effectLst/>
+        </p:spPr>
+        <p:style>
+          <a:lnRef idx="1">
+            <a:schemeClr val="accent4"/>
+          </a:lnRef>
+          <a:fillRef idx="2">
+            <a:schemeClr val="accent4"/>
+          </a:fillRef>
+          <a:effectRef idx="1">
+            <a:schemeClr val="accent4"/>
+          </a:effectRef>
+          <a:fontRef idx="minor">
+            <a:schemeClr val="dk1"/>
+          </a:fontRef>
+        </p:style>
+        <p:txBody>
+          <a:bodyPr rtlCol="0" anchor="ctr"/>
+          <a:lstStyle/>
+          <a:p>
+            <a:pPr algn="ctr"/>
+            <a:r>
+              <a:rPr lang="en-US" sz="1050" dirty="0">
+                <a:solidFill>
+                  <a:srgbClr val="7030A0"/>
+                </a:solidFill>
+              </a:rPr>
+              <a:t>ID</a:t>
+            </a:r>
+            <a:endParaRPr lang="en-SG" sz="1050" dirty="0">
+              <a:solidFill>
+                <a:srgbClr val="7030A0"/>
+              </a:solidFill>
+            </a:endParaRPr>
+          </a:p>
+        </p:txBody>
+      </p:sp>
+      <p:sp>
+        <p:nvSpPr>
+          <p:cNvPr id="90" name="Rectangle 8"/>
+          <p:cNvSpPr/>
+          <p:nvPr/>
+        </p:nvSpPr>
+        <p:spPr>
+          <a:xfrm>
+            <a:off x="6269608" y="2504894"/>
+            <a:ext cx="708186" cy="346760"/>
+          </a:xfrm>
+          <a:prstGeom prst="rect">
+            <a:avLst/>
+          </a:prstGeom>
+          <a:ln w="19050">
+            <a:solidFill>
+              <a:srgbClr val="7030A0"/>
+            </a:solidFill>
+          </a:ln>
+          <a:effectLst/>
+        </p:spPr>
+        <p:style>
+          <a:lnRef idx="1">
+            <a:schemeClr val="accent4"/>
+          </a:lnRef>
+          <a:fillRef idx="2">
+            <a:schemeClr val="accent4"/>
+          </a:fillRef>
+          <a:effectRef idx="1">
+            <a:schemeClr val="accent4"/>
+          </a:effectRef>
+          <a:fontRef idx="minor">
+            <a:schemeClr val="dk1"/>
+          </a:fontRef>
+        </p:style>
+        <p:txBody>
+          <a:bodyPr rtlCol="0" anchor="ctr"/>
+          <a:lstStyle/>
+          <a:p>
+            <a:pPr algn="ctr"/>
+            <a:r>
+              <a:rPr lang="en-SG" sz="1050" dirty="0">
+                <a:solidFill>
+                  <a:srgbClr val="7030A0"/>
+                </a:solidFill>
+              </a:rPr>
+              <a:t>Event</a:t>
+            </a:r>
+          </a:p>
+        </p:txBody>
+      </p:sp>
+      <p:sp>
+        <p:nvSpPr>
+          <p:cNvPr id="91" name="Rectangle 8"/>
+          <p:cNvSpPr/>
+          <p:nvPr/>
+        </p:nvSpPr>
+        <p:spPr>
+          <a:xfrm>
+            <a:off x="6124945" y="2897421"/>
+            <a:ext cx="708186" cy="346760"/>
+          </a:xfrm>
+          <a:prstGeom prst="rect">
+            <a:avLst/>
+          </a:prstGeom>
+          <a:ln w="19050">
+            <a:solidFill>
+              <a:srgbClr val="7030A0"/>
+            </a:solidFill>
+          </a:ln>
+          <a:effectLst/>
+        </p:spPr>
+        <p:style>
+          <a:lnRef idx="1">
+            <a:schemeClr val="accent4"/>
+          </a:lnRef>
+          <a:fillRef idx="2">
+            <a:schemeClr val="accent4"/>
+          </a:fillRef>
+          <a:effectRef idx="1">
+            <a:schemeClr val="accent4"/>
+          </a:effectRef>
+          <a:fontRef idx="minor">
+            <a:schemeClr val="dk1"/>
+          </a:fontRef>
+        </p:style>
+        <p:txBody>
+          <a:bodyPr rtlCol="0" anchor="ctr"/>
+          <a:lstStyle/>
+          <a:p>
+            <a:pPr algn="ctr"/>
+            <a:r>
+              <a:rPr lang="en-US" sz="1050" dirty="0">
+                <a:solidFill>
+                  <a:srgbClr val="7030A0"/>
+                </a:solidFill>
+              </a:rPr>
+              <a:t>Deadline</a:t>
+            </a:r>
+            <a:endParaRPr lang="en-SG" sz="1050" dirty="0">
+              <a:solidFill>
+                <a:srgbClr val="7030A0"/>
+              </a:solidFill>
+            </a:endParaRPr>
+          </a:p>
+        </p:txBody>
+      </p:sp>
+      <p:cxnSp>
+        <p:nvCxnSpPr>
+          <p:cNvPr id="56" name="Straight Arrow Connector 55"/>
+          <p:cNvCxnSpPr/>
+          <p:nvPr/>
+        </p:nvCxnSpPr>
+        <p:spPr>
+          <a:xfrm flipV="1">
+            <a:off x="6514697" y="3239846"/>
+            <a:ext cx="0" cy="265354"/>
+          </a:xfrm>
+          <a:prstGeom prst="straightConnector1">
+            <a:avLst/>
+          </a:prstGeom>
+          <a:ln w="19050">
+            <a:solidFill>
+              <a:srgbClr val="7030A0"/>
+            </a:solidFill>
+            <a:prstDash val="solid"/>
+            <a:headEnd type="none" w="med" len="med"/>
+            <a:tailEnd type="arrow" w="med" len="med"/>
+          </a:ln>
+          <a:effectLst/>
+        </p:spPr>
+        <p:style>
+          <a:lnRef idx="1">
+            <a:schemeClr val="accent2"/>
+          </a:lnRef>
+          <a:fillRef idx="2">
+            <a:schemeClr val="accent2"/>
+          </a:fillRef>
+          <a:effectRef idx="1">
+            <a:schemeClr val="accent2"/>
+          </a:effectRef>
+          <a:fontRef idx="minor">
+            <a:schemeClr val="dk1"/>
+          </a:fontRef>
+        </p:style>
+      </p:cxnSp>
+      <p:cxnSp>
+        <p:nvCxnSpPr>
+          <p:cNvPr id="94" name="Straight Arrow Connector 93"/>
+          <p:cNvCxnSpPr/>
+          <p:nvPr/>
+        </p:nvCxnSpPr>
+        <p:spPr>
+          <a:xfrm flipV="1">
+            <a:off x="6906208" y="2847371"/>
+            <a:ext cx="0" cy="657829"/>
+          </a:xfrm>
+          <a:prstGeom prst="straightConnector1">
+            <a:avLst/>
+          </a:prstGeom>
+          <a:ln w="19050">
+            <a:solidFill>
+              <a:srgbClr val="7030A0"/>
+            </a:solidFill>
+            <a:prstDash val="solid"/>
+            <a:headEnd type="none" w="med" len="med"/>
+            <a:tailEnd type="arrow" w="med" len="med"/>
+          </a:ln>
+          <a:effectLst/>
+        </p:spPr>
+        <p:style>
+          <a:lnRef idx="1">
+            <a:schemeClr val="accent2"/>
+          </a:lnRef>
+          <a:fillRef idx="2">
+            <a:schemeClr val="accent2"/>
+          </a:fillRef>
+          <a:effectRef idx="1">
+            <a:schemeClr val="accent2"/>
+          </a:effectRef>
+          <a:fontRef idx="minor">
+            <a:schemeClr val="dk1"/>
+          </a:fontRef>
+        </p:style>
+      </p:cxnSp>
+      <p:sp>
+        <p:nvSpPr>
+          <p:cNvPr id="101" name="Flowchart: Decision 96"/>
+          <p:cNvSpPr/>
+          <p:nvPr/>
+        </p:nvSpPr>
+        <p:spPr>
+          <a:xfrm>
+            <a:off x="6858000" y="2997141"/>
+            <a:ext cx="236048" cy="173380"/>
+          </a:xfrm>
+          <a:prstGeom prst="flowChartDecision">
+            <a:avLst/>
+          </a:prstGeom>
+          <a:solidFill>
+            <a:srgbClr val="7030A0"/>
+          </a:solidFill>
+          <a:ln w="19050">
+            <a:solidFill>
+              <a:srgbClr val="7030A0"/>
+            </a:solidFill>
+          </a:ln>
+          <a:effectLst/>
+        </p:spPr>
+        <p:style>
+          <a:lnRef idx="1">
+            <a:schemeClr val="accent6"/>
+          </a:lnRef>
+          <a:fillRef idx="2">
+            <a:schemeClr val="accent6"/>
+          </a:fillRef>
+          <a:effectRef idx="1">
+            <a:schemeClr val="accent6"/>
+          </a:effectRef>
+          <a:fontRef idx="minor">
+            <a:schemeClr val="dk1"/>
+          </a:fontRef>
+        </p:style>
+        <p:txBody>
+          <a:bodyPr rtlCol="0" anchor="ctr"/>
+          <a:lstStyle/>
+          <a:p>
+            <a:pPr algn="ctr"/>
+            <a:endParaRPr lang="en-US" sz="1050"/>
+          </a:p>
+        </p:txBody>
+      </p:sp>
+      <p:cxnSp>
+        <p:nvCxnSpPr>
+          <p:cNvPr id="102" name="Straight Arrow Connector 101"/>
+          <p:cNvCxnSpPr/>
+          <p:nvPr/>
+        </p:nvCxnSpPr>
+        <p:spPr>
+          <a:xfrm flipV="1">
+            <a:off x="7094048" y="3083831"/>
+            <a:ext cx="621792" cy="1"/>
+          </a:xfrm>
+          <a:prstGeom prst="straightConnector1">
+            <a:avLst/>
+          </a:prstGeom>
+          <a:ln w="19050">
+            <a:solidFill>
+              <a:srgbClr val="7030A0"/>
+            </a:solidFill>
+            <a:prstDash val="solid"/>
+            <a:headEnd type="none" w="med" len="med"/>
+            <a:tailEnd type="arrow" w="med" len="med"/>
+          </a:ln>
+          <a:effectLst/>
+        </p:spPr>
+        <p:style>
+          <a:lnRef idx="1">
+            <a:schemeClr val="accent2"/>
+          </a:lnRef>
+          <a:fillRef idx="2">
+            <a:schemeClr val="accent2"/>
+          </a:fillRef>
+          <a:effectRef idx="1">
+            <a:schemeClr val="accent2"/>
+          </a:effectRef>
+          <a:fontRef idx="minor">
+            <a:schemeClr val="dk1"/>
+          </a:fontRef>
+        </p:style>
+      </p:cxnSp>
+      <p:sp>
+        <p:nvSpPr>
+          <p:cNvPr id="104" name="Flowchart: Decision 96"/>
+          <p:cNvSpPr/>
+          <p:nvPr/>
+        </p:nvSpPr>
+        <p:spPr>
+          <a:xfrm>
+            <a:off x="6997376" y="2601248"/>
+            <a:ext cx="236048" cy="173380"/>
+          </a:xfrm>
+          <a:prstGeom prst="flowChartDecision">
+            <a:avLst/>
+          </a:prstGeom>
+          <a:solidFill>
+            <a:srgbClr val="7030A0"/>
+          </a:solidFill>
+          <a:ln w="19050">
+            <a:solidFill>
+              <a:srgbClr val="7030A0"/>
+            </a:solidFill>
+          </a:ln>
+          <a:effectLst/>
+        </p:spPr>
+        <p:style>
+          <a:lnRef idx="1">
+            <a:schemeClr val="accent6"/>
+          </a:lnRef>
+          <a:fillRef idx="2">
+            <a:schemeClr val="accent6"/>
+          </a:fillRef>
+          <a:effectRef idx="1">
+            <a:schemeClr val="accent6"/>
+          </a:effectRef>
+          <a:fontRef idx="minor">
+            <a:schemeClr val="dk1"/>
+          </a:fontRef>
+        </p:style>
+        <p:txBody>
+          <a:bodyPr rtlCol="0" anchor="ctr"/>
+          <a:lstStyle/>
+          <a:p>
+            <a:pPr algn="ctr"/>
+            <a:endParaRPr lang="en-US" sz="1050"/>
+          </a:p>
+        </p:txBody>
+      </p:sp>
+      <p:cxnSp>
+        <p:nvCxnSpPr>
+          <p:cNvPr id="105" name="Straight Arrow Connector 104"/>
+          <p:cNvCxnSpPr/>
+          <p:nvPr/>
+        </p:nvCxnSpPr>
+        <p:spPr>
+          <a:xfrm flipV="1">
+            <a:off x="7094048" y="2687938"/>
+            <a:ext cx="621792" cy="1"/>
+          </a:xfrm>
+          <a:prstGeom prst="straightConnector1">
+            <a:avLst/>
+          </a:prstGeom>
+          <a:ln w="19050">
+            <a:solidFill>
+              <a:srgbClr val="7030A0"/>
+            </a:solidFill>
+            <a:prstDash val="solid"/>
+            <a:headEnd type="none" w="med" len="med"/>
+            <a:tailEnd type="arrow" w="med" len="med"/>
+          </a:ln>
+          <a:effectLst/>
+        </p:spPr>
+        <p:style>
+          <a:lnRef idx="1">
+            <a:schemeClr val="accent2"/>
+          </a:lnRef>
+          <a:fillRef idx="2">
+            <a:schemeClr val="accent2"/>
+          </a:fillRef>
+          <a:effectRef idx="1">
+            <a:schemeClr val="accent2"/>
+          </a:effectRef>
+          <a:fontRef idx="minor">
+            <a:schemeClr val="dk1"/>
+          </a:fontRef>
+        </p:style>
+      </p:cxnSp>
+      <p:cxnSp>
+        <p:nvCxnSpPr>
+          <p:cNvPr id="108" name="Elbow Connector 83"/>
+          <p:cNvCxnSpPr/>
+          <p:nvPr/>
+        </p:nvCxnSpPr>
+        <p:spPr>
+          <a:xfrm>
+            <a:off x="7267533" y="2687938"/>
+            <a:ext cx="444863" cy="274320"/>
+          </a:xfrm>
+          <a:prstGeom prst="bentConnector3">
+            <a:avLst/>
+          </a:prstGeom>
+          <a:ln w="19050">
+            <a:solidFill>
+              <a:srgbClr val="7030A0"/>
+            </a:solidFill>
             <a:headEnd type="none" w="med" len="med"/>
             <a:tailEnd type="arrow" w="med" len="med"/>
           </a:ln>
@@ -15397,13 +16580,6 @@
   <p:clrMapOvr>
     <a:masterClrMapping/>
   </p:clrMapOvr>
-  <p:timing>
-    <p:tnLst>
-      <p:par>
-        <p:cTn id="1" dur="indefinite" restart="never" nodeType="tmRoot"/>
-      </p:par>
-    </p:tnLst>
-  </p:timing>
 </p:sld>
 </file>
 
@@ -15470,7 +16646,7 @@
           <a:lstStyle/>
           <a:p>
             <a:r>
-              <a:rPr lang="en-US" sz="1200" b="1" dirty="0" smtClean="0">
+              <a:rPr lang="en-US" sz="1200" b="1" dirty="0">
                 <a:solidFill>
                   <a:schemeClr val="accent6">
                     <a:lumMod val="75000"/>
@@ -15537,147 +16713,6 @@
           <a:p>
             <a:pPr algn="ctr"/>
             <a:r>
-              <a:rPr lang="en-US" sz="1050" dirty="0" smtClean="0">
-                <a:solidFill>
-                  <a:schemeClr val="bg1"/>
-                </a:solidFill>
-              </a:rPr>
-              <a:t>&lt;&lt;interface&gt;&gt;</a:t>
-            </a:r>
-            <a:br>
-              <a:rPr lang="en-US" sz="1050" dirty="0" smtClean="0">
-                <a:solidFill>
-                  <a:schemeClr val="bg1"/>
-                </a:solidFill>
-              </a:rPr>
-            </a:br>
-            <a:r>
-              <a:rPr lang="en-US" sz="1050" dirty="0" err="1" smtClean="0">
-                <a:solidFill>
-                  <a:schemeClr val="bg1"/>
-                </a:solidFill>
-              </a:rPr>
-              <a:t>AddressBookStorage</a:t>
-            </a:r>
-            <a:endParaRPr lang="en-SG" sz="1050" dirty="0">
-              <a:solidFill>
-                <a:schemeClr val="bg1"/>
-              </a:solidFill>
-            </a:endParaRPr>
-          </a:p>
-        </p:txBody>
-      </p:sp>
-      <p:sp>
-        <p:nvSpPr>
-          <p:cNvPr id="9" name="Rectangle 62"/>
-          <p:cNvSpPr/>
-          <p:nvPr/>
-        </p:nvSpPr>
-        <p:spPr>
-          <a:xfrm rot="16200000">
-            <a:off x="1683963" y="2868687"/>
-            <a:ext cx="1093635" cy="346760"/>
-          </a:xfrm>
-          <a:prstGeom prst="rect">
-            <a:avLst/>
-          </a:prstGeom>
-          <a:solidFill>
-            <a:schemeClr val="accent6">
-              <a:lumMod val="75000"/>
-            </a:schemeClr>
-          </a:solidFill>
-          <a:ln w="19050">
-            <a:solidFill>
-              <a:schemeClr val="accent6">
-                <a:lumMod val="75000"/>
-              </a:schemeClr>
-            </a:solidFill>
-          </a:ln>
-          <a:effectLst/>
-        </p:spPr>
-        <p:style>
-          <a:lnRef idx="1">
-            <a:schemeClr val="accent2"/>
-          </a:lnRef>
-          <a:fillRef idx="2">
-            <a:schemeClr val="accent2"/>
-          </a:fillRef>
-          <a:effectRef idx="1">
-            <a:schemeClr val="accent2"/>
-          </a:effectRef>
-          <a:fontRef idx="minor">
-            <a:schemeClr val="dk1"/>
-          </a:fontRef>
-        </p:style>
-        <p:txBody>
-          <a:bodyPr rtlCol="0" anchor="ctr"/>
-          <a:lstStyle/>
-          <a:p>
-            <a:pPr algn="ctr"/>
-            <a:r>
-              <a:rPr lang="en-US" sz="1050" dirty="0" err="1" smtClean="0">
-                <a:solidFill>
-                  <a:schemeClr val="bg1"/>
-                </a:solidFill>
-              </a:rPr>
-              <a:t>StorageManager</a:t>
-            </a:r>
-            <a:endParaRPr lang="en-SG" sz="1050" dirty="0">
-              <a:solidFill>
-                <a:schemeClr val="bg1"/>
-              </a:solidFill>
-            </a:endParaRPr>
-          </a:p>
-        </p:txBody>
-      </p:sp>
-      <p:sp>
-        <p:nvSpPr>
-          <p:cNvPr id="119" name="Rectangle 62"/>
-          <p:cNvSpPr/>
-          <p:nvPr/>
-        </p:nvSpPr>
-        <p:spPr>
-          <a:xfrm rot="16200000">
-            <a:off x="956202" y="2861202"/>
-            <a:ext cx="1093635" cy="346760"/>
-          </a:xfrm>
-          <a:prstGeom prst="rect">
-            <a:avLst/>
-          </a:prstGeom>
-          <a:solidFill>
-            <a:schemeClr val="accent6">
-              <a:lumMod val="75000"/>
-            </a:schemeClr>
-          </a:solidFill>
-          <a:ln w="19050">
-            <a:solidFill>
-              <a:schemeClr val="accent6">
-                <a:lumMod val="75000"/>
-              </a:schemeClr>
-            </a:solidFill>
-          </a:ln>
-          <a:effectLst/>
-        </p:spPr>
-        <p:style>
-          <a:lnRef idx="1">
-            <a:schemeClr val="accent2"/>
-          </a:lnRef>
-          <a:fillRef idx="2">
-            <a:schemeClr val="accent2"/>
-          </a:fillRef>
-          <a:effectRef idx="1">
-            <a:schemeClr val="accent2"/>
-          </a:effectRef>
-          <a:fontRef idx="minor">
-            <a:schemeClr val="dk1"/>
-          </a:fontRef>
-        </p:style>
-        <p:txBody>
-          <a:bodyPr rtlCol="0" anchor="ctr"/>
-          <a:lstStyle/>
-          <a:p>
-            <a:pPr algn="ctr"/>
-            <a:r>
               <a:rPr lang="en-US" sz="1050" dirty="0">
                 <a:solidFill>
                   <a:schemeClr val="bg1"/>
@@ -15685,11 +16720,152 @@
               </a:rPr>
               <a:t>&lt;&lt;interface&gt;&gt;</a:t>
             </a:r>
-          </a:p>
+            <a:br>
+              <a:rPr lang="en-US" sz="1050" dirty="0">
+                <a:solidFill>
+                  <a:schemeClr val="bg1"/>
+                </a:solidFill>
+              </a:rPr>
+            </a:br>
+            <a:r>
+              <a:rPr lang="en-US" sz="1050" dirty="0" err="1">
+                <a:solidFill>
+                  <a:schemeClr val="bg1"/>
+                </a:solidFill>
+              </a:rPr>
+              <a:t>TaskForceStorage</a:t>
+            </a:r>
+            <a:endParaRPr lang="en-SG" sz="1050" dirty="0">
+              <a:solidFill>
+                <a:schemeClr val="bg1"/>
+              </a:solidFill>
+            </a:endParaRPr>
+          </a:p>
+        </p:txBody>
+      </p:sp>
+      <p:sp>
+        <p:nvSpPr>
+          <p:cNvPr id="9" name="Rectangle 62"/>
+          <p:cNvSpPr/>
+          <p:nvPr/>
+        </p:nvSpPr>
+        <p:spPr>
+          <a:xfrm rot="16200000">
+            <a:off x="1683963" y="2868687"/>
+            <a:ext cx="1093635" cy="346760"/>
+          </a:xfrm>
+          <a:prstGeom prst="rect">
+            <a:avLst/>
+          </a:prstGeom>
+          <a:solidFill>
+            <a:schemeClr val="accent6">
+              <a:lumMod val="75000"/>
+            </a:schemeClr>
+          </a:solidFill>
+          <a:ln w="19050">
+            <a:solidFill>
+              <a:schemeClr val="accent6">
+                <a:lumMod val="75000"/>
+              </a:schemeClr>
+            </a:solidFill>
+          </a:ln>
+          <a:effectLst/>
+        </p:spPr>
+        <p:style>
+          <a:lnRef idx="1">
+            <a:schemeClr val="accent2"/>
+          </a:lnRef>
+          <a:fillRef idx="2">
+            <a:schemeClr val="accent2"/>
+          </a:fillRef>
+          <a:effectRef idx="1">
+            <a:schemeClr val="accent2"/>
+          </a:effectRef>
+          <a:fontRef idx="minor">
+            <a:schemeClr val="dk1"/>
+          </a:fontRef>
+        </p:style>
+        <p:txBody>
+          <a:bodyPr rtlCol="0" anchor="ctr"/>
+          <a:lstStyle/>
           <a:p>
             <a:pPr algn="ctr"/>
             <a:r>
-              <a:rPr lang="en-US" sz="1050" dirty="0" smtClean="0">
+              <a:rPr lang="en-US" sz="1050" dirty="0" err="1">
+                <a:solidFill>
+                  <a:schemeClr val="bg1"/>
+                </a:solidFill>
+              </a:rPr>
+              <a:t>StorageManager</a:t>
+            </a:r>
+            <a:endParaRPr lang="en-SG" sz="1050" dirty="0">
+              <a:solidFill>
+                <a:schemeClr val="bg1"/>
+              </a:solidFill>
+            </a:endParaRPr>
+          </a:p>
+        </p:txBody>
+      </p:sp>
+      <p:sp>
+        <p:nvSpPr>
+          <p:cNvPr id="119" name="Rectangle 62"/>
+          <p:cNvSpPr/>
+          <p:nvPr/>
+        </p:nvSpPr>
+        <p:spPr>
+          <a:xfrm rot="16200000">
+            <a:off x="956202" y="2861202"/>
+            <a:ext cx="1093635" cy="346760"/>
+          </a:xfrm>
+          <a:prstGeom prst="rect">
+            <a:avLst/>
+          </a:prstGeom>
+          <a:solidFill>
+            <a:schemeClr val="accent6">
+              <a:lumMod val="75000"/>
+            </a:schemeClr>
+          </a:solidFill>
+          <a:ln w="19050">
+            <a:solidFill>
+              <a:schemeClr val="accent6">
+                <a:lumMod val="75000"/>
+              </a:schemeClr>
+            </a:solidFill>
+          </a:ln>
+          <a:effectLst/>
+        </p:spPr>
+        <p:style>
+          <a:lnRef idx="1">
+            <a:schemeClr val="accent2"/>
+          </a:lnRef>
+          <a:fillRef idx="2">
+            <a:schemeClr val="accent2"/>
+          </a:fillRef>
+          <a:effectRef idx="1">
+            <a:schemeClr val="accent2"/>
+          </a:effectRef>
+          <a:fontRef idx="minor">
+            <a:schemeClr val="dk1"/>
+          </a:fontRef>
+        </p:style>
+        <p:txBody>
+          <a:bodyPr rtlCol="0" anchor="ctr"/>
+          <a:lstStyle/>
+          <a:p>
+            <a:pPr algn="ctr"/>
+            <a:r>
+              <a:rPr lang="en-US" sz="1050" dirty="0">
+                <a:solidFill>
+                  <a:schemeClr val="bg1"/>
+                </a:solidFill>
+              </a:rPr>
+              <a:t>&lt;&lt;interface&gt;&gt;</a:t>
+            </a:r>
+          </a:p>
+          <a:p>
+            <a:pPr algn="ctr"/>
+            <a:r>
+              <a:rPr lang="en-US" sz="1050" dirty="0">
                 <a:solidFill>
                   <a:schemeClr val="bg1"/>
                 </a:solidFill>
@@ -16123,27 +17299,17 @@
           <a:p>
             <a:pPr algn="ctr"/>
             <a:r>
-              <a:rPr lang="en-US" sz="1050" b="1" dirty="0" err="1" smtClean="0">
+              <a:rPr lang="en-US" sz="1050" b="1" dirty="0" err="1">
                 <a:solidFill>
                   <a:schemeClr val="accent6">
                     <a:lumMod val="75000"/>
                   </a:schemeClr>
                 </a:solidFill>
               </a:rPr>
-              <a:t>XmlAddressBook</a:t>
-            </a:r>
-            <a:r>
-              <a:rPr lang="en-US" sz="1050" b="1" dirty="0" smtClean="0">
-                <a:solidFill>
-                  <a:schemeClr val="accent6">
-                    <a:lumMod val="75000"/>
-                  </a:schemeClr>
-                </a:solidFill>
-              </a:rPr>
-              <a:t/>
+              <a:t>XmlTaskForce</a:t>
             </a:r>
             <a:br>
-              <a:rPr lang="en-US" sz="1050" b="1" dirty="0" smtClean="0">
+              <a:rPr lang="en-US" sz="1050" b="1" dirty="0">
                 <a:solidFill>
                   <a:schemeClr val="accent6">
                     <a:lumMod val="75000"/>
@@ -16152,7 +17318,7 @@
               </a:rPr>
             </a:br>
             <a:r>
-              <a:rPr lang="en-US" sz="1050" b="1" dirty="0" smtClean="0">
+              <a:rPr lang="en-US" sz="1050" b="1" dirty="0">
                 <a:solidFill>
                   <a:schemeClr val="accent6">
                     <a:lumMod val="75000"/>
@@ -16219,7 +17385,7 @@
           <a:p>
             <a:pPr algn="ctr"/>
             <a:r>
-              <a:rPr lang="en-US" sz="1050" dirty="0" smtClean="0">
+              <a:rPr lang="en-US" sz="1050" dirty="0">
                 <a:solidFill>
                   <a:schemeClr val="bg1"/>
                 </a:solidFill>
@@ -16227,14 +17393,14 @@
               <a:t>&lt;&lt;interface&gt;&gt;</a:t>
             </a:r>
             <a:br>
-              <a:rPr lang="en-US" sz="1050" dirty="0" smtClean="0">
+              <a:rPr lang="en-US" sz="1050" dirty="0">
                 <a:solidFill>
                   <a:schemeClr val="bg1"/>
                 </a:solidFill>
               </a:rPr>
             </a:br>
             <a:r>
-              <a:rPr lang="en-US" sz="1050" dirty="0" err="1" smtClean="0">
+              <a:rPr lang="en-US" sz="1050" dirty="0" err="1">
                 <a:solidFill>
                   <a:schemeClr val="bg1"/>
                 </a:solidFill>
@@ -16492,30 +17658,22 @@
           <a:p>
             <a:pPr algn="ctr"/>
             <a:r>
-              <a:rPr lang="en-US" sz="1050" dirty="0" err="1" smtClean="0">
+              <a:rPr lang="en-US" sz="1050" dirty="0" err="1">
                 <a:solidFill>
                   <a:schemeClr val="bg1"/>
                 </a:solidFill>
               </a:rPr>
               <a:t>JsonUserPrefs</a:t>
             </a:r>
-            <a:r>
-              <a:rPr lang="en-US" sz="1050" dirty="0" smtClean="0">
-                <a:solidFill>
-                  <a:schemeClr val="bg1"/>
-                </a:solidFill>
-              </a:rPr>
-              <a:t/>
-            </a:r>
             <a:br>
-              <a:rPr lang="en-US" sz="1050" dirty="0" smtClean="0">
+              <a:rPr lang="en-US" sz="1050" dirty="0">
                 <a:solidFill>
                   <a:schemeClr val="bg1"/>
                 </a:solidFill>
               </a:rPr>
             </a:br>
             <a:r>
-              <a:rPr lang="en-US" sz="1050" dirty="0" smtClean="0">
+              <a:rPr lang="en-US" sz="1050" dirty="0">
                 <a:solidFill>
                   <a:schemeClr val="bg1"/>
                 </a:solidFill>
@@ -16567,7 +17725,7 @@
           <a:p>
             <a:pPr algn="ctr"/>
             <a:r>
-              <a:rPr lang="en-US" sz="1050" b="1" dirty="0" err="1" smtClean="0">
+              <a:rPr lang="en-US" sz="1050" b="1" dirty="0" err="1">
                 <a:solidFill>
                   <a:schemeClr val="accent6">
                     <a:lumMod val="75000"/>
@@ -16576,18 +17734,8 @@
               </a:rPr>
               <a:t>XmlSerializable</a:t>
             </a:r>
-            <a:r>
-              <a:rPr lang="en-US" sz="1050" b="1" dirty="0" smtClean="0">
-                <a:solidFill>
-                  <a:schemeClr val="accent6">
-                    <a:lumMod val="75000"/>
-                  </a:schemeClr>
-                </a:solidFill>
-              </a:rPr>
-              <a:t/>
-            </a:r>
             <a:br>
-              <a:rPr lang="en-US" sz="1050" b="1" dirty="0" smtClean="0">
+              <a:rPr lang="en-US" sz="1050" b="1" dirty="0">
                 <a:solidFill>
                   <a:schemeClr val="accent6">
                     <a:lumMod val="75000"/>
@@ -16596,14 +17744,14 @@
               </a:rPr>
             </a:br>
             <a:r>
-              <a:rPr lang="en-US" sz="1050" b="1" dirty="0" err="1" smtClean="0">
+              <a:rPr lang="en-US" sz="1050" b="1" dirty="0" err="1">
                 <a:solidFill>
                   <a:schemeClr val="accent6">
                     <a:lumMod val="75000"/>
                   </a:schemeClr>
                 </a:solidFill>
               </a:rPr>
-              <a:t>AddressBook</a:t>
+              <a:t>TaskForce</a:t>
             </a:r>
             <a:endParaRPr lang="en-SG" sz="1050" b="1" dirty="0">
               <a:solidFill>
@@ -16693,7 +17841,7 @@
           <a:p>
             <a:pPr algn="ctr"/>
             <a:r>
-              <a:rPr lang="en-US" sz="1050" b="1" dirty="0" err="1" smtClean="0">
+              <a:rPr lang="en-US" sz="1050" b="1" dirty="0" err="1">
                 <a:solidFill>
                   <a:schemeClr val="accent6">
                     <a:lumMod val="75000"/>
@@ -16749,14 +17897,14 @@
           <a:p>
             <a:pPr algn="ctr"/>
             <a:r>
-              <a:rPr lang="en-US" sz="1050" b="1" dirty="0" err="1" smtClean="0">
+              <a:rPr lang="en-US" sz="1050" b="1" dirty="0" err="1">
                 <a:solidFill>
                   <a:schemeClr val="accent6">
                     <a:lumMod val="75000"/>
                   </a:schemeClr>
                 </a:solidFill>
               </a:rPr>
-              <a:t>XmlAdaptedPerson</a:t>
+              <a:t>XmlAdaptedTask</a:t>
             </a:r>
             <a:endParaRPr lang="en-SG" sz="1050" b="1" dirty="0">
               <a:solidFill>
@@ -16819,13 +17967,6 @@
   <p:clrMapOvr>
     <a:masterClrMapping/>
   </p:clrMapOvr>
-  <p:timing>
-    <p:tnLst>
-      <p:par>
-        <p:cTn id="1" dur="indefinite" restart="never" nodeType="tmRoot"/>
-      </p:par>
-    </p:tnLst>
-  </p:timing>
 </p:sld>
 </file>
 

--- a/docs/diagrams/Diagrams.pptx
+++ b/docs/diagrams/Diagrams.pptx
@@ -216,7 +216,7 @@
           <a:p>
             <a:fld id="{F5CC4B3F-88C1-4FFA-B1B6-F41C21DC6924}" type="datetimeFigureOut">
               <a:rPr lang="en-US" smtClean="0"/>
-              <a:t>10/18/2016</a:t>
+              <a:t>10/19/2016</a:t>
             </a:fld>
             <a:endParaRPr lang="en-US"/>
           </a:p>
@@ -483,6 +483,94 @@
 </p:notesMaster>
 </file>
 
+<file path=ppt/notesSlides/notesSlide1.xml><?xml version="1.0" encoding="utf-8"?>
+<p:notes xmlns:a="http://schemas.openxmlformats.org/drawingml/2006/main" xmlns:r="http://schemas.openxmlformats.org/officeDocument/2006/relationships" xmlns:p="http://schemas.openxmlformats.org/presentationml/2006/main">
+  <p:cSld>
+    <p:spTree>
+      <p:nvGrpSpPr>
+        <p:cNvPr id="1" name=""/>
+        <p:cNvGrpSpPr/>
+        <p:nvPr/>
+      </p:nvGrpSpPr>
+      <p:grpSpPr>
+        <a:xfrm>
+          <a:off x="0" y="0"/>
+          <a:ext cx="0" cy="0"/>
+          <a:chOff x="0" y="0"/>
+          <a:chExt cx="0" cy="0"/>
+        </a:xfrm>
+      </p:grpSpPr>
+      <p:sp>
+        <p:nvSpPr>
+          <p:cNvPr id="2" name="Slide Image Placeholder 1"/>
+          <p:cNvSpPr>
+            <a:spLocks noGrp="1" noRot="1" noChangeAspect="1"/>
+          </p:cNvSpPr>
+          <p:nvPr>
+            <p:ph type="sldImg"/>
+          </p:nvPr>
+        </p:nvSpPr>
+        <p:spPr/>
+      </p:sp>
+      <p:sp>
+        <p:nvSpPr>
+          <p:cNvPr id="3" name="Notes Placeholder 2"/>
+          <p:cNvSpPr>
+            <a:spLocks noGrp="1"/>
+          </p:cNvSpPr>
+          <p:nvPr>
+            <p:ph type="body" idx="1"/>
+          </p:nvPr>
+        </p:nvSpPr>
+        <p:spPr/>
+        <p:txBody>
+          <a:bodyPr/>
+          <a:lstStyle/>
+          <a:p>
+            <a:r>
+              <a:rPr lang="en-US"/>
+              <a:t>No change</a:t>
+            </a:r>
+            <a:endParaRPr lang="en-US" dirty="0"/>
+          </a:p>
+        </p:txBody>
+      </p:sp>
+      <p:sp>
+        <p:nvSpPr>
+          <p:cNvPr id="4" name="Slide Number Placeholder 3"/>
+          <p:cNvSpPr>
+            <a:spLocks noGrp="1"/>
+          </p:cNvSpPr>
+          <p:nvPr>
+            <p:ph type="sldNum" sz="quarter" idx="10"/>
+          </p:nvPr>
+        </p:nvSpPr>
+        <p:spPr/>
+        <p:txBody>
+          <a:bodyPr/>
+          <a:lstStyle/>
+          <a:p>
+            <a:fld id="{5A7AB025-77E3-4BD1-A2FD-B3183DBA47A3}" type="slidenum">
+              <a:rPr lang="en-US" smtClean="0"/>
+              <a:t>2</a:t>
+            </a:fld>
+            <a:endParaRPr lang="en-US"/>
+          </a:p>
+        </p:txBody>
+      </p:sp>
+    </p:spTree>
+    <p:extLst>
+      <p:ext uri="{BB962C8B-B14F-4D97-AF65-F5344CB8AC3E}">
+        <p14:creationId xmlns:p14="http://schemas.microsoft.com/office/powerpoint/2010/main" val="1791593621"/>
+      </p:ext>
+    </p:extLst>
+  </p:cSld>
+  <p:clrMapOvr>
+    <a:masterClrMapping/>
+  </p:clrMapOvr>
+</p:notes>
+</file>
+
 <file path=ppt/slideLayouts/slideLayout1.xml><?xml version="1.0" encoding="utf-8"?>
 <p:sldLayout xmlns:a="http://schemas.openxmlformats.org/drawingml/2006/main" xmlns:r="http://schemas.openxmlformats.org/officeDocument/2006/relationships" xmlns:p="http://schemas.openxmlformats.org/presentationml/2006/main" type="title" preserve="1">
   <p:cSld name="Title Slide">
@@ -662,7 +750,7 @@
           <a:p>
             <a:fld id="{78C97017-6FC3-485B-9764-EAC9E56C1D49}" type="datetimeFigureOut">
               <a:rPr lang="en-US" smtClean="0"/>
-              <a:t>10/18/2016</a:t>
+              <a:t>10/19/2016</a:t>
             </a:fld>
             <a:endParaRPr lang="en-US"/>
           </a:p>
@@ -830,7 +918,7 @@
           <a:p>
             <a:fld id="{78C97017-6FC3-485B-9764-EAC9E56C1D49}" type="datetimeFigureOut">
               <a:rPr lang="en-US" smtClean="0"/>
-              <a:t>10/18/2016</a:t>
+              <a:t>10/19/2016</a:t>
             </a:fld>
             <a:endParaRPr lang="en-US"/>
           </a:p>
@@ -1008,7 +1096,7 @@
           <a:p>
             <a:fld id="{78C97017-6FC3-485B-9764-EAC9E56C1D49}" type="datetimeFigureOut">
               <a:rPr lang="en-US" smtClean="0"/>
-              <a:t>10/18/2016</a:t>
+              <a:t>10/19/2016</a:t>
             </a:fld>
             <a:endParaRPr lang="en-US"/>
           </a:p>
@@ -1176,7 +1264,7 @@
           <a:p>
             <a:fld id="{78C97017-6FC3-485B-9764-EAC9E56C1D49}" type="datetimeFigureOut">
               <a:rPr lang="en-US" smtClean="0"/>
-              <a:t>10/18/2016</a:t>
+              <a:t>10/19/2016</a:t>
             </a:fld>
             <a:endParaRPr lang="en-US"/>
           </a:p>
@@ -1421,7 +1509,7 @@
           <a:p>
             <a:fld id="{78C97017-6FC3-485B-9764-EAC9E56C1D49}" type="datetimeFigureOut">
               <a:rPr lang="en-US" smtClean="0"/>
-              <a:t>10/18/2016</a:t>
+              <a:t>10/19/2016</a:t>
             </a:fld>
             <a:endParaRPr lang="en-US"/>
           </a:p>
@@ -1706,7 +1794,7 @@
           <a:p>
             <a:fld id="{78C97017-6FC3-485B-9764-EAC9E56C1D49}" type="datetimeFigureOut">
               <a:rPr lang="en-US" smtClean="0"/>
-              <a:t>10/18/2016</a:t>
+              <a:t>10/19/2016</a:t>
             </a:fld>
             <a:endParaRPr lang="en-US"/>
           </a:p>
@@ -2125,7 +2213,7 @@
           <a:p>
             <a:fld id="{78C97017-6FC3-485B-9764-EAC9E56C1D49}" type="datetimeFigureOut">
               <a:rPr lang="en-US" smtClean="0"/>
-              <a:t>10/18/2016</a:t>
+              <a:t>10/19/2016</a:t>
             </a:fld>
             <a:endParaRPr lang="en-US"/>
           </a:p>
@@ -2242,7 +2330,7 @@
           <a:p>
             <a:fld id="{78C97017-6FC3-485B-9764-EAC9E56C1D49}" type="datetimeFigureOut">
               <a:rPr lang="en-US" smtClean="0"/>
-              <a:t>10/18/2016</a:t>
+              <a:t>10/19/2016</a:t>
             </a:fld>
             <a:endParaRPr lang="en-US"/>
           </a:p>
@@ -2337,7 +2425,7 @@
           <a:p>
             <a:fld id="{78C97017-6FC3-485B-9764-EAC9E56C1D49}" type="datetimeFigureOut">
               <a:rPr lang="en-US" smtClean="0"/>
-              <a:t>10/18/2016</a:t>
+              <a:t>10/19/2016</a:t>
             </a:fld>
             <a:endParaRPr lang="en-US"/>
           </a:p>
@@ -2612,7 +2700,7 @@
           <a:p>
             <a:fld id="{78C97017-6FC3-485B-9764-EAC9E56C1D49}" type="datetimeFigureOut">
               <a:rPr lang="en-US" smtClean="0"/>
-              <a:t>10/18/2016</a:t>
+              <a:t>10/19/2016</a:t>
             </a:fld>
             <a:endParaRPr lang="en-US"/>
           </a:p>
@@ -2864,7 +2952,7 @@
           <a:p>
             <a:fld id="{78C97017-6FC3-485B-9764-EAC9E56C1D49}" type="datetimeFigureOut">
               <a:rPr lang="en-US" smtClean="0"/>
-              <a:t>10/18/2016</a:t>
+              <a:t>10/19/2016</a:t>
             </a:fld>
             <a:endParaRPr lang="en-US"/>
           </a:p>
@@ -3075,7 +3163,7 @@
           <a:p>
             <a:fld id="{78C97017-6FC3-485B-9764-EAC9E56C1D49}" type="datetimeFigureOut">
               <a:rPr lang="en-US" smtClean="0"/>
-              <a:t>10/18/2016</a:t>
+              <a:t>10/19/2016</a:t>
             </a:fld>
             <a:endParaRPr lang="en-US"/>
           </a:p>
@@ -3467,11 +3555,11 @@
           <a:p>
             <a:r>
               <a:rPr lang="en-US" dirty="0" err="1"/>
-              <a:t>AddressBook</a:t>
+              <a:t>TaskForce</a:t>
             </a:r>
             <a:r>
               <a:rPr lang="en-US" dirty="0"/>
-              <a:t> – Level 4</a:t>
+              <a:t> App</a:t>
             </a:r>
           </a:p>
         </p:txBody>

--- a/docs/diagrams/Diagrams.pptx
+++ b/docs/diagrams/Diagrams.pptx
@@ -216,7 +216,7 @@
           <a:p>
             <a:fld id="{F5CC4B3F-88C1-4FFA-B1B6-F41C21DC6924}" type="datetimeFigureOut">
               <a:rPr lang="en-US" smtClean="0"/>
-              <a:t>10/19/2016</a:t>
+              <a:t>10/28/2016</a:t>
             </a:fld>
             <a:endParaRPr lang="en-US"/>
           </a:p>
@@ -750,7 +750,7 @@
           <a:p>
             <a:fld id="{78C97017-6FC3-485B-9764-EAC9E56C1D49}" type="datetimeFigureOut">
               <a:rPr lang="en-US" smtClean="0"/>
-              <a:t>10/19/2016</a:t>
+              <a:t>10/28/2016</a:t>
             </a:fld>
             <a:endParaRPr lang="en-US"/>
           </a:p>
@@ -918,7 +918,7 @@
           <a:p>
             <a:fld id="{78C97017-6FC3-485B-9764-EAC9E56C1D49}" type="datetimeFigureOut">
               <a:rPr lang="en-US" smtClean="0"/>
-              <a:t>10/19/2016</a:t>
+              <a:t>10/28/2016</a:t>
             </a:fld>
             <a:endParaRPr lang="en-US"/>
           </a:p>
@@ -1096,7 +1096,7 @@
           <a:p>
             <a:fld id="{78C97017-6FC3-485B-9764-EAC9E56C1D49}" type="datetimeFigureOut">
               <a:rPr lang="en-US" smtClean="0"/>
-              <a:t>10/19/2016</a:t>
+              <a:t>10/28/2016</a:t>
             </a:fld>
             <a:endParaRPr lang="en-US"/>
           </a:p>
@@ -1264,7 +1264,7 @@
           <a:p>
             <a:fld id="{78C97017-6FC3-485B-9764-EAC9E56C1D49}" type="datetimeFigureOut">
               <a:rPr lang="en-US" smtClean="0"/>
-              <a:t>10/19/2016</a:t>
+              <a:t>10/28/2016</a:t>
             </a:fld>
             <a:endParaRPr lang="en-US"/>
           </a:p>
@@ -1509,7 +1509,7 @@
           <a:p>
             <a:fld id="{78C97017-6FC3-485B-9764-EAC9E56C1D49}" type="datetimeFigureOut">
               <a:rPr lang="en-US" smtClean="0"/>
-              <a:t>10/19/2016</a:t>
+              <a:t>10/28/2016</a:t>
             </a:fld>
             <a:endParaRPr lang="en-US"/>
           </a:p>
@@ -1794,7 +1794,7 @@
           <a:p>
             <a:fld id="{78C97017-6FC3-485B-9764-EAC9E56C1D49}" type="datetimeFigureOut">
               <a:rPr lang="en-US" smtClean="0"/>
-              <a:t>10/19/2016</a:t>
+              <a:t>10/28/2016</a:t>
             </a:fld>
             <a:endParaRPr lang="en-US"/>
           </a:p>
@@ -2213,7 +2213,7 @@
           <a:p>
             <a:fld id="{78C97017-6FC3-485B-9764-EAC9E56C1D49}" type="datetimeFigureOut">
               <a:rPr lang="en-US" smtClean="0"/>
-              <a:t>10/19/2016</a:t>
+              <a:t>10/28/2016</a:t>
             </a:fld>
             <a:endParaRPr lang="en-US"/>
           </a:p>
@@ -2330,7 +2330,7 @@
           <a:p>
             <a:fld id="{78C97017-6FC3-485B-9764-EAC9E56C1D49}" type="datetimeFigureOut">
               <a:rPr lang="en-US" smtClean="0"/>
-              <a:t>10/19/2016</a:t>
+              <a:t>10/28/2016</a:t>
             </a:fld>
             <a:endParaRPr lang="en-US"/>
           </a:p>
@@ -2425,7 +2425,7 @@
           <a:p>
             <a:fld id="{78C97017-6FC3-485B-9764-EAC9E56C1D49}" type="datetimeFigureOut">
               <a:rPr lang="en-US" smtClean="0"/>
-              <a:t>10/19/2016</a:t>
+              <a:t>10/28/2016</a:t>
             </a:fld>
             <a:endParaRPr lang="en-US"/>
           </a:p>
@@ -2700,7 +2700,7 @@
           <a:p>
             <a:fld id="{78C97017-6FC3-485B-9764-EAC9E56C1D49}" type="datetimeFigureOut">
               <a:rPr lang="en-US" smtClean="0"/>
-              <a:t>10/19/2016</a:t>
+              <a:t>10/28/2016</a:t>
             </a:fld>
             <a:endParaRPr lang="en-US"/>
           </a:p>
@@ -2952,7 +2952,7 @@
           <a:p>
             <a:fld id="{78C97017-6FC3-485B-9764-EAC9E56C1D49}" type="datetimeFigureOut">
               <a:rPr lang="en-US" smtClean="0"/>
-              <a:t>10/19/2016</a:t>
+              <a:t>10/28/2016</a:t>
             </a:fld>
             <a:endParaRPr lang="en-US"/>
           </a:p>
@@ -3163,7 +3163,7 @@
           <a:p>
             <a:fld id="{78C97017-6FC3-485B-9764-EAC9E56C1D49}" type="datetimeFigureOut">
               <a:rPr lang="en-US" smtClean="0"/>
-              <a:t>10/19/2016</a:t>
+              <a:t>10/28/2016</a:t>
             </a:fld>
             <a:endParaRPr lang="en-US"/>
           </a:p>
@@ -9983,7 +9983,7 @@
                   <a:srgbClr val="0070C0"/>
                 </a:solidFill>
               </a:rPr>
-              <a:t>AddCommand</a:t>
+              <a:t>EditCommand</a:t>
             </a:r>
             <a:endParaRPr lang="en-SG" sz="1050" b="1" dirty="0">
               <a:solidFill>
@@ -11455,27 +11455,12 @@
           <a:p>
             <a:pPr algn="ctr"/>
             <a:r>
-              <a:rPr lang="en-US" sz="1050" b="1" dirty="0">
+              <a:rPr lang="en-US" sz="1050" b="1" dirty="0" err="1">
                 <a:solidFill>
                   <a:srgbClr val="0070C0"/>
                 </a:solidFill>
               </a:rPr>
-              <a:t>Incorrect</a:t>
-            </a:r>
-            <a:br>
-              <a:rPr lang="en-US" sz="1050" b="1" dirty="0">
-                <a:solidFill>
-                  <a:srgbClr val="0070C0"/>
-                </a:solidFill>
-              </a:rPr>
-            </a:br>
-            <a:r>
-              <a:rPr lang="en-US" sz="1050" b="1" dirty="0">
-                <a:solidFill>
-                  <a:srgbClr val="0070C0"/>
-                </a:solidFill>
-              </a:rPr>
-              <a:t>Command</a:t>
+              <a:t>AddCommand</a:t>
             </a:r>
             <a:endParaRPr lang="en-SG" sz="1050" b="1" dirty="0">
               <a:solidFill>
@@ -12153,6 +12138,246 @@
           </p:txBody>
         </p:sp>
       </p:grpSp>
+      <p:sp>
+        <p:nvSpPr>
+          <p:cNvPr id="53" name="Rectangle 11"/>
+          <p:cNvSpPr/>
+          <p:nvPr/>
+        </p:nvSpPr>
+        <p:spPr>
+          <a:xfrm flipH="1">
+            <a:off x="6180592" y="2243743"/>
+            <a:ext cx="1093635" cy="346760"/>
+          </a:xfrm>
+          <a:prstGeom prst="rect">
+            <a:avLst/>
+          </a:prstGeom>
+          <a:ln w="19050">
+            <a:solidFill>
+              <a:srgbClr val="0070C0"/>
+            </a:solidFill>
+          </a:ln>
+          <a:effectLst/>
+        </p:spPr>
+        <p:style>
+          <a:lnRef idx="1">
+            <a:schemeClr val="accent1"/>
+          </a:lnRef>
+          <a:fillRef idx="2">
+            <a:schemeClr val="accent1"/>
+          </a:fillRef>
+          <a:effectRef idx="1">
+            <a:schemeClr val="accent1"/>
+          </a:effectRef>
+          <a:fontRef idx="minor">
+            <a:schemeClr val="dk1"/>
+          </a:fontRef>
+        </p:style>
+        <p:txBody>
+          <a:bodyPr rtlCol="0" anchor="ctr"/>
+          <a:lstStyle/>
+          <a:p>
+            <a:pPr algn="ctr"/>
+            <a:r>
+              <a:rPr lang="en-US" sz="1050" b="1" dirty="0" err="1">
+                <a:solidFill>
+                  <a:srgbClr val="0070C0"/>
+                </a:solidFill>
+              </a:rPr>
+              <a:t>UndoCommand</a:t>
+            </a:r>
+            <a:endParaRPr lang="en-SG" sz="1050" b="1" dirty="0">
+              <a:solidFill>
+                <a:srgbClr val="0070C0"/>
+              </a:solidFill>
+            </a:endParaRPr>
+          </a:p>
+        </p:txBody>
+      </p:sp>
+      <p:sp>
+        <p:nvSpPr>
+          <p:cNvPr id="55" name="Rectangle 11"/>
+          <p:cNvSpPr/>
+          <p:nvPr/>
+        </p:nvSpPr>
+        <p:spPr>
+          <a:xfrm flipH="1">
+            <a:off x="6180592" y="1855597"/>
+            <a:ext cx="1093635" cy="346760"/>
+          </a:xfrm>
+          <a:prstGeom prst="rect">
+            <a:avLst/>
+          </a:prstGeom>
+          <a:ln w="19050">
+            <a:solidFill>
+              <a:srgbClr val="0070C0"/>
+            </a:solidFill>
+          </a:ln>
+          <a:effectLst/>
+        </p:spPr>
+        <p:style>
+          <a:lnRef idx="1">
+            <a:schemeClr val="accent1"/>
+          </a:lnRef>
+          <a:fillRef idx="2">
+            <a:schemeClr val="accent1"/>
+          </a:fillRef>
+          <a:effectRef idx="1">
+            <a:schemeClr val="accent1"/>
+          </a:effectRef>
+          <a:fontRef idx="minor">
+            <a:schemeClr val="dk1"/>
+          </a:fontRef>
+        </p:style>
+        <p:txBody>
+          <a:bodyPr rtlCol="0" anchor="ctr"/>
+          <a:lstStyle/>
+          <a:p>
+            <a:pPr algn="ctr"/>
+            <a:r>
+              <a:rPr lang="en-US" sz="1050" b="1" dirty="0" err="1">
+                <a:solidFill>
+                  <a:srgbClr val="0070C0"/>
+                </a:solidFill>
+              </a:rPr>
+              <a:t>Freetime</a:t>
+            </a:r>
+            <a:endParaRPr lang="en-US" sz="1050" b="1" dirty="0">
+              <a:solidFill>
+                <a:srgbClr val="0070C0"/>
+              </a:solidFill>
+            </a:endParaRPr>
+          </a:p>
+          <a:p>
+            <a:pPr algn="ctr"/>
+            <a:r>
+              <a:rPr lang="en-US" sz="1050" b="1" dirty="0">
+                <a:solidFill>
+                  <a:srgbClr val="0070C0"/>
+                </a:solidFill>
+              </a:rPr>
+              <a:t>Command</a:t>
+            </a:r>
+            <a:endParaRPr lang="en-SG" sz="1050" b="1" dirty="0">
+              <a:solidFill>
+                <a:srgbClr val="0070C0"/>
+              </a:solidFill>
+            </a:endParaRPr>
+          </a:p>
+        </p:txBody>
+      </p:sp>
+      <p:sp>
+        <p:nvSpPr>
+          <p:cNvPr id="57" name="Rectangle 11"/>
+          <p:cNvSpPr/>
+          <p:nvPr/>
+        </p:nvSpPr>
+        <p:spPr>
+          <a:xfrm flipH="1">
+            <a:off x="6180592" y="1472600"/>
+            <a:ext cx="1093635" cy="346760"/>
+          </a:xfrm>
+          <a:prstGeom prst="rect">
+            <a:avLst/>
+          </a:prstGeom>
+          <a:ln w="19050">
+            <a:solidFill>
+              <a:srgbClr val="0070C0"/>
+            </a:solidFill>
+          </a:ln>
+          <a:effectLst/>
+        </p:spPr>
+        <p:style>
+          <a:lnRef idx="1">
+            <a:schemeClr val="accent1"/>
+          </a:lnRef>
+          <a:fillRef idx="2">
+            <a:schemeClr val="accent1"/>
+          </a:fillRef>
+          <a:effectRef idx="1">
+            <a:schemeClr val="accent1"/>
+          </a:effectRef>
+          <a:fontRef idx="minor">
+            <a:schemeClr val="dk1"/>
+          </a:fontRef>
+        </p:style>
+        <p:txBody>
+          <a:bodyPr rtlCol="0" anchor="ctr"/>
+          <a:lstStyle/>
+          <a:p>
+            <a:pPr algn="ctr"/>
+            <a:r>
+              <a:rPr lang="en-US" sz="1050" b="1" dirty="0" err="1">
+                <a:solidFill>
+                  <a:srgbClr val="0070C0"/>
+                </a:solidFill>
+              </a:rPr>
+              <a:t>MarkCommand</a:t>
+            </a:r>
+            <a:endParaRPr lang="en-SG" sz="1050" b="1" dirty="0">
+              <a:solidFill>
+                <a:srgbClr val="0070C0"/>
+              </a:solidFill>
+            </a:endParaRPr>
+          </a:p>
+        </p:txBody>
+      </p:sp>
+      <p:sp>
+        <p:nvSpPr>
+          <p:cNvPr id="58" name="Rectangle 11"/>
+          <p:cNvSpPr/>
+          <p:nvPr/>
+        </p:nvSpPr>
+        <p:spPr>
+          <a:xfrm flipH="1">
+            <a:off x="6180592" y="1076328"/>
+            <a:ext cx="1093635" cy="346760"/>
+          </a:xfrm>
+          <a:prstGeom prst="rect">
+            <a:avLst/>
+          </a:prstGeom>
+          <a:ln w="19050">
+            <a:solidFill>
+              <a:srgbClr val="0070C0"/>
+            </a:solidFill>
+          </a:ln>
+          <a:effectLst/>
+        </p:spPr>
+        <p:style>
+          <a:lnRef idx="1">
+            <a:schemeClr val="accent1"/>
+          </a:lnRef>
+          <a:fillRef idx="2">
+            <a:schemeClr val="accent1"/>
+          </a:fillRef>
+          <a:effectRef idx="1">
+            <a:schemeClr val="accent1"/>
+          </a:effectRef>
+          <a:fontRef idx="minor">
+            <a:schemeClr val="dk1"/>
+          </a:fontRef>
+        </p:style>
+        <p:txBody>
+          <a:bodyPr rtlCol="0" anchor="ctr"/>
+          <a:lstStyle/>
+          <a:p>
+            <a:pPr algn="ctr"/>
+            <a:r>
+              <a:rPr lang="en-US" sz="1050" b="1" dirty="0" err="1">
+                <a:solidFill>
+                  <a:srgbClr val="0070C0"/>
+                </a:solidFill>
+              </a:rPr>
+              <a:t>BlockCommand</a:t>
+            </a:r>
+            <a:endParaRPr lang="en-SG" sz="1050" b="1" dirty="0">
+              <a:solidFill>
+                <a:srgbClr val="0070C0"/>
+              </a:solidFill>
+            </a:endParaRPr>
+          </a:p>
+        </p:txBody>
+      </p:sp>
     </p:spTree>
     <p:extLst>
       <p:ext uri="{BB962C8B-B14F-4D97-AF65-F5344CB8AC3E}">

--- a/docs/diagrams/Diagrams.pptx
+++ b/docs/diagrams/Diagrams.pptx
@@ -216,7 +216,7 @@
           <a:p>
             <a:fld id="{F5CC4B3F-88C1-4FFA-B1B6-F41C21DC6924}" type="datetimeFigureOut">
               <a:rPr lang="en-US" smtClean="0"/>
-              <a:t>10/28/2016</a:t>
+              <a:t>10/29/2016</a:t>
             </a:fld>
             <a:endParaRPr lang="en-US"/>
           </a:p>
@@ -750,7 +750,7 @@
           <a:p>
             <a:fld id="{78C97017-6FC3-485B-9764-EAC9E56C1D49}" type="datetimeFigureOut">
               <a:rPr lang="en-US" smtClean="0"/>
-              <a:t>10/28/2016</a:t>
+              <a:t>10/29/2016</a:t>
             </a:fld>
             <a:endParaRPr lang="en-US"/>
           </a:p>
@@ -918,7 +918,7 @@
           <a:p>
             <a:fld id="{78C97017-6FC3-485B-9764-EAC9E56C1D49}" type="datetimeFigureOut">
               <a:rPr lang="en-US" smtClean="0"/>
-              <a:t>10/28/2016</a:t>
+              <a:t>10/29/2016</a:t>
             </a:fld>
             <a:endParaRPr lang="en-US"/>
           </a:p>
@@ -1096,7 +1096,7 @@
           <a:p>
             <a:fld id="{78C97017-6FC3-485B-9764-EAC9E56C1D49}" type="datetimeFigureOut">
               <a:rPr lang="en-US" smtClean="0"/>
-              <a:t>10/28/2016</a:t>
+              <a:t>10/29/2016</a:t>
             </a:fld>
             <a:endParaRPr lang="en-US"/>
           </a:p>
@@ -1264,7 +1264,7 @@
           <a:p>
             <a:fld id="{78C97017-6FC3-485B-9764-EAC9E56C1D49}" type="datetimeFigureOut">
               <a:rPr lang="en-US" smtClean="0"/>
-              <a:t>10/28/2016</a:t>
+              <a:t>10/29/2016</a:t>
             </a:fld>
             <a:endParaRPr lang="en-US"/>
           </a:p>
@@ -1509,7 +1509,7 @@
           <a:p>
             <a:fld id="{78C97017-6FC3-485B-9764-EAC9E56C1D49}" type="datetimeFigureOut">
               <a:rPr lang="en-US" smtClean="0"/>
-              <a:t>10/28/2016</a:t>
+              <a:t>10/29/2016</a:t>
             </a:fld>
             <a:endParaRPr lang="en-US"/>
           </a:p>
@@ -1794,7 +1794,7 @@
           <a:p>
             <a:fld id="{78C97017-6FC3-485B-9764-EAC9E56C1D49}" type="datetimeFigureOut">
               <a:rPr lang="en-US" smtClean="0"/>
-              <a:t>10/28/2016</a:t>
+              <a:t>10/29/2016</a:t>
             </a:fld>
             <a:endParaRPr lang="en-US"/>
           </a:p>
@@ -2213,7 +2213,7 @@
           <a:p>
             <a:fld id="{78C97017-6FC3-485B-9764-EAC9E56C1D49}" type="datetimeFigureOut">
               <a:rPr lang="en-US" smtClean="0"/>
-              <a:t>10/28/2016</a:t>
+              <a:t>10/29/2016</a:t>
             </a:fld>
             <a:endParaRPr lang="en-US"/>
           </a:p>
@@ -2330,7 +2330,7 @@
           <a:p>
             <a:fld id="{78C97017-6FC3-485B-9764-EAC9E56C1D49}" type="datetimeFigureOut">
               <a:rPr lang="en-US" smtClean="0"/>
-              <a:t>10/28/2016</a:t>
+              <a:t>10/29/2016</a:t>
             </a:fld>
             <a:endParaRPr lang="en-US"/>
           </a:p>
@@ -2425,7 +2425,7 @@
           <a:p>
             <a:fld id="{78C97017-6FC3-485B-9764-EAC9E56C1D49}" type="datetimeFigureOut">
               <a:rPr lang="en-US" smtClean="0"/>
-              <a:t>10/28/2016</a:t>
+              <a:t>10/29/2016</a:t>
             </a:fld>
             <a:endParaRPr lang="en-US"/>
           </a:p>
@@ -2700,7 +2700,7 @@
           <a:p>
             <a:fld id="{78C97017-6FC3-485B-9764-EAC9E56C1D49}" type="datetimeFigureOut">
               <a:rPr lang="en-US" smtClean="0"/>
-              <a:t>10/28/2016</a:t>
+              <a:t>10/29/2016</a:t>
             </a:fld>
             <a:endParaRPr lang="en-US"/>
           </a:p>
@@ -2952,7 +2952,7 @@
           <a:p>
             <a:fld id="{78C97017-6FC3-485B-9764-EAC9E56C1D49}" type="datetimeFigureOut">
               <a:rPr lang="en-US" smtClean="0"/>
-              <a:t>10/28/2016</a:t>
+              <a:t>10/29/2016</a:t>
             </a:fld>
             <a:endParaRPr lang="en-US"/>
           </a:p>
@@ -3163,7 +3163,7 @@
           <a:p>
             <a:fld id="{78C97017-6FC3-485B-9764-EAC9E56C1D49}" type="datetimeFigureOut">
               <a:rPr lang="en-US" smtClean="0"/>
-              <a:t>10/28/2016</a:t>
+              <a:t>10/29/2016</a:t>
             </a:fld>
             <a:endParaRPr lang="en-US"/>
           </a:p>
@@ -13619,21 +13619,26 @@
           </a:lstStyle>
           <a:p>
             <a:r>
-              <a:rPr lang="en-US" dirty="0" err="1">
+              <a:rPr lang="en-US" dirty="0" err="1" smtClean="0">
                 <a:solidFill>
                   <a:srgbClr val="7030A0"/>
                 </a:solidFill>
               </a:rPr>
-              <a:t>deletePerson</a:t>
-            </a:r>
-            <a:r>
-              <a:rPr lang="en-US" dirty="0">
+              <a:t>deleteTask</a:t>
+            </a:r>
+            <a:r>
+              <a:rPr lang="en-US" smtClean="0">
                 <a:solidFill>
                   <a:srgbClr val="7030A0"/>
                 </a:solidFill>
               </a:rPr>
-              <a:t>(p)</a:t>
-            </a:r>
+              <a:t>(task)</a:t>
+            </a:r>
+            <a:endParaRPr lang="en-US" dirty="0">
+              <a:solidFill>
+                <a:srgbClr val="7030A0"/>
+              </a:solidFill>
+            </a:endParaRPr>
           </a:p>
         </p:txBody>
       </p:sp>
@@ -17621,6 +17626,16 @@
               </a:rPr>
               <a:t>XmlTaskForce</a:t>
             </a:r>
+            <a:r>
+              <a:rPr lang="en-US" sz="1050" b="1" dirty="0">
+                <a:solidFill>
+                  <a:schemeClr val="accent6">
+                    <a:lumMod val="75000"/>
+                  </a:schemeClr>
+                </a:solidFill>
+              </a:rPr>
+              <a:t/>
+            </a:r>
             <a:br>
               <a:rPr lang="en-US" sz="1050" b="1" dirty="0">
                 <a:solidFill>
@@ -17978,6 +17993,14 @@
               </a:rPr>
               <a:t>JsonUserPrefs</a:t>
             </a:r>
+            <a:r>
+              <a:rPr lang="en-US" sz="1050" dirty="0">
+                <a:solidFill>
+                  <a:schemeClr val="bg1"/>
+                </a:solidFill>
+              </a:rPr>
+              <a:t/>
+            </a:r>
             <a:br>
               <a:rPr lang="en-US" sz="1050" dirty="0">
                 <a:solidFill>
@@ -18046,6 +18069,16 @@
                 </a:solidFill>
               </a:rPr>
               <a:t>XmlSerializable</a:t>
+            </a:r>
+            <a:r>
+              <a:rPr lang="en-US" sz="1050" b="1" dirty="0">
+                <a:solidFill>
+                  <a:schemeClr val="accent6">
+                    <a:lumMod val="75000"/>
+                  </a:schemeClr>
+                </a:solidFill>
+              </a:rPr>
+              <a:t/>
             </a:r>
             <a:br>
               <a:rPr lang="en-US" sz="1050" b="1" dirty="0">

--- a/docs/diagrams/Diagrams.pptx
+++ b/docs/diagrams/Diagrams.pptx
@@ -5,7 +5,7 @@
     <p:sldMasterId id="2147483648" r:id="rId1"/>
   </p:sldMasterIdLst>
   <p:notesMasterIdLst>
-    <p:notesMasterId r:id="rId12"/>
+    <p:notesMasterId r:id="rId14"/>
   </p:notesMasterIdLst>
   <p:sldIdLst>
     <p:sldId id="256" r:id="rId2"/>
@@ -18,6 +18,8 @@
     <p:sldId id="267" r:id="rId9"/>
     <p:sldId id="263" r:id="rId10"/>
     <p:sldId id="264" r:id="rId11"/>
+    <p:sldId id="270" r:id="rId12"/>
+    <p:sldId id="271" r:id="rId13"/>
   </p:sldIdLst>
   <p:sldSz cx="9144000" cy="6858000" type="screen4x3"/>
   <p:notesSz cx="6858000" cy="9144000"/>
@@ -118,7 +120,7 @@
   </p:defaultTextStyle>
   <p:extLst>
     <p:ext uri="{EFAFB233-063F-42B5-8137-9DF3F51BA10A}">
-      <p15:sldGuideLst xmlns:p15="http://schemas.microsoft.com/office/powerpoint/2012/main">
+      <p15:sldGuideLst xmlns:p15="http://schemas.microsoft.com/office/powerpoint/2012/main" xmlns="">
         <p15:guide id="1" orient="horz" pos="1488">
           <p15:clr>
             <a:srgbClr val="A4A3A4"/>
@@ -217,7 +219,8 @@
           <a:p>
             <a:fld id="{F5CC4B3F-88C1-4FFA-B1B6-F41C21DC6924}" type="datetimeFigureOut">
               <a:rPr lang="en-US" smtClean="0"/>
-              <a:t>10/31/2016</a:t>
+              <a:pPr/>
+              <a:t>11/3/2016</a:t>
             </a:fld>
             <a:endParaRPr lang="en-US"/>
           </a:p>
@@ -375,6 +378,7 @@
           <a:p>
             <a:fld id="{5A7AB025-77E3-4BD1-A2FD-B3183DBA47A3}" type="slidenum">
               <a:rPr lang="en-US" smtClean="0"/>
+              <a:pPr/>
               <a:t>‹#›</a:t>
             </a:fld>
             <a:endParaRPr lang="en-US"/>
@@ -384,7 +388,7 @@
     </p:spTree>
     <p:extLst>
       <p:ext uri="{BB962C8B-B14F-4D97-AF65-F5344CB8AC3E}">
-        <p14:creationId xmlns:p14="http://schemas.microsoft.com/office/powerpoint/2010/main" val="2023976206"/>
+        <p14:creationId xmlns:p14="http://schemas.microsoft.com/office/powerpoint/2010/main" xmlns="" val="2023976206"/>
       </p:ext>
     </p:extLst>
   </p:cSld>
@@ -553,6 +557,7 @@
           <a:p>
             <a:fld id="{5A7AB025-77E3-4BD1-A2FD-B3183DBA47A3}" type="slidenum">
               <a:rPr lang="en-US" smtClean="0"/>
+              <a:pPr/>
               <a:t>2</a:t>
             </a:fld>
             <a:endParaRPr lang="en-US"/>
@@ -562,7 +567,7 @@
     </p:spTree>
     <p:extLst>
       <p:ext uri="{BB962C8B-B14F-4D97-AF65-F5344CB8AC3E}">
-        <p14:creationId xmlns:p14="http://schemas.microsoft.com/office/powerpoint/2010/main" val="1791593621"/>
+        <p14:creationId xmlns:p14="http://schemas.microsoft.com/office/powerpoint/2010/main" xmlns="" val="1791593621"/>
       </p:ext>
     </p:extLst>
   </p:cSld>
@@ -751,7 +756,8 @@
           <a:p>
             <a:fld id="{78C97017-6FC3-485B-9764-EAC9E56C1D49}" type="datetimeFigureOut">
               <a:rPr lang="en-US" smtClean="0"/>
-              <a:t>10/31/2016</a:t>
+              <a:pPr/>
+              <a:t>11/3/2016</a:t>
             </a:fld>
             <a:endParaRPr lang="en-US"/>
           </a:p>
@@ -793,6 +799,7 @@
           <a:p>
             <a:fld id="{FB34683C-161B-4520-BF45-B179E228CF2A}" type="slidenum">
               <a:rPr lang="en-US" smtClean="0"/>
+              <a:pPr/>
               <a:t>‹#›</a:t>
             </a:fld>
             <a:endParaRPr lang="en-US"/>
@@ -802,7 +809,7 @@
     </p:spTree>
     <p:extLst>
       <p:ext uri="{BB962C8B-B14F-4D97-AF65-F5344CB8AC3E}">
-        <p14:creationId xmlns:p14="http://schemas.microsoft.com/office/powerpoint/2010/main" val="3246593157"/>
+        <p14:creationId xmlns:p14="http://schemas.microsoft.com/office/powerpoint/2010/main" xmlns="" val="3246593157"/>
       </p:ext>
     </p:extLst>
   </p:cSld>
@@ -919,7 +926,8 @@
           <a:p>
             <a:fld id="{78C97017-6FC3-485B-9764-EAC9E56C1D49}" type="datetimeFigureOut">
               <a:rPr lang="en-US" smtClean="0"/>
-              <a:t>10/31/2016</a:t>
+              <a:pPr/>
+              <a:t>11/3/2016</a:t>
             </a:fld>
             <a:endParaRPr lang="en-US"/>
           </a:p>
@@ -961,6 +969,7 @@
           <a:p>
             <a:fld id="{FB34683C-161B-4520-BF45-B179E228CF2A}" type="slidenum">
               <a:rPr lang="en-US" smtClean="0"/>
+              <a:pPr/>
               <a:t>‹#›</a:t>
             </a:fld>
             <a:endParaRPr lang="en-US"/>
@@ -970,7 +979,7 @@
     </p:spTree>
     <p:extLst>
       <p:ext uri="{BB962C8B-B14F-4D97-AF65-F5344CB8AC3E}">
-        <p14:creationId xmlns:p14="http://schemas.microsoft.com/office/powerpoint/2010/main" val="2707025021"/>
+        <p14:creationId xmlns:p14="http://schemas.microsoft.com/office/powerpoint/2010/main" xmlns="" val="2707025021"/>
       </p:ext>
     </p:extLst>
   </p:cSld>
@@ -1097,7 +1106,8 @@
           <a:p>
             <a:fld id="{78C97017-6FC3-485B-9764-EAC9E56C1D49}" type="datetimeFigureOut">
               <a:rPr lang="en-US" smtClean="0"/>
-              <a:t>10/31/2016</a:t>
+              <a:pPr/>
+              <a:t>11/3/2016</a:t>
             </a:fld>
             <a:endParaRPr lang="en-US"/>
           </a:p>
@@ -1139,6 +1149,7 @@
           <a:p>
             <a:fld id="{FB34683C-161B-4520-BF45-B179E228CF2A}" type="slidenum">
               <a:rPr lang="en-US" smtClean="0"/>
+              <a:pPr/>
               <a:t>‹#›</a:t>
             </a:fld>
             <a:endParaRPr lang="en-US"/>
@@ -1148,7 +1159,7 @@
     </p:spTree>
     <p:extLst>
       <p:ext uri="{BB962C8B-B14F-4D97-AF65-F5344CB8AC3E}">
-        <p14:creationId xmlns:p14="http://schemas.microsoft.com/office/powerpoint/2010/main" val="568378986"/>
+        <p14:creationId xmlns:p14="http://schemas.microsoft.com/office/powerpoint/2010/main" xmlns="" val="568378986"/>
       </p:ext>
     </p:extLst>
   </p:cSld>
@@ -1265,7 +1276,8 @@
           <a:p>
             <a:fld id="{78C97017-6FC3-485B-9764-EAC9E56C1D49}" type="datetimeFigureOut">
               <a:rPr lang="en-US" smtClean="0"/>
-              <a:t>10/31/2016</a:t>
+              <a:pPr/>
+              <a:t>11/3/2016</a:t>
             </a:fld>
             <a:endParaRPr lang="en-US"/>
           </a:p>
@@ -1307,6 +1319,7 @@
           <a:p>
             <a:fld id="{FB34683C-161B-4520-BF45-B179E228CF2A}" type="slidenum">
               <a:rPr lang="en-US" smtClean="0"/>
+              <a:pPr/>
               <a:t>‹#›</a:t>
             </a:fld>
             <a:endParaRPr lang="en-US"/>
@@ -1316,7 +1329,7 @@
     </p:spTree>
     <p:extLst>
       <p:ext uri="{BB962C8B-B14F-4D97-AF65-F5344CB8AC3E}">
-        <p14:creationId xmlns:p14="http://schemas.microsoft.com/office/powerpoint/2010/main" val="266658052"/>
+        <p14:creationId xmlns:p14="http://schemas.microsoft.com/office/powerpoint/2010/main" xmlns="" val="266658052"/>
       </p:ext>
     </p:extLst>
   </p:cSld>
@@ -1510,7 +1523,8 @@
           <a:p>
             <a:fld id="{78C97017-6FC3-485B-9764-EAC9E56C1D49}" type="datetimeFigureOut">
               <a:rPr lang="en-US" smtClean="0"/>
-              <a:t>10/31/2016</a:t>
+              <a:pPr/>
+              <a:t>11/3/2016</a:t>
             </a:fld>
             <a:endParaRPr lang="en-US"/>
           </a:p>
@@ -1552,6 +1566,7 @@
           <a:p>
             <a:fld id="{FB34683C-161B-4520-BF45-B179E228CF2A}" type="slidenum">
               <a:rPr lang="en-US" smtClean="0"/>
+              <a:pPr/>
               <a:t>‹#›</a:t>
             </a:fld>
             <a:endParaRPr lang="en-US"/>
@@ -1561,7 +1576,7 @@
     </p:spTree>
     <p:extLst>
       <p:ext uri="{BB962C8B-B14F-4D97-AF65-F5344CB8AC3E}">
-        <p14:creationId xmlns:p14="http://schemas.microsoft.com/office/powerpoint/2010/main" val="474686344"/>
+        <p14:creationId xmlns:p14="http://schemas.microsoft.com/office/powerpoint/2010/main" xmlns="" val="474686344"/>
       </p:ext>
     </p:extLst>
   </p:cSld>
@@ -1795,7 +1810,8 @@
           <a:p>
             <a:fld id="{78C97017-6FC3-485B-9764-EAC9E56C1D49}" type="datetimeFigureOut">
               <a:rPr lang="en-US" smtClean="0"/>
-              <a:t>10/31/2016</a:t>
+              <a:pPr/>
+              <a:t>11/3/2016</a:t>
             </a:fld>
             <a:endParaRPr lang="en-US"/>
           </a:p>
@@ -1837,6 +1853,7 @@
           <a:p>
             <a:fld id="{FB34683C-161B-4520-BF45-B179E228CF2A}" type="slidenum">
               <a:rPr lang="en-US" smtClean="0"/>
+              <a:pPr/>
               <a:t>‹#›</a:t>
             </a:fld>
             <a:endParaRPr lang="en-US"/>
@@ -1846,7 +1863,7 @@
     </p:spTree>
     <p:extLst>
       <p:ext uri="{BB962C8B-B14F-4D97-AF65-F5344CB8AC3E}">
-        <p14:creationId xmlns:p14="http://schemas.microsoft.com/office/powerpoint/2010/main" val="562293251"/>
+        <p14:creationId xmlns:p14="http://schemas.microsoft.com/office/powerpoint/2010/main" xmlns="" val="562293251"/>
       </p:ext>
     </p:extLst>
   </p:cSld>
@@ -2214,7 +2231,8 @@
           <a:p>
             <a:fld id="{78C97017-6FC3-485B-9764-EAC9E56C1D49}" type="datetimeFigureOut">
               <a:rPr lang="en-US" smtClean="0"/>
-              <a:t>10/31/2016</a:t>
+              <a:pPr/>
+              <a:t>11/3/2016</a:t>
             </a:fld>
             <a:endParaRPr lang="en-US"/>
           </a:p>
@@ -2256,6 +2274,7 @@
           <a:p>
             <a:fld id="{FB34683C-161B-4520-BF45-B179E228CF2A}" type="slidenum">
               <a:rPr lang="en-US" smtClean="0"/>
+              <a:pPr/>
               <a:t>‹#›</a:t>
             </a:fld>
             <a:endParaRPr lang="en-US"/>
@@ -2265,7 +2284,7 @@
     </p:spTree>
     <p:extLst>
       <p:ext uri="{BB962C8B-B14F-4D97-AF65-F5344CB8AC3E}">
-        <p14:creationId xmlns:p14="http://schemas.microsoft.com/office/powerpoint/2010/main" val="1126424250"/>
+        <p14:creationId xmlns:p14="http://schemas.microsoft.com/office/powerpoint/2010/main" xmlns="" val="1126424250"/>
       </p:ext>
     </p:extLst>
   </p:cSld>
@@ -2331,7 +2350,8 @@
           <a:p>
             <a:fld id="{78C97017-6FC3-485B-9764-EAC9E56C1D49}" type="datetimeFigureOut">
               <a:rPr lang="en-US" smtClean="0"/>
-              <a:t>10/31/2016</a:t>
+              <a:pPr/>
+              <a:t>11/3/2016</a:t>
             </a:fld>
             <a:endParaRPr lang="en-US"/>
           </a:p>
@@ -2373,6 +2393,7 @@
           <a:p>
             <a:fld id="{FB34683C-161B-4520-BF45-B179E228CF2A}" type="slidenum">
               <a:rPr lang="en-US" smtClean="0"/>
+              <a:pPr/>
               <a:t>‹#›</a:t>
             </a:fld>
             <a:endParaRPr lang="en-US"/>
@@ -2382,7 +2403,7 @@
     </p:spTree>
     <p:extLst>
       <p:ext uri="{BB962C8B-B14F-4D97-AF65-F5344CB8AC3E}">
-        <p14:creationId xmlns:p14="http://schemas.microsoft.com/office/powerpoint/2010/main" val="4159724230"/>
+        <p14:creationId xmlns:p14="http://schemas.microsoft.com/office/powerpoint/2010/main" xmlns="" val="4159724230"/>
       </p:ext>
     </p:extLst>
   </p:cSld>
@@ -2426,7 +2447,8 @@
           <a:p>
             <a:fld id="{78C97017-6FC3-485B-9764-EAC9E56C1D49}" type="datetimeFigureOut">
               <a:rPr lang="en-US" smtClean="0"/>
-              <a:t>10/31/2016</a:t>
+              <a:pPr/>
+              <a:t>11/3/2016</a:t>
             </a:fld>
             <a:endParaRPr lang="en-US"/>
           </a:p>
@@ -2468,6 +2490,7 @@
           <a:p>
             <a:fld id="{FB34683C-161B-4520-BF45-B179E228CF2A}" type="slidenum">
               <a:rPr lang="en-US" smtClean="0"/>
+              <a:pPr/>
               <a:t>‹#›</a:t>
             </a:fld>
             <a:endParaRPr lang="en-US"/>
@@ -2477,7 +2500,7 @@
     </p:spTree>
     <p:extLst>
       <p:ext uri="{BB962C8B-B14F-4D97-AF65-F5344CB8AC3E}">
-        <p14:creationId xmlns:p14="http://schemas.microsoft.com/office/powerpoint/2010/main" val="1793928710"/>
+        <p14:creationId xmlns:p14="http://schemas.microsoft.com/office/powerpoint/2010/main" xmlns="" val="1793928710"/>
       </p:ext>
     </p:extLst>
   </p:cSld>
@@ -2701,7 +2724,8 @@
           <a:p>
             <a:fld id="{78C97017-6FC3-485B-9764-EAC9E56C1D49}" type="datetimeFigureOut">
               <a:rPr lang="en-US" smtClean="0"/>
-              <a:t>10/31/2016</a:t>
+              <a:pPr/>
+              <a:t>11/3/2016</a:t>
             </a:fld>
             <a:endParaRPr lang="en-US"/>
           </a:p>
@@ -2743,6 +2767,7 @@
           <a:p>
             <a:fld id="{FB34683C-161B-4520-BF45-B179E228CF2A}" type="slidenum">
               <a:rPr lang="en-US" smtClean="0"/>
+              <a:pPr/>
               <a:t>‹#›</a:t>
             </a:fld>
             <a:endParaRPr lang="en-US"/>
@@ -2752,7 +2777,7 @@
     </p:spTree>
     <p:extLst>
       <p:ext uri="{BB962C8B-B14F-4D97-AF65-F5344CB8AC3E}">
-        <p14:creationId xmlns:p14="http://schemas.microsoft.com/office/powerpoint/2010/main" val="2076802089"/>
+        <p14:creationId xmlns:p14="http://schemas.microsoft.com/office/powerpoint/2010/main" xmlns="" val="2076802089"/>
       </p:ext>
     </p:extLst>
   </p:cSld>
@@ -2953,7 +2978,8 @@
           <a:p>
             <a:fld id="{78C97017-6FC3-485B-9764-EAC9E56C1D49}" type="datetimeFigureOut">
               <a:rPr lang="en-US" smtClean="0"/>
-              <a:t>10/31/2016</a:t>
+              <a:pPr/>
+              <a:t>11/3/2016</a:t>
             </a:fld>
             <a:endParaRPr lang="en-US"/>
           </a:p>
@@ -2995,6 +3021,7 @@
           <a:p>
             <a:fld id="{FB34683C-161B-4520-BF45-B179E228CF2A}" type="slidenum">
               <a:rPr lang="en-US" smtClean="0"/>
+              <a:pPr/>
               <a:t>‹#›</a:t>
             </a:fld>
             <a:endParaRPr lang="en-US"/>
@@ -3004,7 +3031,7 @@
     </p:spTree>
     <p:extLst>
       <p:ext uri="{BB962C8B-B14F-4D97-AF65-F5344CB8AC3E}">
-        <p14:creationId xmlns:p14="http://schemas.microsoft.com/office/powerpoint/2010/main" val="201835938"/>
+        <p14:creationId xmlns:p14="http://schemas.microsoft.com/office/powerpoint/2010/main" xmlns="" val="201835938"/>
       </p:ext>
     </p:extLst>
   </p:cSld>
@@ -3164,7 +3191,8 @@
           <a:p>
             <a:fld id="{78C97017-6FC3-485B-9764-EAC9E56C1D49}" type="datetimeFigureOut">
               <a:rPr lang="en-US" smtClean="0"/>
-              <a:t>10/31/2016</a:t>
+              <a:pPr/>
+              <a:t>11/3/2016</a:t>
             </a:fld>
             <a:endParaRPr lang="en-US"/>
           </a:p>
@@ -3242,6 +3270,7 @@
           <a:p>
             <a:fld id="{FB34683C-161B-4520-BF45-B179E228CF2A}" type="slidenum">
               <a:rPr lang="en-US" smtClean="0"/>
+              <a:pPr/>
               <a:t>‹#›</a:t>
             </a:fld>
             <a:endParaRPr lang="en-US"/>
@@ -3251,7 +3280,7 @@
     </p:spTree>
     <p:extLst>
       <p:ext uri="{BB962C8B-B14F-4D97-AF65-F5344CB8AC3E}">
-        <p14:creationId xmlns:p14="http://schemas.microsoft.com/office/powerpoint/2010/main" val="2341400630"/>
+        <p14:creationId xmlns:p14="http://schemas.microsoft.com/office/powerpoint/2010/main" xmlns="" val="2341400630"/>
       </p:ext>
     </p:extLst>
   </p:cSld>
@@ -3590,7 +3619,7 @@
     </p:spTree>
     <p:extLst>
       <p:ext uri="{BB962C8B-B14F-4D97-AF65-F5344CB8AC3E}">
-        <p14:creationId xmlns:p14="http://schemas.microsoft.com/office/powerpoint/2010/main" val="2960930635"/>
+        <p14:creationId xmlns:p14="http://schemas.microsoft.com/office/powerpoint/2010/main" xmlns="" val="2960930635"/>
       </p:ext>
     </p:extLst>
   </p:cSld>
@@ -5012,9 +5041,961 @@
     </p:spTree>
     <p:extLst>
       <p:ext uri="{BB962C8B-B14F-4D97-AF65-F5344CB8AC3E}">
-        <p14:creationId xmlns:p14="http://schemas.microsoft.com/office/powerpoint/2010/main" val="1478832369"/>
+        <p14:creationId xmlns:p14="http://schemas.microsoft.com/office/powerpoint/2010/main" xmlns="" val="1478832369"/>
       </p:ext>
     </p:extLst>
+  </p:cSld>
+  <p:clrMapOvr>
+    <a:masterClrMapping/>
+  </p:clrMapOvr>
+</p:sld>
+</file>
+
+<file path=ppt/slides/slide11.xml><?xml version="1.0" encoding="utf-8"?>
+<p:sld xmlns:a="http://schemas.openxmlformats.org/drawingml/2006/main" xmlns:r="http://schemas.openxmlformats.org/officeDocument/2006/relationships" xmlns:p="http://schemas.openxmlformats.org/presentationml/2006/main">
+  <p:cSld>
+    <p:spTree>
+      <p:nvGrpSpPr>
+        <p:cNvPr id="1" name=""/>
+        <p:cNvGrpSpPr/>
+        <p:nvPr/>
+      </p:nvGrpSpPr>
+      <p:grpSpPr>
+        <a:xfrm>
+          <a:off x="0" y="0"/>
+          <a:ext cx="0" cy="0"/>
+          <a:chOff x="0" y="0"/>
+          <a:chExt cx="0" cy="0"/>
+        </a:xfrm>
+      </p:grpSpPr>
+      <p:sp>
+        <p:nvSpPr>
+          <p:cNvPr id="2" name="Rounded Rectangle 1"/>
+          <p:cNvSpPr/>
+          <p:nvPr/>
+        </p:nvSpPr>
+        <p:spPr>
+          <a:xfrm>
+            <a:off x="1676400" y="1828800"/>
+            <a:ext cx="5700181" cy="3124200"/>
+          </a:xfrm>
+          <a:prstGeom prst="roundRect">
+            <a:avLst>
+              <a:gd name="adj" fmla="val 5768"/>
+            </a:avLst>
+          </a:prstGeom>
+          <a:solidFill>
+            <a:schemeClr val="bg1">
+              <a:lumMod val="95000"/>
+            </a:schemeClr>
+          </a:solidFill>
+          <a:ln>
+            <a:solidFill>
+              <a:schemeClr val="bg1">
+                <a:lumMod val="85000"/>
+              </a:schemeClr>
+            </a:solidFill>
+          </a:ln>
+        </p:spPr>
+        <p:style>
+          <a:lnRef idx="2">
+            <a:schemeClr val="accent1">
+              <a:shade val="50000"/>
+            </a:schemeClr>
+          </a:lnRef>
+          <a:fillRef idx="1">
+            <a:schemeClr val="accent1"/>
+          </a:fillRef>
+          <a:effectRef idx="0">
+            <a:schemeClr val="accent1"/>
+          </a:effectRef>
+          <a:fontRef idx="minor">
+            <a:schemeClr val="lt1"/>
+          </a:fontRef>
+        </p:style>
+        <p:txBody>
+          <a:bodyPr rtlCol="0" anchor="ctr"/>
+          <a:lstStyle/>
+          <a:p>
+            <a:pPr algn="ctr"/>
+            <a:endParaRPr lang="en-US"/>
+          </a:p>
+        </p:txBody>
+      </p:sp>
+      <p:sp>
+        <p:nvSpPr>
+          <p:cNvPr id="4" name="Rectangle 45"/>
+          <p:cNvSpPr/>
+          <p:nvPr/>
+        </p:nvSpPr>
+        <p:spPr>
+          <a:xfrm>
+            <a:off x="1981200" y="3276600"/>
+            <a:ext cx="914400" cy="381000"/>
+          </a:xfrm>
+          <a:prstGeom prst="roundRect">
+            <a:avLst/>
+          </a:prstGeom>
+          <a:solidFill>
+            <a:srgbClr val="0070C0"/>
+          </a:solidFill>
+          <a:ln w="19050">
+            <a:solidFill>
+              <a:srgbClr val="0070C0"/>
+            </a:solidFill>
+          </a:ln>
+          <a:effectLst/>
+        </p:spPr>
+        <p:style>
+          <a:lnRef idx="1">
+            <a:schemeClr val="accent5"/>
+          </a:lnRef>
+          <a:fillRef idx="2">
+            <a:schemeClr val="accent5"/>
+          </a:fillRef>
+          <a:effectRef idx="1">
+            <a:schemeClr val="accent5"/>
+          </a:effectRef>
+          <a:fontRef idx="minor">
+            <a:schemeClr val="dk1"/>
+          </a:fontRef>
+        </p:style>
+        <p:txBody>
+          <a:bodyPr rtlCol="0" anchor="ctr"/>
+          <a:lstStyle/>
+          <a:p>
+            <a:pPr algn="ctr"/>
+            <a:r>
+              <a:rPr lang="en-US" sz="1600" dirty="0" smtClean="0">
+                <a:solidFill>
+                  <a:schemeClr val="bg1"/>
+                </a:solidFill>
+              </a:rPr>
+              <a:t>Task</a:t>
+            </a:r>
+            <a:endParaRPr lang="en-SG" sz="1600" dirty="0">
+              <a:solidFill>
+                <a:schemeClr val="bg1"/>
+              </a:solidFill>
+            </a:endParaRPr>
+          </a:p>
+        </p:txBody>
+      </p:sp>
+      <p:sp>
+        <p:nvSpPr>
+          <p:cNvPr id="10" name="Rectangle 45"/>
+          <p:cNvSpPr/>
+          <p:nvPr/>
+        </p:nvSpPr>
+        <p:spPr>
+          <a:xfrm>
+            <a:off x="3733800" y="2590800"/>
+            <a:ext cx="990600" cy="381000"/>
+          </a:xfrm>
+          <a:prstGeom prst="roundRect">
+            <a:avLst/>
+          </a:prstGeom>
+          <a:solidFill>
+            <a:srgbClr val="0070C0"/>
+          </a:solidFill>
+          <a:ln w="19050">
+            <a:solidFill>
+              <a:srgbClr val="0070C0"/>
+            </a:solidFill>
+          </a:ln>
+          <a:effectLst/>
+        </p:spPr>
+        <p:style>
+          <a:lnRef idx="1">
+            <a:schemeClr val="accent5"/>
+          </a:lnRef>
+          <a:fillRef idx="2">
+            <a:schemeClr val="accent5"/>
+          </a:fillRef>
+          <a:effectRef idx="1">
+            <a:schemeClr val="accent5"/>
+          </a:effectRef>
+          <a:fontRef idx="minor">
+            <a:schemeClr val="dk1"/>
+          </a:fontRef>
+        </p:style>
+        <p:txBody>
+          <a:bodyPr rtlCol="0" anchor="ctr"/>
+          <a:lstStyle/>
+          <a:p>
+            <a:pPr algn="ctr"/>
+            <a:r>
+              <a:rPr lang="en-US" sz="1600" dirty="0" smtClean="0">
+                <a:solidFill>
+                  <a:schemeClr val="bg1"/>
+                </a:solidFill>
+              </a:rPr>
+              <a:t>Event</a:t>
+            </a:r>
+            <a:endParaRPr lang="en-SG" sz="1600" dirty="0">
+              <a:solidFill>
+                <a:schemeClr val="bg1"/>
+              </a:solidFill>
+            </a:endParaRPr>
+          </a:p>
+        </p:txBody>
+      </p:sp>
+      <p:sp>
+        <p:nvSpPr>
+          <p:cNvPr id="11" name="Rectangle 45"/>
+          <p:cNvSpPr/>
+          <p:nvPr/>
+        </p:nvSpPr>
+        <p:spPr>
+          <a:xfrm>
+            <a:off x="3733800" y="3276600"/>
+            <a:ext cx="990600" cy="381000"/>
+          </a:xfrm>
+          <a:prstGeom prst="roundRect">
+            <a:avLst/>
+          </a:prstGeom>
+          <a:solidFill>
+            <a:srgbClr val="0070C0"/>
+          </a:solidFill>
+          <a:ln w="19050">
+            <a:solidFill>
+              <a:srgbClr val="0070C0"/>
+            </a:solidFill>
+          </a:ln>
+          <a:effectLst/>
+        </p:spPr>
+        <p:style>
+          <a:lnRef idx="1">
+            <a:schemeClr val="accent5"/>
+          </a:lnRef>
+          <a:fillRef idx="2">
+            <a:schemeClr val="accent5"/>
+          </a:fillRef>
+          <a:effectRef idx="1">
+            <a:schemeClr val="accent5"/>
+          </a:effectRef>
+          <a:fontRef idx="minor">
+            <a:schemeClr val="dk1"/>
+          </a:fontRef>
+        </p:style>
+        <p:txBody>
+          <a:bodyPr rtlCol="0" anchor="ctr"/>
+          <a:lstStyle/>
+          <a:p>
+            <a:pPr algn="ctr"/>
+            <a:r>
+              <a:rPr lang="en-US" sz="1600" dirty="0" smtClean="0">
+                <a:solidFill>
+                  <a:schemeClr val="bg1"/>
+                </a:solidFill>
+              </a:rPr>
+              <a:t>Deadline</a:t>
+            </a:r>
+            <a:endParaRPr lang="en-SG" sz="1600" dirty="0">
+              <a:solidFill>
+                <a:schemeClr val="bg1"/>
+              </a:solidFill>
+            </a:endParaRPr>
+          </a:p>
+        </p:txBody>
+      </p:sp>
+      <p:sp>
+        <p:nvSpPr>
+          <p:cNvPr id="12" name="Rectangle 45"/>
+          <p:cNvSpPr/>
+          <p:nvPr/>
+        </p:nvSpPr>
+        <p:spPr>
+          <a:xfrm>
+            <a:off x="5486400" y="2590800"/>
+            <a:ext cx="914400" cy="381000"/>
+          </a:xfrm>
+          <a:prstGeom prst="roundRect">
+            <a:avLst/>
+          </a:prstGeom>
+          <a:solidFill>
+            <a:srgbClr val="0070C0"/>
+          </a:solidFill>
+          <a:ln w="19050">
+            <a:solidFill>
+              <a:srgbClr val="0070C0"/>
+            </a:solidFill>
+          </a:ln>
+          <a:effectLst/>
+        </p:spPr>
+        <p:style>
+          <a:lnRef idx="1">
+            <a:schemeClr val="accent5"/>
+          </a:lnRef>
+          <a:fillRef idx="2">
+            <a:schemeClr val="accent5"/>
+          </a:fillRef>
+          <a:effectRef idx="1">
+            <a:schemeClr val="accent5"/>
+          </a:effectRef>
+          <a:fontRef idx="minor">
+            <a:schemeClr val="dk1"/>
+          </a:fontRef>
+        </p:style>
+        <p:txBody>
+          <a:bodyPr rtlCol="0" anchor="ctr"/>
+          <a:lstStyle/>
+          <a:p>
+            <a:pPr algn="ctr"/>
+            <a:r>
+              <a:rPr lang="en-US" sz="1600" dirty="0" smtClean="0">
+                <a:solidFill>
+                  <a:schemeClr val="bg1"/>
+                </a:solidFill>
+              </a:rPr>
+              <a:t>Block</a:t>
+            </a:r>
+            <a:endParaRPr lang="en-SG" sz="1600" dirty="0">
+              <a:solidFill>
+                <a:schemeClr val="bg1"/>
+              </a:solidFill>
+            </a:endParaRPr>
+          </a:p>
+        </p:txBody>
+      </p:sp>
+      <p:cxnSp>
+        <p:nvCxnSpPr>
+          <p:cNvPr id="14" name="Straight Arrow Connector 13"/>
+          <p:cNvCxnSpPr>
+            <a:stCxn id="11" idx="1"/>
+            <a:endCxn id="4" idx="3"/>
+          </p:cNvCxnSpPr>
+          <p:nvPr/>
+        </p:nvCxnSpPr>
+        <p:spPr>
+          <a:xfrm flipH="1">
+            <a:off x="2895600" y="3467100"/>
+            <a:ext cx="838200" cy="0"/>
+          </a:xfrm>
+          <a:prstGeom prst="straightConnector1">
+            <a:avLst/>
+          </a:prstGeom>
+          <a:ln>
+            <a:tailEnd type="arrow"/>
+          </a:ln>
+        </p:spPr>
+        <p:style>
+          <a:lnRef idx="1">
+            <a:schemeClr val="accent1"/>
+          </a:lnRef>
+          <a:fillRef idx="0">
+            <a:schemeClr val="accent1"/>
+          </a:fillRef>
+          <a:effectRef idx="0">
+            <a:schemeClr val="accent1"/>
+          </a:effectRef>
+          <a:fontRef idx="minor">
+            <a:schemeClr val="tx1"/>
+          </a:fontRef>
+        </p:style>
+      </p:cxnSp>
+      <p:cxnSp>
+        <p:nvCxnSpPr>
+          <p:cNvPr id="20" name="Elbow Connector 19"/>
+          <p:cNvCxnSpPr>
+            <a:stCxn id="10" idx="1"/>
+            <a:endCxn id="4" idx="3"/>
+          </p:cNvCxnSpPr>
+          <p:nvPr/>
+        </p:nvCxnSpPr>
+        <p:spPr>
+          <a:xfrm rot="10800000" flipV="1">
+            <a:off x="2895600" y="2781300"/>
+            <a:ext cx="838200" cy="685800"/>
+          </a:xfrm>
+          <a:prstGeom prst="bentConnector3">
+            <a:avLst>
+              <a:gd name="adj1" fmla="val 50000"/>
+            </a:avLst>
+          </a:prstGeom>
+          <a:ln>
+            <a:tailEnd type="arrow"/>
+          </a:ln>
+        </p:spPr>
+        <p:style>
+          <a:lnRef idx="1">
+            <a:schemeClr val="accent1"/>
+          </a:lnRef>
+          <a:fillRef idx="0">
+            <a:schemeClr val="accent1"/>
+          </a:fillRef>
+          <a:effectRef idx="0">
+            <a:schemeClr val="accent1"/>
+          </a:effectRef>
+          <a:fontRef idx="minor">
+            <a:schemeClr val="tx1"/>
+          </a:fontRef>
+        </p:style>
+      </p:cxnSp>
+      <p:cxnSp>
+        <p:nvCxnSpPr>
+          <p:cNvPr id="24" name="Straight Arrow Connector 23"/>
+          <p:cNvCxnSpPr>
+            <a:stCxn id="12" idx="1"/>
+            <a:endCxn id="10" idx="3"/>
+          </p:cNvCxnSpPr>
+          <p:nvPr/>
+        </p:nvCxnSpPr>
+        <p:spPr>
+          <a:xfrm flipH="1">
+            <a:off x="4724400" y="2781300"/>
+            <a:ext cx="762000" cy="0"/>
+          </a:xfrm>
+          <a:prstGeom prst="straightConnector1">
+            <a:avLst/>
+          </a:prstGeom>
+          <a:ln>
+            <a:tailEnd type="arrow"/>
+          </a:ln>
+        </p:spPr>
+        <p:style>
+          <a:lnRef idx="1">
+            <a:schemeClr val="accent1"/>
+          </a:lnRef>
+          <a:fillRef idx="0">
+            <a:schemeClr val="accent1"/>
+          </a:fillRef>
+          <a:effectRef idx="0">
+            <a:schemeClr val="accent1"/>
+          </a:effectRef>
+          <a:fontRef idx="minor">
+            <a:schemeClr val="tx1"/>
+          </a:fontRef>
+        </p:style>
+      </p:cxnSp>
+    </p:spTree>
+  </p:cSld>
+  <p:clrMapOvr>
+    <a:masterClrMapping/>
+  </p:clrMapOvr>
+</p:sld>
+</file>
+
+<file path=ppt/slides/slide12.xml><?xml version="1.0" encoding="utf-8"?>
+<p:sld xmlns:a="http://schemas.openxmlformats.org/drawingml/2006/main" xmlns:r="http://schemas.openxmlformats.org/officeDocument/2006/relationships" xmlns:p="http://schemas.openxmlformats.org/presentationml/2006/main">
+  <p:cSld>
+    <p:spTree>
+      <p:nvGrpSpPr>
+        <p:cNvPr id="1" name=""/>
+        <p:cNvGrpSpPr/>
+        <p:nvPr/>
+      </p:nvGrpSpPr>
+      <p:grpSpPr>
+        <a:xfrm>
+          <a:off x="0" y="0"/>
+          <a:ext cx="0" cy="0"/>
+          <a:chOff x="0" y="0"/>
+          <a:chExt cx="0" cy="0"/>
+        </a:xfrm>
+      </p:grpSpPr>
+      <p:sp>
+        <p:nvSpPr>
+          <p:cNvPr id="2" name="Rounded Rectangle 1"/>
+          <p:cNvSpPr/>
+          <p:nvPr/>
+        </p:nvSpPr>
+        <p:spPr>
+          <a:xfrm>
+            <a:off x="1676400" y="838200"/>
+            <a:ext cx="5700181" cy="4114800"/>
+          </a:xfrm>
+          <a:prstGeom prst="roundRect">
+            <a:avLst>
+              <a:gd name="adj" fmla="val 5768"/>
+            </a:avLst>
+          </a:prstGeom>
+          <a:solidFill>
+            <a:schemeClr val="bg1">
+              <a:lumMod val="95000"/>
+            </a:schemeClr>
+          </a:solidFill>
+          <a:ln>
+            <a:solidFill>
+              <a:schemeClr val="bg1">
+                <a:lumMod val="85000"/>
+              </a:schemeClr>
+            </a:solidFill>
+          </a:ln>
+        </p:spPr>
+        <p:style>
+          <a:lnRef idx="2">
+            <a:schemeClr val="accent1">
+              <a:shade val="50000"/>
+            </a:schemeClr>
+          </a:lnRef>
+          <a:fillRef idx="1">
+            <a:schemeClr val="accent1"/>
+          </a:fillRef>
+          <a:effectRef idx="0">
+            <a:schemeClr val="accent1"/>
+          </a:effectRef>
+          <a:fontRef idx="minor">
+            <a:schemeClr val="lt1"/>
+          </a:fontRef>
+        </p:style>
+        <p:txBody>
+          <a:bodyPr rtlCol="0" anchor="ctr"/>
+          <a:lstStyle/>
+          <a:p>
+            <a:pPr algn="ctr"/>
+            <a:endParaRPr lang="en-US"/>
+          </a:p>
+        </p:txBody>
+      </p:sp>
+      <p:sp>
+        <p:nvSpPr>
+          <p:cNvPr id="3" name="Smiley Face 2"/>
+          <p:cNvSpPr/>
+          <p:nvPr/>
+        </p:nvSpPr>
+        <p:spPr>
+          <a:xfrm>
+            <a:off x="1143000" y="2743200"/>
+            <a:ext cx="381000" cy="381000"/>
+          </a:xfrm>
+          <a:prstGeom prst="smileyFace">
+            <a:avLst/>
+          </a:prstGeom>
+          <a:solidFill>
+            <a:schemeClr val="bg1"/>
+          </a:solidFill>
+          <a:ln>
+            <a:solidFill>
+              <a:schemeClr val="tx1"/>
+            </a:solidFill>
+          </a:ln>
+        </p:spPr>
+        <p:style>
+          <a:lnRef idx="2">
+            <a:schemeClr val="accent1">
+              <a:shade val="50000"/>
+            </a:schemeClr>
+          </a:lnRef>
+          <a:fillRef idx="1">
+            <a:schemeClr val="accent1"/>
+          </a:fillRef>
+          <a:effectRef idx="0">
+            <a:schemeClr val="accent1"/>
+          </a:effectRef>
+          <a:fontRef idx="minor">
+            <a:schemeClr val="lt1"/>
+          </a:fontRef>
+        </p:style>
+        <p:txBody>
+          <a:bodyPr rtlCol="0" anchor="ctr"/>
+          <a:lstStyle/>
+          <a:p>
+            <a:pPr algn="ctr"/>
+            <a:endParaRPr lang="en-US"/>
+          </a:p>
+        </p:txBody>
+      </p:sp>
+      <p:sp>
+        <p:nvSpPr>
+          <p:cNvPr id="4" name="Rectangle 62"/>
+          <p:cNvSpPr/>
+          <p:nvPr/>
+        </p:nvSpPr>
+        <p:spPr>
+          <a:xfrm flipH="1">
+            <a:off x="1964269" y="2191178"/>
+            <a:ext cx="609602" cy="1294917"/>
+          </a:xfrm>
+          <a:prstGeom prst="roundRect">
+            <a:avLst/>
+          </a:prstGeom>
+          <a:solidFill>
+            <a:srgbClr val="00B050"/>
+          </a:solidFill>
+          <a:ln w="19050">
+            <a:solidFill>
+              <a:srgbClr val="00B050"/>
+            </a:solidFill>
+          </a:ln>
+          <a:effectLst/>
+        </p:spPr>
+        <p:style>
+          <a:lnRef idx="1">
+            <a:schemeClr val="accent2"/>
+          </a:lnRef>
+          <a:fillRef idx="2">
+            <a:schemeClr val="accent2"/>
+          </a:fillRef>
+          <a:effectRef idx="1">
+            <a:schemeClr val="accent2"/>
+          </a:effectRef>
+          <a:fontRef idx="minor">
+            <a:schemeClr val="dk1"/>
+          </a:fontRef>
+        </p:style>
+        <p:txBody>
+          <a:bodyPr rtlCol="0" anchor="ctr"/>
+          <a:lstStyle/>
+          <a:p>
+            <a:pPr algn="ctr"/>
+            <a:r>
+              <a:rPr lang="en-US" sz="1600" dirty="0">
+                <a:solidFill>
+                  <a:schemeClr val="bg1"/>
+                </a:solidFill>
+              </a:rPr>
+              <a:t>UI</a:t>
+            </a:r>
+            <a:endParaRPr lang="en-SG" sz="1600" dirty="0">
+              <a:solidFill>
+                <a:schemeClr val="bg1"/>
+              </a:solidFill>
+            </a:endParaRPr>
+          </a:p>
+        </p:txBody>
+      </p:sp>
+      <p:sp>
+        <p:nvSpPr>
+          <p:cNvPr id="5" name="Rectangle 45"/>
+          <p:cNvSpPr/>
+          <p:nvPr/>
+        </p:nvSpPr>
+        <p:spPr>
+          <a:xfrm>
+            <a:off x="3412069" y="2191178"/>
+            <a:ext cx="1295400" cy="552022"/>
+          </a:xfrm>
+          <a:prstGeom prst="roundRect">
+            <a:avLst/>
+          </a:prstGeom>
+          <a:solidFill>
+            <a:srgbClr val="0070C0"/>
+          </a:solidFill>
+          <a:ln w="19050">
+            <a:solidFill>
+              <a:srgbClr val="0070C0"/>
+            </a:solidFill>
+          </a:ln>
+          <a:effectLst/>
+        </p:spPr>
+        <p:style>
+          <a:lnRef idx="1">
+            <a:schemeClr val="accent5"/>
+          </a:lnRef>
+          <a:fillRef idx="2">
+            <a:schemeClr val="accent5"/>
+          </a:fillRef>
+          <a:effectRef idx="1">
+            <a:schemeClr val="accent5"/>
+          </a:effectRef>
+          <a:fontRef idx="minor">
+            <a:schemeClr val="dk1"/>
+          </a:fontRef>
+        </p:style>
+        <p:txBody>
+          <a:bodyPr rtlCol="0" anchor="ctr"/>
+          <a:lstStyle/>
+          <a:p>
+            <a:pPr algn="ctr"/>
+            <a:r>
+              <a:rPr lang="en-US" sz="1600" dirty="0">
+                <a:solidFill>
+                  <a:schemeClr val="bg1"/>
+                </a:solidFill>
+              </a:rPr>
+              <a:t>Logic</a:t>
+            </a:r>
+            <a:endParaRPr lang="en-SG" sz="1600" dirty="0">
+              <a:solidFill>
+                <a:schemeClr val="bg1"/>
+              </a:solidFill>
+            </a:endParaRPr>
+          </a:p>
+        </p:txBody>
+      </p:sp>
+      <p:sp>
+        <p:nvSpPr>
+          <p:cNvPr id="6" name="Rectangle 45"/>
+          <p:cNvSpPr/>
+          <p:nvPr/>
+        </p:nvSpPr>
+        <p:spPr>
+          <a:xfrm>
+            <a:off x="3412069" y="3124200"/>
+            <a:ext cx="1295400" cy="723791"/>
+          </a:xfrm>
+          <a:prstGeom prst="roundRect">
+            <a:avLst/>
+          </a:prstGeom>
+          <a:solidFill>
+            <a:srgbClr val="7030A0"/>
+          </a:solidFill>
+          <a:ln w="19050">
+            <a:solidFill>
+              <a:srgbClr val="7030A0"/>
+            </a:solidFill>
+          </a:ln>
+          <a:effectLst/>
+        </p:spPr>
+        <p:style>
+          <a:lnRef idx="1">
+            <a:schemeClr val="accent5"/>
+          </a:lnRef>
+          <a:fillRef idx="2">
+            <a:schemeClr val="accent5"/>
+          </a:fillRef>
+          <a:effectRef idx="1">
+            <a:schemeClr val="accent5"/>
+          </a:effectRef>
+          <a:fontRef idx="minor">
+            <a:schemeClr val="dk1"/>
+          </a:fontRef>
+        </p:style>
+        <p:txBody>
+          <a:bodyPr rtlCol="0" anchor="ctr"/>
+          <a:lstStyle/>
+          <a:p>
+            <a:pPr algn="ctr"/>
+            <a:r>
+              <a:rPr lang="en-US" sz="1600" dirty="0">
+                <a:solidFill>
+                  <a:schemeClr val="bg1"/>
+                </a:solidFill>
+              </a:rPr>
+              <a:t>Model</a:t>
+            </a:r>
+            <a:endParaRPr lang="en-SG" sz="1600" dirty="0">
+              <a:solidFill>
+                <a:schemeClr val="bg1"/>
+              </a:solidFill>
+            </a:endParaRPr>
+          </a:p>
+        </p:txBody>
+      </p:sp>
+      <p:cxnSp>
+        <p:nvCxnSpPr>
+          <p:cNvPr id="7" name="Straight Arrow Connector 6"/>
+          <p:cNvCxnSpPr>
+            <a:endCxn id="5" idx="1"/>
+          </p:cNvCxnSpPr>
+          <p:nvPr/>
+        </p:nvCxnSpPr>
+        <p:spPr>
+          <a:xfrm>
+            <a:off x="2573871" y="2467189"/>
+            <a:ext cx="838198" cy="0"/>
+          </a:xfrm>
+          <a:prstGeom prst="straightConnector1">
+            <a:avLst/>
+          </a:prstGeom>
+          <a:ln w="28575">
+            <a:solidFill>
+              <a:srgbClr val="00B050"/>
+            </a:solidFill>
+            <a:tailEnd type="arrow"/>
+          </a:ln>
+        </p:spPr>
+        <p:style>
+          <a:lnRef idx="1">
+            <a:schemeClr val="accent1"/>
+          </a:lnRef>
+          <a:fillRef idx="0">
+            <a:schemeClr val="accent1"/>
+          </a:fillRef>
+          <a:effectRef idx="0">
+            <a:schemeClr val="accent1"/>
+          </a:effectRef>
+          <a:fontRef idx="minor">
+            <a:schemeClr val="tx1"/>
+          </a:fontRef>
+        </p:style>
+      </p:cxnSp>
+      <p:cxnSp>
+        <p:nvCxnSpPr>
+          <p:cNvPr id="8" name="Straight Arrow Connector 7"/>
+          <p:cNvCxnSpPr/>
+          <p:nvPr/>
+        </p:nvCxnSpPr>
+        <p:spPr>
+          <a:xfrm>
+            <a:off x="2569639" y="3276600"/>
+            <a:ext cx="838198" cy="0"/>
+          </a:xfrm>
+          <a:prstGeom prst="straightConnector1">
+            <a:avLst/>
+          </a:prstGeom>
+          <a:ln w="28575">
+            <a:solidFill>
+              <a:srgbClr val="00B050"/>
+            </a:solidFill>
+            <a:tailEnd type="arrow"/>
+          </a:ln>
+        </p:spPr>
+        <p:style>
+          <a:lnRef idx="1">
+            <a:schemeClr val="accent1"/>
+          </a:lnRef>
+          <a:fillRef idx="0">
+            <a:schemeClr val="accent1"/>
+          </a:fillRef>
+          <a:effectRef idx="0">
+            <a:schemeClr val="accent1"/>
+          </a:effectRef>
+          <a:fontRef idx="minor">
+            <a:schemeClr val="tx1"/>
+          </a:fontRef>
+        </p:style>
+      </p:cxnSp>
+      <p:cxnSp>
+        <p:nvCxnSpPr>
+          <p:cNvPr id="9" name="Straight Arrow Connector 8"/>
+          <p:cNvCxnSpPr/>
+          <p:nvPr/>
+        </p:nvCxnSpPr>
+        <p:spPr>
+          <a:xfrm flipV="1">
+            <a:off x="1636188" y="2939996"/>
+            <a:ext cx="273050" cy="1"/>
+          </a:xfrm>
+          <a:prstGeom prst="straightConnector1">
+            <a:avLst/>
+          </a:prstGeom>
+          <a:ln w="28575">
+            <a:solidFill>
+              <a:schemeClr val="tx1"/>
+            </a:solidFill>
+            <a:prstDash val="sysDot"/>
+            <a:tailEnd type="arrow"/>
+          </a:ln>
+        </p:spPr>
+        <p:style>
+          <a:lnRef idx="1">
+            <a:schemeClr val="accent1"/>
+          </a:lnRef>
+          <a:fillRef idx="0">
+            <a:schemeClr val="accent1"/>
+          </a:fillRef>
+          <a:effectRef idx="0">
+            <a:schemeClr val="accent1"/>
+          </a:effectRef>
+          <a:fontRef idx="minor">
+            <a:schemeClr val="tx1"/>
+          </a:fontRef>
+        </p:style>
+      </p:cxnSp>
+      <p:sp>
+        <p:nvSpPr>
+          <p:cNvPr id="10" name="Rectangle 11"/>
+          <p:cNvSpPr/>
+          <p:nvPr/>
+        </p:nvSpPr>
+        <p:spPr>
+          <a:xfrm flipH="1">
+            <a:off x="3581400" y="1676400"/>
+            <a:ext cx="1093635" cy="346760"/>
+          </a:xfrm>
+          <a:prstGeom prst="rect">
+            <a:avLst/>
+          </a:prstGeom>
+          <a:ln w="19050">
+            <a:solidFill>
+              <a:srgbClr val="0070C0"/>
+            </a:solidFill>
+          </a:ln>
+          <a:effectLst/>
+        </p:spPr>
+        <p:style>
+          <a:lnRef idx="1">
+            <a:schemeClr val="accent1"/>
+          </a:lnRef>
+          <a:fillRef idx="2">
+            <a:schemeClr val="accent1"/>
+          </a:fillRef>
+          <a:effectRef idx="1">
+            <a:schemeClr val="accent1"/>
+          </a:effectRef>
+          <a:fontRef idx="minor">
+            <a:schemeClr val="dk1"/>
+          </a:fontRef>
+        </p:style>
+        <p:txBody>
+          <a:bodyPr rtlCol="0" anchor="ctr"/>
+          <a:lstStyle/>
+          <a:p>
+            <a:pPr algn="ctr"/>
+            <a:r>
+              <a:rPr lang="en-US" sz="1050" b="1" dirty="0" err="1" smtClean="0">
+                <a:solidFill>
+                  <a:srgbClr val="0070C0"/>
+                </a:solidFill>
+              </a:rPr>
+              <a:t>configCommand</a:t>
+            </a:r>
+            <a:endParaRPr lang="en-SG" sz="1050" b="1" dirty="0">
+              <a:solidFill>
+                <a:srgbClr val="0070C0"/>
+              </a:solidFill>
+            </a:endParaRPr>
+          </a:p>
+        </p:txBody>
+      </p:sp>
+      <p:sp>
+        <p:nvSpPr>
+          <p:cNvPr id="11" name="Rectangle 11"/>
+          <p:cNvSpPr/>
+          <p:nvPr/>
+        </p:nvSpPr>
+        <p:spPr>
+          <a:xfrm flipH="1">
+            <a:off x="3581400" y="1219200"/>
+            <a:ext cx="1093635" cy="346760"/>
+          </a:xfrm>
+          <a:prstGeom prst="rect">
+            <a:avLst/>
+          </a:prstGeom>
+          <a:ln w="19050">
+            <a:solidFill>
+              <a:srgbClr val="0070C0"/>
+            </a:solidFill>
+          </a:ln>
+          <a:effectLst/>
+        </p:spPr>
+        <p:style>
+          <a:lnRef idx="1">
+            <a:schemeClr val="accent1"/>
+          </a:lnRef>
+          <a:fillRef idx="2">
+            <a:schemeClr val="accent1"/>
+          </a:fillRef>
+          <a:effectRef idx="1">
+            <a:schemeClr val="accent1"/>
+          </a:effectRef>
+          <a:fontRef idx="minor">
+            <a:schemeClr val="dk1"/>
+          </a:fontRef>
+        </p:style>
+        <p:txBody>
+          <a:bodyPr rtlCol="0" anchor="ctr"/>
+          <a:lstStyle/>
+          <a:p>
+            <a:pPr algn="ctr"/>
+            <a:r>
+              <a:rPr lang="en-US" sz="1050" b="1" dirty="0" err="1" smtClean="0">
+                <a:solidFill>
+                  <a:srgbClr val="0070C0"/>
+                </a:solidFill>
+              </a:rPr>
+              <a:t>cdCommand</a:t>
+            </a:r>
+            <a:endParaRPr lang="en-SG" sz="1050" b="1" dirty="0">
+              <a:solidFill>
+                <a:srgbClr val="0070C0"/>
+              </a:solidFill>
+            </a:endParaRPr>
+          </a:p>
+        </p:txBody>
+      </p:sp>
+    </p:spTree>
   </p:cSld>
   <p:clrMapOvr>
     <a:masterClrMapping/>
@@ -5767,101 +6748,6 @@
       </p:sp>
       <p:sp>
         <p:nvSpPr>
-          <p:cNvPr id="51" name="Cloud 50"/>
-          <p:cNvSpPr/>
-          <p:nvPr/>
-        </p:nvSpPr>
-        <p:spPr>
-          <a:xfrm>
-            <a:off x="2650069" y="1447800"/>
-            <a:ext cx="914400" cy="533400"/>
-          </a:xfrm>
-          <a:prstGeom prst="cloud">
-            <a:avLst/>
-          </a:prstGeom>
-          <a:solidFill>
-            <a:schemeClr val="bg1"/>
-          </a:solidFill>
-          <a:ln>
-            <a:solidFill>
-              <a:schemeClr val="tx1"/>
-            </a:solidFill>
-          </a:ln>
-        </p:spPr>
-        <p:style>
-          <a:lnRef idx="2">
-            <a:schemeClr val="accent1">
-              <a:shade val="50000"/>
-            </a:schemeClr>
-          </a:lnRef>
-          <a:fillRef idx="1">
-            <a:schemeClr val="accent1"/>
-          </a:fillRef>
-          <a:effectRef idx="0">
-            <a:schemeClr val="accent1"/>
-          </a:effectRef>
-          <a:fontRef idx="minor">
-            <a:schemeClr val="lt1"/>
-          </a:fontRef>
-        </p:style>
-        <p:txBody>
-          <a:bodyPr rtlCol="0" anchor="ctr"/>
-          <a:lstStyle/>
-          <a:p>
-            <a:pPr algn="ctr"/>
-            <a:r>
-              <a:rPr lang="en-US" sz="1400" dirty="0">
-                <a:solidFill>
-                  <a:schemeClr val="tx1"/>
-                </a:solidFill>
-              </a:rPr>
-              <a:t>Web</a:t>
-            </a:r>
-          </a:p>
-        </p:txBody>
-      </p:sp>
-      <p:cxnSp>
-        <p:nvCxnSpPr>
-          <p:cNvPr id="52" name="Elbow Connector 51"/>
-          <p:cNvCxnSpPr>
-            <a:stCxn id="2" idx="0"/>
-            <a:endCxn id="51" idx="2"/>
-          </p:cNvCxnSpPr>
-          <p:nvPr/>
-        </p:nvCxnSpPr>
-        <p:spPr>
-          <a:xfrm rot="5400000" flipH="1" flipV="1">
-            <a:off x="2222648" y="1760922"/>
-            <a:ext cx="476678" cy="383835"/>
-          </a:xfrm>
-          <a:prstGeom prst="bentConnector2">
-            <a:avLst/>
-          </a:prstGeom>
-          <a:ln w="28575">
-            <a:solidFill>
-              <a:srgbClr val="00B050"/>
-            </a:solidFill>
-            <a:prstDash val="sysDot"/>
-            <a:tailEnd type="arrow"/>
-          </a:ln>
-        </p:spPr>
-        <p:style>
-          <a:lnRef idx="1">
-            <a:schemeClr val="accent1"/>
-          </a:lnRef>
-          <a:fillRef idx="0">
-            <a:schemeClr val="accent1"/>
-          </a:fillRef>
-          <a:effectRef idx="0">
-            <a:schemeClr val="accent1"/>
-          </a:effectRef>
-          <a:fontRef idx="minor">
-            <a:schemeClr val="tx1"/>
-          </a:fontRef>
-        </p:style>
-      </p:cxnSp>
-      <p:sp>
-        <p:nvSpPr>
           <p:cNvPr id="23" name="Rectangle 62"/>
           <p:cNvSpPr/>
           <p:nvPr/>
@@ -6362,7 +7248,7 @@
     </p:spTree>
     <p:extLst>
       <p:ext uri="{BB962C8B-B14F-4D97-AF65-F5344CB8AC3E}">
-        <p14:creationId xmlns:p14="http://schemas.microsoft.com/office/powerpoint/2010/main" val="1981432603"/>
+        <p14:creationId xmlns:p14="http://schemas.microsoft.com/office/powerpoint/2010/main" xmlns="" val="1981432603"/>
       </p:ext>
     </p:extLst>
   </p:cSld>
@@ -8985,7 +9871,7 @@
     </p:spTree>
     <p:extLst>
       <p:ext uri="{BB962C8B-B14F-4D97-AF65-F5344CB8AC3E}">
-        <p14:creationId xmlns:p14="http://schemas.microsoft.com/office/powerpoint/2010/main" val="1434580780"/>
+        <p14:creationId xmlns:p14="http://schemas.microsoft.com/office/powerpoint/2010/main" xmlns="" val="1434580780"/>
       </p:ext>
     </p:extLst>
   </p:cSld>
@@ -10675,15 +11561,7 @@
                   <a:schemeClr val="bg1"/>
                 </a:solidFill>
               </a:rPr>
-              <a:t>:</a:t>
-            </a:r>
-            <a:r>
-              <a:rPr lang="en-US" sz="1600" dirty="0" smtClean="0">
-                <a:solidFill>
-                  <a:schemeClr val="bg1"/>
-                </a:solidFill>
-              </a:rPr>
-              <a:t>Model</a:t>
+              <a:t>:Model</a:t>
             </a:r>
             <a:endParaRPr lang="en-SG" sz="1600" dirty="0">
               <a:solidFill>
@@ -11180,7 +12058,7 @@
     </p:spTree>
     <p:extLst>
       <p:ext uri="{BB962C8B-B14F-4D97-AF65-F5344CB8AC3E}">
-        <p14:creationId xmlns:p14="http://schemas.microsoft.com/office/powerpoint/2010/main" val="4023378879"/>
+        <p14:creationId xmlns:p14="http://schemas.microsoft.com/office/powerpoint/2010/main" xmlns="" val="4023378879"/>
       </p:ext>
     </p:extLst>
   </p:cSld>
@@ -12976,7 +13854,7 @@
     </p:spTree>
     <p:extLst>
       <p:ext uri="{BB962C8B-B14F-4D97-AF65-F5344CB8AC3E}">
-        <p14:creationId xmlns:p14="http://schemas.microsoft.com/office/powerpoint/2010/main" val="363914971"/>
+        <p14:creationId xmlns:p14="http://schemas.microsoft.com/office/powerpoint/2010/main" xmlns="" val="363914971"/>
       </p:ext>
     </p:extLst>
   </p:cSld>
@@ -15218,7 +16096,7 @@
     </p:spTree>
     <p:extLst>
       <p:ext uri="{BB962C8B-B14F-4D97-AF65-F5344CB8AC3E}">
-        <p14:creationId xmlns:p14="http://schemas.microsoft.com/office/powerpoint/2010/main" val="2776882492"/>
+        <p14:creationId xmlns:p14="http://schemas.microsoft.com/office/powerpoint/2010/main" xmlns="" val="2776882492"/>
       </p:ext>
     </p:extLst>
   </p:cSld>
@@ -17816,7 +18694,7 @@
     </p:spTree>
     <p:extLst>
       <p:ext uri="{BB962C8B-B14F-4D97-AF65-F5344CB8AC3E}">
-        <p14:creationId xmlns:p14="http://schemas.microsoft.com/office/powerpoint/2010/main" val="599777654"/>
+        <p14:creationId xmlns:p14="http://schemas.microsoft.com/office/powerpoint/2010/main" xmlns="" val="599777654"/>
       </p:ext>
     </p:extLst>
   </p:cSld>
@@ -19713,7 +20591,7 @@
     </p:spTree>
     <p:extLst>
       <p:ext uri="{BB962C8B-B14F-4D97-AF65-F5344CB8AC3E}">
-        <p14:creationId xmlns:p14="http://schemas.microsoft.com/office/powerpoint/2010/main" val="3945898909"/>
+        <p14:creationId xmlns:p14="http://schemas.microsoft.com/office/powerpoint/2010/main" xmlns="" val="3945898909"/>
       </p:ext>
     </p:extLst>
   </p:cSld>
@@ -19755,7 +20633,7 @@
         </p:nvSpPr>
         <p:spPr>
           <a:xfrm>
-            <a:off x="1143000" y="1727200"/>
+            <a:off x="1066800" y="1676400"/>
             <a:ext cx="7490735" cy="3911600"/>
           </a:xfrm>
           <a:prstGeom prst="roundRect">
@@ -19852,12 +20730,12 @@
           <a:p>
             <a:pPr algn="ctr"/>
             <a:r>
-              <a:rPr lang="en-US" sz="1050" dirty="0" err="1">
+              <a:rPr lang="en-US" sz="1050" dirty="0" err="1" smtClean="0">
                 <a:solidFill>
                   <a:schemeClr val="bg1"/>
                 </a:solidFill>
               </a:rPr>
-              <a:t>UserPref</a:t>
+              <a:t>Config.json</a:t>
             </a:r>
             <a:endParaRPr lang="en-SG" sz="1050" dirty="0">
               <a:solidFill>
@@ -21655,8 +22533,8 @@
         </p:nvSpPr>
         <p:spPr>
           <a:xfrm rot="16200000">
-            <a:off x="6351797" y="4173025"/>
-            <a:ext cx="881018" cy="261610"/>
+            <a:off x="6404335" y="4187465"/>
+            <a:ext cx="881018" cy="430887"/>
           </a:xfrm>
           <a:prstGeom prst="rect">
             <a:avLst/>
@@ -21671,12 +22549,20 @@
           <a:p>
             <a:pPr algn="r"/>
             <a:r>
+              <a:rPr lang="en-US" sz="1100" dirty="0" smtClean="0">
+                <a:solidFill>
+                  <a:srgbClr val="7030A0"/>
+                </a:solidFill>
+              </a:rPr>
+              <a:t>Sorted filtered </a:t>
+            </a:r>
+            <a:r>
               <a:rPr lang="en-US" sz="1100" dirty="0">
                 <a:solidFill>
                   <a:srgbClr val="7030A0"/>
                 </a:solidFill>
               </a:rPr>
-              <a:t>filtered list</a:t>
+              <a:t>list</a:t>
             </a:r>
             <a:endParaRPr lang="en-SG" sz="1100" dirty="0">
               <a:solidFill>
@@ -21950,7 +22836,7 @@
         </p:nvSpPr>
         <p:spPr>
           <a:xfrm>
-            <a:off x="6269608" y="2504894"/>
+            <a:off x="6248400" y="2514600"/>
             <a:ext cx="708186" cy="346760"/>
           </a:xfrm>
           <a:prstGeom prst="rect">
@@ -22340,7 +23226,7 @@
     </p:spTree>
     <p:extLst>
       <p:ext uri="{BB962C8B-B14F-4D97-AF65-F5344CB8AC3E}">
-        <p14:creationId xmlns:p14="http://schemas.microsoft.com/office/powerpoint/2010/main" val="2396968029"/>
+        <p14:creationId xmlns:p14="http://schemas.microsoft.com/office/powerpoint/2010/main" xmlns="" val="2396968029"/>
       </p:ext>
     </p:extLst>
   </p:cSld>

--- a/docs/diagrams/Diagrams.pptx
+++ b/docs/diagrams/Diagrams.pptx
@@ -5,7 +5,7 @@
     <p:sldMasterId id="2147483648" r:id="rId1"/>
   </p:sldMasterIdLst>
   <p:notesMasterIdLst>
-    <p:notesMasterId r:id="rId14"/>
+    <p:notesMasterId r:id="rId13"/>
   </p:notesMasterIdLst>
   <p:sldIdLst>
     <p:sldId id="256" r:id="rId2"/>
@@ -19,7 +19,6 @@
     <p:sldId id="263" r:id="rId10"/>
     <p:sldId id="264" r:id="rId11"/>
     <p:sldId id="270" r:id="rId12"/>
-    <p:sldId id="271" r:id="rId13"/>
   </p:sldIdLst>
   <p:sldSz cx="9144000" cy="6858000" type="screen4x3"/>
   <p:notesSz cx="6858000" cy="9144000"/>
@@ -120,7 +119,7 @@
   </p:defaultTextStyle>
   <p:extLst>
     <p:ext uri="{EFAFB233-063F-42B5-8137-9DF3F51BA10A}">
-      <p15:sldGuideLst xmlns:p15="http://schemas.microsoft.com/office/powerpoint/2012/main" xmlns="">
+      <p15:sldGuideLst xmlns="" xmlns:p15="http://schemas.microsoft.com/office/powerpoint/2012/main">
         <p15:guide id="1" orient="horz" pos="1488">
           <p15:clr>
             <a:srgbClr val="A4A3A4"/>
@@ -220,7 +219,7 @@
             <a:fld id="{F5CC4B3F-88C1-4FFA-B1B6-F41C21DC6924}" type="datetimeFigureOut">
               <a:rPr lang="en-US" smtClean="0"/>
               <a:pPr/>
-              <a:t>11/3/2016</a:t>
+              <a:t>11/4/2016</a:t>
             </a:fld>
             <a:endParaRPr lang="en-US"/>
           </a:p>
@@ -388,7 +387,7 @@
     </p:spTree>
     <p:extLst>
       <p:ext uri="{BB962C8B-B14F-4D97-AF65-F5344CB8AC3E}">
-        <p14:creationId xmlns:p14="http://schemas.microsoft.com/office/powerpoint/2010/main" xmlns="" val="2023976206"/>
+        <p14:creationId xmlns="" xmlns:p14="http://schemas.microsoft.com/office/powerpoint/2010/main" val="2023976206"/>
       </p:ext>
     </p:extLst>
   </p:cSld>
@@ -567,7 +566,7 @@
     </p:spTree>
     <p:extLst>
       <p:ext uri="{BB962C8B-B14F-4D97-AF65-F5344CB8AC3E}">
-        <p14:creationId xmlns:p14="http://schemas.microsoft.com/office/powerpoint/2010/main" xmlns="" val="1791593621"/>
+        <p14:creationId xmlns="" xmlns:p14="http://schemas.microsoft.com/office/powerpoint/2010/main" val="1791593621"/>
       </p:ext>
     </p:extLst>
   </p:cSld>
@@ -757,7 +756,7 @@
             <a:fld id="{78C97017-6FC3-485B-9764-EAC9E56C1D49}" type="datetimeFigureOut">
               <a:rPr lang="en-US" smtClean="0"/>
               <a:pPr/>
-              <a:t>11/3/2016</a:t>
+              <a:t>11/4/2016</a:t>
             </a:fld>
             <a:endParaRPr lang="en-US"/>
           </a:p>
@@ -809,7 +808,7 @@
     </p:spTree>
     <p:extLst>
       <p:ext uri="{BB962C8B-B14F-4D97-AF65-F5344CB8AC3E}">
-        <p14:creationId xmlns:p14="http://schemas.microsoft.com/office/powerpoint/2010/main" xmlns="" val="3246593157"/>
+        <p14:creationId xmlns="" xmlns:p14="http://schemas.microsoft.com/office/powerpoint/2010/main" val="3246593157"/>
       </p:ext>
     </p:extLst>
   </p:cSld>
@@ -927,7 +926,7 @@
             <a:fld id="{78C97017-6FC3-485B-9764-EAC9E56C1D49}" type="datetimeFigureOut">
               <a:rPr lang="en-US" smtClean="0"/>
               <a:pPr/>
-              <a:t>11/3/2016</a:t>
+              <a:t>11/4/2016</a:t>
             </a:fld>
             <a:endParaRPr lang="en-US"/>
           </a:p>
@@ -979,7 +978,7 @@
     </p:spTree>
     <p:extLst>
       <p:ext uri="{BB962C8B-B14F-4D97-AF65-F5344CB8AC3E}">
-        <p14:creationId xmlns:p14="http://schemas.microsoft.com/office/powerpoint/2010/main" xmlns="" val="2707025021"/>
+        <p14:creationId xmlns="" xmlns:p14="http://schemas.microsoft.com/office/powerpoint/2010/main" val="2707025021"/>
       </p:ext>
     </p:extLst>
   </p:cSld>
@@ -1107,7 +1106,7 @@
             <a:fld id="{78C97017-6FC3-485B-9764-EAC9E56C1D49}" type="datetimeFigureOut">
               <a:rPr lang="en-US" smtClean="0"/>
               <a:pPr/>
-              <a:t>11/3/2016</a:t>
+              <a:t>11/4/2016</a:t>
             </a:fld>
             <a:endParaRPr lang="en-US"/>
           </a:p>
@@ -1159,7 +1158,7 @@
     </p:spTree>
     <p:extLst>
       <p:ext uri="{BB962C8B-B14F-4D97-AF65-F5344CB8AC3E}">
-        <p14:creationId xmlns:p14="http://schemas.microsoft.com/office/powerpoint/2010/main" xmlns="" val="568378986"/>
+        <p14:creationId xmlns="" xmlns:p14="http://schemas.microsoft.com/office/powerpoint/2010/main" val="568378986"/>
       </p:ext>
     </p:extLst>
   </p:cSld>
@@ -1277,7 +1276,7 @@
             <a:fld id="{78C97017-6FC3-485B-9764-EAC9E56C1D49}" type="datetimeFigureOut">
               <a:rPr lang="en-US" smtClean="0"/>
               <a:pPr/>
-              <a:t>11/3/2016</a:t>
+              <a:t>11/4/2016</a:t>
             </a:fld>
             <a:endParaRPr lang="en-US"/>
           </a:p>
@@ -1329,7 +1328,7 @@
     </p:spTree>
     <p:extLst>
       <p:ext uri="{BB962C8B-B14F-4D97-AF65-F5344CB8AC3E}">
-        <p14:creationId xmlns:p14="http://schemas.microsoft.com/office/powerpoint/2010/main" xmlns="" val="266658052"/>
+        <p14:creationId xmlns="" xmlns:p14="http://schemas.microsoft.com/office/powerpoint/2010/main" val="266658052"/>
       </p:ext>
     </p:extLst>
   </p:cSld>
@@ -1524,7 +1523,7 @@
             <a:fld id="{78C97017-6FC3-485B-9764-EAC9E56C1D49}" type="datetimeFigureOut">
               <a:rPr lang="en-US" smtClean="0"/>
               <a:pPr/>
-              <a:t>11/3/2016</a:t>
+              <a:t>11/4/2016</a:t>
             </a:fld>
             <a:endParaRPr lang="en-US"/>
           </a:p>
@@ -1576,7 +1575,7 @@
     </p:spTree>
     <p:extLst>
       <p:ext uri="{BB962C8B-B14F-4D97-AF65-F5344CB8AC3E}">
-        <p14:creationId xmlns:p14="http://schemas.microsoft.com/office/powerpoint/2010/main" xmlns="" val="474686344"/>
+        <p14:creationId xmlns="" xmlns:p14="http://schemas.microsoft.com/office/powerpoint/2010/main" val="474686344"/>
       </p:ext>
     </p:extLst>
   </p:cSld>
@@ -1811,7 +1810,7 @@
             <a:fld id="{78C97017-6FC3-485B-9764-EAC9E56C1D49}" type="datetimeFigureOut">
               <a:rPr lang="en-US" smtClean="0"/>
               <a:pPr/>
-              <a:t>11/3/2016</a:t>
+              <a:t>11/4/2016</a:t>
             </a:fld>
             <a:endParaRPr lang="en-US"/>
           </a:p>
@@ -1863,7 +1862,7 @@
     </p:spTree>
     <p:extLst>
       <p:ext uri="{BB962C8B-B14F-4D97-AF65-F5344CB8AC3E}">
-        <p14:creationId xmlns:p14="http://schemas.microsoft.com/office/powerpoint/2010/main" xmlns="" val="562293251"/>
+        <p14:creationId xmlns="" xmlns:p14="http://schemas.microsoft.com/office/powerpoint/2010/main" val="562293251"/>
       </p:ext>
     </p:extLst>
   </p:cSld>
@@ -2232,7 +2231,7 @@
             <a:fld id="{78C97017-6FC3-485B-9764-EAC9E56C1D49}" type="datetimeFigureOut">
               <a:rPr lang="en-US" smtClean="0"/>
               <a:pPr/>
-              <a:t>11/3/2016</a:t>
+              <a:t>11/4/2016</a:t>
             </a:fld>
             <a:endParaRPr lang="en-US"/>
           </a:p>
@@ -2284,7 +2283,7 @@
     </p:spTree>
     <p:extLst>
       <p:ext uri="{BB962C8B-B14F-4D97-AF65-F5344CB8AC3E}">
-        <p14:creationId xmlns:p14="http://schemas.microsoft.com/office/powerpoint/2010/main" xmlns="" val="1126424250"/>
+        <p14:creationId xmlns="" xmlns:p14="http://schemas.microsoft.com/office/powerpoint/2010/main" val="1126424250"/>
       </p:ext>
     </p:extLst>
   </p:cSld>
@@ -2351,7 +2350,7 @@
             <a:fld id="{78C97017-6FC3-485B-9764-EAC9E56C1D49}" type="datetimeFigureOut">
               <a:rPr lang="en-US" smtClean="0"/>
               <a:pPr/>
-              <a:t>11/3/2016</a:t>
+              <a:t>11/4/2016</a:t>
             </a:fld>
             <a:endParaRPr lang="en-US"/>
           </a:p>
@@ -2403,7 +2402,7 @@
     </p:spTree>
     <p:extLst>
       <p:ext uri="{BB962C8B-B14F-4D97-AF65-F5344CB8AC3E}">
-        <p14:creationId xmlns:p14="http://schemas.microsoft.com/office/powerpoint/2010/main" xmlns="" val="4159724230"/>
+        <p14:creationId xmlns="" xmlns:p14="http://schemas.microsoft.com/office/powerpoint/2010/main" val="4159724230"/>
       </p:ext>
     </p:extLst>
   </p:cSld>
@@ -2448,7 +2447,7 @@
             <a:fld id="{78C97017-6FC3-485B-9764-EAC9E56C1D49}" type="datetimeFigureOut">
               <a:rPr lang="en-US" smtClean="0"/>
               <a:pPr/>
-              <a:t>11/3/2016</a:t>
+              <a:t>11/4/2016</a:t>
             </a:fld>
             <a:endParaRPr lang="en-US"/>
           </a:p>
@@ -2500,7 +2499,7 @@
     </p:spTree>
     <p:extLst>
       <p:ext uri="{BB962C8B-B14F-4D97-AF65-F5344CB8AC3E}">
-        <p14:creationId xmlns:p14="http://schemas.microsoft.com/office/powerpoint/2010/main" xmlns="" val="1793928710"/>
+        <p14:creationId xmlns="" xmlns:p14="http://schemas.microsoft.com/office/powerpoint/2010/main" val="1793928710"/>
       </p:ext>
     </p:extLst>
   </p:cSld>
@@ -2725,7 +2724,7 @@
             <a:fld id="{78C97017-6FC3-485B-9764-EAC9E56C1D49}" type="datetimeFigureOut">
               <a:rPr lang="en-US" smtClean="0"/>
               <a:pPr/>
-              <a:t>11/3/2016</a:t>
+              <a:t>11/4/2016</a:t>
             </a:fld>
             <a:endParaRPr lang="en-US"/>
           </a:p>
@@ -2777,7 +2776,7 @@
     </p:spTree>
     <p:extLst>
       <p:ext uri="{BB962C8B-B14F-4D97-AF65-F5344CB8AC3E}">
-        <p14:creationId xmlns:p14="http://schemas.microsoft.com/office/powerpoint/2010/main" xmlns="" val="2076802089"/>
+        <p14:creationId xmlns="" xmlns:p14="http://schemas.microsoft.com/office/powerpoint/2010/main" val="2076802089"/>
       </p:ext>
     </p:extLst>
   </p:cSld>
@@ -2979,7 +2978,7 @@
             <a:fld id="{78C97017-6FC3-485B-9764-EAC9E56C1D49}" type="datetimeFigureOut">
               <a:rPr lang="en-US" smtClean="0"/>
               <a:pPr/>
-              <a:t>11/3/2016</a:t>
+              <a:t>11/4/2016</a:t>
             </a:fld>
             <a:endParaRPr lang="en-US"/>
           </a:p>
@@ -3031,7 +3030,7 @@
     </p:spTree>
     <p:extLst>
       <p:ext uri="{BB962C8B-B14F-4D97-AF65-F5344CB8AC3E}">
-        <p14:creationId xmlns:p14="http://schemas.microsoft.com/office/powerpoint/2010/main" xmlns="" val="201835938"/>
+        <p14:creationId xmlns="" xmlns:p14="http://schemas.microsoft.com/office/powerpoint/2010/main" val="201835938"/>
       </p:ext>
     </p:extLst>
   </p:cSld>
@@ -3192,7 +3191,7 @@
             <a:fld id="{78C97017-6FC3-485B-9764-EAC9E56C1D49}" type="datetimeFigureOut">
               <a:rPr lang="en-US" smtClean="0"/>
               <a:pPr/>
-              <a:t>11/3/2016</a:t>
+              <a:t>11/4/2016</a:t>
             </a:fld>
             <a:endParaRPr lang="en-US"/>
           </a:p>
@@ -3280,7 +3279,7 @@
     </p:spTree>
     <p:extLst>
       <p:ext uri="{BB962C8B-B14F-4D97-AF65-F5344CB8AC3E}">
-        <p14:creationId xmlns:p14="http://schemas.microsoft.com/office/powerpoint/2010/main" xmlns="" val="2341400630"/>
+        <p14:creationId xmlns="" xmlns:p14="http://schemas.microsoft.com/office/powerpoint/2010/main" val="2341400630"/>
       </p:ext>
     </p:extLst>
   </p:cSld>
@@ -3619,7 +3618,7 @@
     </p:spTree>
     <p:extLst>
       <p:ext uri="{BB962C8B-B14F-4D97-AF65-F5344CB8AC3E}">
-        <p14:creationId xmlns:p14="http://schemas.microsoft.com/office/powerpoint/2010/main" xmlns="" val="2960930635"/>
+        <p14:creationId xmlns="" xmlns:p14="http://schemas.microsoft.com/office/powerpoint/2010/main" val="2960930635"/>
       </p:ext>
     </p:extLst>
   </p:cSld>
@@ -5041,7 +5040,7 @@
     </p:spTree>
     <p:extLst>
       <p:ext uri="{BB962C8B-B14F-4D97-AF65-F5344CB8AC3E}">
-        <p14:creationId xmlns:p14="http://schemas.microsoft.com/office/powerpoint/2010/main" xmlns="" val="1478832369"/>
+        <p14:creationId xmlns="" xmlns:p14="http://schemas.microsoft.com/office/powerpoint/2010/main" val="1478832369"/>
       </p:ext>
     </p:extLst>
   </p:cSld>
@@ -5476,533 +5475,6 @@
 </p:sld>
 </file>
 
-<file path=ppt/slides/slide12.xml><?xml version="1.0" encoding="utf-8"?>
-<p:sld xmlns:a="http://schemas.openxmlformats.org/drawingml/2006/main" xmlns:r="http://schemas.openxmlformats.org/officeDocument/2006/relationships" xmlns:p="http://schemas.openxmlformats.org/presentationml/2006/main">
-  <p:cSld>
-    <p:spTree>
-      <p:nvGrpSpPr>
-        <p:cNvPr id="1" name=""/>
-        <p:cNvGrpSpPr/>
-        <p:nvPr/>
-      </p:nvGrpSpPr>
-      <p:grpSpPr>
-        <a:xfrm>
-          <a:off x="0" y="0"/>
-          <a:ext cx="0" cy="0"/>
-          <a:chOff x="0" y="0"/>
-          <a:chExt cx="0" cy="0"/>
-        </a:xfrm>
-      </p:grpSpPr>
-      <p:sp>
-        <p:nvSpPr>
-          <p:cNvPr id="2" name="Rounded Rectangle 1"/>
-          <p:cNvSpPr/>
-          <p:nvPr/>
-        </p:nvSpPr>
-        <p:spPr>
-          <a:xfrm>
-            <a:off x="1676400" y="838200"/>
-            <a:ext cx="5700181" cy="4114800"/>
-          </a:xfrm>
-          <a:prstGeom prst="roundRect">
-            <a:avLst>
-              <a:gd name="adj" fmla="val 5768"/>
-            </a:avLst>
-          </a:prstGeom>
-          <a:solidFill>
-            <a:schemeClr val="bg1">
-              <a:lumMod val="95000"/>
-            </a:schemeClr>
-          </a:solidFill>
-          <a:ln>
-            <a:solidFill>
-              <a:schemeClr val="bg1">
-                <a:lumMod val="85000"/>
-              </a:schemeClr>
-            </a:solidFill>
-          </a:ln>
-        </p:spPr>
-        <p:style>
-          <a:lnRef idx="2">
-            <a:schemeClr val="accent1">
-              <a:shade val="50000"/>
-            </a:schemeClr>
-          </a:lnRef>
-          <a:fillRef idx="1">
-            <a:schemeClr val="accent1"/>
-          </a:fillRef>
-          <a:effectRef idx="0">
-            <a:schemeClr val="accent1"/>
-          </a:effectRef>
-          <a:fontRef idx="minor">
-            <a:schemeClr val="lt1"/>
-          </a:fontRef>
-        </p:style>
-        <p:txBody>
-          <a:bodyPr rtlCol="0" anchor="ctr"/>
-          <a:lstStyle/>
-          <a:p>
-            <a:pPr algn="ctr"/>
-            <a:endParaRPr lang="en-US"/>
-          </a:p>
-        </p:txBody>
-      </p:sp>
-      <p:sp>
-        <p:nvSpPr>
-          <p:cNvPr id="3" name="Smiley Face 2"/>
-          <p:cNvSpPr/>
-          <p:nvPr/>
-        </p:nvSpPr>
-        <p:spPr>
-          <a:xfrm>
-            <a:off x="1143000" y="2743200"/>
-            <a:ext cx="381000" cy="381000"/>
-          </a:xfrm>
-          <a:prstGeom prst="smileyFace">
-            <a:avLst/>
-          </a:prstGeom>
-          <a:solidFill>
-            <a:schemeClr val="bg1"/>
-          </a:solidFill>
-          <a:ln>
-            <a:solidFill>
-              <a:schemeClr val="tx1"/>
-            </a:solidFill>
-          </a:ln>
-        </p:spPr>
-        <p:style>
-          <a:lnRef idx="2">
-            <a:schemeClr val="accent1">
-              <a:shade val="50000"/>
-            </a:schemeClr>
-          </a:lnRef>
-          <a:fillRef idx="1">
-            <a:schemeClr val="accent1"/>
-          </a:fillRef>
-          <a:effectRef idx="0">
-            <a:schemeClr val="accent1"/>
-          </a:effectRef>
-          <a:fontRef idx="minor">
-            <a:schemeClr val="lt1"/>
-          </a:fontRef>
-        </p:style>
-        <p:txBody>
-          <a:bodyPr rtlCol="0" anchor="ctr"/>
-          <a:lstStyle/>
-          <a:p>
-            <a:pPr algn="ctr"/>
-            <a:endParaRPr lang="en-US"/>
-          </a:p>
-        </p:txBody>
-      </p:sp>
-      <p:sp>
-        <p:nvSpPr>
-          <p:cNvPr id="4" name="Rectangle 62"/>
-          <p:cNvSpPr/>
-          <p:nvPr/>
-        </p:nvSpPr>
-        <p:spPr>
-          <a:xfrm flipH="1">
-            <a:off x="1964269" y="2191178"/>
-            <a:ext cx="609602" cy="1294917"/>
-          </a:xfrm>
-          <a:prstGeom prst="roundRect">
-            <a:avLst/>
-          </a:prstGeom>
-          <a:solidFill>
-            <a:srgbClr val="00B050"/>
-          </a:solidFill>
-          <a:ln w="19050">
-            <a:solidFill>
-              <a:srgbClr val="00B050"/>
-            </a:solidFill>
-          </a:ln>
-          <a:effectLst/>
-        </p:spPr>
-        <p:style>
-          <a:lnRef idx="1">
-            <a:schemeClr val="accent2"/>
-          </a:lnRef>
-          <a:fillRef idx="2">
-            <a:schemeClr val="accent2"/>
-          </a:fillRef>
-          <a:effectRef idx="1">
-            <a:schemeClr val="accent2"/>
-          </a:effectRef>
-          <a:fontRef idx="minor">
-            <a:schemeClr val="dk1"/>
-          </a:fontRef>
-        </p:style>
-        <p:txBody>
-          <a:bodyPr rtlCol="0" anchor="ctr"/>
-          <a:lstStyle/>
-          <a:p>
-            <a:pPr algn="ctr"/>
-            <a:r>
-              <a:rPr lang="en-US" sz="1600" dirty="0">
-                <a:solidFill>
-                  <a:schemeClr val="bg1"/>
-                </a:solidFill>
-              </a:rPr>
-              <a:t>UI</a:t>
-            </a:r>
-            <a:endParaRPr lang="en-SG" sz="1600" dirty="0">
-              <a:solidFill>
-                <a:schemeClr val="bg1"/>
-              </a:solidFill>
-            </a:endParaRPr>
-          </a:p>
-        </p:txBody>
-      </p:sp>
-      <p:sp>
-        <p:nvSpPr>
-          <p:cNvPr id="5" name="Rectangle 45"/>
-          <p:cNvSpPr/>
-          <p:nvPr/>
-        </p:nvSpPr>
-        <p:spPr>
-          <a:xfrm>
-            <a:off x="3412069" y="2191178"/>
-            <a:ext cx="1295400" cy="552022"/>
-          </a:xfrm>
-          <a:prstGeom prst="roundRect">
-            <a:avLst/>
-          </a:prstGeom>
-          <a:solidFill>
-            <a:srgbClr val="0070C0"/>
-          </a:solidFill>
-          <a:ln w="19050">
-            <a:solidFill>
-              <a:srgbClr val="0070C0"/>
-            </a:solidFill>
-          </a:ln>
-          <a:effectLst/>
-        </p:spPr>
-        <p:style>
-          <a:lnRef idx="1">
-            <a:schemeClr val="accent5"/>
-          </a:lnRef>
-          <a:fillRef idx="2">
-            <a:schemeClr val="accent5"/>
-          </a:fillRef>
-          <a:effectRef idx="1">
-            <a:schemeClr val="accent5"/>
-          </a:effectRef>
-          <a:fontRef idx="minor">
-            <a:schemeClr val="dk1"/>
-          </a:fontRef>
-        </p:style>
-        <p:txBody>
-          <a:bodyPr rtlCol="0" anchor="ctr"/>
-          <a:lstStyle/>
-          <a:p>
-            <a:pPr algn="ctr"/>
-            <a:r>
-              <a:rPr lang="en-US" sz="1600" dirty="0">
-                <a:solidFill>
-                  <a:schemeClr val="bg1"/>
-                </a:solidFill>
-              </a:rPr>
-              <a:t>Logic</a:t>
-            </a:r>
-            <a:endParaRPr lang="en-SG" sz="1600" dirty="0">
-              <a:solidFill>
-                <a:schemeClr val="bg1"/>
-              </a:solidFill>
-            </a:endParaRPr>
-          </a:p>
-        </p:txBody>
-      </p:sp>
-      <p:sp>
-        <p:nvSpPr>
-          <p:cNvPr id="6" name="Rectangle 45"/>
-          <p:cNvSpPr/>
-          <p:nvPr/>
-        </p:nvSpPr>
-        <p:spPr>
-          <a:xfrm>
-            <a:off x="3412069" y="3124200"/>
-            <a:ext cx="1295400" cy="723791"/>
-          </a:xfrm>
-          <a:prstGeom prst="roundRect">
-            <a:avLst/>
-          </a:prstGeom>
-          <a:solidFill>
-            <a:srgbClr val="7030A0"/>
-          </a:solidFill>
-          <a:ln w="19050">
-            <a:solidFill>
-              <a:srgbClr val="7030A0"/>
-            </a:solidFill>
-          </a:ln>
-          <a:effectLst/>
-        </p:spPr>
-        <p:style>
-          <a:lnRef idx="1">
-            <a:schemeClr val="accent5"/>
-          </a:lnRef>
-          <a:fillRef idx="2">
-            <a:schemeClr val="accent5"/>
-          </a:fillRef>
-          <a:effectRef idx="1">
-            <a:schemeClr val="accent5"/>
-          </a:effectRef>
-          <a:fontRef idx="minor">
-            <a:schemeClr val="dk1"/>
-          </a:fontRef>
-        </p:style>
-        <p:txBody>
-          <a:bodyPr rtlCol="0" anchor="ctr"/>
-          <a:lstStyle/>
-          <a:p>
-            <a:pPr algn="ctr"/>
-            <a:r>
-              <a:rPr lang="en-US" sz="1600" dirty="0">
-                <a:solidFill>
-                  <a:schemeClr val="bg1"/>
-                </a:solidFill>
-              </a:rPr>
-              <a:t>Model</a:t>
-            </a:r>
-            <a:endParaRPr lang="en-SG" sz="1600" dirty="0">
-              <a:solidFill>
-                <a:schemeClr val="bg1"/>
-              </a:solidFill>
-            </a:endParaRPr>
-          </a:p>
-        </p:txBody>
-      </p:sp>
-      <p:cxnSp>
-        <p:nvCxnSpPr>
-          <p:cNvPr id="7" name="Straight Arrow Connector 6"/>
-          <p:cNvCxnSpPr>
-            <a:endCxn id="5" idx="1"/>
-          </p:cNvCxnSpPr>
-          <p:nvPr/>
-        </p:nvCxnSpPr>
-        <p:spPr>
-          <a:xfrm>
-            <a:off x="2573871" y="2467189"/>
-            <a:ext cx="838198" cy="0"/>
-          </a:xfrm>
-          <a:prstGeom prst="straightConnector1">
-            <a:avLst/>
-          </a:prstGeom>
-          <a:ln w="28575">
-            <a:solidFill>
-              <a:srgbClr val="00B050"/>
-            </a:solidFill>
-            <a:tailEnd type="arrow"/>
-          </a:ln>
-        </p:spPr>
-        <p:style>
-          <a:lnRef idx="1">
-            <a:schemeClr val="accent1"/>
-          </a:lnRef>
-          <a:fillRef idx="0">
-            <a:schemeClr val="accent1"/>
-          </a:fillRef>
-          <a:effectRef idx="0">
-            <a:schemeClr val="accent1"/>
-          </a:effectRef>
-          <a:fontRef idx="minor">
-            <a:schemeClr val="tx1"/>
-          </a:fontRef>
-        </p:style>
-      </p:cxnSp>
-      <p:cxnSp>
-        <p:nvCxnSpPr>
-          <p:cNvPr id="8" name="Straight Arrow Connector 7"/>
-          <p:cNvCxnSpPr/>
-          <p:nvPr/>
-        </p:nvCxnSpPr>
-        <p:spPr>
-          <a:xfrm>
-            <a:off x="2569639" y="3276600"/>
-            <a:ext cx="838198" cy="0"/>
-          </a:xfrm>
-          <a:prstGeom prst="straightConnector1">
-            <a:avLst/>
-          </a:prstGeom>
-          <a:ln w="28575">
-            <a:solidFill>
-              <a:srgbClr val="00B050"/>
-            </a:solidFill>
-            <a:tailEnd type="arrow"/>
-          </a:ln>
-        </p:spPr>
-        <p:style>
-          <a:lnRef idx="1">
-            <a:schemeClr val="accent1"/>
-          </a:lnRef>
-          <a:fillRef idx="0">
-            <a:schemeClr val="accent1"/>
-          </a:fillRef>
-          <a:effectRef idx="0">
-            <a:schemeClr val="accent1"/>
-          </a:effectRef>
-          <a:fontRef idx="minor">
-            <a:schemeClr val="tx1"/>
-          </a:fontRef>
-        </p:style>
-      </p:cxnSp>
-      <p:cxnSp>
-        <p:nvCxnSpPr>
-          <p:cNvPr id="9" name="Straight Arrow Connector 8"/>
-          <p:cNvCxnSpPr/>
-          <p:nvPr/>
-        </p:nvCxnSpPr>
-        <p:spPr>
-          <a:xfrm flipV="1">
-            <a:off x="1636188" y="2939996"/>
-            <a:ext cx="273050" cy="1"/>
-          </a:xfrm>
-          <a:prstGeom prst="straightConnector1">
-            <a:avLst/>
-          </a:prstGeom>
-          <a:ln w="28575">
-            <a:solidFill>
-              <a:schemeClr val="tx1"/>
-            </a:solidFill>
-            <a:prstDash val="sysDot"/>
-            <a:tailEnd type="arrow"/>
-          </a:ln>
-        </p:spPr>
-        <p:style>
-          <a:lnRef idx="1">
-            <a:schemeClr val="accent1"/>
-          </a:lnRef>
-          <a:fillRef idx="0">
-            <a:schemeClr val="accent1"/>
-          </a:fillRef>
-          <a:effectRef idx="0">
-            <a:schemeClr val="accent1"/>
-          </a:effectRef>
-          <a:fontRef idx="minor">
-            <a:schemeClr val="tx1"/>
-          </a:fontRef>
-        </p:style>
-      </p:cxnSp>
-      <p:sp>
-        <p:nvSpPr>
-          <p:cNvPr id="10" name="Rectangle 11"/>
-          <p:cNvSpPr/>
-          <p:nvPr/>
-        </p:nvSpPr>
-        <p:spPr>
-          <a:xfrm flipH="1">
-            <a:off x="3581400" y="1676400"/>
-            <a:ext cx="1093635" cy="346760"/>
-          </a:xfrm>
-          <a:prstGeom prst="rect">
-            <a:avLst/>
-          </a:prstGeom>
-          <a:ln w="19050">
-            <a:solidFill>
-              <a:srgbClr val="0070C0"/>
-            </a:solidFill>
-          </a:ln>
-          <a:effectLst/>
-        </p:spPr>
-        <p:style>
-          <a:lnRef idx="1">
-            <a:schemeClr val="accent1"/>
-          </a:lnRef>
-          <a:fillRef idx="2">
-            <a:schemeClr val="accent1"/>
-          </a:fillRef>
-          <a:effectRef idx="1">
-            <a:schemeClr val="accent1"/>
-          </a:effectRef>
-          <a:fontRef idx="minor">
-            <a:schemeClr val="dk1"/>
-          </a:fontRef>
-        </p:style>
-        <p:txBody>
-          <a:bodyPr rtlCol="0" anchor="ctr"/>
-          <a:lstStyle/>
-          <a:p>
-            <a:pPr algn="ctr"/>
-            <a:r>
-              <a:rPr lang="en-US" sz="1050" b="1" dirty="0" err="1" smtClean="0">
-                <a:solidFill>
-                  <a:srgbClr val="0070C0"/>
-                </a:solidFill>
-              </a:rPr>
-              <a:t>configCommand</a:t>
-            </a:r>
-            <a:endParaRPr lang="en-SG" sz="1050" b="1" dirty="0">
-              <a:solidFill>
-                <a:srgbClr val="0070C0"/>
-              </a:solidFill>
-            </a:endParaRPr>
-          </a:p>
-        </p:txBody>
-      </p:sp>
-      <p:sp>
-        <p:nvSpPr>
-          <p:cNvPr id="11" name="Rectangle 11"/>
-          <p:cNvSpPr/>
-          <p:nvPr/>
-        </p:nvSpPr>
-        <p:spPr>
-          <a:xfrm flipH="1">
-            <a:off x="3581400" y="1219200"/>
-            <a:ext cx="1093635" cy="346760"/>
-          </a:xfrm>
-          <a:prstGeom prst="rect">
-            <a:avLst/>
-          </a:prstGeom>
-          <a:ln w="19050">
-            <a:solidFill>
-              <a:srgbClr val="0070C0"/>
-            </a:solidFill>
-          </a:ln>
-          <a:effectLst/>
-        </p:spPr>
-        <p:style>
-          <a:lnRef idx="1">
-            <a:schemeClr val="accent1"/>
-          </a:lnRef>
-          <a:fillRef idx="2">
-            <a:schemeClr val="accent1"/>
-          </a:fillRef>
-          <a:effectRef idx="1">
-            <a:schemeClr val="accent1"/>
-          </a:effectRef>
-          <a:fontRef idx="minor">
-            <a:schemeClr val="dk1"/>
-          </a:fontRef>
-        </p:style>
-        <p:txBody>
-          <a:bodyPr rtlCol="0" anchor="ctr"/>
-          <a:lstStyle/>
-          <a:p>
-            <a:pPr algn="ctr"/>
-            <a:r>
-              <a:rPr lang="en-US" sz="1050" b="1" dirty="0" err="1" smtClean="0">
-                <a:solidFill>
-                  <a:srgbClr val="0070C0"/>
-                </a:solidFill>
-              </a:rPr>
-              <a:t>cdCommand</a:t>
-            </a:r>
-            <a:endParaRPr lang="en-SG" sz="1050" b="1" dirty="0">
-              <a:solidFill>
-                <a:srgbClr val="0070C0"/>
-              </a:solidFill>
-            </a:endParaRPr>
-          </a:p>
-        </p:txBody>
-      </p:sp>
-    </p:spTree>
-  </p:cSld>
-  <p:clrMapOvr>
-    <a:masterClrMapping/>
-  </p:clrMapOvr>
-</p:sld>
-</file>
-
 <file path=ppt/slides/slide2.xml><?xml version="1.0" encoding="utf-8"?>
 <p:sld xmlns:a="http://schemas.openxmlformats.org/drawingml/2006/main" xmlns:r="http://schemas.openxmlformats.org/officeDocument/2006/relationships" xmlns:p="http://schemas.openxmlformats.org/presentationml/2006/main">
   <p:cSld>
@@ -7248,7 +6720,7 @@
     </p:spTree>
     <p:extLst>
       <p:ext uri="{BB962C8B-B14F-4D97-AF65-F5344CB8AC3E}">
-        <p14:creationId xmlns:p14="http://schemas.microsoft.com/office/powerpoint/2010/main" xmlns="" val="1981432603"/>
+        <p14:creationId xmlns="" xmlns:p14="http://schemas.microsoft.com/office/powerpoint/2010/main" val="1981432603"/>
       </p:ext>
     </p:extLst>
   </p:cSld>
@@ -9871,7 +9343,7 @@
     </p:spTree>
     <p:extLst>
       <p:ext uri="{BB962C8B-B14F-4D97-AF65-F5344CB8AC3E}">
-        <p14:creationId xmlns:p14="http://schemas.microsoft.com/office/powerpoint/2010/main" xmlns="" val="1434580780"/>
+        <p14:creationId xmlns="" xmlns:p14="http://schemas.microsoft.com/office/powerpoint/2010/main" val="1434580780"/>
       </p:ext>
     </p:extLst>
   </p:cSld>
@@ -12058,7 +11530,7 @@
     </p:spTree>
     <p:extLst>
       <p:ext uri="{BB962C8B-B14F-4D97-AF65-F5344CB8AC3E}">
-        <p14:creationId xmlns:p14="http://schemas.microsoft.com/office/powerpoint/2010/main" xmlns="" val="4023378879"/>
+        <p14:creationId xmlns="" xmlns:p14="http://schemas.microsoft.com/office/powerpoint/2010/main" val="4023378879"/>
       </p:ext>
     </p:extLst>
   </p:cSld>
@@ -13854,7 +13326,7 @@
     </p:spTree>
     <p:extLst>
       <p:ext uri="{BB962C8B-B14F-4D97-AF65-F5344CB8AC3E}">
-        <p14:creationId xmlns:p14="http://schemas.microsoft.com/office/powerpoint/2010/main" xmlns="" val="363914971"/>
+        <p14:creationId xmlns="" xmlns:p14="http://schemas.microsoft.com/office/powerpoint/2010/main" val="363914971"/>
       </p:ext>
     </p:extLst>
   </p:cSld>
@@ -16096,7 +15568,7 @@
     </p:spTree>
     <p:extLst>
       <p:ext uri="{BB962C8B-B14F-4D97-AF65-F5344CB8AC3E}">
-        <p14:creationId xmlns:p14="http://schemas.microsoft.com/office/powerpoint/2010/main" xmlns="" val="2776882492"/>
+        <p14:creationId xmlns="" xmlns:p14="http://schemas.microsoft.com/office/powerpoint/2010/main" val="2776882492"/>
       </p:ext>
     </p:extLst>
   </p:cSld>
@@ -17768,12 +17240,28 @@
           <a:p>
             <a:pPr algn="ctr"/>
             <a:r>
-              <a:rPr lang="en-US" sz="1050" b="1" dirty="0" err="1">
+              <a:rPr lang="en-US" sz="1050" b="1" dirty="0" err="1" smtClean="0">
                 <a:solidFill>
                   <a:srgbClr val="0070C0"/>
                 </a:solidFill>
               </a:rPr>
-              <a:t>AddCommand</a:t>
+              <a:t>Config</a:t>
+            </a:r>
+            <a:endParaRPr lang="en-US" sz="1050" b="1" dirty="0" smtClean="0">
+              <a:solidFill>
+                <a:srgbClr val="0070C0"/>
+              </a:solidFill>
+            </a:endParaRPr>
+          </a:p>
+          <a:p>
+            <a:pPr algn="ctr"/>
+            <a:r>
+              <a:rPr lang="en-US" sz="1050" b="1" dirty="0" smtClean="0">
+                <a:solidFill>
+                  <a:srgbClr val="0070C0"/>
+                </a:solidFill>
+              </a:rPr>
+              <a:t>Command</a:t>
             </a:r>
             <a:endParaRPr lang="en-SG" sz="1050" b="1" dirty="0">
               <a:solidFill>
@@ -18694,7 +18182,7 @@
     </p:spTree>
     <p:extLst>
       <p:ext uri="{BB962C8B-B14F-4D97-AF65-F5344CB8AC3E}">
-        <p14:creationId xmlns:p14="http://schemas.microsoft.com/office/powerpoint/2010/main" xmlns="" val="599777654"/>
+        <p14:creationId xmlns="" xmlns:p14="http://schemas.microsoft.com/office/powerpoint/2010/main" val="599777654"/>
       </p:ext>
     </p:extLst>
   </p:cSld>
@@ -20591,7 +20079,7 @@
     </p:spTree>
     <p:extLst>
       <p:ext uri="{BB962C8B-B14F-4D97-AF65-F5344CB8AC3E}">
-        <p14:creationId xmlns:p14="http://schemas.microsoft.com/office/powerpoint/2010/main" xmlns="" val="3945898909"/>
+        <p14:creationId xmlns="" xmlns:p14="http://schemas.microsoft.com/office/powerpoint/2010/main" val="3945898909"/>
       </p:ext>
     </p:extLst>
   </p:cSld>
@@ -20633,8 +20121,8 @@
         </p:nvSpPr>
         <p:spPr>
           <a:xfrm>
-            <a:off x="1066800" y="1676400"/>
-            <a:ext cx="7490735" cy="3911600"/>
+            <a:off x="838200" y="1295400"/>
+            <a:ext cx="8686800" cy="4800600"/>
           </a:xfrm>
           <a:prstGeom prst="roundRect">
             <a:avLst>
@@ -21764,8 +21252,8 @@
         </p:nvSpPr>
         <p:spPr>
           <a:xfrm>
-            <a:off x="7120799" y="1895589"/>
-            <a:ext cx="708186" cy="346760"/>
+            <a:off x="6248400" y="2362200"/>
+            <a:ext cx="838200" cy="381000"/>
           </a:xfrm>
           <a:prstGeom prst="rect">
             <a:avLst/>
@@ -21820,8 +21308,8 @@
         </p:nvSpPr>
         <p:spPr>
           <a:xfrm>
-            <a:off x="5672547" y="2371497"/>
-            <a:ext cx="236048" cy="173380"/>
+            <a:off x="5638800" y="2362200"/>
+            <a:ext cx="304800" cy="228600"/>
           </a:xfrm>
           <a:prstGeom prst="flowChartDecision">
             <a:avLst/>
@@ -21867,12 +21355,14 @@
           <p:nvPr/>
         </p:nvCxnSpPr>
         <p:spPr>
-          <a:xfrm flipV="1">
-            <a:off x="5908595" y="2068969"/>
-            <a:ext cx="1212204" cy="389218"/>
+          <a:xfrm>
+            <a:off x="5943600" y="2476500"/>
+            <a:ext cx="304800" cy="76200"/>
           </a:xfrm>
           <a:prstGeom prst="bentConnector3">
-            <a:avLst/>
+            <a:avLst>
+              <a:gd name="adj1" fmla="val 50000"/>
+            </a:avLst>
           </a:prstGeom>
           <a:ln w="19050">
             <a:solidFill>
@@ -21977,7 +21467,7 @@
         </p:nvSpPr>
         <p:spPr>
           <a:xfrm>
-            <a:off x="7712396" y="2564238"/>
+            <a:off x="8534400" y="4800600"/>
             <a:ext cx="822003" cy="285783"/>
           </a:xfrm>
           <a:prstGeom prst="rect">
@@ -22080,7 +21570,7 @@
         </p:nvSpPr>
         <p:spPr>
           <a:xfrm>
-            <a:off x="7712396" y="2887216"/>
+            <a:off x="8534400" y="4343400"/>
             <a:ext cx="822003" cy="285783"/>
           </a:xfrm>
           <a:prstGeom prst="rect">
@@ -22113,7 +21603,7 @@
           <a:p>
             <a:pPr algn="ctr"/>
             <a:r>
-              <a:rPr lang="en-US" sz="1050" dirty="0" err="1">
+              <a:rPr lang="en-US" sz="1050" dirty="0" err="1" smtClean="0">
                 <a:solidFill>
                   <a:srgbClr val="7030A0"/>
                 </a:solidFill>
@@ -22140,10 +21630,12 @@
         <p:spPr>
           <a:xfrm>
             <a:off x="7275057" y="3685496"/>
-            <a:ext cx="437339" cy="340192"/>
+            <a:ext cx="1259343" cy="343596"/>
           </a:xfrm>
           <a:prstGeom prst="bentConnector3">
-            <a:avLst/>
+            <a:avLst>
+              <a:gd name="adj1" fmla="val 50000"/>
+            </a:avLst>
           </a:prstGeom>
           <a:ln w="19050">
             <a:solidFill>
@@ -22177,7 +21669,7 @@
         </p:nvSpPr>
         <p:spPr>
           <a:xfrm>
-            <a:off x="7712396" y="3210194"/>
+            <a:off x="8534400" y="3200400"/>
             <a:ext cx="822003" cy="285783"/>
           </a:xfrm>
           <a:prstGeom prst="rect">
@@ -22236,11 +21728,13 @@
         </p:nvCxnSpPr>
         <p:spPr>
           <a:xfrm flipV="1">
-            <a:off x="7275057" y="3353086"/>
-            <a:ext cx="437339" cy="332410"/>
+            <a:off x="7275057" y="3343292"/>
+            <a:ext cx="1259343" cy="342204"/>
           </a:xfrm>
           <a:prstGeom prst="bentConnector3">
-            <a:avLst/>
+            <a:avLst>
+              <a:gd name="adj1" fmla="val 50000"/>
+            </a:avLst>
           </a:prstGeom>
           <a:ln w="19050">
             <a:solidFill>
@@ -22274,7 +21768,7 @@
         </p:nvSpPr>
         <p:spPr>
           <a:xfrm>
-            <a:off x="7712396" y="3533171"/>
+            <a:off x="8534400" y="3581400"/>
             <a:ext cx="822003" cy="285783"/>
           </a:xfrm>
           <a:prstGeom prst="rect">
@@ -22332,12 +21826,14 @@
           <p:nvPr/>
         </p:nvCxnSpPr>
         <p:spPr>
-          <a:xfrm flipV="1">
-            <a:off x="7275057" y="3676063"/>
-            <a:ext cx="437339" cy="9433"/>
+          <a:xfrm>
+            <a:off x="7275057" y="3685496"/>
+            <a:ext cx="1259343" cy="38796"/>
           </a:xfrm>
           <a:prstGeom prst="bentConnector3">
-            <a:avLst/>
+            <a:avLst>
+              <a:gd name="adj1" fmla="val 50000"/>
+            </a:avLst>
           </a:prstGeom>
           <a:ln w="19050">
             <a:solidFill>
@@ -22532,9 +22028,9 @@
           <p:nvPr/>
         </p:nvSpPr>
         <p:spPr>
-          <a:xfrm rot="16200000">
-            <a:off x="6404335" y="4187465"/>
-            <a:ext cx="881018" cy="430887"/>
+          <a:xfrm>
+            <a:off x="5029200" y="4648200"/>
+            <a:ext cx="914400" cy="430887"/>
           </a:xfrm>
           <a:prstGeom prst="rect">
             <a:avLst/>
@@ -22687,100 +22183,13 @@
       </p:cxnSp>
       <p:sp>
         <p:nvSpPr>
-          <p:cNvPr id="65" name="Flowchart: Decision 96"/>
-          <p:cNvSpPr/>
-          <p:nvPr/>
-        </p:nvSpPr>
-        <p:spPr>
-          <a:xfrm rot="5400000">
-            <a:off x="7242566" y="2290535"/>
-            <a:ext cx="236048" cy="173380"/>
-          </a:xfrm>
-          <a:prstGeom prst="flowChartDecision">
-            <a:avLst/>
-          </a:prstGeom>
-          <a:noFill/>
-          <a:ln w="19050">
-            <a:solidFill>
-              <a:srgbClr val="7030A0"/>
-            </a:solidFill>
-          </a:ln>
-          <a:effectLst/>
-        </p:spPr>
-        <p:style>
-          <a:lnRef idx="1">
-            <a:schemeClr val="accent6"/>
-          </a:lnRef>
-          <a:fillRef idx="2">
-            <a:schemeClr val="accent6"/>
-          </a:fillRef>
-          <a:effectRef idx="1">
-            <a:schemeClr val="accent6"/>
-          </a:effectRef>
-          <a:fontRef idx="minor">
-            <a:schemeClr val="dk1"/>
-          </a:fontRef>
-        </p:style>
-        <p:txBody>
-          <a:bodyPr rtlCol="0" anchor="ctr"/>
-          <a:lstStyle/>
-          <a:p>
-            <a:pPr algn="ctr"/>
-            <a:endParaRPr lang="en-US" sz="1050"/>
-          </a:p>
-        </p:txBody>
-      </p:sp>
-      <p:cxnSp>
-        <p:nvCxnSpPr>
-          <p:cNvPr id="66" name="Elbow Connector 68"/>
-          <p:cNvCxnSpPr>
-            <a:stCxn id="65" idx="3"/>
-          </p:cNvCxnSpPr>
-          <p:nvPr/>
-        </p:nvCxnSpPr>
-        <p:spPr>
-          <a:xfrm rot="5400000">
-            <a:off x="6666226" y="2815255"/>
-            <a:ext cx="1014371" cy="374358"/>
-          </a:xfrm>
-          <a:prstGeom prst="bentConnector3">
-            <a:avLst>
-              <a:gd name="adj1" fmla="val 80781"/>
-            </a:avLst>
-          </a:prstGeom>
-          <a:ln w="19050">
-            <a:solidFill>
-              <a:srgbClr val="7030A0"/>
-            </a:solidFill>
-            <a:headEnd type="none" w="med" len="med"/>
-            <a:tailEnd type="arrow" w="med" len="med"/>
-          </a:ln>
-          <a:effectLst/>
-        </p:spPr>
-        <p:style>
-          <a:lnRef idx="1">
-            <a:schemeClr val="accent2"/>
-          </a:lnRef>
-          <a:fillRef idx="2">
-            <a:schemeClr val="accent2"/>
-          </a:fillRef>
-          <a:effectRef idx="1">
-            <a:schemeClr val="accent2"/>
-          </a:effectRef>
-          <a:fontRef idx="minor">
-            <a:schemeClr val="dk1"/>
-          </a:fontRef>
-        </p:style>
-      </p:cxnSp>
-      <p:sp>
-        <p:nvSpPr>
           <p:cNvPr id="87" name="Rectangle 8"/>
           <p:cNvSpPr/>
           <p:nvPr/>
         </p:nvSpPr>
         <p:spPr>
           <a:xfrm>
-            <a:off x="7712396" y="3882796"/>
+            <a:off x="8534400" y="3886200"/>
             <a:ext cx="822003" cy="285783"/>
           </a:xfrm>
           <a:prstGeom prst="rect">
@@ -22836,7 +22245,7 @@
         </p:nvSpPr>
         <p:spPr>
           <a:xfrm>
-            <a:off x="6248400" y="2514600"/>
+            <a:off x="7010400" y="4800600"/>
             <a:ext cx="708186" cy="346760"/>
           </a:xfrm>
           <a:prstGeom prst="rect">
@@ -22887,7 +22296,7 @@
         </p:nvSpPr>
         <p:spPr>
           <a:xfrm>
-            <a:off x="6124945" y="2897421"/>
+            <a:off x="7010400" y="4343400"/>
             <a:ext cx="708186" cy="346760"/>
           </a:xfrm>
           <a:prstGeom prst="rect">
@@ -22935,16 +22344,75 @@
           </a:p>
         </p:txBody>
       </p:sp>
+      <p:sp>
+        <p:nvSpPr>
+          <p:cNvPr id="176" name="Rectangle 8"/>
+          <p:cNvSpPr/>
+          <p:nvPr/>
+        </p:nvSpPr>
+        <p:spPr>
+          <a:xfrm>
+            <a:off x="7010400" y="5562600"/>
+            <a:ext cx="708186" cy="346760"/>
+          </a:xfrm>
+          <a:prstGeom prst="rect">
+            <a:avLst/>
+          </a:prstGeom>
+          <a:ln w="19050">
+            <a:solidFill>
+              <a:srgbClr val="7030A0"/>
+            </a:solidFill>
+          </a:ln>
+          <a:effectLst/>
+        </p:spPr>
+        <p:style>
+          <a:lnRef idx="1">
+            <a:schemeClr val="accent4"/>
+          </a:lnRef>
+          <a:fillRef idx="2">
+            <a:schemeClr val="accent4"/>
+          </a:fillRef>
+          <a:effectRef idx="1">
+            <a:schemeClr val="accent4"/>
+          </a:effectRef>
+          <a:fontRef idx="minor">
+            <a:schemeClr val="dk1"/>
+          </a:fontRef>
+        </p:style>
+        <p:txBody>
+          <a:bodyPr rtlCol="0" anchor="ctr"/>
+          <a:lstStyle/>
+          <a:p>
+            <a:pPr algn="ctr"/>
+            <a:r>
+              <a:rPr lang="en-SG" sz="1050" dirty="0" smtClean="0">
+                <a:solidFill>
+                  <a:srgbClr val="7030A0"/>
+                </a:solidFill>
+              </a:rPr>
+              <a:t>Block</a:t>
+            </a:r>
+            <a:endParaRPr lang="en-SG" sz="1050" dirty="0">
+              <a:solidFill>
+                <a:srgbClr val="7030A0"/>
+              </a:solidFill>
+            </a:endParaRPr>
+          </a:p>
+        </p:txBody>
+      </p:sp>
       <p:cxnSp>
         <p:nvCxnSpPr>
-          <p:cNvPr id="56" name="Straight Arrow Connector 55"/>
-          <p:cNvCxnSpPr/>
+          <p:cNvPr id="177" name="Straight Arrow Connector 176"/>
+          <p:cNvCxnSpPr>
+            <a:stCxn id="176" idx="0"/>
+            <a:endCxn id="90" idx="2"/>
+          </p:cNvCxnSpPr>
           <p:nvPr/>
         </p:nvCxnSpPr>
         <p:spPr>
           <a:xfrm flipV="1">
-            <a:off x="6514697" y="3239846"/>
-            <a:ext cx="0" cy="265354"/>
+            <a:off x="7364493" y="5147360"/>
+            <a:ext cx="0" cy="415240"/>
           </a:xfrm>
           <a:prstGeom prst="straightConnector1">
             <a:avLst/>
@@ -22976,14 +22444,17 @@
       </p:cxnSp>
       <p:cxnSp>
         <p:nvCxnSpPr>
-          <p:cNvPr id="94" name="Straight Arrow Connector 93"/>
-          <p:cNvCxnSpPr/>
+          <p:cNvPr id="216" name="Straight Arrow Connector 215"/>
+          <p:cNvCxnSpPr>
+            <a:stCxn id="62" idx="0"/>
+            <a:endCxn id="67" idx="2"/>
+          </p:cNvCxnSpPr>
           <p:nvPr/>
         </p:nvCxnSpPr>
         <p:spPr>
-          <a:xfrm flipV="1">
-            <a:off x="6906208" y="2847371"/>
-            <a:ext cx="0" cy="657829"/>
+          <a:xfrm flipH="1" flipV="1">
+            <a:off x="6667500" y="2743200"/>
+            <a:ext cx="270" cy="766420"/>
           </a:xfrm>
           <a:prstGeom prst="straightConnector1">
             <a:avLst/>
@@ -22992,7 +22463,7 @@
             <a:solidFill>
               <a:srgbClr val="7030A0"/>
             </a:solidFill>
-            <a:prstDash val="solid"/>
+            <a:prstDash val="sysDot"/>
             <a:headEnd type="none" w="med" len="med"/>
             <a:tailEnd type="arrow" w="med" len="med"/>
           </a:ln>
@@ -23013,15 +22484,95 @@
           </a:fontRef>
         </p:style>
       </p:cxnSp>
-      <p:sp>
-        <p:nvSpPr>
-          <p:cNvPr id="101" name="Flowchart: Decision 96"/>
+      <p:cxnSp>
+        <p:nvCxnSpPr>
+          <p:cNvPr id="230" name="Elbow Connector 229"/>
+          <p:cNvCxnSpPr>
+            <a:stCxn id="90" idx="1"/>
+          </p:cNvCxnSpPr>
+          <p:nvPr/>
+        </p:nvCxnSpPr>
+        <p:spPr>
+          <a:xfrm rot="10800000">
+            <a:off x="6781800" y="3886200"/>
+            <a:ext cx="228600" cy="1087780"/>
+          </a:xfrm>
+          <a:prstGeom prst="bentConnector2">
+            <a:avLst/>
+          </a:prstGeom>
+          <a:ln w="19050">
+            <a:solidFill>
+              <a:srgbClr val="7030A0"/>
+            </a:solidFill>
+            <a:headEnd type="none" w="med" len="med"/>
+            <a:tailEnd type="arrow" w="med" len="med"/>
+          </a:ln>
+          <a:effectLst/>
+        </p:spPr>
+        <p:style>
+          <a:lnRef idx="1">
+            <a:schemeClr val="accent2"/>
+          </a:lnRef>
+          <a:fillRef idx="2">
+            <a:schemeClr val="accent2"/>
+          </a:fillRef>
+          <a:effectRef idx="1">
+            <a:schemeClr val="accent2"/>
+          </a:effectRef>
+          <a:fontRef idx="minor">
+            <a:schemeClr val="dk1"/>
+          </a:fontRef>
+        </p:style>
+      </p:cxnSp>
+      <p:cxnSp>
+        <p:nvCxnSpPr>
+          <p:cNvPr id="233" name="Elbow Connector 229"/>
+          <p:cNvCxnSpPr>
+            <a:stCxn id="91" idx="1"/>
+          </p:cNvCxnSpPr>
+          <p:nvPr/>
+        </p:nvCxnSpPr>
+        <p:spPr>
+          <a:xfrm rot="10800000">
+            <a:off x="6781800" y="3886200"/>
+            <a:ext cx="228600" cy="630580"/>
+          </a:xfrm>
+          <a:prstGeom prst="bentConnector2">
+            <a:avLst/>
+          </a:prstGeom>
+          <a:ln w="19050">
+            <a:solidFill>
+              <a:srgbClr val="7030A0"/>
+            </a:solidFill>
+            <a:headEnd type="none" w="med" len="med"/>
+            <a:tailEnd type="arrow" w="med" len="med"/>
+          </a:ln>
+          <a:effectLst/>
+        </p:spPr>
+        <p:style>
+          <a:lnRef idx="1">
+            <a:schemeClr val="accent2"/>
+          </a:lnRef>
+          <a:fillRef idx="2">
+            <a:schemeClr val="accent2"/>
+          </a:fillRef>
+          <a:effectRef idx="1">
+            <a:schemeClr val="accent2"/>
+          </a:effectRef>
+          <a:fontRef idx="minor">
+            <a:schemeClr val="dk1"/>
+          </a:fontRef>
+        </p:style>
+      </p:cxnSp>
+      <p:sp>
+        <p:nvSpPr>
+          <p:cNvPr id="244" name="Flowchart: Decision 96"/>
           <p:cNvSpPr/>
           <p:nvPr/>
         </p:nvSpPr>
         <p:spPr>
           <a:xfrm>
-            <a:off x="6858000" y="2997141"/>
+            <a:off x="7696200" y="4419600"/>
             <a:ext cx="236048" cy="173380"/>
           </a:xfrm>
           <a:prstGeom prst="flowChartDecision">
@@ -23060,54 +22611,15 @@
           </a:p>
         </p:txBody>
       </p:sp>
-      <p:cxnSp>
-        <p:nvCxnSpPr>
-          <p:cNvPr id="102" name="Straight Arrow Connector 101"/>
-          <p:cNvCxnSpPr/>
-          <p:nvPr/>
-        </p:nvCxnSpPr>
-        <p:spPr>
-          <a:xfrm flipV="1">
-            <a:off x="7094048" y="3083831"/>
-            <a:ext cx="621792" cy="1"/>
-          </a:xfrm>
-          <a:prstGeom prst="straightConnector1">
-            <a:avLst/>
-          </a:prstGeom>
-          <a:ln w="19050">
-            <a:solidFill>
-              <a:srgbClr val="7030A0"/>
-            </a:solidFill>
-            <a:prstDash val="solid"/>
-            <a:headEnd type="none" w="med" len="med"/>
-            <a:tailEnd type="arrow" w="med" len="med"/>
-          </a:ln>
-          <a:effectLst/>
-        </p:spPr>
-        <p:style>
-          <a:lnRef idx="1">
-            <a:schemeClr val="accent2"/>
-          </a:lnRef>
-          <a:fillRef idx="2">
-            <a:schemeClr val="accent2"/>
-          </a:fillRef>
-          <a:effectRef idx="1">
-            <a:schemeClr val="accent2"/>
-          </a:effectRef>
-          <a:fontRef idx="minor">
-            <a:schemeClr val="dk1"/>
-          </a:fontRef>
-        </p:style>
-      </p:cxnSp>
-      <p:sp>
-        <p:nvSpPr>
-          <p:cNvPr id="104" name="Flowchart: Decision 96"/>
+      <p:sp>
+        <p:nvSpPr>
+          <p:cNvPr id="245" name="Flowchart: Decision 96"/>
           <p:cNvSpPr/>
           <p:nvPr/>
         </p:nvSpPr>
         <p:spPr>
           <a:xfrm>
-            <a:off x="6997376" y="2601248"/>
+            <a:off x="7696200" y="4876800"/>
             <a:ext cx="236048" cy="173380"/>
           </a:xfrm>
           <a:prstGeom prst="flowChartDecision">
@@ -23148,23 +22660,24 @@
       </p:sp>
       <p:cxnSp>
         <p:nvCxnSpPr>
-          <p:cNvPr id="105" name="Straight Arrow Connector 104"/>
+          <p:cNvPr id="246" name="Elbow Connector 245"/>
           <p:cNvCxnSpPr/>
           <p:nvPr/>
         </p:nvCxnSpPr>
         <p:spPr>
-          <a:xfrm flipV="1">
-            <a:off x="7094048" y="2687938"/>
-            <a:ext cx="621792" cy="1"/>
-          </a:xfrm>
-          <a:prstGeom prst="straightConnector1">
-            <a:avLst/>
+          <a:xfrm>
+            <a:off x="7884657" y="4495800"/>
+            <a:ext cx="649743" cy="12700"/>
+          </a:xfrm>
+          <a:prstGeom prst="bentConnector3">
+            <a:avLst>
+              <a:gd name="adj1" fmla="val 50000"/>
+            </a:avLst>
           </a:prstGeom>
           <a:ln w="19050">
             <a:solidFill>
               <a:srgbClr val="7030A0"/>
             </a:solidFill>
-            <a:prstDash val="solid"/>
             <a:headEnd type="none" w="med" len="med"/>
             <a:tailEnd type="arrow" w="med" len="med"/>
           </a:ln>
@@ -23187,16 +22700,160 @@
       </p:cxnSp>
       <p:cxnSp>
         <p:nvCxnSpPr>
-          <p:cNvPr id="108" name="Elbow Connector 83"/>
-          <p:cNvCxnSpPr/>
+          <p:cNvPr id="248" name="Elbow Connector 247"/>
+          <p:cNvCxnSpPr>
+            <a:endCxn id="76" idx="1"/>
+          </p:cNvCxnSpPr>
           <p:nvPr/>
         </p:nvCxnSpPr>
         <p:spPr>
-          <a:xfrm>
-            <a:off x="7267533" y="2687938"/>
-            <a:ext cx="444863" cy="274320"/>
+          <a:xfrm flipV="1">
+            <a:off x="7884657" y="4943492"/>
+            <a:ext cx="649743" cy="9508"/>
           </a:xfrm>
           <a:prstGeom prst="bentConnector3">
+            <a:avLst>
+              <a:gd name="adj1" fmla="val 50000"/>
+            </a:avLst>
+          </a:prstGeom>
+          <a:ln w="19050">
+            <a:solidFill>
+              <a:srgbClr val="7030A0"/>
+            </a:solidFill>
+            <a:headEnd type="none" w="med" len="med"/>
+            <a:tailEnd type="arrow" w="med" len="med"/>
+          </a:ln>
+          <a:effectLst/>
+        </p:spPr>
+        <p:style>
+          <a:lnRef idx="1">
+            <a:schemeClr val="accent2"/>
+          </a:lnRef>
+          <a:fillRef idx="2">
+            <a:schemeClr val="accent2"/>
+          </a:fillRef>
+          <a:effectRef idx="1">
+            <a:schemeClr val="accent2"/>
+          </a:effectRef>
+          <a:fontRef idx="minor">
+            <a:schemeClr val="dk1"/>
+          </a:fontRef>
+        </p:style>
+      </p:cxnSp>
+      <p:cxnSp>
+        <p:nvCxnSpPr>
+          <p:cNvPr id="250" name="Elbow Connector 249"/>
+          <p:cNvCxnSpPr>
+            <a:stCxn id="245" idx="2"/>
+            <a:endCxn id="80" idx="1"/>
+          </p:cNvCxnSpPr>
+          <p:nvPr/>
+        </p:nvCxnSpPr>
+        <p:spPr>
+          <a:xfrm rot="5400000" flipH="1" flipV="1">
+            <a:off x="7892368" y="4408148"/>
+            <a:ext cx="563888" cy="720176"/>
+          </a:xfrm>
+          <a:prstGeom prst="bentConnector4">
+            <a:avLst>
+              <a:gd name="adj1" fmla="val -40540"/>
+              <a:gd name="adj2" fmla="val 58194"/>
+            </a:avLst>
+          </a:prstGeom>
+          <a:ln w="19050">
+            <a:solidFill>
+              <a:srgbClr val="7030A0"/>
+            </a:solidFill>
+            <a:headEnd type="none" w="med" len="med"/>
+            <a:tailEnd type="arrow" w="med" len="med"/>
+          </a:ln>
+          <a:effectLst/>
+        </p:spPr>
+        <p:style>
+          <a:lnRef idx="1">
+            <a:schemeClr val="accent2"/>
+          </a:lnRef>
+          <a:fillRef idx="2">
+            <a:schemeClr val="accent2"/>
+          </a:fillRef>
+          <a:effectRef idx="1">
+            <a:schemeClr val="accent2"/>
+          </a:effectRef>
+          <a:fontRef idx="minor">
+            <a:schemeClr val="dk1"/>
+          </a:fontRef>
+        </p:style>
+      </p:cxnSp>
+      <p:sp>
+        <p:nvSpPr>
+          <p:cNvPr id="256" name="Rectangle 8"/>
+          <p:cNvSpPr/>
+          <p:nvPr/>
+        </p:nvSpPr>
+        <p:spPr>
+          <a:xfrm>
+            <a:off x="8534400" y="2743200"/>
+            <a:ext cx="822003" cy="285783"/>
+          </a:xfrm>
+          <a:prstGeom prst="rect">
+            <a:avLst/>
+          </a:prstGeom>
+          <a:ln w="19050">
+            <a:solidFill>
+              <a:srgbClr val="7030A0"/>
+            </a:solidFill>
+          </a:ln>
+          <a:effectLst/>
+        </p:spPr>
+        <p:style>
+          <a:lnRef idx="1">
+            <a:schemeClr val="accent4"/>
+          </a:lnRef>
+          <a:fillRef idx="2">
+            <a:schemeClr val="accent4"/>
+          </a:fillRef>
+          <a:effectRef idx="1">
+            <a:schemeClr val="accent4"/>
+          </a:effectRef>
+          <a:fontRef idx="minor">
+            <a:schemeClr val="dk1"/>
+          </a:fontRef>
+        </p:style>
+        <p:txBody>
+          <a:bodyPr rtlCol="0" anchor="ctr"/>
+          <a:lstStyle/>
+          <a:p>
+            <a:pPr algn="ctr"/>
+            <a:r>
+              <a:rPr lang="en-US" sz="1050" dirty="0" err="1" smtClean="0">
+                <a:solidFill>
+                  <a:srgbClr val="7030A0"/>
+                </a:solidFill>
+              </a:rPr>
+              <a:t>DoneStatus</a:t>
+            </a:r>
+            <a:endParaRPr lang="en-SG" sz="1050" dirty="0">
+              <a:solidFill>
+                <a:srgbClr val="7030A0"/>
+              </a:solidFill>
+            </a:endParaRPr>
+          </a:p>
+        </p:txBody>
+      </p:sp>
+      <p:cxnSp>
+        <p:nvCxnSpPr>
+          <p:cNvPr id="257" name="Elbow Connector 256"/>
+          <p:cNvCxnSpPr>
+            <a:endCxn id="256" idx="1"/>
+          </p:cNvCxnSpPr>
+          <p:nvPr/>
+        </p:nvCxnSpPr>
+        <p:spPr>
+          <a:xfrm rot="5400000" flipH="1" flipV="1">
+            <a:off x="7843846" y="2967046"/>
+            <a:ext cx="771508" cy="609600"/>
+          </a:xfrm>
+          <a:prstGeom prst="bentConnector2">
             <a:avLst/>
           </a:prstGeom>
           <a:ln w="19050">
@@ -23226,7 +22883,7 @@
     </p:spTree>
     <p:extLst>
       <p:ext uri="{BB962C8B-B14F-4D97-AF65-F5344CB8AC3E}">
-        <p14:creationId xmlns:p14="http://schemas.microsoft.com/office/powerpoint/2010/main" xmlns="" val="2396968029"/>
+        <p14:creationId xmlns="" xmlns:p14="http://schemas.microsoft.com/office/powerpoint/2010/main" val="2396968029"/>
       </p:ext>
     </p:extLst>
   </p:cSld>

--- a/docs/diagrams/Diagrams.pptx
+++ b/docs/diagrams/Diagrams.pptx
@@ -119,7 +119,7 @@
   </p:defaultTextStyle>
   <p:extLst>
     <p:ext uri="{EFAFB233-063F-42B5-8137-9DF3F51BA10A}">
-      <p15:sldGuideLst xmlns="" xmlns:p15="http://schemas.microsoft.com/office/powerpoint/2012/main">
+      <p15:sldGuideLst xmlns:p15="http://schemas.microsoft.com/office/powerpoint/2012/main">
         <p15:guide id="1" orient="horz" pos="1488">
           <p15:clr>
             <a:srgbClr val="A4A3A4"/>
@@ -219,7 +219,7 @@
             <a:fld id="{F5CC4B3F-88C1-4FFA-B1B6-F41C21DC6924}" type="datetimeFigureOut">
               <a:rPr lang="en-US" smtClean="0"/>
               <a:pPr/>
-              <a:t>11/4/2016</a:t>
+              <a:t>11/5/2016</a:t>
             </a:fld>
             <a:endParaRPr lang="en-US"/>
           </a:p>
@@ -387,7 +387,7 @@
     </p:spTree>
     <p:extLst>
       <p:ext uri="{BB962C8B-B14F-4D97-AF65-F5344CB8AC3E}">
-        <p14:creationId xmlns="" xmlns:p14="http://schemas.microsoft.com/office/powerpoint/2010/main" val="2023976206"/>
+        <p14:creationId xmlns:p14="http://schemas.microsoft.com/office/powerpoint/2010/main" val="2023976206"/>
       </p:ext>
     </p:extLst>
   </p:cSld>
@@ -566,7 +566,7 @@
     </p:spTree>
     <p:extLst>
       <p:ext uri="{BB962C8B-B14F-4D97-AF65-F5344CB8AC3E}">
-        <p14:creationId xmlns="" xmlns:p14="http://schemas.microsoft.com/office/powerpoint/2010/main" val="1791593621"/>
+        <p14:creationId xmlns:p14="http://schemas.microsoft.com/office/powerpoint/2010/main" val="1791593621"/>
       </p:ext>
     </p:extLst>
   </p:cSld>
@@ -756,7 +756,7 @@
             <a:fld id="{78C97017-6FC3-485B-9764-EAC9E56C1D49}" type="datetimeFigureOut">
               <a:rPr lang="en-US" smtClean="0"/>
               <a:pPr/>
-              <a:t>11/4/2016</a:t>
+              <a:t>11/5/2016</a:t>
             </a:fld>
             <a:endParaRPr lang="en-US"/>
           </a:p>
@@ -808,7 +808,7 @@
     </p:spTree>
     <p:extLst>
       <p:ext uri="{BB962C8B-B14F-4D97-AF65-F5344CB8AC3E}">
-        <p14:creationId xmlns="" xmlns:p14="http://schemas.microsoft.com/office/powerpoint/2010/main" val="3246593157"/>
+        <p14:creationId xmlns:p14="http://schemas.microsoft.com/office/powerpoint/2010/main" val="3246593157"/>
       </p:ext>
     </p:extLst>
   </p:cSld>
@@ -926,7 +926,7 @@
             <a:fld id="{78C97017-6FC3-485B-9764-EAC9E56C1D49}" type="datetimeFigureOut">
               <a:rPr lang="en-US" smtClean="0"/>
               <a:pPr/>
-              <a:t>11/4/2016</a:t>
+              <a:t>11/5/2016</a:t>
             </a:fld>
             <a:endParaRPr lang="en-US"/>
           </a:p>
@@ -978,7 +978,7 @@
     </p:spTree>
     <p:extLst>
       <p:ext uri="{BB962C8B-B14F-4D97-AF65-F5344CB8AC3E}">
-        <p14:creationId xmlns="" xmlns:p14="http://schemas.microsoft.com/office/powerpoint/2010/main" val="2707025021"/>
+        <p14:creationId xmlns:p14="http://schemas.microsoft.com/office/powerpoint/2010/main" val="2707025021"/>
       </p:ext>
     </p:extLst>
   </p:cSld>
@@ -1106,7 +1106,7 @@
             <a:fld id="{78C97017-6FC3-485B-9764-EAC9E56C1D49}" type="datetimeFigureOut">
               <a:rPr lang="en-US" smtClean="0"/>
               <a:pPr/>
-              <a:t>11/4/2016</a:t>
+              <a:t>11/5/2016</a:t>
             </a:fld>
             <a:endParaRPr lang="en-US"/>
           </a:p>
@@ -1158,7 +1158,7 @@
     </p:spTree>
     <p:extLst>
       <p:ext uri="{BB962C8B-B14F-4D97-AF65-F5344CB8AC3E}">
-        <p14:creationId xmlns="" xmlns:p14="http://schemas.microsoft.com/office/powerpoint/2010/main" val="568378986"/>
+        <p14:creationId xmlns:p14="http://schemas.microsoft.com/office/powerpoint/2010/main" val="568378986"/>
       </p:ext>
     </p:extLst>
   </p:cSld>
@@ -1276,7 +1276,7 @@
             <a:fld id="{78C97017-6FC3-485B-9764-EAC9E56C1D49}" type="datetimeFigureOut">
               <a:rPr lang="en-US" smtClean="0"/>
               <a:pPr/>
-              <a:t>11/4/2016</a:t>
+              <a:t>11/5/2016</a:t>
             </a:fld>
             <a:endParaRPr lang="en-US"/>
           </a:p>
@@ -1328,7 +1328,7 @@
     </p:spTree>
     <p:extLst>
       <p:ext uri="{BB962C8B-B14F-4D97-AF65-F5344CB8AC3E}">
-        <p14:creationId xmlns="" xmlns:p14="http://schemas.microsoft.com/office/powerpoint/2010/main" val="266658052"/>
+        <p14:creationId xmlns:p14="http://schemas.microsoft.com/office/powerpoint/2010/main" val="266658052"/>
       </p:ext>
     </p:extLst>
   </p:cSld>
@@ -1523,7 +1523,7 @@
             <a:fld id="{78C97017-6FC3-485B-9764-EAC9E56C1D49}" type="datetimeFigureOut">
               <a:rPr lang="en-US" smtClean="0"/>
               <a:pPr/>
-              <a:t>11/4/2016</a:t>
+              <a:t>11/5/2016</a:t>
             </a:fld>
             <a:endParaRPr lang="en-US"/>
           </a:p>
@@ -1575,7 +1575,7 @@
     </p:spTree>
     <p:extLst>
       <p:ext uri="{BB962C8B-B14F-4D97-AF65-F5344CB8AC3E}">
-        <p14:creationId xmlns="" xmlns:p14="http://schemas.microsoft.com/office/powerpoint/2010/main" val="474686344"/>
+        <p14:creationId xmlns:p14="http://schemas.microsoft.com/office/powerpoint/2010/main" val="474686344"/>
       </p:ext>
     </p:extLst>
   </p:cSld>
@@ -1810,7 +1810,7 @@
             <a:fld id="{78C97017-6FC3-485B-9764-EAC9E56C1D49}" type="datetimeFigureOut">
               <a:rPr lang="en-US" smtClean="0"/>
               <a:pPr/>
-              <a:t>11/4/2016</a:t>
+              <a:t>11/5/2016</a:t>
             </a:fld>
             <a:endParaRPr lang="en-US"/>
           </a:p>
@@ -1862,7 +1862,7 @@
     </p:spTree>
     <p:extLst>
       <p:ext uri="{BB962C8B-B14F-4D97-AF65-F5344CB8AC3E}">
-        <p14:creationId xmlns="" xmlns:p14="http://schemas.microsoft.com/office/powerpoint/2010/main" val="562293251"/>
+        <p14:creationId xmlns:p14="http://schemas.microsoft.com/office/powerpoint/2010/main" val="562293251"/>
       </p:ext>
     </p:extLst>
   </p:cSld>
@@ -2231,7 +2231,7 @@
             <a:fld id="{78C97017-6FC3-485B-9764-EAC9E56C1D49}" type="datetimeFigureOut">
               <a:rPr lang="en-US" smtClean="0"/>
               <a:pPr/>
-              <a:t>11/4/2016</a:t>
+              <a:t>11/5/2016</a:t>
             </a:fld>
             <a:endParaRPr lang="en-US"/>
           </a:p>
@@ -2283,7 +2283,7 @@
     </p:spTree>
     <p:extLst>
       <p:ext uri="{BB962C8B-B14F-4D97-AF65-F5344CB8AC3E}">
-        <p14:creationId xmlns="" xmlns:p14="http://schemas.microsoft.com/office/powerpoint/2010/main" val="1126424250"/>
+        <p14:creationId xmlns:p14="http://schemas.microsoft.com/office/powerpoint/2010/main" val="1126424250"/>
       </p:ext>
     </p:extLst>
   </p:cSld>
@@ -2350,7 +2350,7 @@
             <a:fld id="{78C97017-6FC3-485B-9764-EAC9E56C1D49}" type="datetimeFigureOut">
               <a:rPr lang="en-US" smtClean="0"/>
               <a:pPr/>
-              <a:t>11/4/2016</a:t>
+              <a:t>11/5/2016</a:t>
             </a:fld>
             <a:endParaRPr lang="en-US"/>
           </a:p>
@@ -2402,7 +2402,7 @@
     </p:spTree>
     <p:extLst>
       <p:ext uri="{BB962C8B-B14F-4D97-AF65-F5344CB8AC3E}">
-        <p14:creationId xmlns="" xmlns:p14="http://schemas.microsoft.com/office/powerpoint/2010/main" val="4159724230"/>
+        <p14:creationId xmlns:p14="http://schemas.microsoft.com/office/powerpoint/2010/main" val="4159724230"/>
       </p:ext>
     </p:extLst>
   </p:cSld>
@@ -2447,7 +2447,7 @@
             <a:fld id="{78C97017-6FC3-485B-9764-EAC9E56C1D49}" type="datetimeFigureOut">
               <a:rPr lang="en-US" smtClean="0"/>
               <a:pPr/>
-              <a:t>11/4/2016</a:t>
+              <a:t>11/5/2016</a:t>
             </a:fld>
             <a:endParaRPr lang="en-US"/>
           </a:p>
@@ -2499,7 +2499,7 @@
     </p:spTree>
     <p:extLst>
       <p:ext uri="{BB962C8B-B14F-4D97-AF65-F5344CB8AC3E}">
-        <p14:creationId xmlns="" xmlns:p14="http://schemas.microsoft.com/office/powerpoint/2010/main" val="1793928710"/>
+        <p14:creationId xmlns:p14="http://schemas.microsoft.com/office/powerpoint/2010/main" val="1793928710"/>
       </p:ext>
     </p:extLst>
   </p:cSld>
@@ -2724,7 +2724,7 @@
             <a:fld id="{78C97017-6FC3-485B-9764-EAC9E56C1D49}" type="datetimeFigureOut">
               <a:rPr lang="en-US" smtClean="0"/>
               <a:pPr/>
-              <a:t>11/4/2016</a:t>
+              <a:t>11/5/2016</a:t>
             </a:fld>
             <a:endParaRPr lang="en-US"/>
           </a:p>
@@ -2776,7 +2776,7 @@
     </p:spTree>
     <p:extLst>
       <p:ext uri="{BB962C8B-B14F-4D97-AF65-F5344CB8AC3E}">
-        <p14:creationId xmlns="" xmlns:p14="http://schemas.microsoft.com/office/powerpoint/2010/main" val="2076802089"/>
+        <p14:creationId xmlns:p14="http://schemas.microsoft.com/office/powerpoint/2010/main" val="2076802089"/>
       </p:ext>
     </p:extLst>
   </p:cSld>
@@ -2978,7 +2978,7 @@
             <a:fld id="{78C97017-6FC3-485B-9764-EAC9E56C1D49}" type="datetimeFigureOut">
               <a:rPr lang="en-US" smtClean="0"/>
               <a:pPr/>
-              <a:t>11/4/2016</a:t>
+              <a:t>11/5/2016</a:t>
             </a:fld>
             <a:endParaRPr lang="en-US"/>
           </a:p>
@@ -3030,7 +3030,7 @@
     </p:spTree>
     <p:extLst>
       <p:ext uri="{BB962C8B-B14F-4D97-AF65-F5344CB8AC3E}">
-        <p14:creationId xmlns="" xmlns:p14="http://schemas.microsoft.com/office/powerpoint/2010/main" val="201835938"/>
+        <p14:creationId xmlns:p14="http://schemas.microsoft.com/office/powerpoint/2010/main" val="201835938"/>
       </p:ext>
     </p:extLst>
   </p:cSld>
@@ -3191,7 +3191,7 @@
             <a:fld id="{78C97017-6FC3-485B-9764-EAC9E56C1D49}" type="datetimeFigureOut">
               <a:rPr lang="en-US" smtClean="0"/>
               <a:pPr/>
-              <a:t>11/4/2016</a:t>
+              <a:t>11/5/2016</a:t>
             </a:fld>
             <a:endParaRPr lang="en-US"/>
           </a:p>
@@ -3279,7 +3279,7 @@
     </p:spTree>
     <p:extLst>
       <p:ext uri="{BB962C8B-B14F-4D97-AF65-F5344CB8AC3E}">
-        <p14:creationId xmlns="" xmlns:p14="http://schemas.microsoft.com/office/powerpoint/2010/main" val="2341400630"/>
+        <p14:creationId xmlns:p14="http://schemas.microsoft.com/office/powerpoint/2010/main" val="2341400630"/>
       </p:ext>
     </p:extLst>
   </p:cSld>
@@ -3618,7 +3618,7 @@
     </p:spTree>
     <p:extLst>
       <p:ext uri="{BB962C8B-B14F-4D97-AF65-F5344CB8AC3E}">
-        <p14:creationId xmlns="" xmlns:p14="http://schemas.microsoft.com/office/powerpoint/2010/main" val="2960930635"/>
+        <p14:creationId xmlns:p14="http://schemas.microsoft.com/office/powerpoint/2010/main" val="2960930635"/>
       </p:ext>
     </p:extLst>
   </p:cSld>
@@ -5040,13 +5040,20 @@
     </p:spTree>
     <p:extLst>
       <p:ext uri="{BB962C8B-B14F-4D97-AF65-F5344CB8AC3E}">
-        <p14:creationId xmlns="" xmlns:p14="http://schemas.microsoft.com/office/powerpoint/2010/main" val="1478832369"/>
+        <p14:creationId xmlns:p14="http://schemas.microsoft.com/office/powerpoint/2010/main" val="1478832369"/>
       </p:ext>
     </p:extLst>
   </p:cSld>
   <p:clrMapOvr>
     <a:masterClrMapping/>
   </p:clrMapOvr>
+  <p:timing>
+    <p:tnLst>
+      <p:par>
+        <p:cTn id="1" dur="indefinite" restart="never" nodeType="tmRoot"/>
+      </p:par>
+    </p:tnLst>
+  </p:timing>
 </p:sld>
 </file>
 
@@ -6720,7 +6727,7 @@
     </p:spTree>
     <p:extLst>
       <p:ext uri="{BB962C8B-B14F-4D97-AF65-F5344CB8AC3E}">
-        <p14:creationId xmlns="" xmlns:p14="http://schemas.microsoft.com/office/powerpoint/2010/main" val="1981432603"/>
+        <p14:creationId xmlns:p14="http://schemas.microsoft.com/office/powerpoint/2010/main" val="1981432603"/>
       </p:ext>
     </p:extLst>
   </p:cSld>
@@ -9343,7 +9350,7 @@
     </p:spTree>
     <p:extLst>
       <p:ext uri="{BB962C8B-B14F-4D97-AF65-F5344CB8AC3E}">
-        <p14:creationId xmlns="" xmlns:p14="http://schemas.microsoft.com/office/powerpoint/2010/main" val="1434580780"/>
+        <p14:creationId xmlns:p14="http://schemas.microsoft.com/office/powerpoint/2010/main" val="1434580780"/>
       </p:ext>
     </p:extLst>
   </p:cSld>
@@ -11530,7 +11537,7 @@
     </p:spTree>
     <p:extLst>
       <p:ext uri="{BB962C8B-B14F-4D97-AF65-F5344CB8AC3E}">
-        <p14:creationId xmlns="" xmlns:p14="http://schemas.microsoft.com/office/powerpoint/2010/main" val="4023378879"/>
+        <p14:creationId xmlns:p14="http://schemas.microsoft.com/office/powerpoint/2010/main" val="4023378879"/>
       </p:ext>
     </p:extLst>
   </p:cSld>
@@ -13326,7 +13333,7 @@
     </p:spTree>
     <p:extLst>
       <p:ext uri="{BB962C8B-B14F-4D97-AF65-F5344CB8AC3E}">
-        <p14:creationId xmlns="" xmlns:p14="http://schemas.microsoft.com/office/powerpoint/2010/main" val="363914971"/>
+        <p14:creationId xmlns:p14="http://schemas.microsoft.com/office/powerpoint/2010/main" val="363914971"/>
       </p:ext>
     </p:extLst>
   </p:cSld>
@@ -15568,7 +15575,7 @@
     </p:spTree>
     <p:extLst>
       <p:ext uri="{BB962C8B-B14F-4D97-AF65-F5344CB8AC3E}">
-        <p14:creationId xmlns="" xmlns:p14="http://schemas.microsoft.com/office/powerpoint/2010/main" val="2776882492"/>
+        <p14:creationId xmlns:p14="http://schemas.microsoft.com/office/powerpoint/2010/main" val="2776882492"/>
       </p:ext>
     </p:extLst>
   </p:cSld>
@@ -18182,7 +18189,7 @@
     </p:spTree>
     <p:extLst>
       <p:ext uri="{BB962C8B-B14F-4D97-AF65-F5344CB8AC3E}">
-        <p14:creationId xmlns="" xmlns:p14="http://schemas.microsoft.com/office/powerpoint/2010/main" val="599777654"/>
+        <p14:creationId xmlns:p14="http://schemas.microsoft.com/office/powerpoint/2010/main" val="599777654"/>
       </p:ext>
     </p:extLst>
   </p:cSld>
@@ -20079,7 +20086,7 @@
     </p:spTree>
     <p:extLst>
       <p:ext uri="{BB962C8B-B14F-4D97-AF65-F5344CB8AC3E}">
-        <p14:creationId xmlns="" xmlns:p14="http://schemas.microsoft.com/office/powerpoint/2010/main" val="3945898909"/>
+        <p14:creationId xmlns:p14="http://schemas.microsoft.com/office/powerpoint/2010/main" val="3945898909"/>
       </p:ext>
     </p:extLst>
   </p:cSld>
@@ -20121,7 +20128,7 @@
         </p:nvSpPr>
         <p:spPr>
           <a:xfrm>
-            <a:off x="838200" y="1295400"/>
+            <a:off x="228600" y="1295400"/>
             <a:ext cx="8686800" cy="4800600"/>
           </a:xfrm>
           <a:prstGeom prst="roundRect">
@@ -20182,7 +20189,7 @@
         </p:nvSpPr>
         <p:spPr>
           <a:xfrm>
-            <a:off x="2877180" y="3158440"/>
+            <a:off x="2267580" y="3158440"/>
             <a:ext cx="1093635" cy="346760"/>
           </a:xfrm>
           <a:prstGeom prst="rect">
@@ -20241,7 +20248,7 @@
         </p:nvSpPr>
         <p:spPr>
           <a:xfrm rot="16200000">
-            <a:off x="1683963" y="2868687"/>
+            <a:off x="1074363" y="2868687"/>
             <a:ext cx="1093635" cy="346760"/>
           </a:xfrm>
           <a:prstGeom prst="rect">
@@ -20302,7 +20309,7 @@
         </p:nvCxnSpPr>
         <p:spPr>
           <a:xfrm flipV="1">
-            <a:off x="5908596" y="3858658"/>
+            <a:off x="5298996" y="3858658"/>
             <a:ext cx="577381" cy="445174"/>
           </a:xfrm>
           <a:prstGeom prst="bentConnector3">
@@ -20346,7 +20353,7 @@
         </p:nvCxnSpPr>
         <p:spPr>
           <a:xfrm rot="16200000" flipH="1">
-            <a:off x="4315528" y="1504137"/>
+            <a:off x="3705928" y="1504137"/>
             <a:ext cx="267495" cy="4436989"/>
           </a:xfrm>
           <a:prstGeom prst="bentConnector3">
@@ -20387,7 +20394,7 @@
         </p:nvSpPr>
         <p:spPr>
           <a:xfrm rot="16200000">
-            <a:off x="956202" y="2861202"/>
+            <a:off x="346602" y="2861202"/>
             <a:ext cx="1093635" cy="346760"/>
           </a:xfrm>
           <a:prstGeom prst="rect">
@@ -20457,7 +20464,7 @@
         </p:nvSpPr>
         <p:spPr>
           <a:xfrm rot="16200000">
-            <a:off x="1626910" y="2952291"/>
+            <a:off x="1017310" y="2952291"/>
             <a:ext cx="270504" cy="175523"/>
           </a:xfrm>
           <a:prstGeom prst="triangle">
@@ -20507,7 +20514,7 @@
         </p:nvCxnSpPr>
         <p:spPr>
           <a:xfrm>
-            <a:off x="2656370" y="3326536"/>
+            <a:off x="2046770" y="3326536"/>
             <a:ext cx="220810" cy="5284"/>
           </a:xfrm>
           <a:prstGeom prst="straightConnector1">
@@ -20545,7 +20552,7 @@
         </p:nvSpPr>
         <p:spPr>
           <a:xfrm rot="5400000" flipV="1">
-            <a:off x="5685582" y="4216070"/>
+            <a:off x="5075982" y="4216070"/>
             <a:ext cx="270504" cy="175523"/>
           </a:xfrm>
           <a:prstGeom prst="triangle">
@@ -20596,7 +20603,7 @@
         </p:nvCxnSpPr>
         <p:spPr>
           <a:xfrm>
-            <a:off x="910091" y="3040053"/>
+            <a:off x="300491" y="3040053"/>
             <a:ext cx="419548" cy="2860"/>
           </a:xfrm>
           <a:prstGeom prst="bentConnector3">
@@ -20641,7 +20648,7 @@
         </p:nvCxnSpPr>
         <p:spPr>
           <a:xfrm flipV="1">
-            <a:off x="1849924" y="3040052"/>
+            <a:off x="1240324" y="3040052"/>
             <a:ext cx="216105" cy="1"/>
           </a:xfrm>
           <a:prstGeom prst="line">
@@ -20680,7 +20687,7 @@
         </p:nvSpPr>
         <p:spPr>
           <a:xfrm>
-            <a:off x="2420322" y="3239846"/>
+            <a:off x="1810722" y="3239846"/>
             <a:ext cx="236048" cy="173380"/>
           </a:xfrm>
           <a:prstGeom prst="flowChartDecision">
@@ -20725,7 +20732,7 @@
         </p:nvSpPr>
         <p:spPr>
           <a:xfrm>
-            <a:off x="2879490" y="2627420"/>
+            <a:off x="2269890" y="2627420"/>
             <a:ext cx="1093635" cy="346760"/>
           </a:xfrm>
           <a:prstGeom prst="rect">
@@ -20784,7 +20791,7 @@
         </p:nvCxnSpPr>
         <p:spPr>
           <a:xfrm>
-            <a:off x="2658680" y="2795516"/>
+            <a:off x="2049080" y="2795516"/>
             <a:ext cx="220810" cy="5284"/>
           </a:xfrm>
           <a:prstGeom prst="straightConnector1">
@@ -20822,7 +20829,7 @@
         </p:nvSpPr>
         <p:spPr>
           <a:xfrm>
-            <a:off x="2422632" y="2708826"/>
+            <a:off x="1813032" y="2708826"/>
             <a:ext cx="236048" cy="173380"/>
           </a:xfrm>
           <a:prstGeom prst="flowChartDecision">
@@ -20867,7 +20874,7 @@
         </p:nvSpPr>
         <p:spPr>
           <a:xfrm>
-            <a:off x="4487017" y="2847371"/>
+            <a:off x="3877417" y="2847371"/>
             <a:ext cx="1156969" cy="346760"/>
           </a:xfrm>
           <a:prstGeom prst="rect">
@@ -20923,7 +20930,7 @@
         </p:nvSpPr>
         <p:spPr>
           <a:xfrm>
-            <a:off x="3984303" y="2673991"/>
+            <a:off x="3374703" y="2673991"/>
             <a:ext cx="236048" cy="173380"/>
           </a:xfrm>
           <a:prstGeom prst="flowChartDecision">
@@ -20973,7 +20980,7 @@
         </p:nvCxnSpPr>
         <p:spPr>
           <a:xfrm>
-            <a:off x="4220351" y="2760681"/>
+            <a:off x="3610751" y="2760681"/>
             <a:ext cx="266666" cy="260070"/>
           </a:xfrm>
           <a:prstGeom prst="bentConnector3">
@@ -21011,7 +21018,7 @@
         </p:nvSpPr>
         <p:spPr>
           <a:xfrm>
-            <a:off x="4503204" y="2280569"/>
+            <a:off x="3893604" y="2280569"/>
             <a:ext cx="1156969" cy="346760"/>
           </a:xfrm>
           <a:prstGeom prst="rect">
@@ -21070,7 +21077,7 @@
         </p:nvCxnSpPr>
         <p:spPr>
           <a:xfrm flipV="1">
-            <a:off x="4220351" y="2453949"/>
+            <a:off x="3610751" y="2453949"/>
             <a:ext cx="282853" cy="306732"/>
           </a:xfrm>
           <a:prstGeom prst="bentConnector3">
@@ -21110,7 +21117,7 @@
         </p:nvSpPr>
         <p:spPr>
           <a:xfrm>
-            <a:off x="6313677" y="3509620"/>
+            <a:off x="5704077" y="3509620"/>
             <a:ext cx="708186" cy="346760"/>
           </a:xfrm>
           <a:prstGeom prst="rect">
@@ -21166,7 +21173,7 @@
         </p:nvSpPr>
         <p:spPr>
           <a:xfrm>
-            <a:off x="5643227" y="2943979"/>
+            <a:off x="5033627" y="2943979"/>
             <a:ext cx="236048" cy="173380"/>
           </a:xfrm>
           <a:prstGeom prst="flowChartDecision">
@@ -21214,7 +21221,7 @@
         </p:nvCxnSpPr>
         <p:spPr>
           <a:xfrm>
-            <a:off x="5879275" y="3030669"/>
+            <a:off x="5269675" y="3030669"/>
             <a:ext cx="434402" cy="652331"/>
           </a:xfrm>
           <a:prstGeom prst="bentConnector3">
@@ -21252,7 +21259,7 @@
         </p:nvSpPr>
         <p:spPr>
           <a:xfrm>
-            <a:off x="6248400" y="2362200"/>
+            <a:off x="5638800" y="2362200"/>
             <a:ext cx="838200" cy="381000"/>
           </a:xfrm>
           <a:prstGeom prst="rect">
@@ -21308,7 +21315,7 @@
         </p:nvSpPr>
         <p:spPr>
           <a:xfrm>
-            <a:off x="5638800" y="2362200"/>
+            <a:off x="5029200" y="2362200"/>
             <a:ext cx="304800" cy="228600"/>
           </a:xfrm>
           <a:prstGeom prst="flowChartDecision">
@@ -21356,7 +21363,7 @@
         </p:nvCxnSpPr>
         <p:spPr>
           <a:xfrm>
-            <a:off x="5943600" y="2476500"/>
+            <a:off x="5334000" y="2476500"/>
             <a:ext cx="304800" cy="76200"/>
           </a:xfrm>
           <a:prstGeom prst="bentConnector3">
@@ -21396,7 +21403,7 @@
         </p:nvSpPr>
         <p:spPr>
           <a:xfrm>
-            <a:off x="4532298" y="4130450"/>
+            <a:off x="3922698" y="4130450"/>
             <a:ext cx="1156969" cy="346760"/>
           </a:xfrm>
           <a:prstGeom prst="rect">
@@ -21467,7 +21474,7 @@
         </p:nvSpPr>
         <p:spPr>
           <a:xfrm>
-            <a:off x="8534400" y="4800600"/>
+            <a:off x="7924800" y="4800600"/>
             <a:ext cx="822003" cy="285783"/>
           </a:xfrm>
           <a:prstGeom prst="rect">
@@ -21523,7 +21530,7 @@
         </p:nvSpPr>
         <p:spPr>
           <a:xfrm>
-            <a:off x="7039009" y="3598806"/>
+            <a:off x="6429409" y="3598806"/>
             <a:ext cx="236048" cy="173380"/>
           </a:xfrm>
           <a:prstGeom prst="flowChartDecision">
@@ -21570,7 +21577,7 @@
         </p:nvSpPr>
         <p:spPr>
           <a:xfrm>
-            <a:off x="8534400" y="4343400"/>
+            <a:off x="7924800" y="4343400"/>
             <a:ext cx="822003" cy="285783"/>
           </a:xfrm>
           <a:prstGeom prst="rect">
@@ -21629,7 +21636,7 @@
         </p:nvCxnSpPr>
         <p:spPr>
           <a:xfrm>
-            <a:off x="7275057" y="3685496"/>
+            <a:off x="6665457" y="3685496"/>
             <a:ext cx="1259343" cy="343596"/>
           </a:xfrm>
           <a:prstGeom prst="bentConnector3">
@@ -21669,7 +21676,7 @@
         </p:nvSpPr>
         <p:spPr>
           <a:xfrm>
-            <a:off x="8534400" y="3200400"/>
+            <a:off x="7924800" y="3200400"/>
             <a:ext cx="822003" cy="285783"/>
           </a:xfrm>
           <a:prstGeom prst="rect">
@@ -21728,7 +21735,7 @@
         </p:nvCxnSpPr>
         <p:spPr>
           <a:xfrm flipV="1">
-            <a:off x="7275057" y="3343292"/>
+            <a:off x="6665457" y="3343292"/>
             <a:ext cx="1259343" cy="342204"/>
           </a:xfrm>
           <a:prstGeom prst="bentConnector3">
@@ -21768,7 +21775,7 @@
         </p:nvSpPr>
         <p:spPr>
           <a:xfrm>
-            <a:off x="8534400" y="3581400"/>
+            <a:off x="7924800" y="3581400"/>
             <a:ext cx="822003" cy="285783"/>
           </a:xfrm>
           <a:prstGeom prst="rect">
@@ -21827,7 +21834,7 @@
         </p:nvCxnSpPr>
         <p:spPr>
           <a:xfrm>
-            <a:off x="7275057" y="3685496"/>
+            <a:off x="6665457" y="3685496"/>
             <a:ext cx="1259343" cy="38796"/>
           </a:xfrm>
           <a:prstGeom prst="bentConnector3">
@@ -21869,7 +21876,7 @@
         </p:nvCxnSpPr>
         <p:spPr>
           <a:xfrm rot="16200000" flipH="1">
-            <a:off x="3279321" y="2485431"/>
+            <a:off x="2669721" y="2485431"/>
             <a:ext cx="293825" cy="1"/>
           </a:xfrm>
           <a:prstGeom prst="bentConnector3">
@@ -21910,7 +21917,7 @@
         </p:nvSpPr>
         <p:spPr>
           <a:xfrm rot="10800000" flipV="1">
-            <a:off x="3290981" y="2162997"/>
+            <a:off x="2681381" y="2162997"/>
             <a:ext cx="270504" cy="175523"/>
           </a:xfrm>
           <a:prstGeom prst="triangle">
@@ -21958,7 +21965,7 @@
         </p:nvSpPr>
         <p:spPr>
           <a:xfrm>
-            <a:off x="2660303" y="1806470"/>
+            <a:off x="2050703" y="1806470"/>
             <a:ext cx="1539926" cy="346760"/>
           </a:xfrm>
           <a:prstGeom prst="rect">
@@ -22029,7 +22036,7 @@
         </p:nvSpPr>
         <p:spPr>
           <a:xfrm>
-            <a:off x="5029200" y="4648200"/>
+            <a:off x="4419600" y="4648200"/>
             <a:ext cx="914400" cy="430887"/>
           </a:xfrm>
           <a:prstGeom prst="rect">
@@ -22076,7 +22083,7 @@
         </p:nvSpPr>
         <p:spPr>
           <a:xfrm>
-            <a:off x="2057400" y="4988194"/>
+            <a:off x="1447800" y="4988194"/>
             <a:ext cx="1775949" cy="346760"/>
           </a:xfrm>
           <a:prstGeom prst="rect">
@@ -22150,7 +22157,7 @@
         </p:nvCxnSpPr>
         <p:spPr>
           <a:xfrm rot="16200000" flipH="1">
-            <a:off x="990123" y="4094297"/>
+            <a:off x="380523" y="4094297"/>
             <a:ext cx="1580174" cy="554380"/>
           </a:xfrm>
           <a:prstGeom prst="bentConnector2">
@@ -22189,7 +22196,7 @@
         </p:nvSpPr>
         <p:spPr>
           <a:xfrm>
-            <a:off x="8534400" y="3886200"/>
+            <a:off x="7924800" y="3886200"/>
             <a:ext cx="822003" cy="285783"/>
           </a:xfrm>
           <a:prstGeom prst="rect">
@@ -22245,7 +22252,7 @@
         </p:nvSpPr>
         <p:spPr>
           <a:xfrm>
-            <a:off x="7010400" y="4800600"/>
+            <a:off x="6400800" y="4800600"/>
             <a:ext cx="708186" cy="346760"/>
           </a:xfrm>
           <a:prstGeom prst="rect">
@@ -22296,7 +22303,7 @@
         </p:nvSpPr>
         <p:spPr>
           <a:xfrm>
-            <a:off x="7010400" y="4343400"/>
+            <a:off x="6400800" y="4343400"/>
             <a:ext cx="708186" cy="346760"/>
           </a:xfrm>
           <a:prstGeom prst="rect">
@@ -22352,7 +22359,7 @@
         </p:nvSpPr>
         <p:spPr>
           <a:xfrm>
-            <a:off x="7010400" y="5562600"/>
+            <a:off x="6400800" y="5562600"/>
             <a:ext cx="708186" cy="346760"/>
           </a:xfrm>
           <a:prstGeom prst="rect">
@@ -22411,7 +22418,7 @@
         </p:nvCxnSpPr>
         <p:spPr>
           <a:xfrm flipV="1">
-            <a:off x="7364493" y="5147360"/>
+            <a:off x="6754893" y="5147360"/>
             <a:ext cx="0" cy="415240"/>
           </a:xfrm>
           <a:prstGeom prst="straightConnector1">
@@ -22453,7 +22460,7 @@
         </p:nvCxnSpPr>
         <p:spPr>
           <a:xfrm flipH="1" flipV="1">
-            <a:off x="6667500" y="2743200"/>
+            <a:off x="6057900" y="2743200"/>
             <a:ext cx="270" cy="766420"/>
           </a:xfrm>
           <a:prstGeom prst="straightConnector1">
@@ -22494,7 +22501,7 @@
         </p:nvCxnSpPr>
         <p:spPr>
           <a:xfrm rot="10800000">
-            <a:off x="6781800" y="3886200"/>
+            <a:off x="6172200" y="3886200"/>
             <a:ext cx="228600" cy="1087780"/>
           </a:xfrm>
           <a:prstGeom prst="bentConnector2">
@@ -22534,7 +22541,7 @@
         </p:nvCxnSpPr>
         <p:spPr>
           <a:xfrm rot="10800000">
-            <a:off x="6781800" y="3886200"/>
+            <a:off x="6172200" y="3886200"/>
             <a:ext cx="228600" cy="630580"/>
           </a:xfrm>
           <a:prstGeom prst="bentConnector2">
@@ -22572,7 +22579,7 @@
         </p:nvSpPr>
         <p:spPr>
           <a:xfrm>
-            <a:off x="7696200" y="4419600"/>
+            <a:off x="7086600" y="4419600"/>
             <a:ext cx="236048" cy="173380"/>
           </a:xfrm>
           <a:prstGeom prst="flowChartDecision">
@@ -22619,7 +22626,7 @@
         </p:nvSpPr>
         <p:spPr>
           <a:xfrm>
-            <a:off x="7696200" y="4876800"/>
+            <a:off x="7086600" y="4876800"/>
             <a:ext cx="236048" cy="173380"/>
           </a:xfrm>
           <a:prstGeom prst="flowChartDecision">
@@ -22666,7 +22673,7 @@
         </p:nvCxnSpPr>
         <p:spPr>
           <a:xfrm>
-            <a:off x="7884657" y="4495800"/>
+            <a:off x="7275057" y="4495800"/>
             <a:ext cx="649743" cy="12700"/>
           </a:xfrm>
           <a:prstGeom prst="bentConnector3">
@@ -22708,7 +22715,7 @@
         </p:nvCxnSpPr>
         <p:spPr>
           <a:xfrm flipV="1">
-            <a:off x="7884657" y="4943492"/>
+            <a:off x="7275057" y="4943492"/>
             <a:ext cx="649743" cy="9508"/>
           </a:xfrm>
           <a:prstGeom prst="bentConnector3">
@@ -22751,7 +22758,7 @@
         </p:nvCxnSpPr>
         <p:spPr>
           <a:xfrm rot="5400000" flipH="1" flipV="1">
-            <a:off x="7892368" y="4408148"/>
+            <a:off x="7282768" y="4408148"/>
             <a:ext cx="563888" cy="720176"/>
           </a:xfrm>
           <a:prstGeom prst="bentConnector4">
@@ -22792,7 +22799,7 @@
         </p:nvSpPr>
         <p:spPr>
           <a:xfrm>
-            <a:off x="8534400" y="2743200"/>
+            <a:off x="7924800" y="2743200"/>
             <a:ext cx="822003" cy="285783"/>
           </a:xfrm>
           <a:prstGeom prst="rect">
@@ -22850,7 +22857,7 @@
         </p:nvCxnSpPr>
         <p:spPr>
           <a:xfrm rot="5400000" flipH="1" flipV="1">
-            <a:off x="7843846" y="2967046"/>
+            <a:off x="7234246" y="2967046"/>
             <a:ext cx="771508" cy="609600"/>
           </a:xfrm>
           <a:prstGeom prst="bentConnector2">
@@ -22883,13 +22890,20 @@
     </p:spTree>
     <p:extLst>
       <p:ext uri="{BB962C8B-B14F-4D97-AF65-F5344CB8AC3E}">
-        <p14:creationId xmlns="" xmlns:p14="http://schemas.microsoft.com/office/powerpoint/2010/main" val="2396968029"/>
+        <p14:creationId xmlns:p14="http://schemas.microsoft.com/office/powerpoint/2010/main" val="2396968029"/>
       </p:ext>
     </p:extLst>
   </p:cSld>
   <p:clrMapOvr>
     <a:masterClrMapping/>
   </p:clrMapOvr>
+  <p:timing>
+    <p:tnLst>
+      <p:par>
+        <p:cTn id="1" dur="indefinite" restart="never" nodeType="tmRoot"/>
+      </p:par>
+    </p:tnLst>
+  </p:timing>
 </p:sld>
 </file>
 

--- a/docs/diagrams/Diagrams.pptx
+++ b/docs/diagrams/Diagrams.pptx
@@ -5,7 +5,7 @@
     <p:sldMasterId id="2147483648" r:id="rId1"/>
   </p:sldMasterIdLst>
   <p:notesMasterIdLst>
-    <p:notesMasterId r:id="rId13"/>
+    <p:notesMasterId r:id="rId15"/>
   </p:notesMasterIdLst>
   <p:sldIdLst>
     <p:sldId id="256" r:id="rId2"/>
@@ -19,6 +19,8 @@
     <p:sldId id="263" r:id="rId10"/>
     <p:sldId id="264" r:id="rId11"/>
     <p:sldId id="270" r:id="rId12"/>
+    <p:sldId id="271" r:id="rId13"/>
+    <p:sldId id="272" r:id="rId14"/>
   </p:sldIdLst>
   <p:sldSz cx="9144000" cy="6858000" type="screen4x3"/>
   <p:notesSz cx="6858000" cy="9144000"/>
@@ -119,7 +121,7 @@
   </p:defaultTextStyle>
   <p:extLst>
     <p:ext uri="{EFAFB233-063F-42B5-8137-9DF3F51BA10A}">
-      <p15:sldGuideLst xmlns:p15="http://schemas.microsoft.com/office/powerpoint/2012/main">
+      <p15:sldGuideLst xmlns:p15="http://schemas.microsoft.com/office/powerpoint/2012/main" xmlns="">
         <p15:guide id="1" orient="horz" pos="1488">
           <p15:clr>
             <a:srgbClr val="A4A3A4"/>
@@ -387,7 +389,7 @@
     </p:spTree>
     <p:extLst>
       <p:ext uri="{BB962C8B-B14F-4D97-AF65-F5344CB8AC3E}">
-        <p14:creationId xmlns:p14="http://schemas.microsoft.com/office/powerpoint/2010/main" val="2023976206"/>
+        <p14:creationId xmlns:p14="http://schemas.microsoft.com/office/powerpoint/2010/main" xmlns="" val="2023976206"/>
       </p:ext>
     </p:extLst>
   </p:cSld>
@@ -566,7 +568,7 @@
     </p:spTree>
     <p:extLst>
       <p:ext uri="{BB962C8B-B14F-4D97-AF65-F5344CB8AC3E}">
-        <p14:creationId xmlns:p14="http://schemas.microsoft.com/office/powerpoint/2010/main" val="1791593621"/>
+        <p14:creationId xmlns:p14="http://schemas.microsoft.com/office/powerpoint/2010/main" xmlns="" val="1791593621"/>
       </p:ext>
     </p:extLst>
   </p:cSld>
@@ -808,7 +810,7 @@
     </p:spTree>
     <p:extLst>
       <p:ext uri="{BB962C8B-B14F-4D97-AF65-F5344CB8AC3E}">
-        <p14:creationId xmlns:p14="http://schemas.microsoft.com/office/powerpoint/2010/main" val="3246593157"/>
+        <p14:creationId xmlns:p14="http://schemas.microsoft.com/office/powerpoint/2010/main" xmlns="" val="3246593157"/>
       </p:ext>
     </p:extLst>
   </p:cSld>
@@ -978,7 +980,7 @@
     </p:spTree>
     <p:extLst>
       <p:ext uri="{BB962C8B-B14F-4D97-AF65-F5344CB8AC3E}">
-        <p14:creationId xmlns:p14="http://schemas.microsoft.com/office/powerpoint/2010/main" val="2707025021"/>
+        <p14:creationId xmlns:p14="http://schemas.microsoft.com/office/powerpoint/2010/main" xmlns="" val="2707025021"/>
       </p:ext>
     </p:extLst>
   </p:cSld>
@@ -1158,7 +1160,7 @@
     </p:spTree>
     <p:extLst>
       <p:ext uri="{BB962C8B-B14F-4D97-AF65-F5344CB8AC3E}">
-        <p14:creationId xmlns:p14="http://schemas.microsoft.com/office/powerpoint/2010/main" val="568378986"/>
+        <p14:creationId xmlns:p14="http://schemas.microsoft.com/office/powerpoint/2010/main" xmlns="" val="568378986"/>
       </p:ext>
     </p:extLst>
   </p:cSld>
@@ -1328,7 +1330,7 @@
     </p:spTree>
     <p:extLst>
       <p:ext uri="{BB962C8B-B14F-4D97-AF65-F5344CB8AC3E}">
-        <p14:creationId xmlns:p14="http://schemas.microsoft.com/office/powerpoint/2010/main" val="266658052"/>
+        <p14:creationId xmlns:p14="http://schemas.microsoft.com/office/powerpoint/2010/main" xmlns="" val="266658052"/>
       </p:ext>
     </p:extLst>
   </p:cSld>
@@ -1575,7 +1577,7 @@
     </p:spTree>
     <p:extLst>
       <p:ext uri="{BB962C8B-B14F-4D97-AF65-F5344CB8AC3E}">
-        <p14:creationId xmlns:p14="http://schemas.microsoft.com/office/powerpoint/2010/main" val="474686344"/>
+        <p14:creationId xmlns:p14="http://schemas.microsoft.com/office/powerpoint/2010/main" xmlns="" val="474686344"/>
       </p:ext>
     </p:extLst>
   </p:cSld>
@@ -1862,7 +1864,7 @@
     </p:spTree>
     <p:extLst>
       <p:ext uri="{BB962C8B-B14F-4D97-AF65-F5344CB8AC3E}">
-        <p14:creationId xmlns:p14="http://schemas.microsoft.com/office/powerpoint/2010/main" val="562293251"/>
+        <p14:creationId xmlns:p14="http://schemas.microsoft.com/office/powerpoint/2010/main" xmlns="" val="562293251"/>
       </p:ext>
     </p:extLst>
   </p:cSld>
@@ -2283,7 +2285,7 @@
     </p:spTree>
     <p:extLst>
       <p:ext uri="{BB962C8B-B14F-4D97-AF65-F5344CB8AC3E}">
-        <p14:creationId xmlns:p14="http://schemas.microsoft.com/office/powerpoint/2010/main" val="1126424250"/>
+        <p14:creationId xmlns:p14="http://schemas.microsoft.com/office/powerpoint/2010/main" xmlns="" val="1126424250"/>
       </p:ext>
     </p:extLst>
   </p:cSld>
@@ -2402,7 +2404,7 @@
     </p:spTree>
     <p:extLst>
       <p:ext uri="{BB962C8B-B14F-4D97-AF65-F5344CB8AC3E}">
-        <p14:creationId xmlns:p14="http://schemas.microsoft.com/office/powerpoint/2010/main" val="4159724230"/>
+        <p14:creationId xmlns:p14="http://schemas.microsoft.com/office/powerpoint/2010/main" xmlns="" val="4159724230"/>
       </p:ext>
     </p:extLst>
   </p:cSld>
@@ -2499,7 +2501,7 @@
     </p:spTree>
     <p:extLst>
       <p:ext uri="{BB962C8B-B14F-4D97-AF65-F5344CB8AC3E}">
-        <p14:creationId xmlns:p14="http://schemas.microsoft.com/office/powerpoint/2010/main" val="1793928710"/>
+        <p14:creationId xmlns:p14="http://schemas.microsoft.com/office/powerpoint/2010/main" xmlns="" val="1793928710"/>
       </p:ext>
     </p:extLst>
   </p:cSld>
@@ -2776,7 +2778,7 @@
     </p:spTree>
     <p:extLst>
       <p:ext uri="{BB962C8B-B14F-4D97-AF65-F5344CB8AC3E}">
-        <p14:creationId xmlns:p14="http://schemas.microsoft.com/office/powerpoint/2010/main" val="2076802089"/>
+        <p14:creationId xmlns:p14="http://schemas.microsoft.com/office/powerpoint/2010/main" xmlns="" val="2076802089"/>
       </p:ext>
     </p:extLst>
   </p:cSld>
@@ -3030,7 +3032,7 @@
     </p:spTree>
     <p:extLst>
       <p:ext uri="{BB962C8B-B14F-4D97-AF65-F5344CB8AC3E}">
-        <p14:creationId xmlns:p14="http://schemas.microsoft.com/office/powerpoint/2010/main" val="201835938"/>
+        <p14:creationId xmlns:p14="http://schemas.microsoft.com/office/powerpoint/2010/main" xmlns="" val="201835938"/>
       </p:ext>
     </p:extLst>
   </p:cSld>
@@ -3279,7 +3281,7 @@
     </p:spTree>
     <p:extLst>
       <p:ext uri="{BB962C8B-B14F-4D97-AF65-F5344CB8AC3E}">
-        <p14:creationId xmlns:p14="http://schemas.microsoft.com/office/powerpoint/2010/main" val="2341400630"/>
+        <p14:creationId xmlns:p14="http://schemas.microsoft.com/office/powerpoint/2010/main" xmlns="" val="2341400630"/>
       </p:ext>
     </p:extLst>
   </p:cSld>
@@ -3618,7 +3620,7 @@
     </p:spTree>
     <p:extLst>
       <p:ext uri="{BB962C8B-B14F-4D97-AF65-F5344CB8AC3E}">
-        <p14:creationId xmlns:p14="http://schemas.microsoft.com/office/powerpoint/2010/main" val="2960930635"/>
+        <p14:creationId xmlns:p14="http://schemas.microsoft.com/office/powerpoint/2010/main" xmlns="" val="2960930635"/>
       </p:ext>
     </p:extLst>
   </p:cSld>
@@ -5040,7 +5042,7 @@
     </p:spTree>
     <p:extLst>
       <p:ext uri="{BB962C8B-B14F-4D97-AF65-F5344CB8AC3E}">
-        <p14:creationId xmlns:p14="http://schemas.microsoft.com/office/powerpoint/2010/main" val="1478832369"/>
+        <p14:creationId xmlns:p14="http://schemas.microsoft.com/office/powerpoint/2010/main" xmlns="" val="1478832369"/>
       </p:ext>
     </p:extLst>
   </p:cSld>
@@ -5076,14 +5078,1325 @@
       </p:grpSpPr>
       <p:sp>
         <p:nvSpPr>
+          <p:cNvPr id="4" name="Rectangle 45"/>
+          <p:cNvSpPr/>
+          <p:nvPr/>
+        </p:nvSpPr>
+        <p:spPr>
+          <a:xfrm>
+            <a:off x="1981200" y="3276600"/>
+            <a:ext cx="914400" cy="381000"/>
+          </a:xfrm>
+          <a:prstGeom prst="roundRect">
+            <a:avLst/>
+          </a:prstGeom>
+          <a:solidFill>
+            <a:srgbClr val="0070C0"/>
+          </a:solidFill>
+          <a:ln w="19050">
+            <a:solidFill>
+              <a:srgbClr val="0070C0"/>
+            </a:solidFill>
+          </a:ln>
+          <a:effectLst/>
+        </p:spPr>
+        <p:style>
+          <a:lnRef idx="1">
+            <a:schemeClr val="accent5"/>
+          </a:lnRef>
+          <a:fillRef idx="2">
+            <a:schemeClr val="accent5"/>
+          </a:fillRef>
+          <a:effectRef idx="1">
+            <a:schemeClr val="accent5"/>
+          </a:effectRef>
+          <a:fontRef idx="minor">
+            <a:schemeClr val="dk1"/>
+          </a:fontRef>
+        </p:style>
+        <p:txBody>
+          <a:bodyPr rtlCol="0" anchor="ctr"/>
+          <a:lstStyle/>
+          <a:p>
+            <a:pPr algn="ctr"/>
+            <a:r>
+              <a:rPr lang="en-US" sz="1600" dirty="0" smtClean="0">
+                <a:solidFill>
+                  <a:schemeClr val="bg1"/>
+                </a:solidFill>
+              </a:rPr>
+              <a:t>Task</a:t>
+            </a:r>
+            <a:endParaRPr lang="en-SG" sz="1600" dirty="0">
+              <a:solidFill>
+                <a:schemeClr val="bg1"/>
+              </a:solidFill>
+            </a:endParaRPr>
+          </a:p>
+        </p:txBody>
+      </p:sp>
+      <p:sp>
+        <p:nvSpPr>
+          <p:cNvPr id="10" name="Rectangle 45"/>
+          <p:cNvSpPr/>
+          <p:nvPr/>
+        </p:nvSpPr>
+        <p:spPr>
+          <a:xfrm>
+            <a:off x="3733800" y="2590800"/>
+            <a:ext cx="990600" cy="381000"/>
+          </a:xfrm>
+          <a:prstGeom prst="roundRect">
+            <a:avLst/>
+          </a:prstGeom>
+          <a:solidFill>
+            <a:srgbClr val="0070C0"/>
+          </a:solidFill>
+          <a:ln w="19050">
+            <a:solidFill>
+              <a:srgbClr val="0070C0"/>
+            </a:solidFill>
+          </a:ln>
+          <a:effectLst/>
+        </p:spPr>
+        <p:style>
+          <a:lnRef idx="1">
+            <a:schemeClr val="accent5"/>
+          </a:lnRef>
+          <a:fillRef idx="2">
+            <a:schemeClr val="accent5"/>
+          </a:fillRef>
+          <a:effectRef idx="1">
+            <a:schemeClr val="accent5"/>
+          </a:effectRef>
+          <a:fontRef idx="minor">
+            <a:schemeClr val="dk1"/>
+          </a:fontRef>
+        </p:style>
+        <p:txBody>
+          <a:bodyPr rtlCol="0" anchor="ctr"/>
+          <a:lstStyle/>
+          <a:p>
+            <a:pPr algn="ctr"/>
+            <a:r>
+              <a:rPr lang="en-US" sz="1600" dirty="0" smtClean="0">
+                <a:solidFill>
+                  <a:schemeClr val="bg1"/>
+                </a:solidFill>
+              </a:rPr>
+              <a:t>Event</a:t>
+            </a:r>
+            <a:endParaRPr lang="en-SG" sz="1600" dirty="0">
+              <a:solidFill>
+                <a:schemeClr val="bg1"/>
+              </a:solidFill>
+            </a:endParaRPr>
+          </a:p>
+        </p:txBody>
+      </p:sp>
+      <p:sp>
+        <p:nvSpPr>
+          <p:cNvPr id="11" name="Rectangle 45"/>
+          <p:cNvSpPr/>
+          <p:nvPr/>
+        </p:nvSpPr>
+        <p:spPr>
+          <a:xfrm>
+            <a:off x="3733800" y="3200400"/>
+            <a:ext cx="990600" cy="381000"/>
+          </a:xfrm>
+          <a:prstGeom prst="roundRect">
+            <a:avLst/>
+          </a:prstGeom>
+          <a:solidFill>
+            <a:srgbClr val="0070C0"/>
+          </a:solidFill>
+          <a:ln w="19050">
+            <a:solidFill>
+              <a:srgbClr val="0070C0"/>
+            </a:solidFill>
+          </a:ln>
+          <a:effectLst/>
+        </p:spPr>
+        <p:style>
+          <a:lnRef idx="1">
+            <a:schemeClr val="accent5"/>
+          </a:lnRef>
+          <a:fillRef idx="2">
+            <a:schemeClr val="accent5"/>
+          </a:fillRef>
+          <a:effectRef idx="1">
+            <a:schemeClr val="accent5"/>
+          </a:effectRef>
+          <a:fontRef idx="minor">
+            <a:schemeClr val="dk1"/>
+          </a:fontRef>
+        </p:style>
+        <p:txBody>
+          <a:bodyPr rtlCol="0" anchor="ctr"/>
+          <a:lstStyle/>
+          <a:p>
+            <a:pPr algn="ctr"/>
+            <a:r>
+              <a:rPr lang="en-US" sz="1600" dirty="0" smtClean="0">
+                <a:solidFill>
+                  <a:schemeClr val="bg1"/>
+                </a:solidFill>
+              </a:rPr>
+              <a:t>Deadline</a:t>
+            </a:r>
+            <a:endParaRPr lang="en-SG" sz="1600" dirty="0">
+              <a:solidFill>
+                <a:schemeClr val="bg1"/>
+              </a:solidFill>
+            </a:endParaRPr>
+          </a:p>
+        </p:txBody>
+      </p:sp>
+      <p:sp>
+        <p:nvSpPr>
+          <p:cNvPr id="12" name="Rectangle 45"/>
+          <p:cNvSpPr/>
+          <p:nvPr/>
+        </p:nvSpPr>
+        <p:spPr>
+          <a:xfrm>
+            <a:off x="3733800" y="1828800"/>
+            <a:ext cx="990600" cy="381000"/>
+          </a:xfrm>
+          <a:prstGeom prst="roundRect">
+            <a:avLst/>
+          </a:prstGeom>
+          <a:solidFill>
+            <a:srgbClr val="0070C0"/>
+          </a:solidFill>
+          <a:ln w="19050">
+            <a:solidFill>
+              <a:srgbClr val="0070C0"/>
+            </a:solidFill>
+          </a:ln>
+          <a:effectLst/>
+        </p:spPr>
+        <p:style>
+          <a:lnRef idx="1">
+            <a:schemeClr val="accent5"/>
+          </a:lnRef>
+          <a:fillRef idx="2">
+            <a:schemeClr val="accent5"/>
+          </a:fillRef>
+          <a:effectRef idx="1">
+            <a:schemeClr val="accent5"/>
+          </a:effectRef>
+          <a:fontRef idx="minor">
+            <a:schemeClr val="dk1"/>
+          </a:fontRef>
+        </p:style>
+        <p:txBody>
+          <a:bodyPr rtlCol="0" anchor="ctr"/>
+          <a:lstStyle/>
+          <a:p>
+            <a:pPr algn="ctr"/>
+            <a:r>
+              <a:rPr lang="en-US" sz="1600" dirty="0" smtClean="0">
+                <a:solidFill>
+                  <a:schemeClr val="bg1"/>
+                </a:solidFill>
+              </a:rPr>
+              <a:t>Block</a:t>
+            </a:r>
+            <a:endParaRPr lang="en-SG" sz="1600" dirty="0">
+              <a:solidFill>
+                <a:schemeClr val="bg1"/>
+              </a:solidFill>
+            </a:endParaRPr>
+          </a:p>
+        </p:txBody>
+      </p:sp>
+      <p:sp>
+        <p:nvSpPr>
+          <p:cNvPr id="13" name="Smiley Face 12"/>
+          <p:cNvSpPr/>
+          <p:nvPr/>
+        </p:nvSpPr>
+        <p:spPr>
+          <a:xfrm>
+            <a:off x="762000" y="3276600"/>
+            <a:ext cx="381000" cy="381000"/>
+          </a:xfrm>
+          <a:prstGeom prst="smileyFace">
+            <a:avLst/>
+          </a:prstGeom>
+          <a:solidFill>
+            <a:schemeClr val="bg1"/>
+          </a:solidFill>
+          <a:ln>
+            <a:solidFill>
+              <a:schemeClr val="tx1"/>
+            </a:solidFill>
+          </a:ln>
+        </p:spPr>
+        <p:style>
+          <a:lnRef idx="2">
+            <a:schemeClr val="accent1">
+              <a:shade val="50000"/>
+            </a:schemeClr>
+          </a:lnRef>
+          <a:fillRef idx="1">
+            <a:schemeClr val="accent1"/>
+          </a:fillRef>
+          <a:effectRef idx="0">
+            <a:schemeClr val="accent1"/>
+          </a:effectRef>
+          <a:fontRef idx="minor">
+            <a:schemeClr val="lt1"/>
+          </a:fontRef>
+        </p:style>
+        <p:txBody>
+          <a:bodyPr rtlCol="0" anchor="ctr"/>
+          <a:lstStyle/>
+          <a:p>
+            <a:pPr algn="ctr"/>
+            <a:endParaRPr lang="en-US"/>
+          </a:p>
+        </p:txBody>
+      </p:sp>
+      <p:cxnSp>
+        <p:nvCxnSpPr>
+          <p:cNvPr id="17" name="Straight Connector 16"/>
+          <p:cNvCxnSpPr>
+            <a:stCxn id="4" idx="1"/>
+            <a:endCxn id="13" idx="6"/>
+          </p:cNvCxnSpPr>
+          <p:nvPr/>
+        </p:nvCxnSpPr>
+        <p:spPr>
+          <a:xfrm flipH="1">
+            <a:off x="1143000" y="3467100"/>
+            <a:ext cx="838200" cy="0"/>
+          </a:xfrm>
+          <a:prstGeom prst="line">
+            <a:avLst/>
+          </a:prstGeom>
+        </p:spPr>
+        <p:style>
+          <a:lnRef idx="1">
+            <a:schemeClr val="accent1"/>
+          </a:lnRef>
+          <a:fillRef idx="0">
+            <a:schemeClr val="accent1"/>
+          </a:fillRef>
+          <a:effectRef idx="0">
+            <a:schemeClr val="accent1"/>
+          </a:effectRef>
+          <a:fontRef idx="minor">
+            <a:schemeClr val="tx1"/>
+          </a:fontRef>
+        </p:style>
+      </p:cxnSp>
+      <p:sp>
+        <p:nvSpPr>
+          <p:cNvPr id="19" name="TextBox 18"/>
+          <p:cNvSpPr txBox="1"/>
+          <p:nvPr/>
+        </p:nvSpPr>
+        <p:spPr>
+          <a:xfrm>
+            <a:off x="1295400" y="3200400"/>
+            <a:ext cx="1524000" cy="369332"/>
+          </a:xfrm>
+          <a:prstGeom prst="rect">
+            <a:avLst/>
+          </a:prstGeom>
+          <a:noFill/>
+        </p:spPr>
+        <p:txBody>
+          <a:bodyPr wrap="square" rtlCol="0">
+            <a:spAutoFit/>
+          </a:bodyPr>
+          <a:lstStyle/>
+          <a:p>
+            <a:r>
+              <a:rPr lang="en-US" sz="1400" dirty="0" smtClean="0"/>
+              <a:t>create</a:t>
+            </a:r>
+            <a:r>
+              <a:rPr lang="en-US" dirty="0" smtClean="0"/>
+              <a:t>*</a:t>
+            </a:r>
+            <a:endParaRPr lang="en-US" dirty="0"/>
+          </a:p>
+        </p:txBody>
+      </p:sp>
+      <p:sp>
+        <p:nvSpPr>
+          <p:cNvPr id="37" name="Rectangle 45"/>
+          <p:cNvSpPr/>
+          <p:nvPr/>
+        </p:nvSpPr>
+        <p:spPr>
+          <a:xfrm>
+            <a:off x="6096000" y="2895600"/>
+            <a:ext cx="1066800" cy="381000"/>
+          </a:xfrm>
+          <a:prstGeom prst="roundRect">
+            <a:avLst/>
+          </a:prstGeom>
+          <a:solidFill>
+            <a:srgbClr val="0070C0"/>
+          </a:solidFill>
+          <a:ln w="19050">
+            <a:solidFill>
+              <a:srgbClr val="0070C0"/>
+            </a:solidFill>
+          </a:ln>
+          <a:effectLst/>
+        </p:spPr>
+        <p:style>
+          <a:lnRef idx="1">
+            <a:schemeClr val="accent5"/>
+          </a:lnRef>
+          <a:fillRef idx="2">
+            <a:schemeClr val="accent5"/>
+          </a:fillRef>
+          <a:effectRef idx="1">
+            <a:schemeClr val="accent5"/>
+          </a:effectRef>
+          <a:fontRef idx="minor">
+            <a:schemeClr val="dk1"/>
+          </a:fontRef>
+        </p:style>
+        <p:txBody>
+          <a:bodyPr rtlCol="0" anchor="ctr"/>
+          <a:lstStyle/>
+          <a:p>
+            <a:pPr algn="ctr"/>
+            <a:r>
+              <a:rPr lang="en-US" sz="1600" dirty="0" smtClean="0">
+                <a:solidFill>
+                  <a:schemeClr val="bg1"/>
+                </a:solidFill>
+              </a:rPr>
+              <a:t>Recur</a:t>
+            </a:r>
+            <a:endParaRPr lang="en-SG" sz="1600" dirty="0">
+              <a:solidFill>
+                <a:schemeClr val="bg1"/>
+              </a:solidFill>
+            </a:endParaRPr>
+          </a:p>
+        </p:txBody>
+      </p:sp>
+      <p:cxnSp>
+        <p:nvCxnSpPr>
+          <p:cNvPr id="38" name="Elbow Connector 37"/>
+          <p:cNvCxnSpPr>
+            <a:stCxn id="10" idx="3"/>
+            <a:endCxn id="37" idx="1"/>
+          </p:cNvCxnSpPr>
+          <p:nvPr/>
+        </p:nvCxnSpPr>
+        <p:spPr>
+          <a:xfrm>
+            <a:off x="4724400" y="2781300"/>
+            <a:ext cx="1371600" cy="304800"/>
+          </a:xfrm>
+          <a:prstGeom prst="bentConnector3">
+            <a:avLst>
+              <a:gd name="adj1" fmla="val 50000"/>
+            </a:avLst>
+          </a:prstGeom>
+          <a:ln>
+            <a:tailEnd type="arrow"/>
+          </a:ln>
+        </p:spPr>
+        <p:style>
+          <a:lnRef idx="1">
+            <a:schemeClr val="accent1"/>
+          </a:lnRef>
+          <a:fillRef idx="0">
+            <a:schemeClr val="accent1"/>
+          </a:fillRef>
+          <a:effectRef idx="0">
+            <a:schemeClr val="accent1"/>
+          </a:effectRef>
+          <a:fontRef idx="minor">
+            <a:schemeClr val="tx1"/>
+          </a:fontRef>
+        </p:style>
+      </p:cxnSp>
+      <p:cxnSp>
+        <p:nvCxnSpPr>
+          <p:cNvPr id="41" name="Elbow Connector 40"/>
+          <p:cNvCxnSpPr>
+            <a:stCxn id="11" idx="3"/>
+            <a:endCxn id="37" idx="1"/>
+          </p:cNvCxnSpPr>
+          <p:nvPr/>
+        </p:nvCxnSpPr>
+        <p:spPr>
+          <a:xfrm flipV="1">
+            <a:off x="4724400" y="3086100"/>
+            <a:ext cx="1371600" cy="304800"/>
+          </a:xfrm>
+          <a:prstGeom prst="bentConnector3">
+            <a:avLst>
+              <a:gd name="adj1" fmla="val 50000"/>
+            </a:avLst>
+          </a:prstGeom>
+          <a:ln>
+            <a:tailEnd type="arrow"/>
+          </a:ln>
+        </p:spPr>
+        <p:style>
+          <a:lnRef idx="1">
+            <a:schemeClr val="accent1"/>
+          </a:lnRef>
+          <a:fillRef idx="0">
+            <a:schemeClr val="accent1"/>
+          </a:fillRef>
+          <a:effectRef idx="0">
+            <a:schemeClr val="accent1"/>
+          </a:effectRef>
+          <a:fontRef idx="minor">
+            <a:schemeClr val="tx1"/>
+          </a:fontRef>
+        </p:style>
+      </p:cxnSp>
+      <p:sp>
+        <p:nvSpPr>
+          <p:cNvPr id="44" name="TextBox 43"/>
+          <p:cNvSpPr txBox="1"/>
+          <p:nvPr/>
+        </p:nvSpPr>
+        <p:spPr>
+          <a:xfrm>
+            <a:off x="5334000" y="2819400"/>
+            <a:ext cx="838200" cy="369332"/>
+          </a:xfrm>
+          <a:prstGeom prst="rect">
+            <a:avLst/>
+          </a:prstGeom>
+          <a:noFill/>
+        </p:spPr>
+        <p:txBody>
+          <a:bodyPr wrap="square" rtlCol="0">
+            <a:spAutoFit/>
+          </a:bodyPr>
+          <a:lstStyle/>
+          <a:p>
+            <a:r>
+              <a:rPr lang="en-US" sz="1200" dirty="0" smtClean="0"/>
+              <a:t>Can be   </a:t>
+            </a:r>
+            <a:r>
+              <a:rPr lang="en-US" dirty="0" smtClean="0"/>
+              <a:t>*</a:t>
+            </a:r>
+            <a:endParaRPr lang="en-US" dirty="0"/>
+          </a:p>
+        </p:txBody>
+      </p:sp>
+      <p:sp>
+        <p:nvSpPr>
+          <p:cNvPr id="47" name="Isosceles Triangle 46"/>
+          <p:cNvSpPr/>
+          <p:nvPr/>
+        </p:nvSpPr>
+        <p:spPr>
+          <a:xfrm rot="16200000">
+            <a:off x="2857500" y="3390900"/>
+            <a:ext cx="190500" cy="114300"/>
+          </a:xfrm>
+          <a:prstGeom prst="triangle">
+            <a:avLst/>
+          </a:prstGeom>
+        </p:spPr>
+        <p:style>
+          <a:lnRef idx="2">
+            <a:schemeClr val="accent1"/>
+          </a:lnRef>
+          <a:fillRef idx="1">
+            <a:schemeClr val="lt1"/>
+          </a:fillRef>
+          <a:effectRef idx="0">
+            <a:schemeClr val="accent1"/>
+          </a:effectRef>
+          <a:fontRef idx="minor">
+            <a:schemeClr val="dk1"/>
+          </a:fontRef>
+        </p:style>
+        <p:txBody>
+          <a:bodyPr rtlCol="0" anchor="ctr"/>
+          <a:lstStyle/>
+          <a:p>
+            <a:pPr algn="ctr"/>
+            <a:endParaRPr lang="en-US"/>
+          </a:p>
+        </p:txBody>
+      </p:sp>
+      <p:sp>
+        <p:nvSpPr>
+          <p:cNvPr id="48" name="Isosceles Triangle 47"/>
+          <p:cNvSpPr/>
+          <p:nvPr/>
+        </p:nvSpPr>
+        <p:spPr>
+          <a:xfrm rot="10800000">
+            <a:off x="4114800" y="2438400"/>
+            <a:ext cx="228600" cy="152400"/>
+          </a:xfrm>
+          <a:prstGeom prst="triangle">
+            <a:avLst/>
+          </a:prstGeom>
+        </p:spPr>
+        <p:style>
+          <a:lnRef idx="2">
+            <a:schemeClr val="accent1"/>
+          </a:lnRef>
+          <a:fillRef idx="1">
+            <a:schemeClr val="lt1"/>
+          </a:fillRef>
+          <a:effectRef idx="0">
+            <a:schemeClr val="accent1"/>
+          </a:effectRef>
+          <a:fontRef idx="minor">
+            <a:schemeClr val="dk1"/>
+          </a:fontRef>
+        </p:style>
+        <p:txBody>
+          <a:bodyPr rtlCol="0" anchor="ctr"/>
+          <a:lstStyle/>
+          <a:p>
+            <a:pPr algn="ctr"/>
+            <a:endParaRPr lang="en-US"/>
+          </a:p>
+        </p:txBody>
+      </p:sp>
+      <p:cxnSp>
+        <p:nvCxnSpPr>
+          <p:cNvPr id="52" name="Straight Connector 51"/>
+          <p:cNvCxnSpPr>
+            <a:stCxn id="12" idx="2"/>
+            <a:endCxn id="48" idx="3"/>
+          </p:cNvCxnSpPr>
+          <p:nvPr/>
+        </p:nvCxnSpPr>
+        <p:spPr>
+          <a:xfrm>
+            <a:off x="4229100" y="2209800"/>
+            <a:ext cx="0" cy="228600"/>
+          </a:xfrm>
+          <a:prstGeom prst="line">
+            <a:avLst/>
+          </a:prstGeom>
+        </p:spPr>
+        <p:style>
+          <a:lnRef idx="1">
+            <a:schemeClr val="accent1"/>
+          </a:lnRef>
+          <a:fillRef idx="0">
+            <a:schemeClr val="accent1"/>
+          </a:fillRef>
+          <a:effectRef idx="0">
+            <a:schemeClr val="accent1"/>
+          </a:effectRef>
+          <a:fontRef idx="minor">
+            <a:schemeClr val="tx1"/>
+          </a:fontRef>
+        </p:style>
+      </p:cxnSp>
+      <p:cxnSp>
+        <p:nvCxnSpPr>
+          <p:cNvPr id="54" name="Straight Connector 53"/>
+          <p:cNvCxnSpPr>
+            <a:stCxn id="47" idx="3"/>
+            <a:endCxn id="11" idx="1"/>
+          </p:cNvCxnSpPr>
+          <p:nvPr/>
+        </p:nvCxnSpPr>
+        <p:spPr>
+          <a:xfrm flipV="1">
+            <a:off x="3009900" y="3390900"/>
+            <a:ext cx="723900" cy="57150"/>
+          </a:xfrm>
+          <a:prstGeom prst="line">
+            <a:avLst/>
+          </a:prstGeom>
+        </p:spPr>
+        <p:style>
+          <a:lnRef idx="1">
+            <a:schemeClr val="accent1"/>
+          </a:lnRef>
+          <a:fillRef idx="0">
+            <a:schemeClr val="accent1"/>
+          </a:fillRef>
+          <a:effectRef idx="0">
+            <a:schemeClr val="accent1"/>
+          </a:effectRef>
+          <a:fontRef idx="minor">
+            <a:schemeClr val="tx1"/>
+          </a:fontRef>
+        </p:style>
+      </p:cxnSp>
+      <p:cxnSp>
+        <p:nvCxnSpPr>
+          <p:cNvPr id="57" name="Straight Connector 56"/>
+          <p:cNvCxnSpPr>
+            <a:stCxn id="10" idx="1"/>
+            <a:endCxn id="47" idx="3"/>
+          </p:cNvCxnSpPr>
+          <p:nvPr/>
+        </p:nvCxnSpPr>
+        <p:spPr>
+          <a:xfrm flipH="1">
+            <a:off x="3009900" y="2781300"/>
+            <a:ext cx="723900" cy="666750"/>
+          </a:xfrm>
+          <a:prstGeom prst="line">
+            <a:avLst/>
+          </a:prstGeom>
+        </p:spPr>
+        <p:style>
+          <a:lnRef idx="1">
+            <a:schemeClr val="accent1"/>
+          </a:lnRef>
+          <a:fillRef idx="0">
+            <a:schemeClr val="accent1"/>
+          </a:fillRef>
+          <a:effectRef idx="0">
+            <a:schemeClr val="accent1"/>
+          </a:effectRef>
+          <a:fontRef idx="minor">
+            <a:schemeClr val="tx1"/>
+          </a:fontRef>
+        </p:style>
+      </p:cxnSp>
+    </p:spTree>
+  </p:cSld>
+  <p:clrMapOvr>
+    <a:masterClrMapping/>
+  </p:clrMapOvr>
+</p:sld>
+</file>
+
+<file path=ppt/slides/slide12.xml><?xml version="1.0" encoding="utf-8"?>
+<p:sld xmlns:a="http://schemas.openxmlformats.org/drawingml/2006/main" xmlns:r="http://schemas.openxmlformats.org/officeDocument/2006/relationships" xmlns:p="http://schemas.openxmlformats.org/presentationml/2006/main">
+  <p:cSld>
+    <p:spTree>
+      <p:nvGrpSpPr>
+        <p:cNvPr id="1" name=""/>
+        <p:cNvGrpSpPr/>
+        <p:nvPr/>
+      </p:nvGrpSpPr>
+      <p:grpSpPr>
+        <a:xfrm>
+          <a:off x="0" y="0"/>
+          <a:ext cx="0" cy="0"/>
+          <a:chOff x="0" y="0"/>
+          <a:chExt cx="0" cy="0"/>
+        </a:xfrm>
+      </p:grpSpPr>
+      <p:sp>
+        <p:nvSpPr>
+          <p:cNvPr id="2" name="Rectangle 65"/>
+          <p:cNvSpPr/>
+          <p:nvPr/>
+        </p:nvSpPr>
+        <p:spPr>
+          <a:xfrm>
+            <a:off x="1295400" y="1524000"/>
+            <a:ext cx="3124200" cy="3048000"/>
+          </a:xfrm>
+          <a:prstGeom prst="roundRect">
+            <a:avLst>
+              <a:gd name="adj" fmla="val 3484"/>
+            </a:avLst>
+          </a:prstGeom>
+          <a:solidFill>
+            <a:schemeClr val="accent4">
+              <a:lumMod val="20000"/>
+              <a:lumOff val="80000"/>
+            </a:schemeClr>
+          </a:solidFill>
+          <a:ln w="19050">
+            <a:noFill/>
+          </a:ln>
+          <a:effectLst/>
+        </p:spPr>
+        <p:style>
+          <a:lnRef idx="1">
+            <a:schemeClr val="accent2"/>
+          </a:lnRef>
+          <a:fillRef idx="2">
+            <a:schemeClr val="accent2"/>
+          </a:fillRef>
+          <a:effectRef idx="1">
+            <a:schemeClr val="accent2"/>
+          </a:effectRef>
+          <a:fontRef idx="minor">
+            <a:schemeClr val="dk1"/>
+          </a:fontRef>
+        </p:style>
+        <p:txBody>
+          <a:bodyPr rtlCol="0" anchor="t"/>
+          <a:lstStyle/>
+          <a:p>
+            <a:r>
+              <a:rPr lang="en-US" sz="1200" b="1" dirty="0">
+                <a:solidFill>
+                  <a:srgbClr val="7030A0"/>
+                </a:solidFill>
+              </a:rPr>
+              <a:t>Model</a:t>
+            </a:r>
+            <a:endParaRPr lang="en-SG" sz="1200" b="1" dirty="0">
+              <a:solidFill>
+                <a:srgbClr val="7030A0"/>
+              </a:solidFill>
+            </a:endParaRPr>
+          </a:p>
+        </p:txBody>
+      </p:sp>
+      <p:sp>
+        <p:nvSpPr>
+          <p:cNvPr id="3" name="Rectangle 62"/>
+          <p:cNvSpPr/>
+          <p:nvPr/>
+        </p:nvSpPr>
+        <p:spPr>
+          <a:xfrm>
+            <a:off x="2362200" y="1752600"/>
+            <a:ext cx="1093635" cy="346760"/>
+          </a:xfrm>
+          <a:prstGeom prst="rect">
+            <a:avLst/>
+          </a:prstGeom>
+          <a:solidFill>
+            <a:srgbClr val="7030A0"/>
+          </a:solidFill>
+          <a:ln w="19050">
+            <a:solidFill>
+              <a:srgbClr val="7030A0"/>
+            </a:solidFill>
+          </a:ln>
+          <a:effectLst/>
+        </p:spPr>
+        <p:style>
+          <a:lnRef idx="1">
+            <a:schemeClr val="accent2"/>
+          </a:lnRef>
+          <a:fillRef idx="2">
+            <a:schemeClr val="accent2"/>
+          </a:fillRef>
+          <a:effectRef idx="1">
+            <a:schemeClr val="accent2"/>
+          </a:effectRef>
+          <a:fontRef idx="minor">
+            <a:schemeClr val="dk1"/>
+          </a:fontRef>
+        </p:style>
+        <p:txBody>
+          <a:bodyPr rtlCol="0" anchor="ctr"/>
+          <a:lstStyle/>
+          <a:p>
+            <a:pPr algn="ctr"/>
+            <a:r>
+              <a:rPr lang="en-US" sz="1050" dirty="0">
+                <a:solidFill>
+                  <a:schemeClr val="bg1"/>
+                </a:solidFill>
+              </a:rPr>
+              <a:t>&lt;&lt;interface&gt;&gt;</a:t>
+            </a:r>
+          </a:p>
+          <a:p>
+            <a:pPr algn="ctr"/>
+            <a:r>
+              <a:rPr lang="en-US" sz="1050" dirty="0">
+                <a:solidFill>
+                  <a:schemeClr val="bg1"/>
+                </a:solidFill>
+              </a:rPr>
+              <a:t>Model</a:t>
+            </a:r>
+            <a:endParaRPr lang="en-SG" sz="1050" dirty="0">
+              <a:solidFill>
+                <a:schemeClr val="bg1"/>
+              </a:solidFill>
+            </a:endParaRPr>
+          </a:p>
+        </p:txBody>
+      </p:sp>
+      <p:sp>
+        <p:nvSpPr>
+          <p:cNvPr id="13" name="Rectangle 8"/>
+          <p:cNvSpPr/>
+          <p:nvPr/>
+        </p:nvSpPr>
+        <p:spPr>
+          <a:xfrm>
+            <a:off x="1676400" y="3581400"/>
+            <a:ext cx="1093635" cy="346760"/>
+          </a:xfrm>
+          <a:prstGeom prst="rect">
+            <a:avLst/>
+          </a:prstGeom>
+          <a:solidFill>
+            <a:srgbClr val="7030A0"/>
+          </a:solidFill>
+          <a:ln w="19050">
+            <a:solidFill>
+              <a:srgbClr val="7030A0"/>
+            </a:solidFill>
+          </a:ln>
+          <a:effectLst/>
+        </p:spPr>
+        <p:style>
+          <a:lnRef idx="1">
+            <a:schemeClr val="accent2"/>
+          </a:lnRef>
+          <a:fillRef idx="2">
+            <a:schemeClr val="accent2"/>
+          </a:fillRef>
+          <a:effectRef idx="1">
+            <a:schemeClr val="accent2"/>
+          </a:effectRef>
+          <a:fontRef idx="minor">
+            <a:schemeClr val="dk1"/>
+          </a:fontRef>
+        </p:style>
+        <p:txBody>
+          <a:bodyPr rtlCol="0" anchor="ctr"/>
+          <a:lstStyle/>
+          <a:p>
+            <a:pPr algn="ctr"/>
+            <a:r>
+              <a:rPr lang="en-US" sz="1050" dirty="0" err="1" smtClean="0">
+                <a:solidFill>
+                  <a:schemeClr val="bg1"/>
+                </a:solidFill>
+              </a:rPr>
+              <a:t>Config</a:t>
+            </a:r>
+            <a:endParaRPr lang="en-SG" sz="1050" dirty="0">
+              <a:solidFill>
+                <a:schemeClr val="bg1"/>
+              </a:solidFill>
+            </a:endParaRPr>
+          </a:p>
+        </p:txBody>
+      </p:sp>
+      <p:sp>
+        <p:nvSpPr>
+          <p:cNvPr id="14" name="Rectangle 62"/>
+          <p:cNvSpPr/>
+          <p:nvPr/>
+        </p:nvSpPr>
+        <p:spPr>
+          <a:xfrm>
+            <a:off x="2286000" y="2743200"/>
+            <a:ext cx="1169835" cy="346760"/>
+          </a:xfrm>
+          <a:prstGeom prst="rect">
+            <a:avLst/>
+          </a:prstGeom>
+          <a:solidFill>
+            <a:srgbClr val="7030A0"/>
+          </a:solidFill>
+          <a:ln w="19050">
+            <a:solidFill>
+              <a:srgbClr val="7030A0"/>
+            </a:solidFill>
+          </a:ln>
+          <a:effectLst/>
+        </p:spPr>
+        <p:style>
+          <a:lnRef idx="1">
+            <a:schemeClr val="accent2"/>
+          </a:lnRef>
+          <a:fillRef idx="2">
+            <a:schemeClr val="accent2"/>
+          </a:fillRef>
+          <a:effectRef idx="1">
+            <a:schemeClr val="accent2"/>
+          </a:effectRef>
+          <a:fontRef idx="minor">
+            <a:schemeClr val="dk1"/>
+          </a:fontRef>
+        </p:style>
+        <p:txBody>
+          <a:bodyPr rtlCol="0" anchor="ctr"/>
+          <a:lstStyle/>
+          <a:p>
+            <a:pPr algn="ctr"/>
+            <a:r>
+              <a:rPr lang="en-US" sz="1050" dirty="0" err="1">
+                <a:solidFill>
+                  <a:schemeClr val="bg1"/>
+                </a:solidFill>
+              </a:rPr>
+              <a:t>ModelManager</a:t>
+            </a:r>
+            <a:endParaRPr lang="en-SG" sz="1050" dirty="0">
+              <a:solidFill>
+                <a:schemeClr val="bg1"/>
+              </a:solidFill>
+            </a:endParaRPr>
+          </a:p>
+        </p:txBody>
+      </p:sp>
+      <p:sp>
+        <p:nvSpPr>
+          <p:cNvPr id="15" name="Isosceles Triangle 102"/>
+          <p:cNvSpPr/>
+          <p:nvPr/>
+        </p:nvSpPr>
+        <p:spPr>
+          <a:xfrm>
+            <a:off x="2743200" y="2133600"/>
+            <a:ext cx="270504" cy="175523"/>
+          </a:xfrm>
+          <a:prstGeom prst="triangle">
+            <a:avLst/>
+          </a:prstGeom>
+          <a:solidFill>
+            <a:srgbClr val="7030A0"/>
+          </a:solidFill>
+          <a:ln w="19050">
+            <a:solidFill>
+              <a:srgbClr val="7030A0"/>
+            </a:solidFill>
+          </a:ln>
+          <a:effectLst/>
+        </p:spPr>
+        <p:style>
+          <a:lnRef idx="1">
+            <a:schemeClr val="accent6"/>
+          </a:lnRef>
+          <a:fillRef idx="2">
+            <a:schemeClr val="accent6"/>
+          </a:fillRef>
+          <a:effectRef idx="1">
+            <a:schemeClr val="accent6"/>
+          </a:effectRef>
+          <a:fontRef idx="minor">
+            <a:schemeClr val="dk1"/>
+          </a:fontRef>
+        </p:style>
+        <p:txBody>
+          <a:bodyPr rtlCol="0" anchor="ctr"/>
+          <a:lstStyle/>
+          <a:p>
+            <a:pPr algn="ctr"/>
+            <a:endParaRPr lang="en-SG" sz="1050"/>
+          </a:p>
+        </p:txBody>
+      </p:sp>
+      <p:cxnSp>
+        <p:nvCxnSpPr>
+          <p:cNvPr id="16" name="Straight Arrow Connector 15"/>
+          <p:cNvCxnSpPr>
+            <a:stCxn id="17" idx="2"/>
+            <a:endCxn id="13" idx="0"/>
+          </p:cNvCxnSpPr>
+          <p:nvPr/>
+        </p:nvCxnSpPr>
+        <p:spPr>
+          <a:xfrm flipH="1">
+            <a:off x="2223218" y="3297580"/>
+            <a:ext cx="333206" cy="283820"/>
+          </a:xfrm>
+          <a:prstGeom prst="straightConnector1">
+            <a:avLst/>
+          </a:prstGeom>
+          <a:ln w="19050">
+            <a:solidFill>
+              <a:srgbClr val="7030A0"/>
+            </a:solidFill>
+            <a:headEnd type="none" w="med" len="med"/>
+            <a:tailEnd type="arrow" w="med" len="med"/>
+          </a:ln>
+          <a:effectLst/>
+        </p:spPr>
+        <p:style>
+          <a:lnRef idx="1">
+            <a:schemeClr val="accent2"/>
+          </a:lnRef>
+          <a:fillRef idx="2">
+            <a:schemeClr val="accent2"/>
+          </a:fillRef>
+          <a:effectRef idx="1">
+            <a:schemeClr val="accent2"/>
+          </a:effectRef>
+          <a:fontRef idx="minor">
+            <a:schemeClr val="dk1"/>
+          </a:fontRef>
+        </p:style>
+      </p:cxnSp>
+      <p:sp>
+        <p:nvSpPr>
+          <p:cNvPr id="17" name="Flowchart: Decision 96"/>
+          <p:cNvSpPr/>
+          <p:nvPr/>
+        </p:nvSpPr>
+        <p:spPr>
+          <a:xfrm>
+            <a:off x="2438400" y="3124200"/>
+            <a:ext cx="236048" cy="173380"/>
+          </a:xfrm>
+          <a:prstGeom prst="flowChartDecision">
+            <a:avLst/>
+          </a:prstGeom>
+          <a:noFill/>
+          <a:ln w="19050">
+            <a:solidFill>
+              <a:srgbClr val="7030A0"/>
+            </a:solidFill>
+          </a:ln>
+          <a:effectLst/>
+        </p:spPr>
+        <p:style>
+          <a:lnRef idx="1">
+            <a:schemeClr val="accent6"/>
+          </a:lnRef>
+          <a:fillRef idx="2">
+            <a:schemeClr val="accent6"/>
+          </a:fillRef>
+          <a:effectRef idx="1">
+            <a:schemeClr val="accent6"/>
+          </a:effectRef>
+          <a:fontRef idx="minor">
+            <a:schemeClr val="dk1"/>
+          </a:fontRef>
+        </p:style>
+        <p:txBody>
+          <a:bodyPr rtlCol="0" anchor="ctr"/>
+          <a:lstStyle/>
+          <a:p>
+            <a:pPr algn="ctr"/>
+            <a:endParaRPr lang="en-US" sz="1050"/>
+          </a:p>
+        </p:txBody>
+      </p:sp>
+      <p:sp>
+        <p:nvSpPr>
+          <p:cNvPr id="18" name="Rectangle 8"/>
+          <p:cNvSpPr/>
+          <p:nvPr/>
+        </p:nvSpPr>
+        <p:spPr>
+          <a:xfrm>
+            <a:off x="2895600" y="3581400"/>
+            <a:ext cx="1093635" cy="346760"/>
+          </a:xfrm>
+          <a:prstGeom prst="rect">
+            <a:avLst/>
+          </a:prstGeom>
+          <a:ln w="19050">
+            <a:solidFill>
+              <a:srgbClr val="7030A0"/>
+            </a:solidFill>
+          </a:ln>
+          <a:effectLst/>
+        </p:spPr>
+        <p:style>
+          <a:lnRef idx="1">
+            <a:schemeClr val="accent4"/>
+          </a:lnRef>
+          <a:fillRef idx="2">
+            <a:schemeClr val="accent4"/>
+          </a:fillRef>
+          <a:effectRef idx="1">
+            <a:schemeClr val="accent4"/>
+          </a:effectRef>
+          <a:fontRef idx="minor">
+            <a:schemeClr val="dk1"/>
+          </a:fontRef>
+        </p:style>
+        <p:txBody>
+          <a:bodyPr rtlCol="0" anchor="ctr"/>
+          <a:lstStyle/>
+          <a:p>
+            <a:pPr algn="ctr"/>
+            <a:r>
+              <a:rPr lang="en-US" sz="1050" dirty="0" err="1">
+                <a:solidFill>
+                  <a:srgbClr val="7030A0"/>
+                </a:solidFill>
+              </a:rPr>
+              <a:t>TaskForce</a:t>
+            </a:r>
+            <a:endParaRPr lang="en-SG" sz="1050" dirty="0">
+              <a:solidFill>
+                <a:srgbClr val="7030A0"/>
+              </a:solidFill>
+            </a:endParaRPr>
+          </a:p>
+        </p:txBody>
+      </p:sp>
+      <p:cxnSp>
+        <p:nvCxnSpPr>
+          <p:cNvPr id="19" name="Straight Arrow Connector 18"/>
+          <p:cNvCxnSpPr>
+            <a:stCxn id="20" idx="2"/>
+            <a:endCxn id="18" idx="0"/>
+          </p:cNvCxnSpPr>
+          <p:nvPr/>
+        </p:nvCxnSpPr>
+        <p:spPr>
+          <a:xfrm>
+            <a:off x="3242224" y="3297580"/>
+            <a:ext cx="200194" cy="283820"/>
+          </a:xfrm>
+          <a:prstGeom prst="straightConnector1">
+            <a:avLst/>
+          </a:prstGeom>
+          <a:ln w="19050">
+            <a:solidFill>
+              <a:srgbClr val="7030A0"/>
+            </a:solidFill>
+            <a:headEnd type="none" w="med" len="med"/>
+            <a:tailEnd type="arrow" w="med" len="med"/>
+          </a:ln>
+          <a:effectLst/>
+        </p:spPr>
+        <p:style>
+          <a:lnRef idx="1">
+            <a:schemeClr val="accent2"/>
+          </a:lnRef>
+          <a:fillRef idx="2">
+            <a:schemeClr val="accent2"/>
+          </a:fillRef>
+          <a:effectRef idx="1">
+            <a:schemeClr val="accent2"/>
+          </a:effectRef>
+          <a:fontRef idx="minor">
+            <a:schemeClr val="dk1"/>
+          </a:fontRef>
+        </p:style>
+      </p:cxnSp>
+      <p:sp>
+        <p:nvSpPr>
+          <p:cNvPr id="20" name="Flowchart: Decision 96"/>
+          <p:cNvSpPr/>
+          <p:nvPr/>
+        </p:nvSpPr>
+        <p:spPr>
+          <a:xfrm>
+            <a:off x="3124200" y="3124200"/>
+            <a:ext cx="236048" cy="173380"/>
+          </a:xfrm>
+          <a:prstGeom prst="flowChartDecision">
+            <a:avLst/>
+          </a:prstGeom>
+          <a:noFill/>
+          <a:ln w="19050">
+            <a:solidFill>
+              <a:srgbClr val="7030A0"/>
+            </a:solidFill>
+          </a:ln>
+          <a:effectLst/>
+        </p:spPr>
+        <p:style>
+          <a:lnRef idx="1">
+            <a:schemeClr val="accent6"/>
+          </a:lnRef>
+          <a:fillRef idx="2">
+            <a:schemeClr val="accent6"/>
+          </a:fillRef>
+          <a:effectRef idx="1">
+            <a:schemeClr val="accent6"/>
+          </a:effectRef>
+          <a:fontRef idx="minor">
+            <a:schemeClr val="dk1"/>
+          </a:fontRef>
+        </p:style>
+        <p:txBody>
+          <a:bodyPr rtlCol="0" anchor="ctr"/>
+          <a:lstStyle/>
+          <a:p>
+            <a:pPr algn="ctr"/>
+            <a:endParaRPr lang="en-US" sz="1050"/>
+          </a:p>
+        </p:txBody>
+      </p:sp>
+      <p:cxnSp>
+        <p:nvCxnSpPr>
+          <p:cNvPr id="29" name="Straight Connector 28"/>
+          <p:cNvCxnSpPr>
+            <a:stCxn id="15" idx="3"/>
+            <a:endCxn id="14" idx="0"/>
+          </p:cNvCxnSpPr>
+          <p:nvPr/>
+        </p:nvCxnSpPr>
+        <p:spPr>
+          <a:xfrm flipH="1">
+            <a:off x="2870918" y="2309123"/>
+            <a:ext cx="7534" cy="434077"/>
+          </a:xfrm>
+          <a:prstGeom prst="line">
+            <a:avLst/>
+          </a:prstGeom>
+          <a:ln w="19050">
+            <a:solidFill>
+              <a:srgbClr val="7030A0"/>
+            </a:solidFill>
+            <a:prstDash val="sysDot"/>
+            <a:headEnd type="none" w="med" len="med"/>
+            <a:tailEnd type="none" w="med" len="med"/>
+          </a:ln>
+          <a:effectLst/>
+        </p:spPr>
+        <p:style>
+          <a:lnRef idx="1">
+            <a:schemeClr val="accent2"/>
+          </a:lnRef>
+          <a:fillRef idx="2">
+            <a:schemeClr val="accent2"/>
+          </a:fillRef>
+          <a:effectRef idx="1">
+            <a:schemeClr val="accent2"/>
+          </a:effectRef>
+          <a:fontRef idx="minor">
+            <a:schemeClr val="dk1"/>
+          </a:fontRef>
+        </p:style>
+      </p:cxnSp>
+    </p:spTree>
+  </p:cSld>
+  <p:clrMapOvr>
+    <a:masterClrMapping/>
+  </p:clrMapOvr>
+</p:sld>
+</file>
+
+<file path=ppt/slides/slide13.xml><?xml version="1.0" encoding="utf-8"?>
+<p:sld xmlns:a="http://schemas.openxmlformats.org/drawingml/2006/main" xmlns:r="http://schemas.openxmlformats.org/officeDocument/2006/relationships" xmlns:p="http://schemas.openxmlformats.org/presentationml/2006/main">
+  <p:cSld>
+    <p:spTree>
+      <p:nvGrpSpPr>
+        <p:cNvPr id="1" name=""/>
+        <p:cNvGrpSpPr/>
+        <p:nvPr/>
+      </p:nvGrpSpPr>
+      <p:grpSpPr>
+        <a:xfrm>
+          <a:off x="0" y="0"/>
+          <a:ext cx="0" cy="0"/>
+          <a:chOff x="0" y="0"/>
+          <a:chExt cx="0" cy="0"/>
+        </a:xfrm>
+      </p:grpSpPr>
+      <p:sp>
+        <p:nvSpPr>
           <p:cNvPr id="2" name="Rounded Rectangle 1"/>
           <p:cNvSpPr/>
           <p:nvPr/>
         </p:nvSpPr>
         <p:spPr>
           <a:xfrm>
-            <a:off x="1676400" y="1828800"/>
-            <a:ext cx="5700181" cy="3124200"/>
+            <a:off x="1524000" y="2057400"/>
+            <a:ext cx="7620000" cy="2667000"/>
           </a:xfrm>
           <a:prstGeom prst="roundRect">
             <a:avLst>
@@ -5130,37 +6443,85 @@
       </p:sp>
       <p:sp>
         <p:nvSpPr>
-          <p:cNvPr id="4" name="Rectangle 45"/>
+          <p:cNvPr id="5" name="Smiley Face 4"/>
           <p:cNvSpPr/>
           <p:nvPr/>
         </p:nvSpPr>
         <p:spPr>
           <a:xfrm>
-            <a:off x="1981200" y="3276600"/>
-            <a:ext cx="914400" cy="381000"/>
+            <a:off x="1143000" y="3276600"/>
+            <a:ext cx="381000" cy="381000"/>
+          </a:xfrm>
+          <a:prstGeom prst="smileyFace">
+            <a:avLst/>
+          </a:prstGeom>
+          <a:solidFill>
+            <a:schemeClr val="bg1"/>
+          </a:solidFill>
+          <a:ln>
+            <a:solidFill>
+              <a:schemeClr val="tx1"/>
+            </a:solidFill>
+          </a:ln>
+        </p:spPr>
+        <p:style>
+          <a:lnRef idx="2">
+            <a:schemeClr val="accent1">
+              <a:shade val="50000"/>
+            </a:schemeClr>
+          </a:lnRef>
+          <a:fillRef idx="1">
+            <a:schemeClr val="accent1"/>
+          </a:fillRef>
+          <a:effectRef idx="0">
+            <a:schemeClr val="accent1"/>
+          </a:effectRef>
+          <a:fontRef idx="minor">
+            <a:schemeClr val="lt1"/>
+          </a:fontRef>
+        </p:style>
+        <p:txBody>
+          <a:bodyPr rtlCol="0" anchor="ctr"/>
+          <a:lstStyle/>
+          <a:p>
+            <a:pPr algn="ctr"/>
+            <a:endParaRPr lang="en-US"/>
+          </a:p>
+        </p:txBody>
+      </p:sp>
+      <p:sp>
+        <p:nvSpPr>
+          <p:cNvPr id="28" name="Rectangle 62"/>
+          <p:cNvSpPr/>
+          <p:nvPr/>
+        </p:nvSpPr>
+        <p:spPr>
+          <a:xfrm flipH="1">
+            <a:off x="1981200" y="2819400"/>
+            <a:ext cx="609602" cy="1294917"/>
           </a:xfrm>
           <a:prstGeom prst="roundRect">
             <a:avLst/>
           </a:prstGeom>
           <a:solidFill>
-            <a:srgbClr val="0070C0"/>
+            <a:srgbClr val="00B050"/>
           </a:solidFill>
           <a:ln w="19050">
             <a:solidFill>
-              <a:srgbClr val="0070C0"/>
-            </a:solidFill>
-          </a:ln>
-          <a:effectLst/>
-        </p:spPr>
-        <p:style>
-          <a:lnRef idx="1">
-            <a:schemeClr val="accent5"/>
-          </a:lnRef>
-          <a:fillRef idx="2">
-            <a:schemeClr val="accent5"/>
-          </a:fillRef>
-          <a:effectRef idx="1">
-            <a:schemeClr val="accent5"/>
+              <a:srgbClr val="00B050"/>
+            </a:solidFill>
+          </a:ln>
+          <a:effectLst/>
+        </p:spPr>
+        <p:style>
+          <a:lnRef idx="1">
+            <a:schemeClr val="accent2"/>
+          </a:lnRef>
+          <a:fillRef idx="2">
+            <a:schemeClr val="accent2"/>
+          </a:fillRef>
+          <a:effectRef idx="1">
+            <a:schemeClr val="accent2"/>
           </a:effectRef>
           <a:fontRef idx="minor">
             <a:schemeClr val="dk1"/>
@@ -5172,12 +6533,12 @@
           <a:p>
             <a:pPr algn="ctr"/>
             <a:r>
-              <a:rPr lang="en-US" sz="1600" dirty="0" smtClean="0">
+              <a:rPr lang="en-US" sz="1600" dirty="0">
                 <a:solidFill>
                   <a:schemeClr val="bg1"/>
                 </a:solidFill>
               </a:rPr>
-              <a:t>Task</a:t>
+              <a:t>UI</a:t>
             </a:r>
             <a:endParaRPr lang="en-SG" sz="1600" dirty="0">
               <a:solidFill>
@@ -5187,16 +6548,53 @@
           </a:p>
         </p:txBody>
       </p:sp>
-      <p:sp>
-        <p:nvSpPr>
-          <p:cNvPr id="10" name="Rectangle 45"/>
+      <p:cxnSp>
+        <p:nvCxnSpPr>
+          <p:cNvPr id="29" name="Straight Arrow Connector 28"/>
+          <p:cNvCxnSpPr/>
+          <p:nvPr/>
+        </p:nvCxnSpPr>
+        <p:spPr>
+          <a:xfrm flipV="1">
+            <a:off x="1600200" y="3429000"/>
+            <a:ext cx="273050" cy="1"/>
+          </a:xfrm>
+          <a:prstGeom prst="straightConnector1">
+            <a:avLst/>
+          </a:prstGeom>
+          <a:ln w="28575">
+            <a:solidFill>
+              <a:schemeClr val="tx1"/>
+            </a:solidFill>
+            <a:prstDash val="sysDot"/>
+            <a:tailEnd type="arrow"/>
+          </a:ln>
+        </p:spPr>
+        <p:style>
+          <a:lnRef idx="1">
+            <a:schemeClr val="accent1"/>
+          </a:lnRef>
+          <a:fillRef idx="0">
+            <a:schemeClr val="accent1"/>
+          </a:fillRef>
+          <a:effectRef idx="0">
+            <a:schemeClr val="accent1"/>
+          </a:effectRef>
+          <a:fontRef idx="minor">
+            <a:schemeClr val="tx1"/>
+          </a:fontRef>
+        </p:style>
+      </p:cxnSp>
+      <p:sp>
+        <p:nvSpPr>
+          <p:cNvPr id="30" name="Rectangle 45"/>
           <p:cNvSpPr/>
           <p:nvPr/>
         </p:nvSpPr>
         <p:spPr>
           <a:xfrm>
-            <a:off x="3733800" y="2590800"/>
-            <a:ext cx="990600" cy="381000"/>
+            <a:off x="3352800" y="3200400"/>
+            <a:ext cx="1295400" cy="552022"/>
           </a:xfrm>
           <a:prstGeom prst="roundRect">
             <a:avLst/>
@@ -5231,12 +6629,12 @@
           <a:p>
             <a:pPr algn="ctr"/>
             <a:r>
-              <a:rPr lang="en-US" sz="1600" dirty="0" smtClean="0">
+              <a:rPr lang="en-US" sz="1600" dirty="0">
                 <a:solidFill>
                   <a:schemeClr val="bg1"/>
                 </a:solidFill>
               </a:rPr>
-              <a:t>Event</a:t>
+              <a:t>Logic</a:t>
             </a:r>
             <a:endParaRPr lang="en-SG" sz="1600" dirty="0">
               <a:solidFill>
@@ -5246,26 +6644,342 @@
           </a:p>
         </p:txBody>
       </p:sp>
-      <p:sp>
-        <p:nvSpPr>
-          <p:cNvPr id="11" name="Rectangle 45"/>
+      <p:cxnSp>
+        <p:nvCxnSpPr>
+          <p:cNvPr id="31" name="Straight Arrow Connector 30"/>
+          <p:cNvCxnSpPr>
+            <a:endCxn id="30" idx="1"/>
+          </p:cNvCxnSpPr>
+          <p:nvPr/>
+        </p:nvCxnSpPr>
+        <p:spPr>
+          <a:xfrm>
+            <a:off x="2514602" y="3476411"/>
+            <a:ext cx="838198" cy="0"/>
+          </a:xfrm>
+          <a:prstGeom prst="straightConnector1">
+            <a:avLst/>
+          </a:prstGeom>
+          <a:ln w="28575">
+            <a:solidFill>
+              <a:srgbClr val="00B050"/>
+            </a:solidFill>
+            <a:tailEnd type="arrow"/>
+          </a:ln>
+        </p:spPr>
+        <p:style>
+          <a:lnRef idx="1">
+            <a:schemeClr val="accent1"/>
+          </a:lnRef>
+          <a:fillRef idx="0">
+            <a:schemeClr val="accent1"/>
+          </a:fillRef>
+          <a:effectRef idx="0">
+            <a:schemeClr val="accent1"/>
+          </a:effectRef>
+          <a:fontRef idx="minor">
+            <a:schemeClr val="tx1"/>
+          </a:fontRef>
+        </p:style>
+      </p:cxnSp>
+      <p:sp>
+        <p:nvSpPr>
+          <p:cNvPr id="32" name="Rectangle 11"/>
           <p:cNvSpPr/>
           <p:nvPr/>
         </p:nvSpPr>
         <p:spPr>
-          <a:xfrm>
-            <a:off x="3733800" y="3276600"/>
-            <a:ext cx="990600" cy="381000"/>
+          <a:xfrm flipH="1">
+            <a:off x="2819400" y="2286000"/>
+            <a:ext cx="1093635" cy="346760"/>
+          </a:xfrm>
+          <a:prstGeom prst="rect">
+            <a:avLst/>
+          </a:prstGeom>
+          <a:ln w="19050">
+            <a:solidFill>
+              <a:srgbClr val="0070C0"/>
+            </a:solidFill>
+          </a:ln>
+          <a:effectLst/>
+        </p:spPr>
+        <p:style>
+          <a:lnRef idx="1">
+            <a:schemeClr val="accent1"/>
+          </a:lnRef>
+          <a:fillRef idx="2">
+            <a:schemeClr val="accent1"/>
+          </a:fillRef>
+          <a:effectRef idx="1">
+            <a:schemeClr val="accent1"/>
+          </a:effectRef>
+          <a:fontRef idx="minor">
+            <a:schemeClr val="dk1"/>
+          </a:fontRef>
+        </p:style>
+        <p:txBody>
+          <a:bodyPr rtlCol="0" anchor="ctr"/>
+          <a:lstStyle/>
+          <a:p>
+            <a:pPr algn="ctr"/>
+            <a:r>
+              <a:rPr lang="en-US" sz="1050" b="1" dirty="0" err="1" smtClean="0">
+                <a:solidFill>
+                  <a:srgbClr val="0070C0"/>
+                </a:solidFill>
+              </a:rPr>
+              <a:t>Config</a:t>
+            </a:r>
+            <a:endParaRPr lang="en-US" sz="1050" b="1" dirty="0" smtClean="0">
+              <a:solidFill>
+                <a:srgbClr val="0070C0"/>
+              </a:solidFill>
+            </a:endParaRPr>
+          </a:p>
+          <a:p>
+            <a:pPr algn="ctr"/>
+            <a:r>
+              <a:rPr lang="en-US" sz="1050" b="1" dirty="0" smtClean="0">
+                <a:solidFill>
+                  <a:srgbClr val="0070C0"/>
+                </a:solidFill>
+              </a:rPr>
+              <a:t>Command</a:t>
+            </a:r>
+            <a:endParaRPr lang="en-SG" sz="1050" b="1" dirty="0">
+              <a:solidFill>
+                <a:srgbClr val="0070C0"/>
+              </a:solidFill>
+            </a:endParaRPr>
+          </a:p>
+        </p:txBody>
+      </p:sp>
+      <p:sp>
+        <p:nvSpPr>
+          <p:cNvPr id="33" name="Rectangle 11"/>
+          <p:cNvSpPr/>
+          <p:nvPr/>
+        </p:nvSpPr>
+        <p:spPr>
+          <a:xfrm flipH="1">
+            <a:off x="4114800" y="2286000"/>
+            <a:ext cx="1093635" cy="346760"/>
+          </a:xfrm>
+          <a:prstGeom prst="rect">
+            <a:avLst/>
+          </a:prstGeom>
+          <a:ln w="19050">
+            <a:solidFill>
+              <a:srgbClr val="0070C0"/>
+            </a:solidFill>
+          </a:ln>
+          <a:effectLst/>
+        </p:spPr>
+        <p:style>
+          <a:lnRef idx="1">
+            <a:schemeClr val="accent1"/>
+          </a:lnRef>
+          <a:fillRef idx="2">
+            <a:schemeClr val="accent1"/>
+          </a:fillRef>
+          <a:effectRef idx="1">
+            <a:schemeClr val="accent1"/>
+          </a:effectRef>
+          <a:fontRef idx="minor">
+            <a:schemeClr val="dk1"/>
+          </a:fontRef>
+        </p:style>
+        <p:txBody>
+          <a:bodyPr rtlCol="0" anchor="ctr"/>
+          <a:lstStyle/>
+          <a:p>
+            <a:pPr algn="ctr"/>
+            <a:r>
+              <a:rPr lang="en-US" sz="1050" b="1" dirty="0" err="1" smtClean="0">
+                <a:solidFill>
+                  <a:srgbClr val="0070C0"/>
+                </a:solidFill>
+              </a:rPr>
+              <a:t>Cd</a:t>
+            </a:r>
+            <a:endParaRPr lang="en-US" sz="1050" b="1" dirty="0" smtClean="0">
+              <a:solidFill>
+                <a:srgbClr val="0070C0"/>
+              </a:solidFill>
+            </a:endParaRPr>
+          </a:p>
+          <a:p>
+            <a:pPr algn="ctr"/>
+            <a:r>
+              <a:rPr lang="en-US" sz="1050" b="1" dirty="0" smtClean="0">
+                <a:solidFill>
+                  <a:srgbClr val="0070C0"/>
+                </a:solidFill>
+              </a:rPr>
+              <a:t>Command</a:t>
+            </a:r>
+            <a:endParaRPr lang="en-SG" sz="1050" b="1" dirty="0">
+              <a:solidFill>
+                <a:srgbClr val="0070C0"/>
+              </a:solidFill>
+            </a:endParaRPr>
+          </a:p>
+        </p:txBody>
+      </p:sp>
+      <p:sp>
+        <p:nvSpPr>
+          <p:cNvPr id="34" name="Isosceles Triangle 102"/>
+          <p:cNvSpPr/>
+          <p:nvPr/>
+        </p:nvSpPr>
+        <p:spPr>
+          <a:xfrm rot="10800000">
+            <a:off x="3890765" y="3055213"/>
+            <a:ext cx="270504" cy="175523"/>
+          </a:xfrm>
+          <a:prstGeom prst="triangle">
+            <a:avLst/>
+          </a:prstGeom>
+          <a:solidFill>
+            <a:schemeClr val="tx2">
+              <a:lumMod val="60000"/>
+              <a:lumOff val="40000"/>
+            </a:schemeClr>
+          </a:solidFill>
+          <a:ln w="19050">
+            <a:solidFill>
+              <a:srgbClr val="0070C0"/>
+            </a:solidFill>
+          </a:ln>
+          <a:effectLst/>
+        </p:spPr>
+        <p:style>
+          <a:lnRef idx="1">
+            <a:schemeClr val="accent1"/>
+          </a:lnRef>
+          <a:fillRef idx="2">
+            <a:schemeClr val="accent1"/>
+          </a:fillRef>
+          <a:effectRef idx="1">
+            <a:schemeClr val="accent1"/>
+          </a:effectRef>
+          <a:fontRef idx="minor">
+            <a:schemeClr val="dk1"/>
+          </a:fontRef>
+        </p:style>
+        <p:txBody>
+          <a:bodyPr rtlCol="0" anchor="ctr"/>
+          <a:lstStyle/>
+          <a:p>
+            <a:pPr algn="ctr"/>
+            <a:endParaRPr lang="en-SG" sz="1050" b="1">
+              <a:solidFill>
+                <a:srgbClr val="92D050"/>
+              </a:solidFill>
+            </a:endParaRPr>
+          </a:p>
+        </p:txBody>
+      </p:sp>
+      <p:cxnSp>
+        <p:nvCxnSpPr>
+          <p:cNvPr id="41" name="Elbow Connector 40"/>
+          <p:cNvCxnSpPr>
+            <a:stCxn id="33" idx="2"/>
+            <a:endCxn id="34" idx="3"/>
+          </p:cNvCxnSpPr>
+          <p:nvPr/>
+        </p:nvCxnSpPr>
+        <p:spPr>
+          <a:xfrm rot="5400000">
+            <a:off x="4132591" y="2526186"/>
+            <a:ext cx="422453" cy="635600"/>
+          </a:xfrm>
+          <a:prstGeom prst="bentConnector3">
+            <a:avLst>
+              <a:gd name="adj1" fmla="val 50000"/>
+            </a:avLst>
+          </a:prstGeom>
+          <a:ln>
+            <a:prstDash val="sysDot"/>
+          </a:ln>
+        </p:spPr>
+        <p:style>
+          <a:lnRef idx="1">
+            <a:schemeClr val="accent1"/>
+          </a:lnRef>
+          <a:fillRef idx="0">
+            <a:schemeClr val="accent1"/>
+          </a:fillRef>
+          <a:effectRef idx="0">
+            <a:schemeClr val="accent1"/>
+          </a:effectRef>
+          <a:fontRef idx="minor">
+            <a:schemeClr val="tx1"/>
+          </a:fontRef>
+        </p:style>
+      </p:cxnSp>
+      <p:cxnSp>
+        <p:nvCxnSpPr>
+          <p:cNvPr id="42" name="Elbow Connector 41"/>
+          <p:cNvCxnSpPr>
+            <a:stCxn id="32" idx="2"/>
+            <a:endCxn id="34" idx="3"/>
+          </p:cNvCxnSpPr>
+          <p:nvPr/>
+        </p:nvCxnSpPr>
+        <p:spPr>
+          <a:xfrm rot="16200000" flipH="1">
+            <a:off x="3484891" y="2514086"/>
+            <a:ext cx="422453" cy="659800"/>
+          </a:xfrm>
+          <a:prstGeom prst="bentConnector3">
+            <a:avLst>
+              <a:gd name="adj1" fmla="val 50000"/>
+            </a:avLst>
+          </a:prstGeom>
+          <a:ln>
+            <a:prstDash val="sysDot"/>
+          </a:ln>
+        </p:spPr>
+        <p:style>
+          <a:lnRef idx="1">
+            <a:schemeClr val="accent1"/>
+          </a:lnRef>
+          <a:fillRef idx="0">
+            <a:schemeClr val="accent1"/>
+          </a:fillRef>
+          <a:effectRef idx="0">
+            <a:schemeClr val="accent1"/>
+          </a:effectRef>
+          <a:fontRef idx="minor">
+            <a:schemeClr val="tx1"/>
+          </a:fontRef>
+        </p:style>
+      </p:cxnSp>
+      <p:sp>
+        <p:nvSpPr>
+          <p:cNvPr id="46" name="Rectangle 45"/>
+          <p:cNvSpPr/>
+          <p:nvPr/>
+        </p:nvSpPr>
+        <p:spPr>
+          <a:xfrm>
+            <a:off x="5029200" y="3200400"/>
+            <a:ext cx="1447800" cy="552022"/>
           </a:xfrm>
           <a:prstGeom prst="roundRect">
             <a:avLst/>
           </a:prstGeom>
           <a:solidFill>
-            <a:srgbClr val="0070C0"/>
+            <a:schemeClr val="accent6">
+              <a:lumMod val="75000"/>
+            </a:schemeClr>
           </a:solidFill>
           <a:ln w="19050">
             <a:solidFill>
-              <a:srgbClr val="0070C0"/>
+              <a:schemeClr val="accent6">
+                <a:lumMod val="75000"/>
+              </a:schemeClr>
             </a:solidFill>
           </a:ln>
           <a:effectLst/>
@@ -5290,12 +7004,12 @@
           <a:p>
             <a:pPr algn="ctr"/>
             <a:r>
-              <a:rPr lang="en-US" sz="1600" dirty="0" smtClean="0">
+              <a:rPr lang="en-US" sz="1600" dirty="0">
                 <a:solidFill>
                   <a:schemeClr val="bg1"/>
                 </a:solidFill>
               </a:rPr>
-              <a:t>Deadline</a:t>
+              <a:t>Storage</a:t>
             </a:r>
             <a:endParaRPr lang="en-SG" sz="1600" dirty="0">
               <a:solidFill>
@@ -5305,42 +7019,85 @@
           </a:p>
         </p:txBody>
       </p:sp>
-      <p:sp>
-        <p:nvSpPr>
-          <p:cNvPr id="12" name="Rectangle 45"/>
+      <p:cxnSp>
+        <p:nvCxnSpPr>
+          <p:cNvPr id="47" name="Straight Arrow Connector 46"/>
+          <p:cNvCxnSpPr>
+            <a:stCxn id="46" idx="3"/>
+            <a:endCxn id="48" idx="1"/>
+          </p:cNvCxnSpPr>
+          <p:nvPr/>
+        </p:nvCxnSpPr>
+        <p:spPr>
+          <a:xfrm>
+            <a:off x="6477000" y="3476411"/>
+            <a:ext cx="990600" cy="562189"/>
+          </a:xfrm>
+          <a:prstGeom prst="straightConnector1">
+            <a:avLst/>
+          </a:prstGeom>
+          <a:ln w="28575">
+            <a:solidFill>
+              <a:schemeClr val="accent6">
+                <a:lumMod val="75000"/>
+              </a:schemeClr>
+            </a:solidFill>
+            <a:prstDash val="sysDot"/>
+            <a:tailEnd type="arrow"/>
+          </a:ln>
+        </p:spPr>
+        <p:style>
+          <a:lnRef idx="1">
+            <a:schemeClr val="accent1"/>
+          </a:lnRef>
+          <a:fillRef idx="0">
+            <a:schemeClr val="accent1"/>
+          </a:fillRef>
+          <a:effectRef idx="0">
+            <a:schemeClr val="accent1"/>
+          </a:effectRef>
+          <a:fontRef idx="minor">
+            <a:schemeClr val="tx1"/>
+          </a:fontRef>
+        </p:style>
+      </p:cxnSp>
+      <p:sp>
+        <p:nvSpPr>
+          <p:cNvPr id="48" name="Folded Corner 47"/>
           <p:cNvSpPr/>
           <p:nvPr/>
         </p:nvSpPr>
         <p:spPr>
           <a:xfrm>
-            <a:off x="5486400" y="2590800"/>
-            <a:ext cx="914400" cy="381000"/>
-          </a:xfrm>
-          <a:prstGeom prst="roundRect">
+            <a:off x="7467600" y="3810000"/>
+            <a:ext cx="1371600" cy="457200"/>
+          </a:xfrm>
+          <a:prstGeom prst="foldedCorner">
             <a:avLst/>
           </a:prstGeom>
           <a:solidFill>
-            <a:srgbClr val="0070C0"/>
+            <a:schemeClr val="bg1"/>
           </a:solidFill>
-          <a:ln w="19050">
-            <a:solidFill>
-              <a:srgbClr val="0070C0"/>
-            </a:solidFill>
-          </a:ln>
-          <a:effectLst/>
-        </p:spPr>
-        <p:style>
-          <a:lnRef idx="1">
-            <a:schemeClr val="accent5"/>
-          </a:lnRef>
-          <a:fillRef idx="2">
-            <a:schemeClr val="accent5"/>
-          </a:fillRef>
-          <a:effectRef idx="1">
-            <a:schemeClr val="accent5"/>
-          </a:effectRef>
-          <a:fontRef idx="minor">
-            <a:schemeClr val="dk1"/>
+          <a:ln>
+            <a:solidFill>
+              <a:schemeClr val="tx1"/>
+            </a:solidFill>
+          </a:ln>
+        </p:spPr>
+        <p:style>
+          <a:lnRef idx="2">
+            <a:schemeClr val="accent1">
+              <a:shade val="50000"/>
+            </a:schemeClr>
+          </a:lnRef>
+          <a:fillRef idx="1">
+            <a:schemeClr val="accent1"/>
+          </a:fillRef>
+          <a:effectRef idx="0">
+            <a:schemeClr val="accent1"/>
+          </a:effectRef>
+          <a:fontRef idx="minor">
+            <a:schemeClr val="lt1"/>
           </a:fontRef>
         </p:style>
         <p:txBody>
@@ -5349,39 +7106,105 @@
           <a:p>
             <a:pPr algn="ctr"/>
             <a:r>
-              <a:rPr lang="en-US" sz="1600" dirty="0" smtClean="0">
-                <a:solidFill>
-                  <a:schemeClr val="bg1"/>
+              <a:rPr lang="en-US" dirty="0" err="1" smtClean="0">
+                <a:solidFill>
+                  <a:sysClr val="windowText" lastClr="000000"/>
                 </a:solidFill>
               </a:rPr>
-              <a:t>Block</a:t>
-            </a:r>
-            <a:endParaRPr lang="en-SG" sz="1600" dirty="0">
+              <a:t>Config.json</a:t>
+            </a:r>
+            <a:endParaRPr lang="en-US" dirty="0">
               <a:solidFill>
-                <a:schemeClr val="bg1"/>
+                <a:sysClr val="windowText" lastClr="000000"/>
               </a:solidFill>
             </a:endParaRPr>
           </a:p>
         </p:txBody>
       </p:sp>
+      <p:sp>
+        <p:nvSpPr>
+          <p:cNvPr id="49" name="Folded Corner 48"/>
+          <p:cNvSpPr/>
+          <p:nvPr/>
+        </p:nvSpPr>
+        <p:spPr>
+          <a:xfrm>
+            <a:off x="7467600" y="2514600"/>
+            <a:ext cx="1447800" cy="609600"/>
+          </a:xfrm>
+          <a:prstGeom prst="foldedCorner">
+            <a:avLst/>
+          </a:prstGeom>
+          <a:solidFill>
+            <a:schemeClr val="bg1"/>
+          </a:solidFill>
+          <a:ln>
+            <a:solidFill>
+              <a:schemeClr val="tx1"/>
+            </a:solidFill>
+          </a:ln>
+        </p:spPr>
+        <p:style>
+          <a:lnRef idx="2">
+            <a:schemeClr val="accent1">
+              <a:shade val="50000"/>
+            </a:schemeClr>
+          </a:lnRef>
+          <a:fillRef idx="1">
+            <a:schemeClr val="accent1"/>
+          </a:fillRef>
+          <a:effectRef idx="0">
+            <a:schemeClr val="accent1"/>
+          </a:effectRef>
+          <a:fontRef idx="minor">
+            <a:schemeClr val="lt1"/>
+          </a:fontRef>
+        </p:style>
+        <p:txBody>
+          <a:bodyPr rtlCol="0" anchor="ctr"/>
+          <a:lstStyle/>
+          <a:p>
+            <a:pPr algn="ctr"/>
+            <a:r>
+              <a:rPr lang="en-US" dirty="0" smtClean="0">
+                <a:solidFill>
+                  <a:sysClr val="windowText" lastClr="000000"/>
+                </a:solidFill>
+              </a:rPr>
+              <a:t>saveData.xml</a:t>
+            </a:r>
+            <a:endParaRPr lang="en-US" dirty="0">
+              <a:solidFill>
+                <a:sysClr val="windowText" lastClr="000000"/>
+              </a:solidFill>
+            </a:endParaRPr>
+          </a:p>
+        </p:txBody>
+      </p:sp>
       <p:cxnSp>
         <p:nvCxnSpPr>
-          <p:cNvPr id="14" name="Straight Arrow Connector 13"/>
+          <p:cNvPr id="50" name="Straight Arrow Connector 49"/>
           <p:cNvCxnSpPr>
-            <a:stCxn id="11" idx="1"/>
-            <a:endCxn id="4" idx="3"/>
+            <a:stCxn id="46" idx="3"/>
+            <a:endCxn id="49" idx="1"/>
           </p:cNvCxnSpPr>
           <p:nvPr/>
         </p:nvCxnSpPr>
         <p:spPr>
-          <a:xfrm flipH="1">
-            <a:off x="2895600" y="3467100"/>
-            <a:ext cx="838200" cy="0"/>
+          <a:xfrm flipV="1">
+            <a:off x="6477000" y="2819400"/>
+            <a:ext cx="990600" cy="657011"/>
           </a:xfrm>
           <a:prstGeom prst="straightConnector1">
             <a:avLst/>
           </a:prstGeom>
-          <a:ln>
+          <a:ln w="28575">
+            <a:solidFill>
+              <a:schemeClr val="accent6">
+                <a:lumMod val="75000"/>
+              </a:schemeClr>
+            </a:solidFill>
+            <a:prstDash val="sysDot"/>
             <a:tailEnd type="arrow"/>
           </a:ln>
         </p:spPr>
@@ -5402,60 +7225,24 @@
       </p:cxnSp>
       <p:cxnSp>
         <p:nvCxnSpPr>
-          <p:cNvPr id="20" name="Elbow Connector 19"/>
+          <p:cNvPr id="58" name="Straight Arrow Connector 57"/>
           <p:cNvCxnSpPr>
-            <a:stCxn id="10" idx="1"/>
-            <a:endCxn id="4" idx="3"/>
+            <a:endCxn id="46" idx="1"/>
           </p:cNvCxnSpPr>
           <p:nvPr/>
         </p:nvCxnSpPr>
         <p:spPr>
-          <a:xfrm rot="10800000" flipV="1">
-            <a:off x="2895600" y="2781300"/>
-            <a:ext cx="838200" cy="685800"/>
-          </a:xfrm>
-          <a:prstGeom prst="bentConnector3">
-            <a:avLst>
-              <a:gd name="adj1" fmla="val 50000"/>
-            </a:avLst>
-          </a:prstGeom>
-          <a:ln>
-            <a:tailEnd type="arrow"/>
-          </a:ln>
-        </p:spPr>
-        <p:style>
-          <a:lnRef idx="1">
-            <a:schemeClr val="accent1"/>
-          </a:lnRef>
-          <a:fillRef idx="0">
-            <a:schemeClr val="accent1"/>
-          </a:fillRef>
-          <a:effectRef idx="0">
-            <a:schemeClr val="accent1"/>
-          </a:effectRef>
-          <a:fontRef idx="minor">
-            <a:schemeClr val="tx1"/>
-          </a:fontRef>
-        </p:style>
-      </p:cxnSp>
-      <p:cxnSp>
-        <p:nvCxnSpPr>
-          <p:cNvPr id="24" name="Straight Arrow Connector 23"/>
-          <p:cNvCxnSpPr>
-            <a:stCxn id="12" idx="1"/>
-            <a:endCxn id="10" idx="3"/>
-          </p:cNvCxnSpPr>
-          <p:nvPr/>
-        </p:nvCxnSpPr>
-        <p:spPr>
-          <a:xfrm flipH="1">
-            <a:off x="4724400" y="2781300"/>
-            <a:ext cx="762000" cy="0"/>
+          <a:xfrm flipV="1">
+            <a:off x="4648200" y="3476411"/>
+            <a:ext cx="381000" cy="28789"/>
           </a:xfrm>
           <a:prstGeom prst="straightConnector1">
             <a:avLst/>
           </a:prstGeom>
-          <a:ln>
+          <a:ln w="28575">
+            <a:solidFill>
+              <a:srgbClr val="0070C0"/>
+            </a:solidFill>
             <a:tailEnd type="arrow"/>
           </a:ln>
         </p:spPr>
@@ -6727,7 +8514,7 @@
     </p:spTree>
     <p:extLst>
       <p:ext uri="{BB962C8B-B14F-4D97-AF65-F5344CB8AC3E}">
-        <p14:creationId xmlns:p14="http://schemas.microsoft.com/office/powerpoint/2010/main" val="1981432603"/>
+        <p14:creationId xmlns:p14="http://schemas.microsoft.com/office/powerpoint/2010/main" xmlns="" val="1981432603"/>
       </p:ext>
     </p:extLst>
   </p:cSld>
@@ -9350,7 +11137,7 @@
     </p:spTree>
     <p:extLst>
       <p:ext uri="{BB962C8B-B14F-4D97-AF65-F5344CB8AC3E}">
-        <p14:creationId xmlns:p14="http://schemas.microsoft.com/office/powerpoint/2010/main" val="1434580780"/>
+        <p14:creationId xmlns:p14="http://schemas.microsoft.com/office/powerpoint/2010/main" xmlns="" val="1434580780"/>
       </p:ext>
     </p:extLst>
   </p:cSld>
@@ -11537,7 +13324,7 @@
     </p:spTree>
     <p:extLst>
       <p:ext uri="{BB962C8B-B14F-4D97-AF65-F5344CB8AC3E}">
-        <p14:creationId xmlns:p14="http://schemas.microsoft.com/office/powerpoint/2010/main" val="4023378879"/>
+        <p14:creationId xmlns:p14="http://schemas.microsoft.com/office/powerpoint/2010/main" xmlns="" val="4023378879"/>
       </p:ext>
     </p:extLst>
   </p:cSld>
@@ -13333,7 +15120,7 @@
     </p:spTree>
     <p:extLst>
       <p:ext uri="{BB962C8B-B14F-4D97-AF65-F5344CB8AC3E}">
-        <p14:creationId xmlns:p14="http://schemas.microsoft.com/office/powerpoint/2010/main" val="363914971"/>
+        <p14:creationId xmlns:p14="http://schemas.microsoft.com/office/powerpoint/2010/main" xmlns="" val="363914971"/>
       </p:ext>
     </p:extLst>
   </p:cSld>
@@ -13376,7 +15163,7 @@
         <p:spPr>
           <a:xfrm>
             <a:off x="1217465" y="1447800"/>
-            <a:ext cx="4917083" cy="3962400"/>
+            <a:ext cx="4917083" cy="4572000"/>
           </a:xfrm>
           <a:prstGeom prst="roundRect">
             <a:avLst>
@@ -13870,7 +15657,7 @@
         </p:nvSpPr>
         <p:spPr>
           <a:xfrm>
-            <a:off x="2592527" y="4563759"/>
+            <a:off x="2590800" y="5105400"/>
             <a:ext cx="1093635" cy="236841"/>
           </a:xfrm>
           <a:prstGeom prst="rect">
@@ -14050,7 +15837,7 @@
         </p:nvSpPr>
         <p:spPr>
           <a:xfrm>
-            <a:off x="2592528" y="4966000"/>
+            <a:off x="2590800" y="5486400"/>
             <a:ext cx="1093635" cy="236841"/>
           </a:xfrm>
           <a:prstGeom prst="rect">
@@ -14344,8 +16131,8 @@
         </p:nvCxnSpPr>
         <p:spPr>
           <a:xfrm rot="16200000" flipH="1">
-            <a:off x="1597249" y="3686901"/>
-            <a:ext cx="1814155" cy="176401"/>
+            <a:off x="1325565" y="3958586"/>
+            <a:ext cx="2355796" cy="174674"/>
           </a:xfrm>
           <a:prstGeom prst="bentConnector2">
             <a:avLst/>
@@ -14384,7 +16171,7 @@
         </p:nvCxnSpPr>
         <p:spPr>
           <a:xfrm rot="16200000" flipH="1">
-            <a:off x="1184119" y="3676012"/>
+            <a:off x="1182391" y="4196412"/>
             <a:ext cx="2396440" cy="420377"/>
           </a:xfrm>
           <a:prstGeom prst="bentConnector2">
@@ -14668,8 +16455,8 @@
         </p:nvCxnSpPr>
         <p:spPr>
           <a:xfrm rot="5400000">
-            <a:off x="3409976" y="2562187"/>
-            <a:ext cx="2396180" cy="1843807"/>
+            <a:off x="3138292" y="2832143"/>
+            <a:ext cx="2937821" cy="1845534"/>
           </a:xfrm>
           <a:prstGeom prst="bentConnector2">
             <a:avLst/>
@@ -14709,8 +16496,8 @@
         </p:nvCxnSpPr>
         <p:spPr>
           <a:xfrm rot="5400000">
-            <a:off x="3208856" y="2763307"/>
-            <a:ext cx="2798421" cy="1843806"/>
+            <a:off x="2947792" y="3022643"/>
+            <a:ext cx="3318821" cy="1845534"/>
           </a:xfrm>
           <a:prstGeom prst="bentConnector2">
             <a:avLst/>
@@ -15572,10 +17359,291 @@
           </a:p>
         </p:txBody>
       </p:sp>
+      <p:sp>
+        <p:nvSpPr>
+          <p:cNvPr id="51" name="Rectangle 11"/>
+          <p:cNvSpPr/>
+          <p:nvPr/>
+        </p:nvSpPr>
+        <p:spPr>
+          <a:xfrm>
+            <a:off x="2590800" y="4572000"/>
+            <a:ext cx="1093635" cy="236841"/>
+          </a:xfrm>
+          <a:prstGeom prst="rect">
+            <a:avLst/>
+          </a:prstGeom>
+          <a:ln w="19050">
+            <a:solidFill>
+              <a:schemeClr val="accent3"/>
+            </a:solidFill>
+          </a:ln>
+          <a:effectLst/>
+        </p:spPr>
+        <p:style>
+          <a:lnRef idx="1">
+            <a:schemeClr val="accent3"/>
+          </a:lnRef>
+          <a:fillRef idx="2">
+            <a:schemeClr val="accent3"/>
+          </a:fillRef>
+          <a:effectRef idx="1">
+            <a:schemeClr val="accent3"/>
+          </a:effectRef>
+          <a:fontRef idx="minor">
+            <a:schemeClr val="dk1"/>
+          </a:fontRef>
+        </p:style>
+        <p:txBody>
+          <a:bodyPr rtlCol="0" anchor="ctr"/>
+          <a:lstStyle/>
+          <a:p>
+            <a:pPr algn="ctr"/>
+            <a:r>
+              <a:rPr lang="en-US" sz="1050" b="1" dirty="0" err="1" smtClean="0">
+                <a:solidFill>
+                  <a:schemeClr val="accent3">
+                    <a:lumMod val="75000"/>
+                  </a:schemeClr>
+                </a:solidFill>
+              </a:rPr>
+              <a:t>EventListPanel</a:t>
+            </a:r>
+            <a:endParaRPr lang="en-SG" sz="1050" b="1" dirty="0">
+              <a:solidFill>
+                <a:schemeClr val="accent3">
+                  <a:lumMod val="75000"/>
+                </a:schemeClr>
+              </a:solidFill>
+            </a:endParaRPr>
+          </a:p>
+        </p:txBody>
+      </p:sp>
+      <p:cxnSp>
+        <p:nvCxnSpPr>
+          <p:cNvPr id="52" name="Elbow Connector 63"/>
+          <p:cNvCxnSpPr>
+            <a:stCxn id="39" idx="2"/>
+            <a:endCxn id="51" idx="1"/>
+          </p:cNvCxnSpPr>
+          <p:nvPr/>
+        </p:nvCxnSpPr>
+        <p:spPr>
+          <a:xfrm rot="16200000" flipH="1">
+            <a:off x="1592265" y="3691886"/>
+            <a:ext cx="1822396" cy="174674"/>
+          </a:xfrm>
+          <a:prstGeom prst="bentConnector2">
+            <a:avLst/>
+          </a:prstGeom>
+          <a:ln w="19050">
+            <a:solidFill>
+              <a:schemeClr val="accent3"/>
+            </a:solidFill>
+            <a:headEnd type="none" w="med" len="med"/>
+            <a:tailEnd type="arrow" w="med" len="med"/>
+          </a:ln>
+          <a:effectLst/>
+        </p:spPr>
+        <p:style>
+          <a:lnRef idx="1">
+            <a:schemeClr val="accent2"/>
+          </a:lnRef>
+          <a:fillRef idx="2">
+            <a:schemeClr val="accent2"/>
+          </a:fillRef>
+          <a:effectRef idx="1">
+            <a:schemeClr val="accent2"/>
+          </a:effectRef>
+          <a:fontRef idx="minor">
+            <a:schemeClr val="dk1"/>
+          </a:fontRef>
+        </p:style>
+      </p:cxnSp>
+      <p:sp>
+        <p:nvSpPr>
+          <p:cNvPr id="57" name="Rectangle 11"/>
+          <p:cNvSpPr/>
+          <p:nvPr/>
+        </p:nvSpPr>
+        <p:spPr>
+          <a:xfrm>
+            <a:off x="3810000" y="4800600"/>
+            <a:ext cx="1040906" cy="236841"/>
+          </a:xfrm>
+          <a:prstGeom prst="rect">
+            <a:avLst/>
+          </a:prstGeom>
+          <a:ln w="19050">
+            <a:solidFill>
+              <a:schemeClr val="accent3"/>
+            </a:solidFill>
+          </a:ln>
+          <a:effectLst/>
+        </p:spPr>
+        <p:style>
+          <a:lnRef idx="1">
+            <a:schemeClr val="accent3"/>
+          </a:lnRef>
+          <a:fillRef idx="2">
+            <a:schemeClr val="accent3"/>
+          </a:fillRef>
+          <a:effectRef idx="1">
+            <a:schemeClr val="accent3"/>
+          </a:effectRef>
+          <a:fontRef idx="minor">
+            <a:schemeClr val="dk1"/>
+          </a:fontRef>
+        </p:style>
+        <p:txBody>
+          <a:bodyPr rtlCol="0" anchor="ctr"/>
+          <a:lstStyle/>
+          <a:p>
+            <a:pPr algn="ctr"/>
+            <a:r>
+              <a:rPr lang="en-US" sz="1050" b="1" dirty="0" err="1">
+                <a:solidFill>
+                  <a:schemeClr val="accent3">
+                    <a:lumMod val="75000"/>
+                  </a:schemeClr>
+                </a:solidFill>
+              </a:rPr>
+              <a:t>TaskCard</a:t>
+            </a:r>
+            <a:endParaRPr lang="en-SG" sz="1050" b="1" dirty="0">
+              <a:solidFill>
+                <a:schemeClr val="accent3">
+                  <a:lumMod val="75000"/>
+                </a:schemeClr>
+              </a:solidFill>
+            </a:endParaRPr>
+          </a:p>
+        </p:txBody>
+      </p:sp>
+      <p:cxnSp>
+        <p:nvCxnSpPr>
+          <p:cNvPr id="58" name="Elbow Connector 136"/>
+          <p:cNvCxnSpPr/>
+          <p:nvPr/>
+        </p:nvCxnSpPr>
+        <p:spPr>
+          <a:xfrm rot="16200000" flipH="1">
+            <a:off x="3414979" y="4509821"/>
+            <a:ext cx="118421" cy="699979"/>
+          </a:xfrm>
+          <a:prstGeom prst="bentConnector2">
+            <a:avLst/>
+          </a:prstGeom>
+          <a:ln w="19050">
+            <a:solidFill>
+              <a:schemeClr val="accent3"/>
+            </a:solidFill>
+            <a:headEnd type="none" w="med" len="med"/>
+            <a:tailEnd type="arrow" w="med" len="med"/>
+          </a:ln>
+          <a:effectLst/>
+        </p:spPr>
+        <p:style>
+          <a:lnRef idx="1">
+            <a:schemeClr val="accent2"/>
+          </a:lnRef>
+          <a:fillRef idx="2">
+            <a:schemeClr val="accent2"/>
+          </a:fillRef>
+          <a:effectRef idx="1">
+            <a:schemeClr val="accent2"/>
+          </a:effectRef>
+          <a:fontRef idx="minor">
+            <a:schemeClr val="dk1"/>
+          </a:fontRef>
+        </p:style>
+      </p:cxnSp>
+      <p:sp>
+        <p:nvSpPr>
+          <p:cNvPr id="59" name="Freeform 58"/>
+          <p:cNvSpPr/>
+          <p:nvPr/>
+        </p:nvSpPr>
+        <p:spPr>
+          <a:xfrm flipV="1">
+            <a:off x="4114800" y="5105400"/>
+            <a:ext cx="2642195" cy="101600"/>
+          </a:xfrm>
+          <a:custGeom>
+            <a:avLst/>
+            <a:gdLst>
+              <a:gd name="connsiteX0" fmla="*/ 0 w 3048000"/>
+              <a:gd name="connsiteY0" fmla="*/ 203200 h 203200"/>
+              <a:gd name="connsiteX1" fmla="*/ 221673 w 3048000"/>
+              <a:gd name="connsiteY1" fmla="*/ 0 h 203200"/>
+              <a:gd name="connsiteX2" fmla="*/ 3048000 w 3048000"/>
+              <a:gd name="connsiteY2" fmla="*/ 0 h 203200"/>
+            </a:gdLst>
+            <a:ahLst/>
+            <a:cxnLst>
+              <a:cxn ang="0">
+                <a:pos x="connsiteX0" y="connsiteY0"/>
+              </a:cxn>
+              <a:cxn ang="0">
+                <a:pos x="connsiteX1" y="connsiteY1"/>
+              </a:cxn>
+              <a:cxn ang="0">
+                <a:pos x="connsiteX2" y="connsiteY2"/>
+              </a:cxn>
+            </a:cxnLst>
+            <a:rect l="l" t="t" r="r" b="b"/>
+            <a:pathLst>
+              <a:path w="3048000" h="203200">
+                <a:moveTo>
+                  <a:pt x="0" y="203200"/>
+                </a:moveTo>
+                <a:lnTo>
+                  <a:pt x="221673" y="0"/>
+                </a:lnTo>
+                <a:lnTo>
+                  <a:pt x="3048000" y="0"/>
+                </a:lnTo>
+              </a:path>
+            </a:pathLst>
+          </a:custGeom>
+          <a:noFill/>
+          <a:ln w="19050">
+            <a:solidFill>
+              <a:schemeClr val="accent3"/>
+            </a:solidFill>
+            <a:prstDash val="sysDot"/>
+            <a:headEnd type="none" w="med" len="med"/>
+            <a:tailEnd type="arrow" w="med" len="med"/>
+          </a:ln>
+          <a:effectLst/>
+        </p:spPr>
+        <p:style>
+          <a:lnRef idx="1">
+            <a:schemeClr val="accent2"/>
+          </a:lnRef>
+          <a:fillRef idx="2">
+            <a:schemeClr val="accent2"/>
+          </a:fillRef>
+          <a:effectRef idx="1">
+            <a:schemeClr val="accent2"/>
+          </a:effectRef>
+          <a:fontRef idx="minor">
+            <a:schemeClr val="dk1"/>
+          </a:fontRef>
+        </p:style>
+        <p:txBody>
+          <a:bodyPr rtlCol="0" anchor="ctr"/>
+          <a:lstStyle/>
+          <a:p>
+            <a:pPr algn="ctr"/>
+            <a:endParaRPr lang="en-SG"/>
+          </a:p>
+        </p:txBody>
+      </p:sp>
     </p:spTree>
     <p:extLst>
       <p:ext uri="{BB962C8B-B14F-4D97-AF65-F5344CB8AC3E}">
-        <p14:creationId xmlns:p14="http://schemas.microsoft.com/office/powerpoint/2010/main" val="2776882492"/>
+        <p14:creationId xmlns:p14="http://schemas.microsoft.com/office/powerpoint/2010/main" xmlns="" val="2776882492"/>
       </p:ext>
     </p:extLst>
   </p:cSld>
@@ -18189,7 +20257,7 @@
     </p:spTree>
     <p:extLst>
       <p:ext uri="{BB962C8B-B14F-4D97-AF65-F5344CB8AC3E}">
-        <p14:creationId xmlns:p14="http://schemas.microsoft.com/office/powerpoint/2010/main" val="599777654"/>
+        <p14:creationId xmlns:p14="http://schemas.microsoft.com/office/powerpoint/2010/main" xmlns="" val="599777654"/>
       </p:ext>
     </p:extLst>
   </p:cSld>
@@ -20086,7 +22154,7 @@
     </p:spTree>
     <p:extLst>
       <p:ext uri="{BB962C8B-B14F-4D97-AF65-F5344CB8AC3E}">
-        <p14:creationId xmlns:p14="http://schemas.microsoft.com/office/powerpoint/2010/main" val="3945898909"/>
+        <p14:creationId xmlns:p14="http://schemas.microsoft.com/office/powerpoint/2010/main" xmlns="" val="3945898909"/>
       </p:ext>
     </p:extLst>
   </p:cSld>
@@ -20230,7 +22298,7 @@
                   <a:schemeClr val="bg1"/>
                 </a:solidFill>
               </a:rPr>
-              <a:t>Config.json</a:t>
+              <a:t>Config</a:t>
             </a:r>
             <a:endParaRPr lang="en-SG" sz="1050" dirty="0">
               <a:solidFill>
@@ -22890,7 +24958,7 @@
     </p:spTree>
     <p:extLst>
       <p:ext uri="{BB962C8B-B14F-4D97-AF65-F5344CB8AC3E}">
-        <p14:creationId xmlns:p14="http://schemas.microsoft.com/office/powerpoint/2010/main" val="2396968029"/>
+        <p14:creationId xmlns:p14="http://schemas.microsoft.com/office/powerpoint/2010/main" xmlns="" val="2396968029"/>
       </p:ext>
     </p:extLst>
   </p:cSld>

--- a/docs/diagrams/Diagrams.pptx
+++ b/docs/diagrams/Diagrams.pptx
@@ -121,7 +121,7 @@
   </p:defaultTextStyle>
   <p:extLst>
     <p:ext uri="{EFAFB233-063F-42B5-8137-9DF3F51BA10A}">
-      <p15:sldGuideLst xmlns:p15="http://schemas.microsoft.com/office/powerpoint/2012/main" xmlns="">
+      <p15:sldGuideLst xmlns="" xmlns:p15="http://schemas.microsoft.com/office/powerpoint/2012/main">
         <p15:guide id="1" orient="horz" pos="1488">
           <p15:clr>
             <a:srgbClr val="A4A3A4"/>
@@ -389,7 +389,7 @@
     </p:spTree>
     <p:extLst>
       <p:ext uri="{BB962C8B-B14F-4D97-AF65-F5344CB8AC3E}">
-        <p14:creationId xmlns:p14="http://schemas.microsoft.com/office/powerpoint/2010/main" xmlns="" val="2023976206"/>
+        <p14:creationId xmlns="" xmlns:p14="http://schemas.microsoft.com/office/powerpoint/2010/main" val="2023976206"/>
       </p:ext>
     </p:extLst>
   </p:cSld>
@@ -568,7 +568,7 @@
     </p:spTree>
     <p:extLst>
       <p:ext uri="{BB962C8B-B14F-4D97-AF65-F5344CB8AC3E}">
-        <p14:creationId xmlns:p14="http://schemas.microsoft.com/office/powerpoint/2010/main" xmlns="" val="1791593621"/>
+        <p14:creationId xmlns="" xmlns:p14="http://schemas.microsoft.com/office/powerpoint/2010/main" val="1791593621"/>
       </p:ext>
     </p:extLst>
   </p:cSld>
@@ -810,7 +810,7 @@
     </p:spTree>
     <p:extLst>
       <p:ext uri="{BB962C8B-B14F-4D97-AF65-F5344CB8AC3E}">
-        <p14:creationId xmlns:p14="http://schemas.microsoft.com/office/powerpoint/2010/main" xmlns="" val="3246593157"/>
+        <p14:creationId xmlns="" xmlns:p14="http://schemas.microsoft.com/office/powerpoint/2010/main" val="3246593157"/>
       </p:ext>
     </p:extLst>
   </p:cSld>
@@ -980,7 +980,7 @@
     </p:spTree>
     <p:extLst>
       <p:ext uri="{BB962C8B-B14F-4D97-AF65-F5344CB8AC3E}">
-        <p14:creationId xmlns:p14="http://schemas.microsoft.com/office/powerpoint/2010/main" xmlns="" val="2707025021"/>
+        <p14:creationId xmlns="" xmlns:p14="http://schemas.microsoft.com/office/powerpoint/2010/main" val="2707025021"/>
       </p:ext>
     </p:extLst>
   </p:cSld>
@@ -1160,7 +1160,7 @@
     </p:spTree>
     <p:extLst>
       <p:ext uri="{BB962C8B-B14F-4D97-AF65-F5344CB8AC3E}">
-        <p14:creationId xmlns:p14="http://schemas.microsoft.com/office/powerpoint/2010/main" xmlns="" val="568378986"/>
+        <p14:creationId xmlns="" xmlns:p14="http://schemas.microsoft.com/office/powerpoint/2010/main" val="568378986"/>
       </p:ext>
     </p:extLst>
   </p:cSld>
@@ -1330,7 +1330,7 @@
     </p:spTree>
     <p:extLst>
       <p:ext uri="{BB962C8B-B14F-4D97-AF65-F5344CB8AC3E}">
-        <p14:creationId xmlns:p14="http://schemas.microsoft.com/office/powerpoint/2010/main" xmlns="" val="266658052"/>
+        <p14:creationId xmlns="" xmlns:p14="http://schemas.microsoft.com/office/powerpoint/2010/main" val="266658052"/>
       </p:ext>
     </p:extLst>
   </p:cSld>
@@ -1577,7 +1577,7 @@
     </p:spTree>
     <p:extLst>
       <p:ext uri="{BB962C8B-B14F-4D97-AF65-F5344CB8AC3E}">
-        <p14:creationId xmlns:p14="http://schemas.microsoft.com/office/powerpoint/2010/main" xmlns="" val="474686344"/>
+        <p14:creationId xmlns="" xmlns:p14="http://schemas.microsoft.com/office/powerpoint/2010/main" val="474686344"/>
       </p:ext>
     </p:extLst>
   </p:cSld>
@@ -1864,7 +1864,7 @@
     </p:spTree>
     <p:extLst>
       <p:ext uri="{BB962C8B-B14F-4D97-AF65-F5344CB8AC3E}">
-        <p14:creationId xmlns:p14="http://schemas.microsoft.com/office/powerpoint/2010/main" xmlns="" val="562293251"/>
+        <p14:creationId xmlns="" xmlns:p14="http://schemas.microsoft.com/office/powerpoint/2010/main" val="562293251"/>
       </p:ext>
     </p:extLst>
   </p:cSld>
@@ -2285,7 +2285,7 @@
     </p:spTree>
     <p:extLst>
       <p:ext uri="{BB962C8B-B14F-4D97-AF65-F5344CB8AC3E}">
-        <p14:creationId xmlns:p14="http://schemas.microsoft.com/office/powerpoint/2010/main" xmlns="" val="1126424250"/>
+        <p14:creationId xmlns="" xmlns:p14="http://schemas.microsoft.com/office/powerpoint/2010/main" val="1126424250"/>
       </p:ext>
     </p:extLst>
   </p:cSld>
@@ -2404,7 +2404,7 @@
     </p:spTree>
     <p:extLst>
       <p:ext uri="{BB962C8B-B14F-4D97-AF65-F5344CB8AC3E}">
-        <p14:creationId xmlns:p14="http://schemas.microsoft.com/office/powerpoint/2010/main" xmlns="" val="4159724230"/>
+        <p14:creationId xmlns="" xmlns:p14="http://schemas.microsoft.com/office/powerpoint/2010/main" val="4159724230"/>
       </p:ext>
     </p:extLst>
   </p:cSld>
@@ -2501,7 +2501,7 @@
     </p:spTree>
     <p:extLst>
       <p:ext uri="{BB962C8B-B14F-4D97-AF65-F5344CB8AC3E}">
-        <p14:creationId xmlns:p14="http://schemas.microsoft.com/office/powerpoint/2010/main" xmlns="" val="1793928710"/>
+        <p14:creationId xmlns="" xmlns:p14="http://schemas.microsoft.com/office/powerpoint/2010/main" val="1793928710"/>
       </p:ext>
     </p:extLst>
   </p:cSld>
@@ -2778,7 +2778,7 @@
     </p:spTree>
     <p:extLst>
       <p:ext uri="{BB962C8B-B14F-4D97-AF65-F5344CB8AC3E}">
-        <p14:creationId xmlns:p14="http://schemas.microsoft.com/office/powerpoint/2010/main" xmlns="" val="2076802089"/>
+        <p14:creationId xmlns="" xmlns:p14="http://schemas.microsoft.com/office/powerpoint/2010/main" val="2076802089"/>
       </p:ext>
     </p:extLst>
   </p:cSld>
@@ -3032,7 +3032,7 @@
     </p:spTree>
     <p:extLst>
       <p:ext uri="{BB962C8B-B14F-4D97-AF65-F5344CB8AC3E}">
-        <p14:creationId xmlns:p14="http://schemas.microsoft.com/office/powerpoint/2010/main" xmlns="" val="201835938"/>
+        <p14:creationId xmlns="" xmlns:p14="http://schemas.microsoft.com/office/powerpoint/2010/main" val="201835938"/>
       </p:ext>
     </p:extLst>
   </p:cSld>
@@ -3281,7 +3281,7 @@
     </p:spTree>
     <p:extLst>
       <p:ext uri="{BB962C8B-B14F-4D97-AF65-F5344CB8AC3E}">
-        <p14:creationId xmlns:p14="http://schemas.microsoft.com/office/powerpoint/2010/main" xmlns="" val="2341400630"/>
+        <p14:creationId xmlns="" xmlns:p14="http://schemas.microsoft.com/office/powerpoint/2010/main" val="2341400630"/>
       </p:ext>
     </p:extLst>
   </p:cSld>
@@ -3620,7 +3620,7 @@
     </p:spTree>
     <p:extLst>
       <p:ext uri="{BB962C8B-B14F-4D97-AF65-F5344CB8AC3E}">
-        <p14:creationId xmlns:p14="http://schemas.microsoft.com/office/powerpoint/2010/main" xmlns="" val="2960930635"/>
+        <p14:creationId xmlns="" xmlns:p14="http://schemas.microsoft.com/office/powerpoint/2010/main" val="2960930635"/>
       </p:ext>
     </p:extLst>
   </p:cSld>
@@ -5042,7 +5042,7 @@
     </p:spTree>
     <p:extLst>
       <p:ext uri="{BB962C8B-B14F-4D97-AF65-F5344CB8AC3E}">
-        <p14:creationId xmlns:p14="http://schemas.microsoft.com/office/powerpoint/2010/main" xmlns="" val="1478832369"/>
+        <p14:creationId xmlns="" xmlns:p14="http://schemas.microsoft.com/office/powerpoint/2010/main" val="1478832369"/>
       </p:ext>
     </p:extLst>
   </p:cSld>
@@ -8514,7 +8514,7 @@
     </p:spTree>
     <p:extLst>
       <p:ext uri="{BB962C8B-B14F-4D97-AF65-F5344CB8AC3E}">
-        <p14:creationId xmlns:p14="http://schemas.microsoft.com/office/powerpoint/2010/main" xmlns="" val="1981432603"/>
+        <p14:creationId xmlns="" xmlns:p14="http://schemas.microsoft.com/office/powerpoint/2010/main" val="1981432603"/>
       </p:ext>
     </p:extLst>
   </p:cSld>
@@ -11137,7 +11137,7 @@
     </p:spTree>
     <p:extLst>
       <p:ext uri="{BB962C8B-B14F-4D97-AF65-F5344CB8AC3E}">
-        <p14:creationId xmlns:p14="http://schemas.microsoft.com/office/powerpoint/2010/main" xmlns="" val="1434580780"/>
+        <p14:creationId xmlns="" xmlns:p14="http://schemas.microsoft.com/office/powerpoint/2010/main" val="1434580780"/>
       </p:ext>
     </p:extLst>
   </p:cSld>
@@ -13324,7 +13324,7 @@
     </p:spTree>
     <p:extLst>
       <p:ext uri="{BB962C8B-B14F-4D97-AF65-F5344CB8AC3E}">
-        <p14:creationId xmlns:p14="http://schemas.microsoft.com/office/powerpoint/2010/main" xmlns="" val="4023378879"/>
+        <p14:creationId xmlns="" xmlns:p14="http://schemas.microsoft.com/office/powerpoint/2010/main" val="4023378879"/>
       </p:ext>
     </p:extLst>
   </p:cSld>
@@ -15120,7 +15120,7 @@
     </p:spTree>
     <p:extLst>
       <p:ext uri="{BB962C8B-B14F-4D97-AF65-F5344CB8AC3E}">
-        <p14:creationId xmlns:p14="http://schemas.microsoft.com/office/powerpoint/2010/main" xmlns="" val="363914971"/>
+        <p14:creationId xmlns="" xmlns:p14="http://schemas.microsoft.com/office/powerpoint/2010/main" val="363914971"/>
       </p:ext>
     </p:extLst>
   </p:cSld>
@@ -17643,7 +17643,7 @@
     </p:spTree>
     <p:extLst>
       <p:ext uri="{BB962C8B-B14F-4D97-AF65-F5344CB8AC3E}">
-        <p14:creationId xmlns:p14="http://schemas.microsoft.com/office/powerpoint/2010/main" xmlns="" val="2776882492"/>
+        <p14:creationId xmlns="" xmlns:p14="http://schemas.microsoft.com/office/powerpoint/2010/main" val="2776882492"/>
       </p:ext>
     </p:extLst>
   </p:cSld>
@@ -20257,7 +20257,7 @@
     </p:spTree>
     <p:extLst>
       <p:ext uri="{BB962C8B-B14F-4D97-AF65-F5344CB8AC3E}">
-        <p14:creationId xmlns:p14="http://schemas.microsoft.com/office/powerpoint/2010/main" xmlns="" val="599777654"/>
+        <p14:creationId xmlns="" xmlns:p14="http://schemas.microsoft.com/office/powerpoint/2010/main" val="599777654"/>
       </p:ext>
     </p:extLst>
   </p:cSld>
@@ -22154,7 +22154,7 @@
     </p:spTree>
     <p:extLst>
       <p:ext uri="{BB962C8B-B14F-4D97-AF65-F5344CB8AC3E}">
-        <p14:creationId xmlns:p14="http://schemas.microsoft.com/office/powerpoint/2010/main" xmlns="" val="3945898909"/>
+        <p14:creationId xmlns="" xmlns:p14="http://schemas.microsoft.com/office/powerpoint/2010/main" val="3945898909"/>
       </p:ext>
     </p:extLst>
   </p:cSld>
@@ -24427,7 +24427,7 @@
         </p:nvSpPr>
         <p:spPr>
           <a:xfrm>
-            <a:off x="6400800" y="5562600"/>
+            <a:off x="6400800" y="5715000"/>
             <a:ext cx="708186" cy="346760"/>
           </a:xfrm>
           <a:prstGeom prst="rect">
@@ -24480,14 +24480,14 @@
           <p:cNvPr id="177" name="Straight Arrow Connector 176"/>
           <p:cNvCxnSpPr>
             <a:stCxn id="176" idx="0"/>
-            <a:endCxn id="90" idx="2"/>
+            <a:endCxn id="61" idx="3"/>
           </p:cNvCxnSpPr>
           <p:nvPr/>
         </p:nvCxnSpPr>
         <p:spPr>
           <a:xfrm flipV="1">
-            <a:off x="6754893" y="5147360"/>
-            <a:ext cx="0" cy="415240"/>
+            <a:off x="6754893" y="5357123"/>
+            <a:ext cx="9759" cy="357877"/>
           </a:xfrm>
           <a:prstGeom prst="straightConnector1">
             <a:avLst/>
@@ -24498,7 +24498,7 @@
             </a:solidFill>
             <a:prstDash val="solid"/>
             <a:headEnd type="none" w="med" len="med"/>
-            <a:tailEnd type="arrow" w="med" len="med"/>
+            <a:tailEnd type="none" w="med" len="med"/>
           </a:ln>
           <a:effectLst/>
         </p:spPr>
@@ -24564,13 +24564,14 @@
           <p:cNvPr id="230" name="Elbow Connector 229"/>
           <p:cNvCxnSpPr>
             <a:stCxn id="90" idx="1"/>
+            <a:endCxn id="60" idx="3"/>
           </p:cNvCxnSpPr>
           <p:nvPr/>
         </p:nvCxnSpPr>
         <p:spPr>
           <a:xfrm rot="10800000">
-            <a:off x="6172200" y="3886200"/>
-            <a:ext cx="228600" cy="1087780"/>
+            <a:off x="6231252" y="4061724"/>
+            <a:ext cx="169548" cy="912257"/>
           </a:xfrm>
           <a:prstGeom prst="bentConnector2">
             <a:avLst/>
@@ -24580,7 +24581,7 @@
               <a:srgbClr val="7030A0"/>
             </a:solidFill>
             <a:headEnd type="none" w="med" len="med"/>
-            <a:tailEnd type="arrow" w="med" len="med"/>
+            <a:tailEnd type="none" w="med" len="med"/>
           </a:ln>
           <a:effectLst/>
         </p:spPr>
@@ -24604,13 +24605,14 @@
           <p:cNvPr id="233" name="Elbow Connector 229"/>
           <p:cNvCxnSpPr>
             <a:stCxn id="91" idx="1"/>
+            <a:endCxn id="60" idx="3"/>
           </p:cNvCxnSpPr>
           <p:nvPr/>
         </p:nvCxnSpPr>
         <p:spPr>
           <a:xfrm rot="10800000">
-            <a:off x="6172200" y="3886200"/>
-            <a:ext cx="228600" cy="630580"/>
+            <a:off x="6231252" y="4061724"/>
+            <a:ext cx="169548" cy="455057"/>
           </a:xfrm>
           <a:prstGeom prst="bentConnector2">
             <a:avLst/>
@@ -24620,7 +24622,7 @@
               <a:srgbClr val="7030A0"/>
             </a:solidFill>
             <a:headEnd type="none" w="med" len="med"/>
-            <a:tailEnd type="arrow" w="med" len="med"/>
+            <a:tailEnd type="none" w="med" len="med"/>
           </a:ln>
           <a:effectLst/>
         </p:spPr>
@@ -24955,10 +24957,106 @@
           </a:fontRef>
         </p:style>
       </p:cxnSp>
+      <p:sp>
+        <p:nvSpPr>
+          <p:cNvPr id="60" name="Isosceles Triangle 102"/>
+          <p:cNvSpPr/>
+          <p:nvPr/>
+        </p:nvSpPr>
+        <p:spPr>
+          <a:xfrm rot="10800000" flipV="1">
+            <a:off x="6096000" y="3886200"/>
+            <a:ext cx="270504" cy="175523"/>
+          </a:xfrm>
+          <a:prstGeom prst="triangle">
+            <a:avLst/>
+          </a:prstGeom>
+          <a:ln w="19050">
+            <a:solidFill>
+              <a:srgbClr val="7030A0"/>
+            </a:solidFill>
+          </a:ln>
+          <a:effectLst/>
+        </p:spPr>
+        <p:style>
+          <a:lnRef idx="1">
+            <a:schemeClr val="accent4"/>
+          </a:lnRef>
+          <a:fillRef idx="2">
+            <a:schemeClr val="accent4"/>
+          </a:fillRef>
+          <a:effectRef idx="1">
+            <a:schemeClr val="accent4"/>
+          </a:effectRef>
+          <a:fontRef idx="minor">
+            <a:schemeClr val="dk1"/>
+          </a:fontRef>
+        </p:style>
+        <p:txBody>
+          <a:bodyPr rtlCol="0" anchor="ctr"/>
+          <a:lstStyle/>
+          <a:p>
+            <a:pPr algn="ctr"/>
+            <a:endParaRPr lang="en-SG" sz="1050" b="1">
+              <a:solidFill>
+                <a:srgbClr val="92D050"/>
+              </a:solidFill>
+            </a:endParaRPr>
+          </a:p>
+        </p:txBody>
+      </p:sp>
+      <p:sp>
+        <p:nvSpPr>
+          <p:cNvPr id="61" name="Isosceles Triangle 102"/>
+          <p:cNvSpPr/>
+          <p:nvPr/>
+        </p:nvSpPr>
+        <p:spPr>
+          <a:xfrm rot="10800000" flipV="1">
+            <a:off x="6629400" y="5181600"/>
+            <a:ext cx="270504" cy="175523"/>
+          </a:xfrm>
+          <a:prstGeom prst="triangle">
+            <a:avLst/>
+          </a:prstGeom>
+          <a:ln w="19050">
+            <a:solidFill>
+              <a:srgbClr val="7030A0"/>
+            </a:solidFill>
+          </a:ln>
+          <a:effectLst/>
+        </p:spPr>
+        <p:style>
+          <a:lnRef idx="1">
+            <a:schemeClr val="accent4"/>
+          </a:lnRef>
+          <a:fillRef idx="2">
+            <a:schemeClr val="accent4"/>
+          </a:fillRef>
+          <a:effectRef idx="1">
+            <a:schemeClr val="accent4"/>
+          </a:effectRef>
+          <a:fontRef idx="minor">
+            <a:schemeClr val="dk1"/>
+          </a:fontRef>
+        </p:style>
+        <p:txBody>
+          <a:bodyPr rtlCol="0" anchor="ctr"/>
+          <a:lstStyle/>
+          <a:p>
+            <a:pPr algn="ctr"/>
+            <a:endParaRPr lang="en-SG" sz="1050" b="1">
+              <a:solidFill>
+                <a:srgbClr val="92D050"/>
+              </a:solidFill>
+            </a:endParaRPr>
+          </a:p>
+        </p:txBody>
+      </p:sp>
     </p:spTree>
     <p:extLst>
       <p:ext uri="{BB962C8B-B14F-4D97-AF65-F5344CB8AC3E}">
-        <p14:creationId xmlns:p14="http://schemas.microsoft.com/office/powerpoint/2010/main" xmlns="" val="2396968029"/>
+        <p14:creationId xmlns="" xmlns:p14="http://schemas.microsoft.com/office/powerpoint/2010/main" val="2396968029"/>
       </p:ext>
     </p:extLst>
   </p:cSld>

--- a/docs/diagrams/Diagrams.pptx
+++ b/docs/diagrams/Diagrams.pptx
@@ -121,7 +121,7 @@
   </p:defaultTextStyle>
   <p:extLst>
     <p:ext uri="{EFAFB233-063F-42B5-8137-9DF3F51BA10A}">
-      <p15:sldGuideLst xmlns="" xmlns:p15="http://schemas.microsoft.com/office/powerpoint/2012/main">
+      <p15:sldGuideLst xmlns:p15="http://schemas.microsoft.com/office/powerpoint/2012/main">
         <p15:guide id="1" orient="horz" pos="1488">
           <p15:clr>
             <a:srgbClr val="A4A3A4"/>
@@ -389,7 +389,7 @@
     </p:spTree>
     <p:extLst>
       <p:ext uri="{BB962C8B-B14F-4D97-AF65-F5344CB8AC3E}">
-        <p14:creationId xmlns="" xmlns:p14="http://schemas.microsoft.com/office/powerpoint/2010/main" val="2023976206"/>
+        <p14:creationId xmlns:p14="http://schemas.microsoft.com/office/powerpoint/2010/main" val="2023976206"/>
       </p:ext>
     </p:extLst>
   </p:cSld>
@@ -568,7 +568,7 @@
     </p:spTree>
     <p:extLst>
       <p:ext uri="{BB962C8B-B14F-4D97-AF65-F5344CB8AC3E}">
-        <p14:creationId xmlns="" xmlns:p14="http://schemas.microsoft.com/office/powerpoint/2010/main" val="1791593621"/>
+        <p14:creationId xmlns:p14="http://schemas.microsoft.com/office/powerpoint/2010/main" val="1791593621"/>
       </p:ext>
     </p:extLst>
   </p:cSld>
@@ -810,7 +810,7 @@
     </p:spTree>
     <p:extLst>
       <p:ext uri="{BB962C8B-B14F-4D97-AF65-F5344CB8AC3E}">
-        <p14:creationId xmlns="" xmlns:p14="http://schemas.microsoft.com/office/powerpoint/2010/main" val="3246593157"/>
+        <p14:creationId xmlns:p14="http://schemas.microsoft.com/office/powerpoint/2010/main" val="3246593157"/>
       </p:ext>
     </p:extLst>
   </p:cSld>
@@ -980,7 +980,7 @@
     </p:spTree>
     <p:extLst>
       <p:ext uri="{BB962C8B-B14F-4D97-AF65-F5344CB8AC3E}">
-        <p14:creationId xmlns="" xmlns:p14="http://schemas.microsoft.com/office/powerpoint/2010/main" val="2707025021"/>
+        <p14:creationId xmlns:p14="http://schemas.microsoft.com/office/powerpoint/2010/main" val="2707025021"/>
       </p:ext>
     </p:extLst>
   </p:cSld>
@@ -1160,7 +1160,7 @@
     </p:spTree>
     <p:extLst>
       <p:ext uri="{BB962C8B-B14F-4D97-AF65-F5344CB8AC3E}">
-        <p14:creationId xmlns="" xmlns:p14="http://schemas.microsoft.com/office/powerpoint/2010/main" val="568378986"/>
+        <p14:creationId xmlns:p14="http://schemas.microsoft.com/office/powerpoint/2010/main" val="568378986"/>
       </p:ext>
     </p:extLst>
   </p:cSld>
@@ -1330,7 +1330,7 @@
     </p:spTree>
     <p:extLst>
       <p:ext uri="{BB962C8B-B14F-4D97-AF65-F5344CB8AC3E}">
-        <p14:creationId xmlns="" xmlns:p14="http://schemas.microsoft.com/office/powerpoint/2010/main" val="266658052"/>
+        <p14:creationId xmlns:p14="http://schemas.microsoft.com/office/powerpoint/2010/main" val="266658052"/>
       </p:ext>
     </p:extLst>
   </p:cSld>
@@ -1577,7 +1577,7 @@
     </p:spTree>
     <p:extLst>
       <p:ext uri="{BB962C8B-B14F-4D97-AF65-F5344CB8AC3E}">
-        <p14:creationId xmlns="" xmlns:p14="http://schemas.microsoft.com/office/powerpoint/2010/main" val="474686344"/>
+        <p14:creationId xmlns:p14="http://schemas.microsoft.com/office/powerpoint/2010/main" val="474686344"/>
       </p:ext>
     </p:extLst>
   </p:cSld>
@@ -1864,7 +1864,7 @@
     </p:spTree>
     <p:extLst>
       <p:ext uri="{BB962C8B-B14F-4D97-AF65-F5344CB8AC3E}">
-        <p14:creationId xmlns="" xmlns:p14="http://schemas.microsoft.com/office/powerpoint/2010/main" val="562293251"/>
+        <p14:creationId xmlns:p14="http://schemas.microsoft.com/office/powerpoint/2010/main" val="562293251"/>
       </p:ext>
     </p:extLst>
   </p:cSld>
@@ -2285,7 +2285,7 @@
     </p:spTree>
     <p:extLst>
       <p:ext uri="{BB962C8B-B14F-4D97-AF65-F5344CB8AC3E}">
-        <p14:creationId xmlns="" xmlns:p14="http://schemas.microsoft.com/office/powerpoint/2010/main" val="1126424250"/>
+        <p14:creationId xmlns:p14="http://schemas.microsoft.com/office/powerpoint/2010/main" val="1126424250"/>
       </p:ext>
     </p:extLst>
   </p:cSld>
@@ -2404,7 +2404,7 @@
     </p:spTree>
     <p:extLst>
       <p:ext uri="{BB962C8B-B14F-4D97-AF65-F5344CB8AC3E}">
-        <p14:creationId xmlns="" xmlns:p14="http://schemas.microsoft.com/office/powerpoint/2010/main" val="4159724230"/>
+        <p14:creationId xmlns:p14="http://schemas.microsoft.com/office/powerpoint/2010/main" val="4159724230"/>
       </p:ext>
     </p:extLst>
   </p:cSld>
@@ -2501,7 +2501,7 @@
     </p:spTree>
     <p:extLst>
       <p:ext uri="{BB962C8B-B14F-4D97-AF65-F5344CB8AC3E}">
-        <p14:creationId xmlns="" xmlns:p14="http://schemas.microsoft.com/office/powerpoint/2010/main" val="1793928710"/>
+        <p14:creationId xmlns:p14="http://schemas.microsoft.com/office/powerpoint/2010/main" val="1793928710"/>
       </p:ext>
     </p:extLst>
   </p:cSld>
@@ -2778,7 +2778,7 @@
     </p:spTree>
     <p:extLst>
       <p:ext uri="{BB962C8B-B14F-4D97-AF65-F5344CB8AC3E}">
-        <p14:creationId xmlns="" xmlns:p14="http://schemas.microsoft.com/office/powerpoint/2010/main" val="2076802089"/>
+        <p14:creationId xmlns:p14="http://schemas.microsoft.com/office/powerpoint/2010/main" val="2076802089"/>
       </p:ext>
     </p:extLst>
   </p:cSld>
@@ -3032,7 +3032,7 @@
     </p:spTree>
     <p:extLst>
       <p:ext uri="{BB962C8B-B14F-4D97-AF65-F5344CB8AC3E}">
-        <p14:creationId xmlns="" xmlns:p14="http://schemas.microsoft.com/office/powerpoint/2010/main" val="201835938"/>
+        <p14:creationId xmlns:p14="http://schemas.microsoft.com/office/powerpoint/2010/main" val="201835938"/>
       </p:ext>
     </p:extLst>
   </p:cSld>
@@ -3281,7 +3281,7 @@
     </p:spTree>
     <p:extLst>
       <p:ext uri="{BB962C8B-B14F-4D97-AF65-F5344CB8AC3E}">
-        <p14:creationId xmlns="" xmlns:p14="http://schemas.microsoft.com/office/powerpoint/2010/main" val="2341400630"/>
+        <p14:creationId xmlns:p14="http://schemas.microsoft.com/office/powerpoint/2010/main" val="2341400630"/>
       </p:ext>
     </p:extLst>
   </p:cSld>
@@ -3620,7 +3620,7 @@
     </p:spTree>
     <p:extLst>
       <p:ext uri="{BB962C8B-B14F-4D97-AF65-F5344CB8AC3E}">
-        <p14:creationId xmlns="" xmlns:p14="http://schemas.microsoft.com/office/powerpoint/2010/main" val="2960930635"/>
+        <p14:creationId xmlns:p14="http://schemas.microsoft.com/office/powerpoint/2010/main" val="2960930635"/>
       </p:ext>
     </p:extLst>
   </p:cSld>
@@ -5042,7 +5042,7 @@
     </p:spTree>
     <p:extLst>
       <p:ext uri="{BB962C8B-B14F-4D97-AF65-F5344CB8AC3E}">
-        <p14:creationId xmlns="" xmlns:p14="http://schemas.microsoft.com/office/powerpoint/2010/main" val="1478832369"/>
+        <p14:creationId xmlns:p14="http://schemas.microsoft.com/office/powerpoint/2010/main" val="1478832369"/>
       </p:ext>
     </p:extLst>
   </p:cSld>
@@ -5776,6 +5776,13 @@
   <p:clrMapOvr>
     <a:masterClrMapping/>
   </p:clrMapOvr>
+  <p:timing>
+    <p:tnLst>
+      <p:par>
+        <p:cTn id="1" dur="indefinite" restart="never" nodeType="tmRoot"/>
+      </p:par>
+    </p:tnLst>
+  </p:timing>
 </p:sld>
 </file>
 
@@ -5935,7 +5942,7 @@
         </p:nvSpPr>
         <p:spPr>
           <a:xfrm>
-            <a:off x="1676400" y="3581400"/>
+            <a:off x="1801965" y="3581400"/>
             <a:ext cx="1093635" cy="346760"/>
           </a:xfrm>
           <a:prstGeom prst="rect">
@@ -6103,8 +6110,8 @@
         </p:nvCxnSpPr>
         <p:spPr>
           <a:xfrm flipH="1">
-            <a:off x="2223218" y="3297580"/>
-            <a:ext cx="333206" cy="283820"/>
+            <a:off x="2348783" y="3276600"/>
+            <a:ext cx="47793" cy="304800"/>
           </a:xfrm>
           <a:prstGeom prst="straightConnector1">
             <a:avLst/>
@@ -6141,7 +6148,7 @@
         </p:nvSpPr>
         <p:spPr>
           <a:xfrm>
-            <a:off x="2438400" y="3124200"/>
+            <a:off x="2278552" y="3103220"/>
             <a:ext cx="236048" cy="173380"/>
           </a:xfrm>
           <a:prstGeom prst="flowChartDecision">
@@ -6186,7 +6193,7 @@
         </p:nvSpPr>
         <p:spPr>
           <a:xfrm>
-            <a:off x="2895600" y="3581400"/>
+            <a:off x="3021165" y="3581400"/>
             <a:ext cx="1093635" cy="346760"/>
           </a:xfrm>
           <a:prstGeom prst="rect">
@@ -6245,8 +6252,8 @@
         </p:nvCxnSpPr>
         <p:spPr>
           <a:xfrm>
-            <a:off x="3242224" y="3297580"/>
-            <a:ext cx="200194" cy="283820"/>
+            <a:off x="3394624" y="3276600"/>
+            <a:ext cx="173359" cy="304800"/>
           </a:xfrm>
           <a:prstGeom prst="straightConnector1">
             <a:avLst/>
@@ -6283,7 +6290,7 @@
         </p:nvSpPr>
         <p:spPr>
           <a:xfrm>
-            <a:off x="3124200" y="3124200"/>
+            <a:off x="3276600" y="3103220"/>
             <a:ext cx="236048" cy="173380"/>
           </a:xfrm>
           <a:prstGeom prst="flowChartDecision">
@@ -6367,6 +6374,13 @@
   <p:clrMapOvr>
     <a:masterClrMapping/>
   </p:clrMapOvr>
+  <p:timing>
+    <p:tnLst>
+      <p:par>
+        <p:cTn id="1" dur="indefinite" restart="never" nodeType="tmRoot"/>
+      </p:par>
+    </p:tnLst>
+  </p:timing>
 </p:sld>
 </file>
 
@@ -7266,6 +7280,13 @@
   <p:clrMapOvr>
     <a:masterClrMapping/>
   </p:clrMapOvr>
+  <p:timing>
+    <p:tnLst>
+      <p:par>
+        <p:cTn id="1" dur="indefinite" restart="never" nodeType="tmRoot"/>
+      </p:par>
+    </p:tnLst>
+  </p:timing>
 </p:sld>
 </file>
 
@@ -8514,7 +8535,7 @@
     </p:spTree>
     <p:extLst>
       <p:ext uri="{BB962C8B-B14F-4D97-AF65-F5344CB8AC3E}">
-        <p14:creationId xmlns="" xmlns:p14="http://schemas.microsoft.com/office/powerpoint/2010/main" val="1981432603"/>
+        <p14:creationId xmlns:p14="http://schemas.microsoft.com/office/powerpoint/2010/main" val="1981432603"/>
       </p:ext>
     </p:extLst>
   </p:cSld>
@@ -11137,7 +11158,7 @@
     </p:spTree>
     <p:extLst>
       <p:ext uri="{BB962C8B-B14F-4D97-AF65-F5344CB8AC3E}">
-        <p14:creationId xmlns="" xmlns:p14="http://schemas.microsoft.com/office/powerpoint/2010/main" val="1434580780"/>
+        <p14:creationId xmlns:p14="http://schemas.microsoft.com/office/powerpoint/2010/main" val="1434580780"/>
       </p:ext>
     </p:extLst>
   </p:cSld>
@@ -13324,7 +13345,7 @@
     </p:spTree>
     <p:extLst>
       <p:ext uri="{BB962C8B-B14F-4D97-AF65-F5344CB8AC3E}">
-        <p14:creationId xmlns="" xmlns:p14="http://schemas.microsoft.com/office/powerpoint/2010/main" val="4023378879"/>
+        <p14:creationId xmlns:p14="http://schemas.microsoft.com/office/powerpoint/2010/main" val="4023378879"/>
       </p:ext>
     </p:extLst>
   </p:cSld>
@@ -15120,7 +15141,7 @@
     </p:spTree>
     <p:extLst>
       <p:ext uri="{BB962C8B-B14F-4D97-AF65-F5344CB8AC3E}">
-        <p14:creationId xmlns="" xmlns:p14="http://schemas.microsoft.com/office/powerpoint/2010/main" val="363914971"/>
+        <p14:creationId xmlns:p14="http://schemas.microsoft.com/office/powerpoint/2010/main" val="363914971"/>
       </p:ext>
     </p:extLst>
   </p:cSld>
@@ -17643,7 +17664,7 @@
     </p:spTree>
     <p:extLst>
       <p:ext uri="{BB962C8B-B14F-4D97-AF65-F5344CB8AC3E}">
-        <p14:creationId xmlns="" xmlns:p14="http://schemas.microsoft.com/office/powerpoint/2010/main" val="2776882492"/>
+        <p14:creationId xmlns:p14="http://schemas.microsoft.com/office/powerpoint/2010/main" val="2776882492"/>
       </p:ext>
     </p:extLst>
   </p:cSld>
@@ -20257,7 +20278,7 @@
     </p:spTree>
     <p:extLst>
       <p:ext uri="{BB962C8B-B14F-4D97-AF65-F5344CB8AC3E}">
-        <p14:creationId xmlns="" xmlns:p14="http://schemas.microsoft.com/office/powerpoint/2010/main" val="599777654"/>
+        <p14:creationId xmlns:p14="http://schemas.microsoft.com/office/powerpoint/2010/main" val="599777654"/>
       </p:ext>
     </p:extLst>
   </p:cSld>
@@ -22154,7 +22175,7 @@
     </p:spTree>
     <p:extLst>
       <p:ext uri="{BB962C8B-B14F-4D97-AF65-F5344CB8AC3E}">
-        <p14:creationId xmlns="" xmlns:p14="http://schemas.microsoft.com/office/powerpoint/2010/main" val="3945898909"/>
+        <p14:creationId xmlns:p14="http://schemas.microsoft.com/office/powerpoint/2010/main" val="3945898909"/>
       </p:ext>
     </p:extLst>
   </p:cSld>
@@ -25056,7 +25077,7 @@
     </p:spTree>
     <p:extLst>
       <p:ext uri="{BB962C8B-B14F-4D97-AF65-F5344CB8AC3E}">
-        <p14:creationId xmlns="" xmlns:p14="http://schemas.microsoft.com/office/powerpoint/2010/main" val="2396968029"/>
+        <p14:creationId xmlns:p14="http://schemas.microsoft.com/office/powerpoint/2010/main" val="2396968029"/>
       </p:ext>
     </p:extLst>
   </p:cSld>
